--- a/simdjs-presentation.pptx
+++ b/simdjs-presentation.pptx
@@ -7,6 +7,12 @@
   <p:sldIdLst>
     <p:sldId id="256" r:id="rId2"/>
     <p:sldId id="257" r:id="rId3"/>
+    <p:sldId id="258" r:id="rId4"/>
+    <p:sldId id="259" r:id="rId5"/>
+    <p:sldId id="260" r:id="rId6"/>
+    <p:sldId id="261" r:id="rId7"/>
+    <p:sldId id="262" r:id="rId8"/>
+    <p:sldId id="263" r:id="rId9"/>
   </p:sldIdLst>
   <p:sldSz cx="12192000" cy="6858000"/>
   <p:notesSz cx="6858000" cy="9144000"/>
@@ -105,6 +111,11 @@
       </a:defRPr>
     </a:lvl9pPr>
   </p:defaultTextStyle>
+  <p:extLst>
+    <p:ext uri="{EFAFB233-063F-42B5-8137-9DF3F51BA10A}">
+      <p15:sldGuideLst xmlns:p15="http://schemas.microsoft.com/office/powerpoint/2012/main"/>
+    </p:ext>
+  </p:extLst>
 </p:presentation>
 </file>
 
@@ -341,7 +352,7 @@
           <a:noFill/>
           <a:extLst>
             <a:ext uri="{909E8E84-426E-40dd-AFC4-6F175D3DCCD1}">
-              <a14:hiddenFill xmlns:a14="http://schemas.microsoft.com/office/drawing/2010/main" xmlns="">
+              <a14:hiddenFill xmlns="" xmlns:a14="http://schemas.microsoft.com/office/drawing/2010/main">
                 <a:solidFill>
                   <a:srgbClr val="FFFFFF"/>
                 </a:solidFill>
@@ -382,7 +393,7 @@
           <a:noFill/>
           <a:extLst>
             <a:ext uri="{909E8E84-426E-40dd-AFC4-6F175D3DCCD1}">
-              <a14:hiddenFill xmlns:a14="http://schemas.microsoft.com/office/drawing/2010/main" xmlns="">
+              <a14:hiddenFill xmlns="" xmlns:a14="http://schemas.microsoft.com/office/drawing/2010/main">
                 <a:solidFill>
                   <a:srgbClr val="FFFFFF"/>
                 </a:solidFill>
@@ -705,7 +716,7 @@
           <a:noFill/>
           <a:extLst>
             <a:ext uri="{909E8E84-426E-40dd-AFC4-6F175D3DCCD1}">
-              <a14:hiddenFill xmlns:a14="http://schemas.microsoft.com/office/drawing/2010/main" xmlns="">
+              <a14:hiddenFill xmlns="" xmlns:a14="http://schemas.microsoft.com/office/drawing/2010/main">
                 <a:solidFill>
                   <a:srgbClr val="FFFFFF"/>
                 </a:solidFill>
@@ -991,7 +1002,7 @@
           <a:noFill/>
           <a:extLst>
             <a:ext uri="{909E8E84-426E-40dd-AFC4-6F175D3DCCD1}">
-              <a14:hiddenFill xmlns:a14="http://schemas.microsoft.com/office/drawing/2010/main" xmlns="">
+              <a14:hiddenFill xmlns="" xmlns:a14="http://schemas.microsoft.com/office/drawing/2010/main">
                 <a:solidFill>
                   <a:srgbClr val="FFFFFF"/>
                 </a:solidFill>
@@ -1600,7 +1611,7 @@
           <a:noFill/>
           <a:extLst>
             <a:ext uri="{909E8E84-426E-40dd-AFC4-6F175D3DCCD1}">
-              <a14:hiddenFill xmlns:a14="http://schemas.microsoft.com/office/drawing/2010/main" xmlns="">
+              <a14:hiddenFill xmlns="" xmlns:a14="http://schemas.microsoft.com/office/drawing/2010/main">
                 <a:solidFill>
                   <a:srgbClr val="FFFFFF"/>
                 </a:solidFill>
@@ -2538,7 +2549,7 @@
           <a:noFill/>
           <a:extLst>
             <a:ext uri="{909E8E84-426E-40dd-AFC4-6F175D3DCCD1}">
-              <a14:hiddenFill xmlns:a14="http://schemas.microsoft.com/office/drawing/2010/main" xmlns="">
+              <a14:hiddenFill xmlns="" xmlns:a14="http://schemas.microsoft.com/office/drawing/2010/main">
                 <a:solidFill>
                   <a:srgbClr val="FFFFFF"/>
                 </a:solidFill>
@@ -4632,7 +4643,7 @@
           <a:noFill/>
           <a:extLst>
             <a:ext uri="{909E8E84-426E-40dd-AFC4-6F175D3DCCD1}">
-              <a14:hiddenFill xmlns:a14="http://schemas.microsoft.com/office/drawing/2010/main" xmlns="">
+              <a14:hiddenFill xmlns="" xmlns:a14="http://schemas.microsoft.com/office/drawing/2010/main">
                 <a:solidFill>
                   <a:srgbClr val="FFFFFF"/>
                 </a:solidFill>
@@ -5404,10 +5415,9 @@
               <a:buChar char="•"/>
             </a:pPr>
             <a:r>
-              <a:rPr lang="en-US" smtClean="0"/>
+              <a:rPr lang="en-US" dirty="0" smtClean="0"/>
               <a:t>Background/History</a:t>
             </a:r>
-            <a:endParaRPr lang="en-US" dirty="0" smtClean="0"/>
           </a:p>
           <a:p>
             <a:pPr marL="342900" indent="-342900">
@@ -5456,6 +5466,825 @@
     <p:extLst>
       <p:ext uri="{BB962C8B-B14F-4D97-AF65-F5344CB8AC3E}">
         <p14:creationId xmlns:p14="http://schemas.microsoft.com/office/powerpoint/2010/main" val="4258955792"/>
+      </p:ext>
+    </p:extLst>
+  </p:cSld>
+  <p:clrMapOvr>
+    <a:masterClrMapping/>
+  </p:clrMapOvr>
+</p:sld>
+</file>
+
+<file path=ppt/slides/slide3.xml><?xml version="1.0" encoding="utf-8"?>
+<p:sld xmlns:a="http://schemas.openxmlformats.org/drawingml/2006/main" xmlns:r="http://schemas.openxmlformats.org/officeDocument/2006/relationships" xmlns:p="http://schemas.openxmlformats.org/presentationml/2006/main">
+  <p:cSld>
+    <p:spTree>
+      <p:nvGrpSpPr>
+        <p:cNvPr id="1" name=""/>
+        <p:cNvGrpSpPr/>
+        <p:nvPr/>
+      </p:nvGrpSpPr>
+      <p:grpSpPr>
+        <a:xfrm>
+          <a:off x="0" y="0"/>
+          <a:ext cx="0" cy="0"/>
+          <a:chOff x="0" y="0"/>
+          <a:chExt cx="0" cy="0"/>
+        </a:xfrm>
+      </p:grpSpPr>
+      <p:sp>
+        <p:nvSpPr>
+          <p:cNvPr id="2" name="Title 1"/>
+          <p:cNvSpPr>
+            <a:spLocks noGrp="1"/>
+          </p:cNvSpPr>
+          <p:nvPr>
+            <p:ph type="title"/>
+          </p:nvPr>
+        </p:nvSpPr>
+        <p:spPr/>
+        <p:txBody>
+          <a:bodyPr/>
+          <a:lstStyle/>
+          <a:p>
+            <a:r>
+              <a:rPr lang="en-US" dirty="0" smtClean="0"/>
+              <a:t>SIMD: Single Instruction, Multiple Data</a:t>
+            </a:r>
+            <a:endParaRPr lang="en-US" dirty="0"/>
+          </a:p>
+        </p:txBody>
+      </p:sp>
+      <p:pic>
+        <p:nvPicPr>
+          <p:cNvPr id="4" name="Picture 3"/>
+          <p:cNvPicPr>
+            <a:picLocks noChangeAspect="1"/>
+          </p:cNvPicPr>
+          <p:nvPr/>
+        </p:nvPicPr>
+        <p:blipFill>
+          <a:blip r:embed="rId2">
+            <a:extLst>
+              <a:ext uri="{28A0092B-C50C-407E-A947-70E740481C1C}">
+                <a14:useLocalDpi xmlns:a14="http://schemas.microsoft.com/office/drawing/2010/main" val="0"/>
+              </a:ext>
+            </a:extLst>
+          </a:blip>
+          <a:stretch>
+            <a:fillRect/>
+          </a:stretch>
+        </p:blipFill>
+        <p:spPr>
+          <a:xfrm>
+            <a:off x="1064684" y="1411109"/>
+            <a:ext cx="10058400" cy="4916658"/>
+          </a:xfrm>
+          <a:prstGeom prst="rect">
+            <a:avLst/>
+          </a:prstGeom>
+        </p:spPr>
+      </p:pic>
+    </p:spTree>
+    <p:extLst>
+      <p:ext uri="{BB962C8B-B14F-4D97-AF65-F5344CB8AC3E}">
+        <p14:creationId xmlns:p14="http://schemas.microsoft.com/office/powerpoint/2010/main" val="272886899"/>
+      </p:ext>
+    </p:extLst>
+  </p:cSld>
+  <p:clrMapOvr>
+    <a:masterClrMapping/>
+  </p:clrMapOvr>
+</p:sld>
+</file>
+
+<file path=ppt/slides/slide4.xml><?xml version="1.0" encoding="utf-8"?>
+<p:sld xmlns:a="http://schemas.openxmlformats.org/drawingml/2006/main" xmlns:r="http://schemas.openxmlformats.org/officeDocument/2006/relationships" xmlns:p="http://schemas.openxmlformats.org/presentationml/2006/main">
+  <p:cSld>
+    <p:spTree>
+      <p:nvGrpSpPr>
+        <p:cNvPr id="1" name=""/>
+        <p:cNvGrpSpPr/>
+        <p:nvPr/>
+      </p:nvGrpSpPr>
+      <p:grpSpPr>
+        <a:xfrm>
+          <a:off x="0" y="0"/>
+          <a:ext cx="0" cy="0"/>
+          <a:chOff x="0" y="0"/>
+          <a:chExt cx="0" cy="0"/>
+        </a:xfrm>
+      </p:grpSpPr>
+      <p:sp>
+        <p:nvSpPr>
+          <p:cNvPr id="2" name="Title 1"/>
+          <p:cNvSpPr>
+            <a:spLocks noGrp="1"/>
+          </p:cNvSpPr>
+          <p:nvPr>
+            <p:ph type="title"/>
+          </p:nvPr>
+        </p:nvSpPr>
+        <p:spPr/>
+        <p:txBody>
+          <a:bodyPr/>
+          <a:lstStyle/>
+          <a:p>
+            <a:r>
+              <a:rPr lang="en-US" dirty="0" smtClean="0"/>
+              <a:t>JavaScript’s Popularity and Use on the Rise!</a:t>
+            </a:r>
+            <a:endParaRPr lang="en-US" dirty="0"/>
+          </a:p>
+        </p:txBody>
+      </p:sp>
+      <p:sp>
+        <p:nvSpPr>
+          <p:cNvPr id="3" name="Content Placeholder 2"/>
+          <p:cNvSpPr>
+            <a:spLocks noGrp="1"/>
+          </p:cNvSpPr>
+          <p:nvPr>
+            <p:ph sz="quarter" idx="13"/>
+          </p:nvPr>
+        </p:nvSpPr>
+        <p:spPr>
+          <a:xfrm>
+            <a:off x="607484" y="1604434"/>
+            <a:ext cx="5852693" cy="4567767"/>
+          </a:xfrm>
+        </p:spPr>
+        <p:txBody>
+          <a:bodyPr>
+            <a:normAutofit fontScale="92500" lnSpcReduction="10000"/>
+          </a:bodyPr>
+          <a:lstStyle/>
+          <a:p>
+            <a:pPr marL="342900" indent="-342900">
+              <a:buFont typeface="Arial" panose="020B0604020202020204" pitchFamily="34" charset="0"/>
+              <a:buChar char="•"/>
+            </a:pPr>
+            <a:r>
+              <a:rPr lang="en-US" dirty="0" smtClean="0"/>
+              <a:t>Games (Unreal, Unity) (via Emscripten/asm.js)</a:t>
+            </a:r>
+          </a:p>
+          <a:p>
+            <a:pPr marL="342900" indent="-342900">
+              <a:buFont typeface="Arial" panose="020B0604020202020204" pitchFamily="34" charset="0"/>
+              <a:buChar char="•"/>
+            </a:pPr>
+            <a:r>
+              <a:rPr lang="en-US" dirty="0" smtClean="0"/>
+              <a:t>Hybrid HTML5/JS apps for cross platform apps on mobile devices</a:t>
+            </a:r>
+          </a:p>
+          <a:p>
+            <a:pPr marL="342900" indent="-342900">
+              <a:buFont typeface="Arial" panose="020B0604020202020204" pitchFamily="34" charset="0"/>
+              <a:buChar char="•"/>
+            </a:pPr>
+            <a:r>
+              <a:rPr lang="en-US" dirty="0" smtClean="0"/>
+              <a:t>Pure HTML5/JS apps on </a:t>
+            </a:r>
+            <a:r>
+              <a:rPr lang="en-US" dirty="0" err="1" smtClean="0"/>
+              <a:t>ChromeOS</a:t>
+            </a:r>
+            <a:r>
+              <a:rPr lang="en-US" dirty="0" smtClean="0"/>
+              <a:t>/</a:t>
+            </a:r>
+            <a:r>
+              <a:rPr lang="en-US" dirty="0" err="1" smtClean="0"/>
+              <a:t>FirefoxOS</a:t>
+            </a:r>
+            <a:r>
+              <a:rPr lang="en-US" dirty="0" smtClean="0"/>
+              <a:t>/</a:t>
+            </a:r>
+            <a:r>
+              <a:rPr lang="en-US" dirty="0" err="1" smtClean="0"/>
+              <a:t>Tizen</a:t>
+            </a:r>
+            <a:endParaRPr lang="en-US" dirty="0" smtClean="0"/>
+          </a:p>
+          <a:p>
+            <a:pPr marL="342900" indent="-342900">
+              <a:buFont typeface="Arial" panose="020B0604020202020204" pitchFamily="34" charset="0"/>
+              <a:buChar char="•"/>
+            </a:pPr>
+            <a:r>
+              <a:rPr lang="en-US" dirty="0" smtClean="0"/>
+              <a:t>Standalone desktop JavaScript apps via NW.js (formerly node-</a:t>
+            </a:r>
+            <a:r>
+              <a:rPr lang="en-US" dirty="0" err="1" smtClean="0"/>
+              <a:t>webkit</a:t>
+            </a:r>
+            <a:r>
+              <a:rPr lang="en-US" dirty="0" smtClean="0"/>
+              <a:t>) (Intel XDK)</a:t>
+            </a:r>
+          </a:p>
+          <a:p>
+            <a:pPr marL="342900" indent="-342900">
+              <a:buFont typeface="Arial" panose="020B0604020202020204" pitchFamily="34" charset="0"/>
+              <a:buChar char="•"/>
+            </a:pPr>
+            <a:r>
+              <a:rPr lang="en-US" dirty="0" smtClean="0"/>
+              <a:t>Full featured browser based apps (Google Docs/maps, Office 365, …)</a:t>
+            </a:r>
+          </a:p>
+          <a:p>
+            <a:pPr marL="342900" indent="-342900">
+              <a:buFont typeface="Arial" panose="020B0604020202020204" pitchFamily="34" charset="0"/>
+              <a:buChar char="•"/>
+            </a:pPr>
+            <a:r>
+              <a:rPr lang="en-US" dirty="0" smtClean="0"/>
+              <a:t>Server side logic via node.js/io.js</a:t>
+            </a:r>
+            <a:endParaRPr lang="en-US" dirty="0"/>
+          </a:p>
+        </p:txBody>
+      </p:sp>
+      <p:pic>
+        <p:nvPicPr>
+          <p:cNvPr id="6" name="Picture 5"/>
+          <p:cNvPicPr>
+            <a:picLocks noChangeAspect="1"/>
+          </p:cNvPicPr>
+          <p:nvPr/>
+        </p:nvPicPr>
+        <p:blipFill>
+          <a:blip r:embed="rId2">
+            <a:extLst>
+              <a:ext uri="{28A0092B-C50C-407E-A947-70E740481C1C}">
+                <a14:useLocalDpi xmlns:a14="http://schemas.microsoft.com/office/drawing/2010/main" val="0"/>
+              </a:ext>
+            </a:extLst>
+          </a:blip>
+          <a:stretch>
+            <a:fillRect/>
+          </a:stretch>
+        </p:blipFill>
+        <p:spPr>
+          <a:xfrm>
+            <a:off x="6795103" y="1249879"/>
+            <a:ext cx="5132903" cy="4922322"/>
+          </a:xfrm>
+          <a:prstGeom prst="rect">
+            <a:avLst/>
+          </a:prstGeom>
+        </p:spPr>
+      </p:pic>
+    </p:spTree>
+    <p:extLst>
+      <p:ext uri="{BB962C8B-B14F-4D97-AF65-F5344CB8AC3E}">
+        <p14:creationId xmlns:p14="http://schemas.microsoft.com/office/powerpoint/2010/main" val="55542365"/>
+      </p:ext>
+    </p:extLst>
+  </p:cSld>
+  <p:clrMapOvr>
+    <a:masterClrMapping/>
+  </p:clrMapOvr>
+</p:sld>
+</file>
+
+<file path=ppt/slides/slide5.xml><?xml version="1.0" encoding="utf-8"?>
+<p:sld xmlns:a="http://schemas.openxmlformats.org/drawingml/2006/main" xmlns:r="http://schemas.openxmlformats.org/officeDocument/2006/relationships" xmlns:p="http://schemas.openxmlformats.org/presentationml/2006/main">
+  <p:cSld>
+    <p:spTree>
+      <p:nvGrpSpPr>
+        <p:cNvPr id="1" name=""/>
+        <p:cNvGrpSpPr/>
+        <p:nvPr/>
+      </p:nvGrpSpPr>
+      <p:grpSpPr>
+        <a:xfrm>
+          <a:off x="0" y="0"/>
+          <a:ext cx="0" cy="0"/>
+          <a:chOff x="0" y="0"/>
+          <a:chExt cx="0" cy="0"/>
+        </a:xfrm>
+      </p:grpSpPr>
+      <p:sp>
+        <p:nvSpPr>
+          <p:cNvPr id="2" name="Title 1"/>
+          <p:cNvSpPr>
+            <a:spLocks noGrp="1"/>
+          </p:cNvSpPr>
+          <p:nvPr>
+            <p:ph type="title"/>
+          </p:nvPr>
+        </p:nvSpPr>
+        <p:spPr/>
+        <p:txBody>
+          <a:bodyPr/>
+          <a:lstStyle/>
+          <a:p>
+            <a:r>
+              <a:rPr lang="en-US" dirty="0" smtClean="0"/>
+              <a:t>More Silicon Dedicated to Vector </a:t>
+            </a:r>
+            <a:r>
+              <a:rPr lang="en-US" dirty="0"/>
+              <a:t>P</a:t>
+            </a:r>
+            <a:r>
+              <a:rPr lang="en-US" dirty="0" smtClean="0"/>
+              <a:t>rocessing</a:t>
+            </a:r>
+            <a:endParaRPr lang="en-US" dirty="0"/>
+          </a:p>
+        </p:txBody>
+      </p:sp>
+      <p:grpSp>
+        <p:nvGrpSpPr>
+          <p:cNvPr id="6" name="Group 5"/>
+          <p:cNvGrpSpPr/>
+          <p:nvPr/>
+        </p:nvGrpSpPr>
+        <p:grpSpPr>
+          <a:xfrm>
+            <a:off x="2327656" y="1210590"/>
+            <a:ext cx="8019772" cy="5564777"/>
+            <a:chOff x="2327656" y="1210590"/>
+            <a:chExt cx="8019772" cy="5564777"/>
+          </a:xfrm>
+        </p:grpSpPr>
+        <p:pic>
+          <p:nvPicPr>
+            <p:cNvPr id="4" name="Picture 3"/>
+            <p:cNvPicPr>
+              <a:picLocks noChangeAspect="1"/>
+            </p:cNvPicPr>
+            <p:nvPr/>
+          </p:nvPicPr>
+          <p:blipFill>
+            <a:blip r:embed="rId2">
+              <a:extLst>
+                <a:ext uri="{28A0092B-C50C-407E-A947-70E740481C1C}">
+                  <a14:useLocalDpi xmlns:a14="http://schemas.microsoft.com/office/drawing/2010/main" val="0"/>
+                </a:ext>
+              </a:extLst>
+            </a:blip>
+            <a:stretch>
+              <a:fillRect/>
+            </a:stretch>
+          </p:blipFill>
+          <p:spPr>
+            <a:xfrm>
+              <a:off x="2327656" y="1447800"/>
+              <a:ext cx="7532455" cy="5090358"/>
+            </a:xfrm>
+            <a:prstGeom prst="rect">
+              <a:avLst/>
+            </a:prstGeom>
+          </p:spPr>
+        </p:pic>
+        <p:sp>
+          <p:nvSpPr>
+            <p:cNvPr id="5" name="Oval 4"/>
+            <p:cNvSpPr/>
+            <p:nvPr/>
+          </p:nvSpPr>
+          <p:spPr>
+            <a:xfrm>
+              <a:off x="7400505" y="1210590"/>
+              <a:ext cx="2946923" cy="5564777"/>
+            </a:xfrm>
+            <a:prstGeom prst="ellipse">
+              <a:avLst/>
+            </a:prstGeom>
+            <a:noFill/>
+            <a:ln w="82550">
+              <a:solidFill>
+                <a:srgbClr val="FF0000"/>
+              </a:solidFill>
+            </a:ln>
+            <a:effectLst/>
+          </p:spPr>
+          <p:style>
+            <a:lnRef idx="1">
+              <a:schemeClr val="accent1"/>
+            </a:lnRef>
+            <a:fillRef idx="3">
+              <a:schemeClr val="accent1"/>
+            </a:fillRef>
+            <a:effectRef idx="2">
+              <a:schemeClr val="accent1"/>
+            </a:effectRef>
+            <a:fontRef idx="minor">
+              <a:schemeClr val="lt1"/>
+            </a:fontRef>
+          </p:style>
+          <p:txBody>
+            <a:bodyPr rtlCol="0" anchor="ctr"/>
+            <a:lstStyle/>
+            <a:p>
+              <a:pPr algn="ctr"/>
+              <a:endParaRPr lang="en-US"/>
+            </a:p>
+          </p:txBody>
+        </p:sp>
+      </p:grpSp>
+    </p:spTree>
+    <p:extLst>
+      <p:ext uri="{BB962C8B-B14F-4D97-AF65-F5344CB8AC3E}">
+        <p14:creationId xmlns:p14="http://schemas.microsoft.com/office/powerpoint/2010/main" val="1910882012"/>
+      </p:ext>
+    </p:extLst>
+  </p:cSld>
+  <p:clrMapOvr>
+    <a:masterClrMapping/>
+  </p:clrMapOvr>
+</p:sld>
+</file>
+
+<file path=ppt/slides/slide6.xml><?xml version="1.0" encoding="utf-8"?>
+<p:sld xmlns:a="http://schemas.openxmlformats.org/drawingml/2006/main" xmlns:r="http://schemas.openxmlformats.org/officeDocument/2006/relationships" xmlns:p="http://schemas.openxmlformats.org/presentationml/2006/main">
+  <p:cSld>
+    <p:spTree>
+      <p:nvGrpSpPr>
+        <p:cNvPr id="1" name=""/>
+        <p:cNvGrpSpPr/>
+        <p:nvPr/>
+      </p:nvGrpSpPr>
+      <p:grpSpPr>
+        <a:xfrm>
+          <a:off x="0" y="0"/>
+          <a:ext cx="0" cy="0"/>
+          <a:chOff x="0" y="0"/>
+          <a:chExt cx="0" cy="0"/>
+        </a:xfrm>
+      </p:grpSpPr>
+      <p:sp>
+        <p:nvSpPr>
+          <p:cNvPr id="2" name="Title 1"/>
+          <p:cNvSpPr>
+            <a:spLocks noGrp="1"/>
+          </p:cNvSpPr>
+          <p:nvPr>
+            <p:ph type="title"/>
+          </p:nvPr>
+        </p:nvSpPr>
+        <p:spPr/>
+        <p:txBody>
+          <a:bodyPr/>
+          <a:lstStyle/>
+          <a:p>
+            <a:r>
+              <a:rPr lang="en-US" dirty="0" smtClean="0"/>
+              <a:t>Hardware/Software Gap</a:t>
+            </a:r>
+            <a:endParaRPr lang="en-US" dirty="0"/>
+          </a:p>
+        </p:txBody>
+      </p:sp>
+      <p:sp>
+        <p:nvSpPr>
+          <p:cNvPr id="3" name="Content Placeholder 2"/>
+          <p:cNvSpPr>
+            <a:spLocks noGrp="1"/>
+          </p:cNvSpPr>
+          <p:nvPr>
+            <p:ph sz="quarter" idx="13"/>
+          </p:nvPr>
+        </p:nvSpPr>
+        <p:spPr>
+          <a:xfrm>
+            <a:off x="607484" y="1604434"/>
+            <a:ext cx="10970683" cy="2136293"/>
+          </a:xfrm>
+        </p:spPr>
+        <p:txBody>
+          <a:bodyPr/>
+          <a:lstStyle/>
+          <a:p>
+            <a:pPr marL="342900" indent="-342900">
+              <a:buFont typeface="Arial" panose="020B0604020202020204" pitchFamily="34" charset="0"/>
+              <a:buChar char="•"/>
+            </a:pPr>
+            <a:r>
+              <a:rPr lang="en-US" dirty="0" smtClean="0"/>
+              <a:t>SIMD instructions are an increasingly larger portion of instruction set architectures of newer CPUs</a:t>
+            </a:r>
+          </a:p>
+          <a:p>
+            <a:pPr marL="342900" indent="-342900">
+              <a:buFont typeface="Arial" panose="020B0604020202020204" pitchFamily="34" charset="0"/>
+              <a:buChar char="•"/>
+            </a:pPr>
+            <a:r>
+              <a:rPr lang="en-US" dirty="0" smtClean="0"/>
+              <a:t>Currently, it’s not possible to utilize these powerful instructions from JavaScript programs</a:t>
+            </a:r>
+            <a:endParaRPr lang="en-US" dirty="0"/>
+          </a:p>
+        </p:txBody>
+      </p:sp>
+      <p:sp>
+        <p:nvSpPr>
+          <p:cNvPr id="4" name="TextBox 3"/>
+          <p:cNvSpPr txBox="1"/>
+          <p:nvPr/>
+        </p:nvSpPr>
+        <p:spPr>
+          <a:xfrm>
+            <a:off x="1089263" y="4488675"/>
+            <a:ext cx="10007124" cy="923330"/>
+          </a:xfrm>
+          <a:prstGeom prst="rect">
+            <a:avLst/>
+          </a:prstGeom>
+          <a:solidFill>
+            <a:srgbClr val="FF0000"/>
+          </a:solidFill>
+          <a:effectLst>
+            <a:reflection blurRad="6350" stA="50000" endA="300" endPos="55000" dir="5400000" sy="-100000" algn="bl" rotWithShape="0"/>
+          </a:effectLst>
+          <a:scene3d>
+            <a:camera prst="orthographicFront"/>
+            <a:lightRig rig="threePt" dir="t"/>
+          </a:scene3d>
+          <a:sp3d>
+            <a:bevelT/>
+          </a:sp3d>
+        </p:spPr>
+        <p:txBody>
+          <a:bodyPr wrap="square" tIns="182880" bIns="182880" rtlCol="0">
+            <a:spAutoFit/>
+          </a:bodyPr>
+          <a:lstStyle/>
+          <a:p>
+            <a:pPr algn="ctr"/>
+            <a:r>
+              <a:rPr lang="en-US" sz="3600" b="1" dirty="0" smtClean="0">
+                <a:solidFill>
+                  <a:schemeClr val="bg1"/>
+                </a:solidFill>
+                <a:cs typeface="Neo Sans Intel"/>
+              </a:rPr>
+              <a:t>SIMD.JS/Emscripten will bridge this gap </a:t>
+            </a:r>
+            <a:endParaRPr lang="en-US" sz="3600" b="1" dirty="0" smtClean="0">
+              <a:solidFill>
+                <a:schemeClr val="bg1"/>
+              </a:solidFill>
+              <a:cs typeface="Neo Sans Intel"/>
+            </a:endParaRPr>
+          </a:p>
+        </p:txBody>
+      </p:sp>
+    </p:spTree>
+    <p:extLst>
+      <p:ext uri="{BB962C8B-B14F-4D97-AF65-F5344CB8AC3E}">
+        <p14:creationId xmlns:p14="http://schemas.microsoft.com/office/powerpoint/2010/main" val="3993932885"/>
+      </p:ext>
+    </p:extLst>
+  </p:cSld>
+  <p:clrMapOvr>
+    <a:masterClrMapping/>
+  </p:clrMapOvr>
+</p:sld>
+</file>
+
+<file path=ppt/slides/slide7.xml><?xml version="1.0" encoding="utf-8"?>
+<p:sld xmlns:a="http://schemas.openxmlformats.org/drawingml/2006/main" xmlns:r="http://schemas.openxmlformats.org/officeDocument/2006/relationships" xmlns:p="http://schemas.openxmlformats.org/presentationml/2006/main">
+  <p:cSld>
+    <p:spTree>
+      <p:nvGrpSpPr>
+        <p:cNvPr id="1" name=""/>
+        <p:cNvGrpSpPr/>
+        <p:nvPr/>
+      </p:nvGrpSpPr>
+      <p:grpSpPr>
+        <a:xfrm>
+          <a:off x="0" y="0"/>
+          <a:ext cx="0" cy="0"/>
+          <a:chOff x="0" y="0"/>
+          <a:chExt cx="0" cy="0"/>
+        </a:xfrm>
+      </p:grpSpPr>
+      <p:sp>
+        <p:nvSpPr>
+          <p:cNvPr id="2" name="Title 1"/>
+          <p:cNvSpPr>
+            <a:spLocks noGrp="1"/>
+          </p:cNvSpPr>
+          <p:nvPr>
+            <p:ph type="title"/>
+          </p:nvPr>
+        </p:nvSpPr>
+        <p:spPr/>
+        <p:txBody>
+          <a:bodyPr/>
+          <a:lstStyle/>
+          <a:p>
+            <a:r>
+              <a:rPr lang="en-US" dirty="0" smtClean="0"/>
+              <a:t>Demo</a:t>
+            </a:r>
+            <a:endParaRPr lang="en-US" dirty="0"/>
+          </a:p>
+        </p:txBody>
+      </p:sp>
+      <p:pic>
+        <p:nvPicPr>
+          <p:cNvPr id="4" name="Picture 3"/>
+          <p:cNvPicPr>
+            <a:picLocks noChangeAspect="1"/>
+          </p:cNvPicPr>
+          <p:nvPr/>
+        </p:nvPicPr>
+        <p:blipFill>
+          <a:blip r:embed="rId2">
+            <a:extLst>
+              <a:ext uri="{28A0092B-C50C-407E-A947-70E740481C1C}">
+                <a14:useLocalDpi xmlns:a14="http://schemas.microsoft.com/office/drawing/2010/main" val="0"/>
+              </a:ext>
+            </a:extLst>
+          </a:blip>
+          <a:stretch>
+            <a:fillRect/>
+          </a:stretch>
+        </p:blipFill>
+        <p:spPr>
+          <a:xfrm>
+            <a:off x="2491792" y="990917"/>
+            <a:ext cx="7204183" cy="5580705"/>
+          </a:xfrm>
+          <a:prstGeom prst="rect">
+            <a:avLst/>
+          </a:prstGeom>
+        </p:spPr>
+      </p:pic>
+    </p:spTree>
+    <p:extLst>
+      <p:ext uri="{BB962C8B-B14F-4D97-AF65-F5344CB8AC3E}">
+        <p14:creationId xmlns:p14="http://schemas.microsoft.com/office/powerpoint/2010/main" val="2150740465"/>
+      </p:ext>
+    </p:extLst>
+  </p:cSld>
+  <p:clrMapOvr>
+    <a:masterClrMapping/>
+  </p:clrMapOvr>
+</p:sld>
+</file>
+
+<file path=ppt/slides/slide8.xml><?xml version="1.0" encoding="utf-8"?>
+<p:sld xmlns:a="http://schemas.openxmlformats.org/drawingml/2006/main" xmlns:r="http://schemas.openxmlformats.org/officeDocument/2006/relationships" xmlns:p="http://schemas.openxmlformats.org/presentationml/2006/main">
+  <p:cSld>
+    <p:spTree>
+      <p:nvGrpSpPr>
+        <p:cNvPr id="1" name=""/>
+        <p:cNvGrpSpPr/>
+        <p:nvPr/>
+      </p:nvGrpSpPr>
+      <p:grpSpPr>
+        <a:xfrm>
+          <a:off x="0" y="0"/>
+          <a:ext cx="0" cy="0"/>
+          <a:chOff x="0" y="0"/>
+          <a:chExt cx="0" cy="0"/>
+        </a:xfrm>
+      </p:grpSpPr>
+      <p:sp>
+        <p:nvSpPr>
+          <p:cNvPr id="2" name="Title 1"/>
+          <p:cNvSpPr>
+            <a:spLocks noGrp="1"/>
+          </p:cNvSpPr>
+          <p:nvPr>
+            <p:ph type="title"/>
+          </p:nvPr>
+        </p:nvSpPr>
+        <p:spPr/>
+        <p:txBody>
+          <a:bodyPr/>
+          <a:lstStyle/>
+          <a:p>
+            <a:r>
+              <a:rPr lang="en-US" dirty="0" smtClean="0"/>
+              <a:t>SIMD.JS/Emscripten – Background/History</a:t>
+            </a:r>
+            <a:endParaRPr lang="en-US" dirty="0"/>
+          </a:p>
+        </p:txBody>
+      </p:sp>
+      <p:sp>
+        <p:nvSpPr>
+          <p:cNvPr id="3" name="Content Placeholder 2"/>
+          <p:cNvSpPr>
+            <a:spLocks noGrp="1"/>
+          </p:cNvSpPr>
+          <p:nvPr>
+            <p:ph sz="quarter" idx="13"/>
+          </p:nvPr>
+        </p:nvSpPr>
+        <p:spPr/>
+        <p:txBody>
+          <a:bodyPr/>
+          <a:lstStyle/>
+          <a:p>
+            <a:pPr marL="342900" indent="-342900">
+              <a:buFont typeface="Arial" panose="020B0604020202020204" pitchFamily="34" charset="0"/>
+              <a:buChar char="•"/>
+            </a:pPr>
+            <a:r>
+              <a:rPr lang="en-US" b="1" dirty="0" smtClean="0"/>
+              <a:t>Intel/Mozilla/Google/Microsoft/ARM collaboration!</a:t>
+            </a:r>
+          </a:p>
+          <a:p>
+            <a:pPr marL="342900" indent="-342900">
+              <a:buFont typeface="Arial" panose="020B0604020202020204" pitchFamily="34" charset="0"/>
+              <a:buChar char="•"/>
+            </a:pPr>
+            <a:r>
+              <a:rPr lang="en-US" dirty="0" smtClean="0"/>
+              <a:t>Started mid-2013</a:t>
+            </a:r>
+          </a:p>
+          <a:p>
+            <a:pPr marL="342900" indent="-342900">
+              <a:buFont typeface="Arial" panose="020B0604020202020204" pitchFamily="34" charset="0"/>
+              <a:buChar char="•"/>
+            </a:pPr>
+            <a:r>
+              <a:rPr lang="en-US" dirty="0" smtClean="0"/>
+              <a:t>Initial </a:t>
+            </a:r>
+            <a:r>
+              <a:rPr lang="en-US" dirty="0" err="1" smtClean="0"/>
+              <a:t>polyfill</a:t>
+            </a:r>
+            <a:r>
+              <a:rPr lang="en-US" dirty="0" smtClean="0"/>
+              <a:t> spec by John </a:t>
+            </a:r>
+            <a:r>
+              <a:rPr lang="en-US" dirty="0" err="1" smtClean="0"/>
+              <a:t>McCutchan</a:t>
+            </a:r>
+            <a:r>
+              <a:rPr lang="en-US" dirty="0" smtClean="0"/>
+              <a:t> (Google’s Dart VM team)</a:t>
+            </a:r>
+          </a:p>
+          <a:p>
+            <a:pPr marL="342900" indent="-342900">
+              <a:buFont typeface="Arial" panose="020B0604020202020204" pitchFamily="34" charset="0"/>
+              <a:buChar char="•"/>
+            </a:pPr>
+            <a:r>
+              <a:rPr lang="en-US" dirty="0" smtClean="0"/>
+              <a:t>Prototypes for Chromium, Firefox</a:t>
+            </a:r>
+          </a:p>
+          <a:p>
+            <a:pPr marL="342900" indent="-342900">
+              <a:buFont typeface="Arial" panose="020B0604020202020204" pitchFamily="34" charset="0"/>
+              <a:buChar char="•"/>
+            </a:pPr>
+            <a:r>
+              <a:rPr lang="en-US" b="1" dirty="0" smtClean="0"/>
+              <a:t>Available in Intel’s </a:t>
+            </a:r>
+            <a:r>
+              <a:rPr lang="en-US" b="1" dirty="0" err="1" smtClean="0"/>
+              <a:t>Crossswalk</a:t>
+            </a:r>
+            <a:r>
+              <a:rPr lang="en-US" b="1" dirty="0" smtClean="0"/>
+              <a:t> web-runtime (for hybrid HTML5 apps) TODAY!</a:t>
+            </a:r>
+          </a:p>
+          <a:p>
+            <a:pPr marL="342900" indent="-342900">
+              <a:buFont typeface="Arial" panose="020B0604020202020204" pitchFamily="34" charset="0"/>
+              <a:buChar char="•"/>
+            </a:pPr>
+            <a:r>
+              <a:rPr lang="en-US" dirty="0" smtClean="0"/>
+              <a:t>Emscripten (C++ -&gt; JavaScript compiler) now generates SIMD.JS code from LLVM vector operations and from a subset of x86 SIMD </a:t>
+            </a:r>
+            <a:r>
+              <a:rPr lang="en-US" dirty="0" err="1" smtClean="0"/>
+              <a:t>intrinsics</a:t>
+            </a:r>
+            <a:endParaRPr lang="en-US" dirty="0"/>
+          </a:p>
+        </p:txBody>
+      </p:sp>
+    </p:spTree>
+    <p:extLst>
+      <p:ext uri="{BB962C8B-B14F-4D97-AF65-F5344CB8AC3E}">
+        <p14:creationId xmlns:p14="http://schemas.microsoft.com/office/powerpoint/2010/main" val="1056251742"/>
       </p:ext>
     </p:extLst>
   </p:cSld>

--- a/simdjs-presentation.pptx
+++ b/simdjs-presentation.pptx
@@ -352,7 +352,7 @@
           <a:noFill/>
           <a:extLst>
             <a:ext uri="{909E8E84-426E-40dd-AFC4-6F175D3DCCD1}">
-              <a14:hiddenFill xmlns="" xmlns:a14="http://schemas.microsoft.com/office/drawing/2010/main">
+              <a14:hiddenFill xmlns:a14="http://schemas.microsoft.com/office/drawing/2010/main" xmlns="">
                 <a:solidFill>
                   <a:srgbClr val="FFFFFF"/>
                 </a:solidFill>
@@ -393,7 +393,7 @@
           <a:noFill/>
           <a:extLst>
             <a:ext uri="{909E8E84-426E-40dd-AFC4-6F175D3DCCD1}">
-              <a14:hiddenFill xmlns="" xmlns:a14="http://schemas.microsoft.com/office/drawing/2010/main">
+              <a14:hiddenFill xmlns:a14="http://schemas.microsoft.com/office/drawing/2010/main" xmlns="">
                 <a:solidFill>
                   <a:srgbClr val="FFFFFF"/>
                 </a:solidFill>
@@ -716,7 +716,7 @@
           <a:noFill/>
           <a:extLst>
             <a:ext uri="{909E8E84-426E-40dd-AFC4-6F175D3DCCD1}">
-              <a14:hiddenFill xmlns="" xmlns:a14="http://schemas.microsoft.com/office/drawing/2010/main">
+              <a14:hiddenFill xmlns:a14="http://schemas.microsoft.com/office/drawing/2010/main" xmlns="">
                 <a:solidFill>
                   <a:srgbClr val="FFFFFF"/>
                 </a:solidFill>
@@ -1002,7 +1002,7 @@
           <a:noFill/>
           <a:extLst>
             <a:ext uri="{909E8E84-426E-40dd-AFC4-6F175D3DCCD1}">
-              <a14:hiddenFill xmlns="" xmlns:a14="http://schemas.microsoft.com/office/drawing/2010/main">
+              <a14:hiddenFill xmlns:a14="http://schemas.microsoft.com/office/drawing/2010/main" xmlns="">
                 <a:solidFill>
                   <a:srgbClr val="FFFFFF"/>
                 </a:solidFill>
@@ -1611,7 +1611,7 @@
           <a:noFill/>
           <a:extLst>
             <a:ext uri="{909E8E84-426E-40dd-AFC4-6F175D3DCCD1}">
-              <a14:hiddenFill xmlns="" xmlns:a14="http://schemas.microsoft.com/office/drawing/2010/main">
+              <a14:hiddenFill xmlns:a14="http://schemas.microsoft.com/office/drawing/2010/main" xmlns="">
                 <a:solidFill>
                   <a:srgbClr val="FFFFFF"/>
                 </a:solidFill>
@@ -2549,7 +2549,7 @@
           <a:noFill/>
           <a:extLst>
             <a:ext uri="{909E8E84-426E-40dd-AFC4-6F175D3DCCD1}">
-              <a14:hiddenFill xmlns="" xmlns:a14="http://schemas.microsoft.com/office/drawing/2010/main">
+              <a14:hiddenFill xmlns:a14="http://schemas.microsoft.com/office/drawing/2010/main" xmlns="">
                 <a:solidFill>
                   <a:srgbClr val="FFFFFF"/>
                 </a:solidFill>
@@ -4643,7 +4643,7 @@
           <a:noFill/>
           <a:extLst>
             <a:ext uri="{909E8E84-426E-40dd-AFC4-6F175D3DCCD1}">
-              <a14:hiddenFill xmlns="" xmlns:a14="http://schemas.microsoft.com/office/drawing/2010/main">
+              <a14:hiddenFill xmlns:a14="http://schemas.microsoft.com/office/drawing/2010/main" xmlns="">
                 <a:solidFill>
                   <a:srgbClr val="FFFFFF"/>
                 </a:solidFill>
@@ -5802,96 +5802,81 @@
           </a:p>
         </p:txBody>
       </p:sp>
-      <p:grpSp>
-        <p:nvGrpSpPr>
-          <p:cNvPr id="6" name="Group 5"/>
-          <p:cNvGrpSpPr/>
+      <p:pic>
+        <p:nvPicPr>
+          <p:cNvPr id="3" name="Picture 2"/>
+          <p:cNvPicPr>
+            <a:picLocks noChangeAspect="1"/>
+          </p:cNvPicPr>
           <p:nvPr/>
-        </p:nvGrpSpPr>
-        <p:grpSpPr>
+        </p:nvPicPr>
+        <p:blipFill>
+          <a:blip r:embed="rId2">
+            <a:extLst>
+              <a:ext uri="{28A0092B-C50C-407E-A947-70E740481C1C}">
+                <a14:useLocalDpi xmlns:a14="http://schemas.microsoft.com/office/drawing/2010/main" val="0"/>
+              </a:ext>
+            </a:extLst>
+          </a:blip>
+          <a:stretch>
+            <a:fillRect/>
+          </a:stretch>
+        </p:blipFill>
+        <p:spPr>
           <a:xfrm>
-            <a:off x="2327656" y="1210590"/>
-            <a:ext cx="8019772" cy="5564777"/>
-            <a:chOff x="2327656" y="1210590"/>
-            <a:chExt cx="8019772" cy="5564777"/>
+            <a:off x="1235034" y="1195666"/>
+            <a:ext cx="8277101" cy="5470035"/>
           </a:xfrm>
-        </p:grpSpPr>
-        <p:pic>
-          <p:nvPicPr>
-            <p:cNvPr id="4" name="Picture 3"/>
-            <p:cNvPicPr>
-              <a:picLocks noChangeAspect="1"/>
-            </p:cNvPicPr>
-            <p:nvPr/>
-          </p:nvPicPr>
-          <p:blipFill>
-            <a:blip r:embed="rId2">
-              <a:extLst>
-                <a:ext uri="{28A0092B-C50C-407E-A947-70E740481C1C}">
-                  <a14:useLocalDpi xmlns:a14="http://schemas.microsoft.com/office/drawing/2010/main" val="0"/>
-                </a:ext>
-              </a:extLst>
-            </a:blip>
-            <a:stretch>
-              <a:fillRect/>
-            </a:stretch>
-          </p:blipFill>
-          <p:spPr>
-            <a:xfrm>
-              <a:off x="2327656" y="1447800"/>
-              <a:ext cx="7532455" cy="5090358"/>
-            </a:xfrm>
-            <a:prstGeom prst="rect">
-              <a:avLst/>
-            </a:prstGeom>
-          </p:spPr>
-        </p:pic>
-        <p:sp>
-          <p:nvSpPr>
-            <p:cNvPr id="5" name="Oval 4"/>
-            <p:cNvSpPr/>
-            <p:nvPr/>
-          </p:nvSpPr>
-          <p:spPr>
-            <a:xfrm>
-              <a:off x="7400505" y="1210590"/>
-              <a:ext cx="2946923" cy="5564777"/>
-            </a:xfrm>
-            <a:prstGeom prst="ellipse">
-              <a:avLst/>
-            </a:prstGeom>
-            <a:noFill/>
-            <a:ln w="82550">
-              <a:solidFill>
-                <a:srgbClr val="FF0000"/>
-              </a:solidFill>
-            </a:ln>
-            <a:effectLst/>
-          </p:spPr>
-          <p:style>
-            <a:lnRef idx="1">
-              <a:schemeClr val="accent1"/>
-            </a:lnRef>
-            <a:fillRef idx="3">
-              <a:schemeClr val="accent1"/>
-            </a:fillRef>
-            <a:effectRef idx="2">
-              <a:schemeClr val="accent1"/>
-            </a:effectRef>
-            <a:fontRef idx="minor">
-              <a:schemeClr val="lt1"/>
-            </a:fontRef>
-          </p:style>
-          <p:txBody>
-            <a:bodyPr rtlCol="0" anchor="ctr"/>
-            <a:lstStyle/>
-            <a:p>
-              <a:pPr algn="ctr"/>
-              <a:endParaRPr lang="en-US"/>
-            </a:p>
-          </p:txBody>
-        </p:sp>
-      </p:grpSp>
+          <a:prstGeom prst="rect">
+            <a:avLst/>
+          </a:prstGeom>
+        </p:spPr>
+      </p:pic>
+      <p:sp>
+        <p:nvSpPr>
+          <p:cNvPr id="5" name="Oval 4"/>
+          <p:cNvSpPr/>
+          <p:nvPr/>
+        </p:nvSpPr>
+        <p:spPr>
+          <a:xfrm>
+            <a:off x="7008620" y="1100924"/>
+            <a:ext cx="2946923" cy="5564777"/>
+          </a:xfrm>
+          <a:prstGeom prst="ellipse">
+            <a:avLst/>
+          </a:prstGeom>
+          <a:noFill/>
+          <a:ln w="82550">
+            <a:solidFill>
+              <a:srgbClr val="FF0000"/>
+            </a:solidFill>
+          </a:ln>
+          <a:effectLst/>
+        </p:spPr>
+        <p:style>
+          <a:lnRef idx="1">
+            <a:schemeClr val="accent1"/>
+          </a:lnRef>
+          <a:fillRef idx="3">
+            <a:schemeClr val="accent1"/>
+          </a:fillRef>
+          <a:effectRef idx="2">
+            <a:schemeClr val="accent1"/>
+          </a:effectRef>
+          <a:fontRef idx="minor">
+            <a:schemeClr val="lt1"/>
+          </a:fontRef>
+        </p:style>
+        <p:txBody>
+          <a:bodyPr rtlCol="0" anchor="ctr"/>
+          <a:lstStyle/>
+          <a:p>
+            <a:pPr algn="ctr"/>
+            <a:endParaRPr lang="en-US"/>
+          </a:p>
+        </p:txBody>
+      </p:sp>
     </p:spTree>
     <p:extLst>
       <p:ext uri="{BB962C8B-B14F-4D97-AF65-F5344CB8AC3E}">
@@ -6031,12 +6016,6 @@
               </a:rPr>
               <a:t>SIMD.JS/Emscripten will bridge this gap </a:t>
             </a:r>
-            <a:endParaRPr lang="en-US" sz="3600" b="1" dirty="0" smtClean="0">
-              <a:solidFill>
-                <a:schemeClr val="bg1"/>
-              </a:solidFill>
-              <a:cs typeface="Neo Sans Intel"/>
-            </a:endParaRPr>
           </a:p>
         </p:txBody>
       </p:sp>

--- a/simdjs-presentation.pptx
+++ b/simdjs-presentation.pptx
@@ -13,6 +13,10 @@
     <p:sldId id="261" r:id="rId7"/>
     <p:sldId id="262" r:id="rId8"/>
     <p:sldId id="263" r:id="rId9"/>
+    <p:sldId id="264" r:id="rId10"/>
+    <p:sldId id="266" r:id="rId11"/>
+    <p:sldId id="267" r:id="rId12"/>
+    <p:sldId id="265" r:id="rId13"/>
   </p:sldIdLst>
   <p:sldSz cx="12192000" cy="6858000"/>
   <p:notesSz cx="6858000" cy="9144000"/>
@@ -352,7 +356,7 @@
           <a:noFill/>
           <a:extLst>
             <a:ext uri="{909E8E84-426E-40dd-AFC4-6F175D3DCCD1}">
-              <a14:hiddenFill xmlns:a14="http://schemas.microsoft.com/office/drawing/2010/main" xmlns="">
+              <a14:hiddenFill xmlns="" xmlns:a14="http://schemas.microsoft.com/office/drawing/2010/main">
                 <a:solidFill>
                   <a:srgbClr val="FFFFFF"/>
                 </a:solidFill>
@@ -393,7 +397,7 @@
           <a:noFill/>
           <a:extLst>
             <a:ext uri="{909E8E84-426E-40dd-AFC4-6F175D3DCCD1}">
-              <a14:hiddenFill xmlns:a14="http://schemas.microsoft.com/office/drawing/2010/main" xmlns="">
+              <a14:hiddenFill xmlns="" xmlns:a14="http://schemas.microsoft.com/office/drawing/2010/main">
                 <a:solidFill>
                   <a:srgbClr val="FFFFFF"/>
                 </a:solidFill>
@@ -716,7 +720,7 @@
           <a:noFill/>
           <a:extLst>
             <a:ext uri="{909E8E84-426E-40dd-AFC4-6F175D3DCCD1}">
-              <a14:hiddenFill xmlns:a14="http://schemas.microsoft.com/office/drawing/2010/main" xmlns="">
+              <a14:hiddenFill xmlns="" xmlns:a14="http://schemas.microsoft.com/office/drawing/2010/main">
                 <a:solidFill>
                   <a:srgbClr val="FFFFFF"/>
                 </a:solidFill>
@@ -1002,7 +1006,7 @@
           <a:noFill/>
           <a:extLst>
             <a:ext uri="{909E8E84-426E-40dd-AFC4-6F175D3DCCD1}">
-              <a14:hiddenFill xmlns:a14="http://schemas.microsoft.com/office/drawing/2010/main" xmlns="">
+              <a14:hiddenFill xmlns="" xmlns:a14="http://schemas.microsoft.com/office/drawing/2010/main">
                 <a:solidFill>
                   <a:srgbClr val="FFFFFF"/>
                 </a:solidFill>
@@ -1348,7 +1352,7 @@
           <a:p>
             <a:fld id="{D7BAD4AB-A0C0-4804-835B-7CAD5144033B}" type="datetimeFigureOut">
               <a:rPr lang="en-US" smtClean="0"/>
-              <a:t>2/5/2015</a:t>
+              <a:t>2/6/2015</a:t>
             </a:fld>
             <a:endParaRPr lang="en-US"/>
           </a:p>
@@ -1450,7 +1454,7 @@
           <a:p>
             <a:fld id="{D7BAD4AB-A0C0-4804-835B-7CAD5144033B}" type="datetimeFigureOut">
               <a:rPr lang="en-US" smtClean="0"/>
-              <a:t>2/5/2015</a:t>
+              <a:t>2/6/2015</a:t>
             </a:fld>
             <a:endParaRPr lang="en-US"/>
           </a:p>
@@ -1611,7 +1615,7 @@
           <a:noFill/>
           <a:extLst>
             <a:ext uri="{909E8E84-426E-40dd-AFC4-6F175D3DCCD1}">
-              <a14:hiddenFill xmlns:a14="http://schemas.microsoft.com/office/drawing/2010/main" xmlns="">
+              <a14:hiddenFill xmlns="" xmlns:a14="http://schemas.microsoft.com/office/drawing/2010/main">
                 <a:solidFill>
                   <a:srgbClr val="FFFFFF"/>
                 </a:solidFill>
@@ -2549,7 +2553,7 @@
           <a:noFill/>
           <a:extLst>
             <a:ext uri="{909E8E84-426E-40dd-AFC4-6F175D3DCCD1}">
-              <a14:hiddenFill xmlns:a14="http://schemas.microsoft.com/office/drawing/2010/main" xmlns="">
+              <a14:hiddenFill xmlns="" xmlns:a14="http://schemas.microsoft.com/office/drawing/2010/main">
                 <a:solidFill>
                   <a:srgbClr val="FFFFFF"/>
                 </a:solidFill>
@@ -2612,7 +2616,7 @@
           <a:p>
             <a:fld id="{D7BAD4AB-A0C0-4804-835B-7CAD5144033B}" type="datetimeFigureOut">
               <a:rPr lang="en-US" smtClean="0"/>
-              <a:t>2/5/2015</a:t>
+              <a:t>2/6/2015</a:t>
             </a:fld>
             <a:endParaRPr lang="en-US"/>
           </a:p>
@@ -2821,7 +2825,7 @@
           <a:p>
             <a:fld id="{D7BAD4AB-A0C0-4804-835B-7CAD5144033B}" type="datetimeFigureOut">
               <a:rPr lang="en-US" smtClean="0"/>
-              <a:t>2/5/2015</a:t>
+              <a:t>2/6/2015</a:t>
             </a:fld>
             <a:endParaRPr lang="en-US"/>
           </a:p>
@@ -3055,7 +3059,7 @@
           <a:p>
             <a:fld id="{D7BAD4AB-A0C0-4804-835B-7CAD5144033B}" type="datetimeFigureOut">
               <a:rPr lang="en-US" smtClean="0"/>
-              <a:t>2/5/2015</a:t>
+              <a:t>2/6/2015</a:t>
             </a:fld>
             <a:endParaRPr lang="en-US"/>
           </a:p>
@@ -3510,7 +3514,7 @@
           <a:p>
             <a:fld id="{D7BAD4AB-A0C0-4804-835B-7CAD5144033B}" type="datetimeFigureOut">
               <a:rPr lang="en-US" smtClean="0"/>
-              <a:t>2/5/2015</a:t>
+              <a:t>2/6/2015</a:t>
             </a:fld>
             <a:endParaRPr lang="en-US"/>
           </a:p>
@@ -3761,7 +3765,7 @@
           <a:p>
             <a:fld id="{D7BAD4AB-A0C0-4804-835B-7CAD5144033B}" type="datetimeFigureOut">
               <a:rPr lang="en-US" smtClean="0"/>
-              <a:t>2/5/2015</a:t>
+              <a:t>2/6/2015</a:t>
             </a:fld>
             <a:endParaRPr lang="en-US"/>
           </a:p>
@@ -3971,7 +3975,7 @@
           <a:p>
             <a:fld id="{D7BAD4AB-A0C0-4804-835B-7CAD5144033B}" type="datetimeFigureOut">
               <a:rPr lang="en-US" smtClean="0"/>
-              <a:t>2/5/2015</a:t>
+              <a:t>2/6/2015</a:t>
             </a:fld>
             <a:endParaRPr lang="en-US"/>
           </a:p>
@@ -4412,7 +4416,7 @@
           <a:p>
             <a:fld id="{D7BAD4AB-A0C0-4804-835B-7CAD5144033B}" type="datetimeFigureOut">
               <a:rPr lang="en-US" smtClean="0"/>
-              <a:t>2/5/2015</a:t>
+              <a:t>2/6/2015</a:t>
             </a:fld>
             <a:endParaRPr lang="en-US"/>
           </a:p>
@@ -4643,7 +4647,7 @@
           <a:noFill/>
           <a:extLst>
             <a:ext uri="{909E8E84-426E-40dd-AFC4-6F175D3DCCD1}">
-              <a14:hiddenFill xmlns:a14="http://schemas.microsoft.com/office/drawing/2010/main" xmlns="">
+              <a14:hiddenFill xmlns="" xmlns:a14="http://schemas.microsoft.com/office/drawing/2010/main">
                 <a:solidFill>
                   <a:srgbClr val="FFFFFF"/>
                 </a:solidFill>
@@ -4791,7 +4795,7 @@
           <a:p>
             <a:fld id="{D7BAD4AB-A0C0-4804-835B-7CAD5144033B}" type="datetimeFigureOut">
               <a:rPr lang="en-US" smtClean="0"/>
-              <a:t>2/5/2015</a:t>
+              <a:t>2/6/2015</a:t>
             </a:fld>
             <a:endParaRPr lang="en-US"/>
           </a:p>
@@ -5345,6 +5349,2114 @@
 </p:sld>
 </file>
 
+<file path=ppt/slides/slide10.xml><?xml version="1.0" encoding="utf-8"?>
+<p:sld xmlns:a="http://schemas.openxmlformats.org/drawingml/2006/main" xmlns:r="http://schemas.openxmlformats.org/officeDocument/2006/relationships" xmlns:p="http://schemas.openxmlformats.org/presentationml/2006/main">
+  <p:cSld>
+    <p:spTree>
+      <p:nvGrpSpPr>
+        <p:cNvPr id="1" name=""/>
+        <p:cNvGrpSpPr/>
+        <p:nvPr/>
+      </p:nvGrpSpPr>
+      <p:grpSpPr>
+        <a:xfrm>
+          <a:off x="0" y="0"/>
+          <a:ext cx="0" cy="0"/>
+          <a:chOff x="0" y="0"/>
+          <a:chExt cx="0" cy="0"/>
+        </a:xfrm>
+      </p:grpSpPr>
+      <p:sp>
+        <p:nvSpPr>
+          <p:cNvPr id="2" name="Title 1"/>
+          <p:cNvSpPr>
+            <a:spLocks noGrp="1"/>
+          </p:cNvSpPr>
+          <p:nvPr>
+            <p:ph type="title"/>
+          </p:nvPr>
+        </p:nvSpPr>
+        <p:spPr/>
+        <p:txBody>
+          <a:bodyPr/>
+          <a:lstStyle/>
+          <a:p>
+            <a:r>
+              <a:rPr lang="en-US" dirty="0" smtClean="0"/>
+              <a:t>SIMD.JS – API Details</a:t>
+            </a:r>
+            <a:endParaRPr lang="en-US" dirty="0"/>
+          </a:p>
+        </p:txBody>
+      </p:sp>
+      <p:sp>
+        <p:nvSpPr>
+          <p:cNvPr id="3" name="Content Placeholder 2"/>
+          <p:cNvSpPr>
+            <a:spLocks noGrp="1"/>
+          </p:cNvSpPr>
+          <p:nvPr>
+            <p:ph sz="quarter" idx="13"/>
+          </p:nvPr>
+        </p:nvSpPr>
+        <p:spPr>
+          <a:xfrm>
+            <a:off x="607484" y="1163782"/>
+            <a:ext cx="10970683" cy="5008419"/>
+          </a:xfrm>
+        </p:spPr>
+        <p:txBody>
+          <a:bodyPr>
+            <a:normAutofit fontScale="85000" lnSpcReduction="20000"/>
+          </a:bodyPr>
+          <a:lstStyle/>
+          <a:p>
+            <a:r>
+              <a:rPr lang="en-US" dirty="0" smtClean="0"/>
+              <a:t>Lane </a:t>
+            </a:r>
+            <a:r>
+              <a:rPr lang="en-US" dirty="0" err="1" smtClean="0"/>
+              <a:t>accessors</a:t>
+            </a:r>
+            <a:r>
+              <a:rPr lang="en-US" dirty="0" smtClean="0"/>
+              <a:t>, </a:t>
+            </a:r>
+            <a:r>
+              <a:rPr lang="en-US" dirty="0" err="1" smtClean="0"/>
+              <a:t>mutators</a:t>
+            </a:r>
+            <a:r>
+              <a:rPr lang="en-US" dirty="0" smtClean="0"/>
+              <a:t>:</a:t>
+            </a:r>
+          </a:p>
+          <a:p>
+            <a:pPr lvl="1"/>
+            <a:r>
+              <a:rPr lang="en-US" b="1" dirty="0" err="1" smtClean="0"/>
+              <a:t>Accessors</a:t>
+            </a:r>
+            <a:r>
+              <a:rPr lang="en-US" b="1" dirty="0" smtClean="0"/>
+              <a:t>:</a:t>
+            </a:r>
+            <a:r>
+              <a:rPr lang="en-US" dirty="0" smtClean="0"/>
+              <a:t> x, y, z, w</a:t>
+            </a:r>
+          </a:p>
+          <a:p>
+            <a:pPr lvl="1"/>
+            <a:r>
+              <a:rPr lang="en-US" b="1" dirty="0" err="1" smtClean="0"/>
+              <a:t>Mutators</a:t>
+            </a:r>
+            <a:r>
+              <a:rPr lang="en-US" b="1" dirty="0" smtClean="0"/>
+              <a:t>:</a:t>
+            </a:r>
+            <a:r>
+              <a:rPr lang="en-US" dirty="0" smtClean="0"/>
+              <a:t> </a:t>
+            </a:r>
+            <a:r>
+              <a:rPr lang="en-US" dirty="0" err="1" smtClean="0"/>
+              <a:t>withX</a:t>
+            </a:r>
+            <a:r>
+              <a:rPr lang="en-US" dirty="0" smtClean="0"/>
+              <a:t>, </a:t>
+            </a:r>
+            <a:r>
+              <a:rPr lang="en-US" dirty="0" err="1" smtClean="0"/>
+              <a:t>withY</a:t>
+            </a:r>
+            <a:r>
+              <a:rPr lang="en-US" dirty="0" smtClean="0"/>
+              <a:t>, </a:t>
+            </a:r>
+            <a:r>
+              <a:rPr lang="en-US" dirty="0" err="1" smtClean="0"/>
+              <a:t>withZ</a:t>
+            </a:r>
+            <a:r>
+              <a:rPr lang="en-US" dirty="0" smtClean="0"/>
+              <a:t>, </a:t>
+            </a:r>
+            <a:r>
+              <a:rPr lang="en-US" dirty="0" err="1" smtClean="0"/>
+              <a:t>withW</a:t>
+            </a:r>
+            <a:endParaRPr lang="en-US" dirty="0" smtClean="0"/>
+          </a:p>
+          <a:p>
+            <a:r>
+              <a:rPr lang="en-US" dirty="0" smtClean="0"/>
+              <a:t>Operators:</a:t>
+            </a:r>
+          </a:p>
+          <a:p>
+            <a:pPr lvl="1"/>
+            <a:r>
+              <a:rPr lang="en-US" b="1" dirty="0" smtClean="0"/>
+              <a:t>Arithmetic:</a:t>
+            </a:r>
+            <a:r>
+              <a:rPr lang="en-US" dirty="0" smtClean="0"/>
+              <a:t> abs, </a:t>
+            </a:r>
+            <a:r>
+              <a:rPr lang="en-US" dirty="0" err="1" smtClean="0"/>
+              <a:t>neg</a:t>
+            </a:r>
+            <a:r>
+              <a:rPr lang="en-US" dirty="0" smtClean="0"/>
+              <a:t>, add, sub, </a:t>
+            </a:r>
+            <a:r>
+              <a:rPr lang="en-US" dirty="0" err="1" smtClean="0"/>
+              <a:t>mul</a:t>
+            </a:r>
+            <a:r>
+              <a:rPr lang="en-US" dirty="0" smtClean="0"/>
+              <a:t>, div, reciprocal, </a:t>
+            </a:r>
+            <a:r>
+              <a:rPr lang="en-US" dirty="0" err="1" smtClean="0"/>
+              <a:t>reciprocalSqrt</a:t>
+            </a:r>
+            <a:r>
+              <a:rPr lang="en-US" dirty="0" smtClean="0"/>
+              <a:t>, </a:t>
+            </a:r>
+            <a:r>
+              <a:rPr lang="en-US" dirty="0" err="1" smtClean="0"/>
+              <a:t>sqrt</a:t>
+            </a:r>
+            <a:endParaRPr lang="en-US" dirty="0" smtClean="0"/>
+          </a:p>
+          <a:p>
+            <a:pPr lvl="1"/>
+            <a:r>
+              <a:rPr lang="en-US" b="1" dirty="0" smtClean="0"/>
+              <a:t>Shuffle:</a:t>
+            </a:r>
+            <a:r>
+              <a:rPr lang="en-US" dirty="0" smtClean="0"/>
+              <a:t> swizzle (</a:t>
+            </a:r>
+            <a:r>
+              <a:rPr lang="en-US" dirty="0"/>
+              <a:t>1</a:t>
+            </a:r>
+            <a:r>
+              <a:rPr lang="en-US" dirty="0" smtClean="0"/>
+              <a:t> operand), shuffle (2 operands)</a:t>
+            </a:r>
+          </a:p>
+          <a:p>
+            <a:pPr lvl="1"/>
+            <a:r>
+              <a:rPr lang="en-US" b="1" dirty="0" smtClean="0"/>
+              <a:t>Logical:</a:t>
+            </a:r>
+            <a:r>
+              <a:rPr lang="en-US" dirty="0" smtClean="0"/>
+              <a:t> and, or, </a:t>
+            </a:r>
+            <a:r>
+              <a:rPr lang="en-US" dirty="0" err="1" smtClean="0"/>
+              <a:t>xor</a:t>
+            </a:r>
+            <a:r>
+              <a:rPr lang="en-US" dirty="0" smtClean="0"/>
+              <a:t>, not</a:t>
+            </a:r>
+          </a:p>
+          <a:p>
+            <a:pPr lvl="1"/>
+            <a:r>
+              <a:rPr lang="en-US" b="1" dirty="0" smtClean="0"/>
+              <a:t>Comparison:</a:t>
+            </a:r>
+            <a:r>
+              <a:rPr lang="en-US" dirty="0" smtClean="0"/>
+              <a:t> equal, </a:t>
+            </a:r>
+            <a:r>
+              <a:rPr lang="en-US" dirty="0" err="1" smtClean="0"/>
+              <a:t>greaterThan</a:t>
+            </a:r>
+            <a:r>
+              <a:rPr lang="en-US" dirty="0" smtClean="0"/>
+              <a:t>, </a:t>
+            </a:r>
+            <a:r>
+              <a:rPr lang="en-US" dirty="0" err="1" smtClean="0"/>
+              <a:t>LessThan</a:t>
+            </a:r>
+            <a:endParaRPr lang="en-US" dirty="0" smtClean="0"/>
+          </a:p>
+          <a:p>
+            <a:pPr lvl="1"/>
+            <a:r>
+              <a:rPr lang="en-US" b="1" dirty="0" smtClean="0"/>
+              <a:t>Shifts:</a:t>
+            </a:r>
+            <a:r>
+              <a:rPr lang="en-US" dirty="0" smtClean="0"/>
+              <a:t> </a:t>
+            </a:r>
+            <a:r>
+              <a:rPr lang="en-US" dirty="0" err="1" smtClean="0"/>
+              <a:t>shiftRightLogicalByScalar</a:t>
+            </a:r>
+            <a:r>
+              <a:rPr lang="en-US" dirty="0" smtClean="0"/>
+              <a:t>, </a:t>
+            </a:r>
+            <a:r>
+              <a:rPr lang="en-US" dirty="0" err="1" smtClean="0"/>
+              <a:t>shiftRightArithmeticByScalar</a:t>
+            </a:r>
+            <a:r>
+              <a:rPr lang="en-US" dirty="0" smtClean="0"/>
+              <a:t>, </a:t>
+            </a:r>
+            <a:r>
+              <a:rPr lang="en-US" dirty="0" err="1" smtClean="0"/>
+              <a:t>shiftLeftByScalar</a:t>
+            </a:r>
+            <a:endParaRPr lang="en-US" dirty="0" smtClean="0"/>
+          </a:p>
+          <a:p>
+            <a:pPr lvl="1"/>
+            <a:r>
+              <a:rPr lang="en-US" b="1" dirty="0" smtClean="0"/>
+              <a:t>Conversion:</a:t>
+            </a:r>
+            <a:r>
+              <a:rPr lang="en-US" dirty="0" smtClean="0"/>
+              <a:t> fromInt32x4, fromInt32x4Bits, etc.</a:t>
+            </a:r>
+          </a:p>
+          <a:p>
+            <a:pPr lvl="1"/>
+            <a:r>
+              <a:rPr lang="en-US" b="1" dirty="0" smtClean="0"/>
+              <a:t>Min/Max:</a:t>
+            </a:r>
+            <a:r>
+              <a:rPr lang="en-US" dirty="0" smtClean="0"/>
+              <a:t> min, </a:t>
+            </a:r>
+            <a:r>
+              <a:rPr lang="en-US" dirty="0" err="1" smtClean="0"/>
+              <a:t>minNum</a:t>
+            </a:r>
+            <a:r>
+              <a:rPr lang="en-US" dirty="0" smtClean="0"/>
+              <a:t>, max, </a:t>
+            </a:r>
+            <a:r>
+              <a:rPr lang="en-US" dirty="0" err="1" smtClean="0"/>
+              <a:t>maxNum</a:t>
+            </a:r>
+            <a:endParaRPr lang="en-US" dirty="0" smtClean="0"/>
+          </a:p>
+          <a:p>
+            <a:pPr lvl="1"/>
+            <a:endParaRPr lang="en-US" dirty="0"/>
+          </a:p>
+        </p:txBody>
+      </p:sp>
+    </p:spTree>
+    <p:extLst>
+      <p:ext uri="{BB962C8B-B14F-4D97-AF65-F5344CB8AC3E}">
+        <p14:creationId xmlns:p14="http://schemas.microsoft.com/office/powerpoint/2010/main" val="891530144"/>
+      </p:ext>
+    </p:extLst>
+  </p:cSld>
+  <p:clrMapOvr>
+    <a:masterClrMapping/>
+  </p:clrMapOvr>
+</p:sld>
+</file>
+
+<file path=ppt/slides/slide11.xml><?xml version="1.0" encoding="utf-8"?>
+<p:sld xmlns:a="http://schemas.openxmlformats.org/drawingml/2006/main" xmlns:r="http://schemas.openxmlformats.org/officeDocument/2006/relationships" xmlns:p="http://schemas.openxmlformats.org/presentationml/2006/main">
+  <p:cSld>
+    <p:spTree>
+      <p:nvGrpSpPr>
+        <p:cNvPr id="1" name=""/>
+        <p:cNvGrpSpPr/>
+        <p:nvPr/>
+      </p:nvGrpSpPr>
+      <p:grpSpPr>
+        <a:xfrm>
+          <a:off x="0" y="0"/>
+          <a:ext cx="0" cy="0"/>
+          <a:chOff x="0" y="0"/>
+          <a:chExt cx="0" cy="0"/>
+        </a:xfrm>
+      </p:grpSpPr>
+      <p:sp>
+        <p:nvSpPr>
+          <p:cNvPr id="2" name="Title 1"/>
+          <p:cNvSpPr>
+            <a:spLocks noGrp="1"/>
+          </p:cNvSpPr>
+          <p:nvPr>
+            <p:ph type="title"/>
+          </p:nvPr>
+        </p:nvSpPr>
+        <p:spPr/>
+        <p:txBody>
+          <a:bodyPr/>
+          <a:lstStyle/>
+          <a:p>
+            <a:r>
+              <a:rPr lang="en-US" dirty="0" smtClean="0"/>
+              <a:t>SIMD.JS – Example Usage - Mandelbrot</a:t>
+            </a:r>
+            <a:endParaRPr lang="en-US" dirty="0"/>
+          </a:p>
+        </p:txBody>
+      </p:sp>
+      <p:sp>
+        <p:nvSpPr>
+          <p:cNvPr id="4" name="TextBox 3"/>
+          <p:cNvSpPr txBox="1"/>
+          <p:nvPr/>
+        </p:nvSpPr>
+        <p:spPr>
+          <a:xfrm>
+            <a:off x="178129" y="1570036"/>
+            <a:ext cx="3966359" cy="4708981"/>
+          </a:xfrm>
+          <a:prstGeom prst="rect">
+            <a:avLst/>
+          </a:prstGeom>
+          <a:noFill/>
+        </p:spPr>
+        <p:txBody>
+          <a:bodyPr wrap="square" rtlCol="0">
+            <a:spAutoFit/>
+          </a:bodyPr>
+          <a:lstStyle/>
+          <a:p>
+            <a:r>
+              <a:rPr lang="en-US" sz="1200" dirty="0">
+                <a:solidFill>
+                  <a:schemeClr val="tx2"/>
+                </a:solidFill>
+                <a:latin typeface="Lucida Console" panose="020B0609040504020204" pitchFamily="49" charset="0"/>
+                <a:cs typeface="Neo Sans Intel"/>
+              </a:rPr>
+              <a:t>//</a:t>
+            </a:r>
+          </a:p>
+          <a:p>
+            <a:r>
+              <a:rPr lang="en-US" sz="1200" dirty="0">
+                <a:solidFill>
+                  <a:schemeClr val="tx2"/>
+                </a:solidFill>
+                <a:latin typeface="Lucida Console" panose="020B0609040504020204" pitchFamily="49" charset="0"/>
+                <a:cs typeface="Neo Sans Intel"/>
+              </a:rPr>
+              <a:t>// z(i+1) = z(i)^2 + c</a:t>
+            </a:r>
+          </a:p>
+          <a:p>
+            <a:r>
+              <a:rPr lang="en-US" sz="1200" dirty="0">
+                <a:solidFill>
+                  <a:schemeClr val="tx2"/>
+                </a:solidFill>
+                <a:latin typeface="Lucida Console" panose="020B0609040504020204" pitchFamily="49" charset="0"/>
+                <a:cs typeface="Neo Sans Intel"/>
+              </a:rPr>
+              <a:t>// terminate when |</a:t>
+            </a:r>
+            <a:r>
+              <a:rPr lang="en-US" sz="1200" dirty="0" smtClean="0">
+                <a:solidFill>
+                  <a:schemeClr val="tx2"/>
+                </a:solidFill>
+                <a:latin typeface="Lucida Console" panose="020B0609040504020204" pitchFamily="49" charset="0"/>
+                <a:cs typeface="Neo Sans Intel"/>
+              </a:rPr>
+              <a:t>z|^2 </a:t>
+            </a:r>
+            <a:r>
+              <a:rPr lang="en-US" sz="1200" dirty="0">
+                <a:solidFill>
+                  <a:schemeClr val="tx2"/>
+                </a:solidFill>
+                <a:latin typeface="Lucida Console" panose="020B0609040504020204" pitchFamily="49" charset="0"/>
+                <a:cs typeface="Neo Sans Intel"/>
+              </a:rPr>
+              <a:t>&gt; </a:t>
+            </a:r>
+            <a:r>
+              <a:rPr lang="en-US" sz="1200" dirty="0" smtClean="0">
+                <a:solidFill>
+                  <a:schemeClr val="tx2"/>
+                </a:solidFill>
+                <a:latin typeface="Lucida Console" panose="020B0609040504020204" pitchFamily="49" charset="0"/>
+                <a:cs typeface="Neo Sans Intel"/>
+              </a:rPr>
+              <a:t>4.0</a:t>
+            </a:r>
+            <a:endParaRPr lang="en-US" sz="1200" dirty="0">
+              <a:solidFill>
+                <a:schemeClr val="tx2"/>
+              </a:solidFill>
+              <a:latin typeface="Lucida Console" panose="020B0609040504020204" pitchFamily="49" charset="0"/>
+              <a:cs typeface="Neo Sans Intel"/>
+            </a:endParaRPr>
+          </a:p>
+          <a:p>
+            <a:r>
+              <a:rPr lang="en-US" sz="1200" dirty="0">
+                <a:solidFill>
+                  <a:schemeClr val="tx2"/>
+                </a:solidFill>
+                <a:latin typeface="Lucida Console" panose="020B0609040504020204" pitchFamily="49" charset="0"/>
+                <a:cs typeface="Neo Sans Intel"/>
+              </a:rPr>
+              <a:t>// returns 1 iteration count</a:t>
+            </a:r>
+          </a:p>
+          <a:p>
+            <a:r>
+              <a:rPr lang="en-US" sz="1200" dirty="0">
+                <a:solidFill>
+                  <a:schemeClr val="tx2"/>
+                </a:solidFill>
+                <a:latin typeface="Lucida Console" panose="020B0609040504020204" pitchFamily="49" charset="0"/>
+                <a:cs typeface="Neo Sans Intel"/>
+              </a:rPr>
+              <a:t>//</a:t>
+            </a:r>
+          </a:p>
+          <a:p>
+            <a:r>
+              <a:rPr lang="en-US" sz="1200" dirty="0">
+                <a:solidFill>
+                  <a:schemeClr val="tx2"/>
+                </a:solidFill>
+                <a:latin typeface="Lucida Console" panose="020B0609040504020204" pitchFamily="49" charset="0"/>
+                <a:cs typeface="Neo Sans Intel"/>
+              </a:rPr>
+              <a:t>function mandelx1 (</a:t>
+            </a:r>
+            <a:r>
+              <a:rPr lang="en-US" sz="1200" dirty="0" err="1">
+                <a:solidFill>
+                  <a:schemeClr val="tx2"/>
+                </a:solidFill>
+                <a:latin typeface="Lucida Console" panose="020B0609040504020204" pitchFamily="49" charset="0"/>
+                <a:cs typeface="Neo Sans Intel"/>
+              </a:rPr>
+              <a:t>c_re</a:t>
+            </a:r>
+            <a:r>
+              <a:rPr lang="en-US" sz="1200" dirty="0">
+                <a:solidFill>
+                  <a:schemeClr val="tx2"/>
+                </a:solidFill>
+                <a:latin typeface="Lucida Console" panose="020B0609040504020204" pitchFamily="49" charset="0"/>
+                <a:cs typeface="Neo Sans Intel"/>
+              </a:rPr>
+              <a:t>, </a:t>
+            </a:r>
+            <a:r>
+              <a:rPr lang="en-US" sz="1200" dirty="0" err="1">
+                <a:solidFill>
+                  <a:schemeClr val="tx2"/>
+                </a:solidFill>
+                <a:latin typeface="Lucida Console" panose="020B0609040504020204" pitchFamily="49" charset="0"/>
+                <a:cs typeface="Neo Sans Intel"/>
+              </a:rPr>
+              <a:t>c_im</a:t>
+            </a:r>
+            <a:r>
+              <a:rPr lang="en-US" sz="1200" dirty="0">
+                <a:solidFill>
+                  <a:schemeClr val="tx2"/>
+                </a:solidFill>
+                <a:latin typeface="Lucida Console" panose="020B0609040504020204" pitchFamily="49" charset="0"/>
+                <a:cs typeface="Neo Sans Intel"/>
+              </a:rPr>
+              <a:t>) {</a:t>
+            </a:r>
+          </a:p>
+          <a:p>
+            <a:r>
+              <a:rPr lang="en-US" sz="1200" dirty="0">
+                <a:solidFill>
+                  <a:schemeClr val="tx2"/>
+                </a:solidFill>
+                <a:latin typeface="Lucida Console" panose="020B0609040504020204" pitchFamily="49" charset="0"/>
+                <a:cs typeface="Neo Sans Intel"/>
+              </a:rPr>
+              <a:t>  </a:t>
+            </a:r>
+            <a:r>
+              <a:rPr lang="en-US" sz="1200" dirty="0" err="1">
+                <a:solidFill>
+                  <a:schemeClr val="tx2"/>
+                </a:solidFill>
+                <a:latin typeface="Lucida Console" panose="020B0609040504020204" pitchFamily="49" charset="0"/>
+                <a:cs typeface="Neo Sans Intel"/>
+              </a:rPr>
+              <a:t>var</a:t>
+            </a:r>
+            <a:r>
+              <a:rPr lang="en-US" sz="1200" dirty="0">
+                <a:solidFill>
+                  <a:schemeClr val="tx2"/>
+                </a:solidFill>
+                <a:latin typeface="Lucida Console" panose="020B0609040504020204" pitchFamily="49" charset="0"/>
+                <a:cs typeface="Neo Sans Intel"/>
+              </a:rPr>
+              <a:t> </a:t>
+            </a:r>
+            <a:r>
+              <a:rPr lang="en-US" sz="1200" dirty="0" err="1">
+                <a:solidFill>
+                  <a:schemeClr val="tx2"/>
+                </a:solidFill>
+                <a:latin typeface="Lucida Console" panose="020B0609040504020204" pitchFamily="49" charset="0"/>
+                <a:cs typeface="Neo Sans Intel"/>
+              </a:rPr>
+              <a:t>z_re</a:t>
+            </a:r>
+            <a:r>
+              <a:rPr lang="en-US" sz="1200" dirty="0">
+                <a:solidFill>
+                  <a:schemeClr val="tx2"/>
+                </a:solidFill>
+                <a:latin typeface="Lucida Console" panose="020B0609040504020204" pitchFamily="49" charset="0"/>
+                <a:cs typeface="Neo Sans Intel"/>
+              </a:rPr>
+              <a:t> = </a:t>
+            </a:r>
+            <a:r>
+              <a:rPr lang="en-US" sz="1200" dirty="0" err="1">
+                <a:solidFill>
+                  <a:schemeClr val="tx2"/>
+                </a:solidFill>
+                <a:latin typeface="Lucida Console" panose="020B0609040504020204" pitchFamily="49" charset="0"/>
+                <a:cs typeface="Neo Sans Intel"/>
+              </a:rPr>
+              <a:t>c_re</a:t>
+            </a:r>
+            <a:r>
+              <a:rPr lang="en-US" sz="1200" dirty="0">
+                <a:solidFill>
+                  <a:schemeClr val="tx2"/>
+                </a:solidFill>
+                <a:latin typeface="Lucida Console" panose="020B0609040504020204" pitchFamily="49" charset="0"/>
+                <a:cs typeface="Neo Sans Intel"/>
+              </a:rPr>
+              <a:t>, </a:t>
+            </a:r>
+            <a:r>
+              <a:rPr lang="en-US" sz="1200" dirty="0" err="1">
+                <a:solidFill>
+                  <a:schemeClr val="tx2"/>
+                </a:solidFill>
+                <a:latin typeface="Lucida Console" panose="020B0609040504020204" pitchFamily="49" charset="0"/>
+                <a:cs typeface="Neo Sans Intel"/>
+              </a:rPr>
+              <a:t>z_im</a:t>
+            </a:r>
+            <a:r>
+              <a:rPr lang="en-US" sz="1200" dirty="0">
+                <a:solidFill>
+                  <a:schemeClr val="tx2"/>
+                </a:solidFill>
+                <a:latin typeface="Lucida Console" panose="020B0609040504020204" pitchFamily="49" charset="0"/>
+                <a:cs typeface="Neo Sans Intel"/>
+              </a:rPr>
+              <a:t> = </a:t>
+            </a:r>
+            <a:r>
+              <a:rPr lang="en-US" sz="1200" dirty="0" err="1">
+                <a:solidFill>
+                  <a:schemeClr val="tx2"/>
+                </a:solidFill>
+                <a:latin typeface="Lucida Console" panose="020B0609040504020204" pitchFamily="49" charset="0"/>
+                <a:cs typeface="Neo Sans Intel"/>
+              </a:rPr>
+              <a:t>c_im</a:t>
+            </a:r>
+            <a:r>
+              <a:rPr lang="en-US" sz="1200" dirty="0">
+                <a:solidFill>
+                  <a:schemeClr val="tx2"/>
+                </a:solidFill>
+                <a:latin typeface="Lucida Console" panose="020B0609040504020204" pitchFamily="49" charset="0"/>
+                <a:cs typeface="Neo Sans Intel"/>
+              </a:rPr>
+              <a:t>, i;</a:t>
+            </a:r>
+          </a:p>
+          <a:p>
+            <a:endParaRPr lang="en-US" sz="1200" dirty="0" smtClean="0">
+              <a:solidFill>
+                <a:schemeClr val="tx2"/>
+              </a:solidFill>
+              <a:latin typeface="Lucida Console" panose="020B0609040504020204" pitchFamily="49" charset="0"/>
+              <a:cs typeface="Neo Sans Intel"/>
+            </a:endParaRPr>
+          </a:p>
+          <a:p>
+            <a:r>
+              <a:rPr lang="en-US" sz="1200" dirty="0" smtClean="0">
+                <a:solidFill>
+                  <a:schemeClr val="tx2"/>
+                </a:solidFill>
+                <a:latin typeface="Lucida Console" panose="020B0609040504020204" pitchFamily="49" charset="0"/>
+                <a:cs typeface="Neo Sans Intel"/>
+              </a:rPr>
+              <a:t>  </a:t>
+            </a:r>
+            <a:endParaRPr lang="en-US" sz="1200" dirty="0">
+              <a:solidFill>
+                <a:schemeClr val="tx2"/>
+              </a:solidFill>
+              <a:latin typeface="Lucida Console" panose="020B0609040504020204" pitchFamily="49" charset="0"/>
+              <a:cs typeface="Neo Sans Intel"/>
+            </a:endParaRPr>
+          </a:p>
+          <a:p>
+            <a:r>
+              <a:rPr lang="en-US" sz="1200" dirty="0">
+                <a:solidFill>
+                  <a:schemeClr val="tx2"/>
+                </a:solidFill>
+                <a:latin typeface="Lucida Console" panose="020B0609040504020204" pitchFamily="49" charset="0"/>
+                <a:cs typeface="Neo Sans Intel"/>
+              </a:rPr>
+              <a:t>  for (i = 0; i &lt; </a:t>
+            </a:r>
+            <a:r>
+              <a:rPr lang="en-US" sz="1200" dirty="0" err="1">
+                <a:solidFill>
+                  <a:schemeClr val="tx2"/>
+                </a:solidFill>
+                <a:latin typeface="Lucida Console" panose="020B0609040504020204" pitchFamily="49" charset="0"/>
+                <a:cs typeface="Neo Sans Intel"/>
+              </a:rPr>
+              <a:t>max_iterations</a:t>
+            </a:r>
+            <a:r>
+              <a:rPr lang="en-US" sz="1200" dirty="0">
+                <a:solidFill>
+                  <a:schemeClr val="tx2"/>
+                </a:solidFill>
+                <a:latin typeface="Lucida Console" panose="020B0609040504020204" pitchFamily="49" charset="0"/>
+                <a:cs typeface="Neo Sans Intel"/>
+              </a:rPr>
+              <a:t>; ++i) {</a:t>
+            </a:r>
+          </a:p>
+          <a:p>
+            <a:r>
+              <a:rPr lang="en-US" sz="1200" dirty="0">
+                <a:solidFill>
+                  <a:schemeClr val="tx2"/>
+                </a:solidFill>
+                <a:latin typeface="Lucida Console" panose="020B0609040504020204" pitchFamily="49" charset="0"/>
+                <a:cs typeface="Neo Sans Intel"/>
+              </a:rPr>
+              <a:t>    </a:t>
+            </a:r>
+            <a:r>
+              <a:rPr lang="en-US" sz="1200" dirty="0" err="1">
+                <a:solidFill>
+                  <a:schemeClr val="tx2"/>
+                </a:solidFill>
+                <a:latin typeface="Lucida Console" panose="020B0609040504020204" pitchFamily="49" charset="0"/>
+                <a:cs typeface="Neo Sans Intel"/>
+              </a:rPr>
+              <a:t>var</a:t>
+            </a:r>
+            <a:r>
+              <a:rPr lang="en-US" sz="1200" dirty="0">
+                <a:solidFill>
+                  <a:schemeClr val="tx2"/>
+                </a:solidFill>
+                <a:latin typeface="Lucida Console" panose="020B0609040504020204" pitchFamily="49" charset="0"/>
+                <a:cs typeface="Neo Sans Intel"/>
+              </a:rPr>
+              <a:t> z_re2 = </a:t>
+            </a:r>
+            <a:r>
+              <a:rPr lang="en-US" sz="1200" dirty="0" err="1">
+                <a:solidFill>
+                  <a:schemeClr val="tx2"/>
+                </a:solidFill>
+                <a:latin typeface="Lucida Console" panose="020B0609040504020204" pitchFamily="49" charset="0"/>
+                <a:cs typeface="Neo Sans Intel"/>
+              </a:rPr>
+              <a:t>z_re</a:t>
+            </a:r>
+            <a:r>
+              <a:rPr lang="en-US" sz="1200" dirty="0">
+                <a:solidFill>
+                  <a:schemeClr val="tx2"/>
+                </a:solidFill>
+                <a:latin typeface="Lucida Console" panose="020B0609040504020204" pitchFamily="49" charset="0"/>
+                <a:cs typeface="Neo Sans Intel"/>
+              </a:rPr>
+              <a:t>*</a:t>
+            </a:r>
+            <a:r>
+              <a:rPr lang="en-US" sz="1200" dirty="0" err="1">
+                <a:solidFill>
+                  <a:schemeClr val="tx2"/>
+                </a:solidFill>
+                <a:latin typeface="Lucida Console" panose="020B0609040504020204" pitchFamily="49" charset="0"/>
+                <a:cs typeface="Neo Sans Intel"/>
+              </a:rPr>
+              <a:t>z_re</a:t>
+            </a:r>
+            <a:r>
+              <a:rPr lang="en-US" sz="1200" dirty="0">
+                <a:solidFill>
+                  <a:schemeClr val="tx2"/>
+                </a:solidFill>
+                <a:latin typeface="Lucida Console" panose="020B0609040504020204" pitchFamily="49" charset="0"/>
+                <a:cs typeface="Neo Sans Intel"/>
+              </a:rPr>
+              <a:t>;</a:t>
+            </a:r>
+          </a:p>
+          <a:p>
+            <a:r>
+              <a:rPr lang="en-US" sz="1200" dirty="0">
+                <a:solidFill>
+                  <a:schemeClr val="tx2"/>
+                </a:solidFill>
+                <a:latin typeface="Lucida Console" panose="020B0609040504020204" pitchFamily="49" charset="0"/>
+                <a:cs typeface="Neo Sans Intel"/>
+              </a:rPr>
+              <a:t>    </a:t>
+            </a:r>
+            <a:r>
+              <a:rPr lang="en-US" sz="1200" dirty="0" err="1">
+                <a:solidFill>
+                  <a:schemeClr val="tx2"/>
+                </a:solidFill>
+                <a:latin typeface="Lucida Console" panose="020B0609040504020204" pitchFamily="49" charset="0"/>
+                <a:cs typeface="Neo Sans Intel"/>
+              </a:rPr>
+              <a:t>var</a:t>
+            </a:r>
+            <a:r>
+              <a:rPr lang="en-US" sz="1200" dirty="0">
+                <a:solidFill>
+                  <a:schemeClr val="tx2"/>
+                </a:solidFill>
+                <a:latin typeface="Lucida Console" panose="020B0609040504020204" pitchFamily="49" charset="0"/>
+                <a:cs typeface="Neo Sans Intel"/>
+              </a:rPr>
+              <a:t> z_im2 = </a:t>
+            </a:r>
+            <a:r>
+              <a:rPr lang="en-US" sz="1200" dirty="0" err="1">
+                <a:solidFill>
+                  <a:schemeClr val="tx2"/>
+                </a:solidFill>
+                <a:latin typeface="Lucida Console" panose="020B0609040504020204" pitchFamily="49" charset="0"/>
+                <a:cs typeface="Neo Sans Intel"/>
+              </a:rPr>
+              <a:t>z_im</a:t>
+            </a:r>
+            <a:r>
+              <a:rPr lang="en-US" sz="1200" dirty="0">
+                <a:solidFill>
+                  <a:schemeClr val="tx2"/>
+                </a:solidFill>
+                <a:latin typeface="Lucida Console" panose="020B0609040504020204" pitchFamily="49" charset="0"/>
+                <a:cs typeface="Neo Sans Intel"/>
+              </a:rPr>
+              <a:t>*</a:t>
+            </a:r>
+            <a:r>
+              <a:rPr lang="en-US" sz="1200" dirty="0" err="1">
+                <a:solidFill>
+                  <a:schemeClr val="tx2"/>
+                </a:solidFill>
+                <a:latin typeface="Lucida Console" panose="020B0609040504020204" pitchFamily="49" charset="0"/>
+                <a:cs typeface="Neo Sans Intel"/>
+              </a:rPr>
+              <a:t>z_im</a:t>
+            </a:r>
+            <a:r>
+              <a:rPr lang="en-US" sz="1200" dirty="0" smtClean="0">
+                <a:solidFill>
+                  <a:schemeClr val="tx2"/>
+                </a:solidFill>
+                <a:latin typeface="Lucida Console" panose="020B0609040504020204" pitchFamily="49" charset="0"/>
+                <a:cs typeface="Neo Sans Intel"/>
+              </a:rPr>
+              <a:t>;</a:t>
+            </a:r>
+          </a:p>
+          <a:p>
+            <a:endParaRPr lang="en-US" sz="1200" dirty="0" smtClean="0">
+              <a:solidFill>
+                <a:schemeClr val="tx2"/>
+              </a:solidFill>
+              <a:latin typeface="Lucida Console" panose="020B0609040504020204" pitchFamily="49" charset="0"/>
+              <a:cs typeface="Neo Sans Intel"/>
+            </a:endParaRPr>
+          </a:p>
+          <a:p>
+            <a:r>
+              <a:rPr lang="en-US" sz="1200" dirty="0" smtClean="0">
+                <a:solidFill>
+                  <a:schemeClr val="tx2"/>
+                </a:solidFill>
+                <a:latin typeface="Lucida Console" panose="020B0609040504020204" pitchFamily="49" charset="0"/>
+                <a:cs typeface="Neo Sans Intel"/>
+              </a:rPr>
+              <a:t>    if </a:t>
+            </a:r>
+            <a:r>
+              <a:rPr lang="en-US" sz="1200" dirty="0">
+                <a:solidFill>
+                  <a:schemeClr val="tx2"/>
+                </a:solidFill>
+                <a:latin typeface="Lucida Console" panose="020B0609040504020204" pitchFamily="49" charset="0"/>
+                <a:cs typeface="Neo Sans Intel"/>
+              </a:rPr>
+              <a:t>(z_re2 + z_im2 &gt; 4.0) {</a:t>
+            </a:r>
+          </a:p>
+          <a:p>
+            <a:r>
+              <a:rPr lang="en-US" sz="1200" dirty="0" smtClean="0">
+                <a:solidFill>
+                  <a:schemeClr val="tx2"/>
+                </a:solidFill>
+                <a:latin typeface="Lucida Console" panose="020B0609040504020204" pitchFamily="49" charset="0"/>
+                <a:cs typeface="Neo Sans Intel"/>
+              </a:rPr>
+              <a:t>      </a:t>
+            </a:r>
+            <a:r>
+              <a:rPr lang="en-US" sz="1200" dirty="0">
+                <a:solidFill>
+                  <a:schemeClr val="tx2"/>
+                </a:solidFill>
+                <a:latin typeface="Lucida Console" panose="020B0609040504020204" pitchFamily="49" charset="0"/>
+                <a:cs typeface="Neo Sans Intel"/>
+              </a:rPr>
+              <a:t>// iteration has </a:t>
+            </a:r>
+            <a:r>
+              <a:rPr lang="en-US" sz="1200" dirty="0" smtClean="0">
+                <a:solidFill>
+                  <a:schemeClr val="tx2"/>
+                </a:solidFill>
+                <a:latin typeface="Lucida Console" panose="020B0609040504020204" pitchFamily="49" charset="0"/>
+                <a:cs typeface="Neo Sans Intel"/>
+              </a:rPr>
+              <a:t>diverged</a:t>
+            </a:r>
+          </a:p>
+          <a:p>
+            <a:r>
+              <a:rPr lang="en-US" sz="1200" dirty="0" smtClean="0">
+                <a:solidFill>
+                  <a:schemeClr val="tx2"/>
+                </a:solidFill>
+                <a:latin typeface="Lucida Console" panose="020B0609040504020204" pitchFamily="49" charset="0"/>
+                <a:cs typeface="Neo Sans Intel"/>
+              </a:rPr>
+              <a:t>      </a:t>
+            </a:r>
+            <a:r>
+              <a:rPr lang="en-US" sz="1200" dirty="0">
+                <a:solidFill>
+                  <a:schemeClr val="tx2"/>
+                </a:solidFill>
+                <a:latin typeface="Lucida Console" panose="020B0609040504020204" pitchFamily="49" charset="0"/>
+                <a:cs typeface="Neo Sans Intel"/>
+              </a:rPr>
+              <a:t>break;</a:t>
+            </a:r>
+          </a:p>
+          <a:p>
+            <a:r>
+              <a:rPr lang="en-US" sz="1200" dirty="0">
+                <a:solidFill>
+                  <a:schemeClr val="tx2"/>
+                </a:solidFill>
+                <a:latin typeface="Lucida Console" panose="020B0609040504020204" pitchFamily="49" charset="0"/>
+                <a:cs typeface="Neo Sans Intel"/>
+              </a:rPr>
+              <a:t>    }</a:t>
+            </a:r>
+          </a:p>
+          <a:p>
+            <a:r>
+              <a:rPr lang="en-US" sz="1200" dirty="0" smtClean="0">
+                <a:solidFill>
+                  <a:schemeClr val="tx2"/>
+                </a:solidFill>
+                <a:latin typeface="Lucida Console" panose="020B0609040504020204" pitchFamily="49" charset="0"/>
+                <a:cs typeface="Neo Sans Intel"/>
+              </a:rPr>
+              <a:t>    </a:t>
+            </a:r>
+            <a:r>
+              <a:rPr lang="en-US" sz="1200" dirty="0" err="1">
+                <a:solidFill>
+                  <a:schemeClr val="tx2"/>
+                </a:solidFill>
+                <a:latin typeface="Lucida Console" panose="020B0609040504020204" pitchFamily="49" charset="0"/>
+                <a:cs typeface="Neo Sans Intel"/>
+              </a:rPr>
+              <a:t>var</a:t>
+            </a:r>
+            <a:r>
+              <a:rPr lang="en-US" sz="1200" dirty="0">
+                <a:solidFill>
+                  <a:schemeClr val="tx2"/>
+                </a:solidFill>
+                <a:latin typeface="Lucida Console" panose="020B0609040504020204" pitchFamily="49" charset="0"/>
+                <a:cs typeface="Neo Sans Intel"/>
+              </a:rPr>
+              <a:t> </a:t>
+            </a:r>
+            <a:r>
+              <a:rPr lang="en-US" sz="1200" dirty="0" err="1">
+                <a:solidFill>
+                  <a:schemeClr val="tx2"/>
+                </a:solidFill>
+                <a:latin typeface="Lucida Console" panose="020B0609040504020204" pitchFamily="49" charset="0"/>
+                <a:cs typeface="Neo Sans Intel"/>
+              </a:rPr>
+              <a:t>new_re</a:t>
+            </a:r>
+            <a:r>
+              <a:rPr lang="en-US" sz="1200" dirty="0">
+                <a:solidFill>
+                  <a:schemeClr val="tx2"/>
+                </a:solidFill>
+                <a:latin typeface="Lucida Console" panose="020B0609040504020204" pitchFamily="49" charset="0"/>
+                <a:cs typeface="Neo Sans Intel"/>
+              </a:rPr>
+              <a:t> = z_re2 - z_im2;</a:t>
+            </a:r>
+          </a:p>
+          <a:p>
+            <a:r>
+              <a:rPr lang="en-US" sz="1200" dirty="0">
+                <a:solidFill>
+                  <a:schemeClr val="tx2"/>
+                </a:solidFill>
+                <a:latin typeface="Lucida Console" panose="020B0609040504020204" pitchFamily="49" charset="0"/>
+                <a:cs typeface="Neo Sans Intel"/>
+              </a:rPr>
+              <a:t>    </a:t>
+            </a:r>
+            <a:r>
+              <a:rPr lang="en-US" sz="1200" dirty="0" err="1">
+                <a:solidFill>
+                  <a:schemeClr val="tx2"/>
+                </a:solidFill>
+                <a:latin typeface="Lucida Console" panose="020B0609040504020204" pitchFamily="49" charset="0"/>
+                <a:cs typeface="Neo Sans Intel"/>
+              </a:rPr>
+              <a:t>var</a:t>
+            </a:r>
+            <a:r>
+              <a:rPr lang="en-US" sz="1200" dirty="0">
+                <a:solidFill>
+                  <a:schemeClr val="tx2"/>
+                </a:solidFill>
+                <a:latin typeface="Lucida Console" panose="020B0609040504020204" pitchFamily="49" charset="0"/>
+                <a:cs typeface="Neo Sans Intel"/>
+              </a:rPr>
+              <a:t> </a:t>
+            </a:r>
+            <a:r>
+              <a:rPr lang="en-US" sz="1200" dirty="0" err="1">
+                <a:solidFill>
+                  <a:schemeClr val="tx2"/>
+                </a:solidFill>
+                <a:latin typeface="Lucida Console" panose="020B0609040504020204" pitchFamily="49" charset="0"/>
+                <a:cs typeface="Neo Sans Intel"/>
+              </a:rPr>
+              <a:t>new_im</a:t>
+            </a:r>
+            <a:r>
+              <a:rPr lang="en-US" sz="1200" dirty="0">
+                <a:solidFill>
+                  <a:schemeClr val="tx2"/>
+                </a:solidFill>
+                <a:latin typeface="Lucida Console" panose="020B0609040504020204" pitchFamily="49" charset="0"/>
+                <a:cs typeface="Neo Sans Intel"/>
+              </a:rPr>
+              <a:t> = 2.0 * </a:t>
+            </a:r>
+            <a:r>
+              <a:rPr lang="en-US" sz="1200" dirty="0" err="1">
+                <a:solidFill>
+                  <a:schemeClr val="tx2"/>
+                </a:solidFill>
+                <a:latin typeface="Lucida Console" panose="020B0609040504020204" pitchFamily="49" charset="0"/>
+                <a:cs typeface="Neo Sans Intel"/>
+              </a:rPr>
+              <a:t>z_re</a:t>
+            </a:r>
+            <a:r>
+              <a:rPr lang="en-US" sz="1200" dirty="0">
+                <a:solidFill>
+                  <a:schemeClr val="tx2"/>
+                </a:solidFill>
+                <a:latin typeface="Lucida Console" panose="020B0609040504020204" pitchFamily="49" charset="0"/>
+                <a:cs typeface="Neo Sans Intel"/>
+              </a:rPr>
+              <a:t> * </a:t>
+            </a:r>
+            <a:r>
+              <a:rPr lang="en-US" sz="1200" dirty="0" err="1">
+                <a:solidFill>
+                  <a:schemeClr val="tx2"/>
+                </a:solidFill>
+                <a:latin typeface="Lucida Console" panose="020B0609040504020204" pitchFamily="49" charset="0"/>
+                <a:cs typeface="Neo Sans Intel"/>
+              </a:rPr>
+              <a:t>z_im</a:t>
+            </a:r>
+            <a:r>
+              <a:rPr lang="en-US" sz="1200" dirty="0">
+                <a:solidFill>
+                  <a:schemeClr val="tx2"/>
+                </a:solidFill>
+                <a:latin typeface="Lucida Console" panose="020B0609040504020204" pitchFamily="49" charset="0"/>
+                <a:cs typeface="Neo Sans Intel"/>
+              </a:rPr>
+              <a:t>;</a:t>
+            </a:r>
+          </a:p>
+          <a:p>
+            <a:r>
+              <a:rPr lang="en-US" sz="1200" dirty="0">
+                <a:solidFill>
+                  <a:schemeClr val="tx2"/>
+                </a:solidFill>
+                <a:latin typeface="Lucida Console" panose="020B0609040504020204" pitchFamily="49" charset="0"/>
+                <a:cs typeface="Neo Sans Intel"/>
+              </a:rPr>
+              <a:t>    </a:t>
+            </a:r>
+            <a:r>
+              <a:rPr lang="en-US" sz="1200" dirty="0" err="1">
+                <a:solidFill>
+                  <a:schemeClr val="tx2"/>
+                </a:solidFill>
+                <a:latin typeface="Lucida Console" panose="020B0609040504020204" pitchFamily="49" charset="0"/>
+                <a:cs typeface="Neo Sans Intel"/>
+              </a:rPr>
+              <a:t>z_re</a:t>
+            </a:r>
+            <a:r>
+              <a:rPr lang="en-US" sz="1200" dirty="0">
+                <a:solidFill>
+                  <a:schemeClr val="tx2"/>
+                </a:solidFill>
+                <a:latin typeface="Lucida Console" panose="020B0609040504020204" pitchFamily="49" charset="0"/>
+                <a:cs typeface="Neo Sans Intel"/>
+              </a:rPr>
+              <a:t> = </a:t>
+            </a:r>
+            <a:r>
+              <a:rPr lang="en-US" sz="1200" dirty="0" err="1">
+                <a:solidFill>
+                  <a:schemeClr val="tx2"/>
+                </a:solidFill>
+                <a:latin typeface="Lucida Console" panose="020B0609040504020204" pitchFamily="49" charset="0"/>
+                <a:cs typeface="Neo Sans Intel"/>
+              </a:rPr>
+              <a:t>c_re</a:t>
+            </a:r>
+            <a:r>
+              <a:rPr lang="en-US" sz="1200" dirty="0">
+                <a:solidFill>
+                  <a:schemeClr val="tx2"/>
+                </a:solidFill>
+                <a:latin typeface="Lucida Console" panose="020B0609040504020204" pitchFamily="49" charset="0"/>
+                <a:cs typeface="Neo Sans Intel"/>
+              </a:rPr>
+              <a:t> + </a:t>
+            </a:r>
+            <a:r>
+              <a:rPr lang="en-US" sz="1200" dirty="0" err="1">
+                <a:solidFill>
+                  <a:schemeClr val="tx2"/>
+                </a:solidFill>
+                <a:latin typeface="Lucida Console" panose="020B0609040504020204" pitchFamily="49" charset="0"/>
+                <a:cs typeface="Neo Sans Intel"/>
+              </a:rPr>
+              <a:t>new_re</a:t>
+            </a:r>
+            <a:r>
+              <a:rPr lang="en-US" sz="1200" dirty="0">
+                <a:solidFill>
+                  <a:schemeClr val="tx2"/>
+                </a:solidFill>
+                <a:latin typeface="Lucida Console" panose="020B0609040504020204" pitchFamily="49" charset="0"/>
+                <a:cs typeface="Neo Sans Intel"/>
+              </a:rPr>
+              <a:t>;</a:t>
+            </a:r>
+          </a:p>
+          <a:p>
+            <a:r>
+              <a:rPr lang="en-US" sz="1200" dirty="0">
+                <a:solidFill>
+                  <a:schemeClr val="tx2"/>
+                </a:solidFill>
+                <a:latin typeface="Lucida Console" panose="020B0609040504020204" pitchFamily="49" charset="0"/>
+                <a:cs typeface="Neo Sans Intel"/>
+              </a:rPr>
+              <a:t>    </a:t>
+            </a:r>
+            <a:r>
+              <a:rPr lang="en-US" sz="1200" dirty="0" err="1">
+                <a:solidFill>
+                  <a:schemeClr val="tx2"/>
+                </a:solidFill>
+                <a:latin typeface="Lucida Console" panose="020B0609040504020204" pitchFamily="49" charset="0"/>
+                <a:cs typeface="Neo Sans Intel"/>
+              </a:rPr>
+              <a:t>z_im</a:t>
+            </a:r>
+            <a:r>
+              <a:rPr lang="en-US" sz="1200" dirty="0">
+                <a:solidFill>
+                  <a:schemeClr val="tx2"/>
+                </a:solidFill>
+                <a:latin typeface="Lucida Console" panose="020B0609040504020204" pitchFamily="49" charset="0"/>
+                <a:cs typeface="Neo Sans Intel"/>
+              </a:rPr>
+              <a:t> = </a:t>
+            </a:r>
+            <a:r>
+              <a:rPr lang="en-US" sz="1200" dirty="0" err="1">
+                <a:solidFill>
+                  <a:schemeClr val="tx2"/>
+                </a:solidFill>
+                <a:latin typeface="Lucida Console" panose="020B0609040504020204" pitchFamily="49" charset="0"/>
+                <a:cs typeface="Neo Sans Intel"/>
+              </a:rPr>
+              <a:t>c_im</a:t>
+            </a:r>
+            <a:r>
+              <a:rPr lang="en-US" sz="1200" dirty="0">
+                <a:solidFill>
+                  <a:schemeClr val="tx2"/>
+                </a:solidFill>
+                <a:latin typeface="Lucida Console" panose="020B0609040504020204" pitchFamily="49" charset="0"/>
+                <a:cs typeface="Neo Sans Intel"/>
+              </a:rPr>
+              <a:t> + </a:t>
+            </a:r>
+            <a:r>
+              <a:rPr lang="en-US" sz="1200" dirty="0" err="1">
+                <a:solidFill>
+                  <a:schemeClr val="tx2"/>
+                </a:solidFill>
+                <a:latin typeface="Lucida Console" panose="020B0609040504020204" pitchFamily="49" charset="0"/>
+                <a:cs typeface="Neo Sans Intel"/>
+              </a:rPr>
+              <a:t>new_im</a:t>
+            </a:r>
+            <a:r>
+              <a:rPr lang="en-US" sz="1200" dirty="0" smtClean="0">
+                <a:solidFill>
+                  <a:schemeClr val="tx2"/>
+                </a:solidFill>
+                <a:latin typeface="Lucida Console" panose="020B0609040504020204" pitchFamily="49" charset="0"/>
+                <a:cs typeface="Neo Sans Intel"/>
+              </a:rPr>
+              <a:t>;</a:t>
+            </a:r>
+          </a:p>
+          <a:p>
+            <a:endParaRPr lang="en-US" sz="1200" dirty="0">
+              <a:solidFill>
+                <a:schemeClr val="tx2"/>
+              </a:solidFill>
+              <a:latin typeface="Lucida Console" panose="020B0609040504020204" pitchFamily="49" charset="0"/>
+              <a:cs typeface="Neo Sans Intel"/>
+            </a:endParaRPr>
+          </a:p>
+          <a:p>
+            <a:r>
+              <a:rPr lang="en-US" sz="1200" dirty="0">
+                <a:solidFill>
+                  <a:schemeClr val="tx2"/>
+                </a:solidFill>
+                <a:latin typeface="Lucida Console" panose="020B0609040504020204" pitchFamily="49" charset="0"/>
+                <a:cs typeface="Neo Sans Intel"/>
+              </a:rPr>
+              <a:t>  }</a:t>
+            </a:r>
+          </a:p>
+          <a:p>
+            <a:r>
+              <a:rPr lang="en-US" sz="1200" dirty="0">
+                <a:solidFill>
+                  <a:schemeClr val="tx2"/>
+                </a:solidFill>
+                <a:latin typeface="Lucida Console" panose="020B0609040504020204" pitchFamily="49" charset="0"/>
+                <a:cs typeface="Neo Sans Intel"/>
+              </a:rPr>
+              <a:t>  return i;</a:t>
+            </a:r>
+          </a:p>
+          <a:p>
+            <a:r>
+              <a:rPr lang="en-US" sz="1200" dirty="0">
+                <a:solidFill>
+                  <a:schemeClr val="tx2"/>
+                </a:solidFill>
+                <a:latin typeface="Lucida Console" panose="020B0609040504020204" pitchFamily="49" charset="0"/>
+                <a:cs typeface="Neo Sans Intel"/>
+              </a:rPr>
+              <a:t>}</a:t>
+            </a:r>
+            <a:endParaRPr lang="en-US" sz="1200" dirty="0" smtClean="0">
+              <a:solidFill>
+                <a:schemeClr val="tx2"/>
+              </a:solidFill>
+              <a:latin typeface="Lucida Console" panose="020B0609040504020204" pitchFamily="49" charset="0"/>
+              <a:cs typeface="Neo Sans Intel"/>
+            </a:endParaRPr>
+          </a:p>
+        </p:txBody>
+      </p:sp>
+      <p:sp>
+        <p:nvSpPr>
+          <p:cNvPr id="5" name="TextBox 4"/>
+          <p:cNvSpPr txBox="1"/>
+          <p:nvPr/>
+        </p:nvSpPr>
+        <p:spPr>
+          <a:xfrm>
+            <a:off x="4476426" y="1570035"/>
+            <a:ext cx="7715574" cy="4708981"/>
+          </a:xfrm>
+          <a:prstGeom prst="rect">
+            <a:avLst/>
+          </a:prstGeom>
+          <a:noFill/>
+        </p:spPr>
+        <p:txBody>
+          <a:bodyPr wrap="none" rtlCol="0">
+            <a:spAutoFit/>
+          </a:bodyPr>
+          <a:lstStyle/>
+          <a:p>
+            <a:r>
+              <a:rPr lang="en-US" sz="1200" dirty="0">
+                <a:solidFill>
+                  <a:schemeClr val="tx2"/>
+                </a:solidFill>
+                <a:latin typeface="Lucida Console" panose="020B0609040504020204" pitchFamily="49" charset="0"/>
+                <a:cs typeface="Neo Sans Intel"/>
+              </a:rPr>
+              <a:t>function mandelx4(c_re4, c_im4) {</a:t>
+            </a:r>
+          </a:p>
+          <a:p>
+            <a:r>
+              <a:rPr lang="en-US" sz="1200" dirty="0">
+                <a:solidFill>
+                  <a:schemeClr val="tx2"/>
+                </a:solidFill>
+                <a:latin typeface="Lucida Console" panose="020B0609040504020204" pitchFamily="49" charset="0"/>
+                <a:cs typeface="Neo Sans Intel"/>
+              </a:rPr>
+              <a:t>  </a:t>
+            </a:r>
+            <a:r>
+              <a:rPr lang="en-US" sz="1200" dirty="0" err="1">
+                <a:solidFill>
+                  <a:schemeClr val="tx2"/>
+                </a:solidFill>
+                <a:latin typeface="Lucida Console" panose="020B0609040504020204" pitchFamily="49" charset="0"/>
+                <a:cs typeface="Neo Sans Intel"/>
+              </a:rPr>
+              <a:t>var</a:t>
+            </a:r>
+            <a:r>
+              <a:rPr lang="en-US" sz="1200" dirty="0">
+                <a:solidFill>
+                  <a:schemeClr val="tx2"/>
+                </a:solidFill>
+                <a:latin typeface="Lucida Console" panose="020B0609040504020204" pitchFamily="49" charset="0"/>
+                <a:cs typeface="Neo Sans Intel"/>
+              </a:rPr>
+              <a:t> z_re4  = c_re4,</a:t>
+            </a:r>
+          </a:p>
+          <a:p>
+            <a:r>
+              <a:rPr lang="en-US" sz="1200" dirty="0">
+                <a:solidFill>
+                  <a:schemeClr val="tx2"/>
+                </a:solidFill>
+                <a:latin typeface="Lucida Console" panose="020B0609040504020204" pitchFamily="49" charset="0"/>
+                <a:cs typeface="Neo Sans Intel"/>
+              </a:rPr>
+              <a:t>      z_im4  = c_im4,</a:t>
+            </a:r>
+          </a:p>
+          <a:p>
+            <a:r>
+              <a:rPr lang="en-US" sz="1200" dirty="0">
+                <a:solidFill>
+                  <a:schemeClr val="tx2"/>
+                </a:solidFill>
+                <a:latin typeface="Lucida Console" panose="020B0609040504020204" pitchFamily="49" charset="0"/>
+                <a:cs typeface="Neo Sans Intel"/>
+              </a:rPr>
+              <a:t>      four4  = SIMD.float32x4.splat (4.0),</a:t>
+            </a:r>
+          </a:p>
+          <a:p>
+            <a:r>
+              <a:rPr lang="en-US" sz="1200" dirty="0">
+                <a:solidFill>
+                  <a:schemeClr val="tx2"/>
+                </a:solidFill>
+                <a:latin typeface="Lucida Console" panose="020B0609040504020204" pitchFamily="49" charset="0"/>
+                <a:cs typeface="Neo Sans Intel"/>
+              </a:rPr>
+              <a:t>      two4   = SIMD.float32x4.splat (2.0),</a:t>
+            </a:r>
+          </a:p>
+          <a:p>
+            <a:r>
+              <a:rPr lang="en-US" sz="1200" dirty="0">
+                <a:solidFill>
+                  <a:schemeClr val="tx2"/>
+                </a:solidFill>
+                <a:latin typeface="Lucida Console" panose="020B0609040504020204" pitchFamily="49" charset="0"/>
+                <a:cs typeface="Neo Sans Intel"/>
+              </a:rPr>
+              <a:t>      count4 = SIMD.int32x4.splat (0),</a:t>
+            </a:r>
+          </a:p>
+          <a:p>
+            <a:r>
+              <a:rPr lang="en-US" sz="1200" dirty="0">
+                <a:solidFill>
+                  <a:schemeClr val="tx2"/>
+                </a:solidFill>
+                <a:latin typeface="Lucida Console" panose="020B0609040504020204" pitchFamily="49" charset="0"/>
+                <a:cs typeface="Neo Sans Intel"/>
+              </a:rPr>
+              <a:t>      one4   = SIMD.int32x4.splat (1),</a:t>
+            </a:r>
+          </a:p>
+          <a:p>
+            <a:r>
+              <a:rPr lang="en-US" sz="1200" dirty="0">
+                <a:solidFill>
+                  <a:schemeClr val="tx2"/>
+                </a:solidFill>
+                <a:latin typeface="Lucida Console" panose="020B0609040504020204" pitchFamily="49" charset="0"/>
+                <a:cs typeface="Neo Sans Intel"/>
+              </a:rPr>
+              <a:t>      i, z_re24, z_im24, mi4, new_re4, new_im4;</a:t>
+            </a:r>
+          </a:p>
+          <a:p>
+            <a:endParaRPr lang="en-US" sz="1200" dirty="0">
+              <a:solidFill>
+                <a:schemeClr val="tx2"/>
+              </a:solidFill>
+              <a:latin typeface="Lucida Console" panose="020B0609040504020204" pitchFamily="49" charset="0"/>
+              <a:cs typeface="Neo Sans Intel"/>
+            </a:endParaRPr>
+          </a:p>
+          <a:p>
+            <a:r>
+              <a:rPr lang="en-US" sz="1200" dirty="0">
+                <a:solidFill>
+                  <a:schemeClr val="tx2"/>
+                </a:solidFill>
+                <a:latin typeface="Lucida Console" panose="020B0609040504020204" pitchFamily="49" charset="0"/>
+                <a:cs typeface="Neo Sans Intel"/>
+              </a:rPr>
+              <a:t>  for (i = 0; i &lt; </a:t>
+            </a:r>
+            <a:r>
+              <a:rPr lang="en-US" sz="1200" dirty="0" err="1">
+                <a:solidFill>
+                  <a:schemeClr val="tx2"/>
+                </a:solidFill>
+                <a:latin typeface="Lucida Console" panose="020B0609040504020204" pitchFamily="49" charset="0"/>
+                <a:cs typeface="Neo Sans Intel"/>
+              </a:rPr>
+              <a:t>max_iterations</a:t>
+            </a:r>
+            <a:r>
+              <a:rPr lang="en-US" sz="1200" dirty="0">
+                <a:solidFill>
+                  <a:schemeClr val="tx2"/>
+                </a:solidFill>
+                <a:latin typeface="Lucida Console" panose="020B0609040504020204" pitchFamily="49" charset="0"/>
+                <a:cs typeface="Neo Sans Intel"/>
+              </a:rPr>
+              <a:t>; ++i) {</a:t>
+            </a:r>
+          </a:p>
+          <a:p>
+            <a:r>
+              <a:rPr lang="en-US" sz="1200" dirty="0">
+                <a:solidFill>
+                  <a:schemeClr val="tx2"/>
+                </a:solidFill>
+                <a:latin typeface="Lucida Console" panose="020B0609040504020204" pitchFamily="49" charset="0"/>
+                <a:cs typeface="Neo Sans Intel"/>
+              </a:rPr>
+              <a:t>    z_re24 = SIMD.float32x4.mul (z_re4, z_re4);</a:t>
+            </a:r>
+          </a:p>
+          <a:p>
+            <a:r>
+              <a:rPr lang="en-US" sz="1200" dirty="0">
+                <a:solidFill>
+                  <a:schemeClr val="tx2"/>
+                </a:solidFill>
+                <a:latin typeface="Lucida Console" panose="020B0609040504020204" pitchFamily="49" charset="0"/>
+                <a:cs typeface="Neo Sans Intel"/>
+              </a:rPr>
+              <a:t>    z_im24 = SIMD.float32x4.mul (z_im4, z_im4);</a:t>
+            </a:r>
+          </a:p>
+          <a:p>
+            <a:r>
+              <a:rPr lang="en-US" sz="1200" dirty="0" smtClean="0">
+                <a:solidFill>
+                  <a:schemeClr val="tx2"/>
+                </a:solidFill>
+                <a:latin typeface="Lucida Console" panose="020B0609040504020204" pitchFamily="49" charset="0"/>
+                <a:cs typeface="Neo Sans Intel"/>
+              </a:rPr>
+              <a:t>    mi4 = SIMD.float32x4.greaterThan(SIMD.float32x4.add </a:t>
+            </a:r>
+            <a:r>
+              <a:rPr lang="en-US" sz="1200" dirty="0">
+                <a:solidFill>
+                  <a:schemeClr val="tx2"/>
+                </a:solidFill>
+                <a:latin typeface="Lucida Console" panose="020B0609040504020204" pitchFamily="49" charset="0"/>
+                <a:cs typeface="Neo Sans Intel"/>
+              </a:rPr>
+              <a:t>(z_re24, z_im24), four4);</a:t>
+            </a:r>
+          </a:p>
+          <a:p>
+            <a:r>
+              <a:rPr lang="en-US" sz="1200" dirty="0" smtClean="0">
+                <a:solidFill>
+                  <a:schemeClr val="tx2"/>
+                </a:solidFill>
+                <a:latin typeface="Lucida Console" panose="020B0609040504020204" pitchFamily="49" charset="0"/>
+                <a:cs typeface="Neo Sans Intel"/>
+              </a:rPr>
+              <a:t>    if (SIMD.int32x4.allTrue()) </a:t>
+            </a:r>
+            <a:r>
+              <a:rPr lang="en-US" sz="1200" dirty="0">
+                <a:solidFill>
+                  <a:schemeClr val="tx2"/>
+                </a:solidFill>
+                <a:latin typeface="Lucida Console" panose="020B0609040504020204" pitchFamily="49" charset="0"/>
+                <a:cs typeface="Neo Sans Intel"/>
+              </a:rPr>
+              <a:t>{</a:t>
+            </a:r>
+          </a:p>
+          <a:p>
+            <a:r>
+              <a:rPr lang="en-US" sz="1200" dirty="0" smtClean="0">
+                <a:solidFill>
+                  <a:schemeClr val="tx2"/>
+                </a:solidFill>
+                <a:latin typeface="Lucida Console" panose="020B0609040504020204" pitchFamily="49" charset="0"/>
+                <a:cs typeface="Neo Sans Intel"/>
+              </a:rPr>
+              <a:t>      </a:t>
+            </a:r>
+            <a:r>
+              <a:rPr lang="en-US" sz="1200" dirty="0">
+                <a:solidFill>
+                  <a:schemeClr val="tx2"/>
+                </a:solidFill>
+                <a:latin typeface="Lucida Console" panose="020B0609040504020204" pitchFamily="49" charset="0"/>
+                <a:cs typeface="Neo Sans Intel"/>
+              </a:rPr>
+              <a:t>// </a:t>
+            </a:r>
+            <a:r>
+              <a:rPr lang="en-US" sz="1200" dirty="0" smtClean="0">
+                <a:solidFill>
+                  <a:schemeClr val="tx2"/>
+                </a:solidFill>
+                <a:latin typeface="Lucida Console" panose="020B0609040504020204" pitchFamily="49" charset="0"/>
+                <a:cs typeface="Neo Sans Intel"/>
+              </a:rPr>
+              <a:t>all </a:t>
+            </a:r>
+            <a:r>
+              <a:rPr lang="en-US" sz="1200" dirty="0">
+                <a:solidFill>
+                  <a:schemeClr val="tx2"/>
+                </a:solidFill>
+                <a:latin typeface="Lucida Console" panose="020B0609040504020204" pitchFamily="49" charset="0"/>
+                <a:cs typeface="Neo Sans Intel"/>
+              </a:rPr>
+              <a:t>4 </a:t>
+            </a:r>
+            <a:r>
+              <a:rPr lang="en-US" sz="1200" dirty="0" smtClean="0">
+                <a:solidFill>
+                  <a:schemeClr val="tx2"/>
+                </a:solidFill>
+                <a:latin typeface="Lucida Console" panose="020B0609040504020204" pitchFamily="49" charset="0"/>
+                <a:cs typeface="Neo Sans Intel"/>
+              </a:rPr>
+              <a:t>values have diverged</a:t>
+            </a:r>
+          </a:p>
+          <a:p>
+            <a:r>
+              <a:rPr lang="en-US" sz="1200" dirty="0" smtClean="0">
+                <a:solidFill>
+                  <a:schemeClr val="tx2"/>
+                </a:solidFill>
+                <a:latin typeface="Lucida Console" panose="020B0609040504020204" pitchFamily="49" charset="0"/>
+                <a:cs typeface="Neo Sans Intel"/>
+              </a:rPr>
+              <a:t>      </a:t>
+            </a:r>
+            <a:r>
+              <a:rPr lang="en-US" sz="1200" dirty="0">
+                <a:solidFill>
+                  <a:schemeClr val="tx2"/>
+                </a:solidFill>
+                <a:latin typeface="Lucida Console" panose="020B0609040504020204" pitchFamily="49" charset="0"/>
+                <a:cs typeface="Neo Sans Intel"/>
+              </a:rPr>
+              <a:t>break;</a:t>
+            </a:r>
+          </a:p>
+          <a:p>
+            <a:r>
+              <a:rPr lang="en-US" sz="1200" dirty="0">
+                <a:solidFill>
+                  <a:schemeClr val="tx2"/>
+                </a:solidFill>
+                <a:latin typeface="Lucida Console" panose="020B0609040504020204" pitchFamily="49" charset="0"/>
+                <a:cs typeface="Neo Sans Intel"/>
+              </a:rPr>
+              <a:t>    }</a:t>
+            </a:r>
+          </a:p>
+          <a:p>
+            <a:r>
+              <a:rPr lang="en-US" sz="1200" dirty="0" smtClean="0">
+                <a:solidFill>
+                  <a:schemeClr val="tx2"/>
+                </a:solidFill>
+                <a:latin typeface="Lucida Console" panose="020B0609040504020204" pitchFamily="49" charset="0"/>
+                <a:cs typeface="Neo Sans Intel"/>
+              </a:rPr>
+              <a:t>    </a:t>
+            </a:r>
+            <a:r>
+              <a:rPr lang="en-US" sz="1200" dirty="0" err="1" smtClean="0">
+                <a:solidFill>
+                  <a:schemeClr val="tx2"/>
+                </a:solidFill>
+                <a:latin typeface="Lucida Console" panose="020B0609040504020204" pitchFamily="49" charset="0"/>
+                <a:cs typeface="Neo Sans Intel"/>
+              </a:rPr>
+              <a:t>var</a:t>
+            </a:r>
+            <a:r>
+              <a:rPr lang="en-US" sz="1200" dirty="0" smtClean="0">
+                <a:solidFill>
+                  <a:schemeClr val="tx2"/>
+                </a:solidFill>
+                <a:latin typeface="Lucida Console" panose="020B0609040504020204" pitchFamily="49" charset="0"/>
+                <a:cs typeface="Neo Sans Intel"/>
+              </a:rPr>
+              <a:t> new_re4 </a:t>
+            </a:r>
+            <a:r>
+              <a:rPr lang="en-US" sz="1200" dirty="0">
+                <a:solidFill>
+                  <a:schemeClr val="tx2"/>
+                </a:solidFill>
+                <a:latin typeface="Lucida Console" panose="020B0609040504020204" pitchFamily="49" charset="0"/>
+                <a:cs typeface="Neo Sans Intel"/>
+              </a:rPr>
+              <a:t>= SIMD.float32x4.sub (z_re24, z_im24);</a:t>
+            </a:r>
+          </a:p>
+          <a:p>
+            <a:r>
+              <a:rPr lang="en-US" sz="1200" dirty="0">
+                <a:solidFill>
+                  <a:schemeClr val="tx2"/>
+                </a:solidFill>
+                <a:latin typeface="Lucida Console" panose="020B0609040504020204" pitchFamily="49" charset="0"/>
+                <a:cs typeface="Neo Sans Intel"/>
+              </a:rPr>
+              <a:t>    </a:t>
+            </a:r>
+            <a:r>
+              <a:rPr lang="en-US" sz="1200" dirty="0" err="1" smtClean="0">
+                <a:solidFill>
+                  <a:schemeClr val="tx2"/>
+                </a:solidFill>
+                <a:latin typeface="Lucida Console" panose="020B0609040504020204" pitchFamily="49" charset="0"/>
+                <a:cs typeface="Neo Sans Intel"/>
+              </a:rPr>
+              <a:t>var</a:t>
+            </a:r>
+            <a:r>
+              <a:rPr lang="en-US" sz="1200" dirty="0" smtClean="0">
+                <a:solidFill>
+                  <a:schemeClr val="tx2"/>
+                </a:solidFill>
+                <a:latin typeface="Lucida Console" panose="020B0609040504020204" pitchFamily="49" charset="0"/>
+                <a:cs typeface="Neo Sans Intel"/>
+              </a:rPr>
+              <a:t> new_im4 </a:t>
+            </a:r>
+            <a:r>
+              <a:rPr lang="en-US" sz="1200" dirty="0">
+                <a:solidFill>
+                  <a:schemeClr val="tx2"/>
+                </a:solidFill>
+                <a:latin typeface="Lucida Console" panose="020B0609040504020204" pitchFamily="49" charset="0"/>
+                <a:cs typeface="Neo Sans Intel"/>
+              </a:rPr>
+              <a:t>= SIMD.float32x4.mul (SIMD.float32x4.mul (two4, z_re4), z_im4);</a:t>
+            </a:r>
+          </a:p>
+          <a:p>
+            <a:r>
+              <a:rPr lang="en-US" sz="1200" dirty="0">
+                <a:solidFill>
+                  <a:schemeClr val="tx2"/>
+                </a:solidFill>
+                <a:latin typeface="Lucida Console" panose="020B0609040504020204" pitchFamily="49" charset="0"/>
+                <a:cs typeface="Neo Sans Intel"/>
+              </a:rPr>
+              <a:t>    z_re4  </a:t>
+            </a:r>
+            <a:r>
+              <a:rPr lang="en-US" sz="1200" dirty="0" smtClean="0">
+                <a:solidFill>
+                  <a:schemeClr val="tx2"/>
+                </a:solidFill>
+                <a:latin typeface="Lucida Console" panose="020B0609040504020204" pitchFamily="49" charset="0"/>
+                <a:cs typeface="Neo Sans Intel"/>
+              </a:rPr>
+              <a:t>     </a:t>
+            </a:r>
+            <a:r>
+              <a:rPr lang="en-US" sz="1200" dirty="0">
+                <a:solidFill>
+                  <a:schemeClr val="tx2"/>
+                </a:solidFill>
+                <a:latin typeface="Lucida Console" panose="020B0609040504020204" pitchFamily="49" charset="0"/>
+                <a:cs typeface="Neo Sans Intel"/>
+              </a:rPr>
+              <a:t>= SIMD.float32x4.add (c_re4, new_re4);</a:t>
+            </a:r>
+          </a:p>
+          <a:p>
+            <a:r>
+              <a:rPr lang="en-US" sz="1200" dirty="0">
+                <a:solidFill>
+                  <a:schemeClr val="tx2"/>
+                </a:solidFill>
+                <a:latin typeface="Lucida Console" panose="020B0609040504020204" pitchFamily="49" charset="0"/>
+                <a:cs typeface="Neo Sans Intel"/>
+              </a:rPr>
+              <a:t>    z_im4   </a:t>
+            </a:r>
+            <a:r>
+              <a:rPr lang="en-US" sz="1200" dirty="0" smtClean="0">
+                <a:solidFill>
+                  <a:schemeClr val="tx2"/>
+                </a:solidFill>
+                <a:latin typeface="Lucida Console" panose="020B0609040504020204" pitchFamily="49" charset="0"/>
+                <a:cs typeface="Neo Sans Intel"/>
+              </a:rPr>
+              <a:t>    = </a:t>
+            </a:r>
+            <a:r>
+              <a:rPr lang="en-US" sz="1200" dirty="0">
+                <a:solidFill>
+                  <a:schemeClr val="tx2"/>
+                </a:solidFill>
+                <a:latin typeface="Lucida Console" panose="020B0609040504020204" pitchFamily="49" charset="0"/>
+                <a:cs typeface="Neo Sans Intel"/>
+              </a:rPr>
+              <a:t>SIMD.float32x4.add (c_im4, new_im4);</a:t>
+            </a:r>
+          </a:p>
+          <a:p>
+            <a:r>
+              <a:rPr lang="en-US" sz="1200" dirty="0">
+                <a:solidFill>
+                  <a:schemeClr val="tx2"/>
+                </a:solidFill>
+                <a:latin typeface="Lucida Console" panose="020B0609040504020204" pitchFamily="49" charset="0"/>
+                <a:cs typeface="Neo Sans Intel"/>
+              </a:rPr>
+              <a:t>    count4  </a:t>
+            </a:r>
+            <a:r>
+              <a:rPr lang="en-US" sz="1200" dirty="0" smtClean="0">
+                <a:solidFill>
+                  <a:schemeClr val="tx2"/>
+                </a:solidFill>
+                <a:latin typeface="Lucida Console" panose="020B0609040504020204" pitchFamily="49" charset="0"/>
+                <a:cs typeface="Neo Sans Intel"/>
+              </a:rPr>
+              <a:t>    = </a:t>
+            </a:r>
+            <a:r>
+              <a:rPr lang="en-US" sz="1200" dirty="0">
+                <a:solidFill>
+                  <a:schemeClr val="tx2"/>
+                </a:solidFill>
+                <a:latin typeface="Lucida Console" panose="020B0609040504020204" pitchFamily="49" charset="0"/>
+                <a:cs typeface="Neo Sans Intel"/>
+              </a:rPr>
+              <a:t>SIMD.int32x4.add (count4, SIMD.int32x4.and (mi4, one4));</a:t>
+            </a:r>
+          </a:p>
+          <a:p>
+            <a:r>
+              <a:rPr lang="en-US" sz="1200" dirty="0">
+                <a:solidFill>
+                  <a:schemeClr val="tx2"/>
+                </a:solidFill>
+                <a:latin typeface="Lucida Console" panose="020B0609040504020204" pitchFamily="49" charset="0"/>
+                <a:cs typeface="Neo Sans Intel"/>
+              </a:rPr>
+              <a:t>  }</a:t>
+            </a:r>
+          </a:p>
+          <a:p>
+            <a:r>
+              <a:rPr lang="en-US" sz="1200" dirty="0">
+                <a:solidFill>
+                  <a:schemeClr val="tx2"/>
+                </a:solidFill>
+                <a:latin typeface="Lucida Console" panose="020B0609040504020204" pitchFamily="49" charset="0"/>
+                <a:cs typeface="Neo Sans Intel"/>
+              </a:rPr>
+              <a:t>  return count4;</a:t>
+            </a:r>
+          </a:p>
+          <a:p>
+            <a:r>
+              <a:rPr lang="en-US" sz="1200" dirty="0">
+                <a:solidFill>
+                  <a:schemeClr val="tx2"/>
+                </a:solidFill>
+                <a:latin typeface="Lucida Console" panose="020B0609040504020204" pitchFamily="49" charset="0"/>
+                <a:cs typeface="Neo Sans Intel"/>
+              </a:rPr>
+              <a:t>}</a:t>
+            </a:r>
+            <a:endParaRPr lang="en-US" sz="1200" dirty="0" smtClean="0">
+              <a:solidFill>
+                <a:schemeClr val="tx2"/>
+              </a:solidFill>
+              <a:latin typeface="Lucida Console" panose="020B0609040504020204" pitchFamily="49" charset="0"/>
+              <a:cs typeface="Neo Sans Intel"/>
+            </a:endParaRPr>
+          </a:p>
+        </p:txBody>
+      </p:sp>
+      <p:sp>
+        <p:nvSpPr>
+          <p:cNvPr id="6" name="TextBox 5"/>
+          <p:cNvSpPr txBox="1"/>
+          <p:nvPr/>
+        </p:nvSpPr>
+        <p:spPr>
+          <a:xfrm>
+            <a:off x="1643377" y="990917"/>
+            <a:ext cx="1067921" cy="461665"/>
+          </a:xfrm>
+          <a:prstGeom prst="rect">
+            <a:avLst/>
+          </a:prstGeom>
+          <a:noFill/>
+        </p:spPr>
+        <p:txBody>
+          <a:bodyPr wrap="none" rtlCol="0">
+            <a:spAutoFit/>
+          </a:bodyPr>
+          <a:lstStyle/>
+          <a:p>
+            <a:r>
+              <a:rPr lang="en-US" sz="2400" b="1" u="sng" dirty="0" smtClean="0">
+                <a:solidFill>
+                  <a:schemeClr val="tx2"/>
+                </a:solidFill>
+                <a:cs typeface="Neo Sans Intel"/>
+              </a:rPr>
+              <a:t>Scalar</a:t>
+            </a:r>
+            <a:endParaRPr lang="en-US" sz="2400" b="1" u="sng" dirty="0" smtClean="0">
+              <a:solidFill>
+                <a:schemeClr val="tx2"/>
+              </a:solidFill>
+              <a:cs typeface="Neo Sans Intel"/>
+            </a:endParaRPr>
+          </a:p>
+        </p:txBody>
+      </p:sp>
+      <p:sp>
+        <p:nvSpPr>
+          <p:cNvPr id="7" name="TextBox 6"/>
+          <p:cNvSpPr txBox="1"/>
+          <p:nvPr/>
+        </p:nvSpPr>
+        <p:spPr>
+          <a:xfrm>
+            <a:off x="7709688" y="990917"/>
+            <a:ext cx="946093" cy="461665"/>
+          </a:xfrm>
+          <a:prstGeom prst="rect">
+            <a:avLst/>
+          </a:prstGeom>
+          <a:noFill/>
+        </p:spPr>
+        <p:txBody>
+          <a:bodyPr wrap="none" rtlCol="0">
+            <a:spAutoFit/>
+          </a:bodyPr>
+          <a:lstStyle/>
+          <a:p>
+            <a:r>
+              <a:rPr lang="en-US" sz="2400" b="1" u="sng" dirty="0" smtClean="0">
+                <a:solidFill>
+                  <a:schemeClr val="tx2"/>
+                </a:solidFill>
+                <a:cs typeface="Neo Sans Intel"/>
+              </a:rPr>
+              <a:t>SIMD</a:t>
+            </a:r>
+            <a:endParaRPr lang="en-US" sz="2400" b="1" u="sng" dirty="0" smtClean="0">
+              <a:solidFill>
+                <a:schemeClr val="tx2"/>
+              </a:solidFill>
+              <a:cs typeface="Neo Sans Intel"/>
+            </a:endParaRPr>
+          </a:p>
+        </p:txBody>
+      </p:sp>
+    </p:spTree>
+    <p:extLst>
+      <p:ext uri="{BB962C8B-B14F-4D97-AF65-F5344CB8AC3E}">
+        <p14:creationId xmlns:p14="http://schemas.microsoft.com/office/powerpoint/2010/main" val="2464460542"/>
+      </p:ext>
+    </p:extLst>
+  </p:cSld>
+  <p:clrMapOvr>
+    <a:masterClrMapping/>
+  </p:clrMapOvr>
+</p:sld>
+</file>
+
+<file path=ppt/slides/slide12.xml><?xml version="1.0" encoding="utf-8"?>
+<p:sld xmlns:a="http://schemas.openxmlformats.org/drawingml/2006/main" xmlns:r="http://schemas.openxmlformats.org/officeDocument/2006/relationships" xmlns:p="http://schemas.openxmlformats.org/presentationml/2006/main">
+  <p:cSld>
+    <p:spTree>
+      <p:nvGrpSpPr>
+        <p:cNvPr id="1" name=""/>
+        <p:cNvGrpSpPr/>
+        <p:nvPr/>
+      </p:nvGrpSpPr>
+      <p:grpSpPr>
+        <a:xfrm>
+          <a:off x="0" y="0"/>
+          <a:ext cx="0" cy="0"/>
+          <a:chOff x="0" y="0"/>
+          <a:chExt cx="0" cy="0"/>
+        </a:xfrm>
+      </p:grpSpPr>
+      <p:sp>
+        <p:nvSpPr>
+          <p:cNvPr id="2" name="Title 1"/>
+          <p:cNvSpPr>
+            <a:spLocks noGrp="1"/>
+          </p:cNvSpPr>
+          <p:nvPr>
+            <p:ph type="title"/>
+          </p:nvPr>
+        </p:nvSpPr>
+        <p:spPr/>
+        <p:txBody>
+          <a:bodyPr/>
+          <a:lstStyle/>
+          <a:p>
+            <a:r>
+              <a:rPr lang="en-US" dirty="0" smtClean="0"/>
+              <a:t>SIMD.JS – Focus</a:t>
+            </a:r>
+            <a:endParaRPr lang="en-US" dirty="0"/>
+          </a:p>
+        </p:txBody>
+      </p:sp>
+      <p:sp>
+        <p:nvSpPr>
+          <p:cNvPr id="3" name="Content Placeholder 2"/>
+          <p:cNvSpPr>
+            <a:spLocks noGrp="1"/>
+          </p:cNvSpPr>
+          <p:nvPr>
+            <p:ph sz="quarter" idx="13"/>
+          </p:nvPr>
+        </p:nvSpPr>
+        <p:spPr/>
+        <p:txBody>
+          <a:bodyPr/>
+          <a:lstStyle/>
+          <a:p>
+            <a:r>
+              <a:rPr lang="en-US" dirty="0" smtClean="0"/>
+              <a:t>Initial focus on architecture overlap (128-bit vectors)</a:t>
+            </a:r>
+          </a:p>
+          <a:p>
+            <a:pPr lvl="1"/>
+            <a:r>
+              <a:rPr lang="en-US" dirty="0" smtClean="0"/>
+              <a:t>Well defined </a:t>
+            </a:r>
+            <a:r>
+              <a:rPr lang="en-US" dirty="0" err="1" smtClean="0"/>
+              <a:t>NaN</a:t>
+            </a:r>
+            <a:r>
+              <a:rPr lang="en-US" dirty="0" smtClean="0"/>
+              <a:t> handling</a:t>
+            </a:r>
+          </a:p>
+          <a:p>
+            <a:pPr lvl="1"/>
+            <a:r>
+              <a:rPr lang="en-US" dirty="0" smtClean="0"/>
+              <a:t>Well defined float32 -&gt; int32 conversions</a:t>
+            </a:r>
+          </a:p>
+          <a:p>
+            <a:pPr lvl="1"/>
+            <a:r>
+              <a:rPr lang="en-US" dirty="0" smtClean="0"/>
+              <a:t>Well defined shift handling for shift counts &gt; 32</a:t>
+            </a:r>
+          </a:p>
+          <a:p>
+            <a:pPr lvl="1"/>
+            <a:r>
+              <a:rPr lang="en-US" dirty="0" smtClean="0"/>
+              <a:t>Precision of </a:t>
+            </a:r>
+            <a:r>
+              <a:rPr lang="en-US" dirty="0" err="1" smtClean="0"/>
+              <a:t>reciprocalSqrt</a:t>
+            </a:r>
+            <a:r>
+              <a:rPr lang="en-US" dirty="0" smtClean="0"/>
+              <a:t> – left undefined</a:t>
+            </a:r>
+          </a:p>
+          <a:p>
+            <a:r>
+              <a:rPr lang="en-US" dirty="0" smtClean="0"/>
+              <a:t>Architecture specific extensions are in the works, for example</a:t>
+            </a:r>
+          </a:p>
+          <a:p>
+            <a:pPr lvl="1"/>
+            <a:r>
+              <a:rPr lang="en-US" dirty="0" smtClean="0"/>
+              <a:t>Float64x2 Division (x86)</a:t>
+            </a:r>
+          </a:p>
+          <a:p>
+            <a:pPr lvl="1"/>
+            <a:r>
+              <a:rPr lang="en-US" dirty="0" err="1" smtClean="0"/>
+              <a:t>Fma</a:t>
+            </a:r>
+            <a:r>
+              <a:rPr lang="en-US" dirty="0" smtClean="0"/>
+              <a:t> (NEON, AVX)</a:t>
+            </a:r>
+          </a:p>
+          <a:p>
+            <a:pPr lvl="1"/>
+            <a:r>
+              <a:rPr lang="en-US" dirty="0" smtClean="0"/>
+              <a:t>Vector shifts (NEON)</a:t>
+            </a:r>
+          </a:p>
+          <a:p>
+            <a:pPr lvl="1"/>
+            <a:endParaRPr lang="en-US" dirty="0" smtClean="0"/>
+          </a:p>
+          <a:p>
+            <a:endParaRPr lang="en-US" dirty="0"/>
+          </a:p>
+        </p:txBody>
+      </p:sp>
+    </p:spTree>
+    <p:extLst>
+      <p:ext uri="{BB962C8B-B14F-4D97-AF65-F5344CB8AC3E}">
+        <p14:creationId xmlns:p14="http://schemas.microsoft.com/office/powerpoint/2010/main" val="2790065815"/>
+      </p:ext>
+    </p:extLst>
+  </p:cSld>
+  <p:clrMapOvr>
+    <a:masterClrMapping/>
+  </p:clrMapOvr>
+</p:sld>
+</file>
+
 <file path=ppt/slides/slide2.xml><?xml version="1.0" encoding="utf-8"?>
 <p:sld xmlns:a="http://schemas.openxmlformats.org/drawingml/2006/main" xmlns:r="http://schemas.openxmlformats.org/officeDocument/2006/relationships" xmlns:p="http://schemas.openxmlformats.org/presentationml/2006/main">
   <p:cSld>
@@ -6264,6 +8376,89 @@
     <p:extLst>
       <p:ext uri="{BB962C8B-B14F-4D97-AF65-F5344CB8AC3E}">
         <p14:creationId xmlns:p14="http://schemas.microsoft.com/office/powerpoint/2010/main" val="1056251742"/>
+      </p:ext>
+    </p:extLst>
+  </p:cSld>
+  <p:clrMapOvr>
+    <a:masterClrMapping/>
+  </p:clrMapOvr>
+</p:sld>
+</file>
+
+<file path=ppt/slides/slide9.xml><?xml version="1.0" encoding="utf-8"?>
+<p:sld xmlns:a="http://schemas.openxmlformats.org/drawingml/2006/main" xmlns:r="http://schemas.openxmlformats.org/officeDocument/2006/relationships" xmlns:p="http://schemas.openxmlformats.org/presentationml/2006/main">
+  <p:cSld>
+    <p:spTree>
+      <p:nvGrpSpPr>
+        <p:cNvPr id="1" name=""/>
+        <p:cNvGrpSpPr/>
+        <p:nvPr/>
+      </p:nvGrpSpPr>
+      <p:grpSpPr>
+        <a:xfrm>
+          <a:off x="0" y="0"/>
+          <a:ext cx="0" cy="0"/>
+          <a:chOff x="0" y="0"/>
+          <a:chExt cx="0" cy="0"/>
+        </a:xfrm>
+      </p:grpSpPr>
+      <p:sp>
+        <p:nvSpPr>
+          <p:cNvPr id="2" name="Title 1"/>
+          <p:cNvSpPr>
+            <a:spLocks noGrp="1"/>
+          </p:cNvSpPr>
+          <p:nvPr>
+            <p:ph type="title"/>
+          </p:nvPr>
+        </p:nvSpPr>
+        <p:spPr/>
+        <p:txBody>
+          <a:bodyPr/>
+          <a:lstStyle/>
+          <a:p>
+            <a:r>
+              <a:rPr lang="en-US" dirty="0" smtClean="0"/>
+              <a:t>SIMD.JS – Object Hierarchy</a:t>
+            </a:r>
+            <a:endParaRPr lang="en-US" dirty="0"/>
+          </a:p>
+        </p:txBody>
+      </p:sp>
+      <p:pic>
+        <p:nvPicPr>
+          <p:cNvPr id="4" name="Picture 3"/>
+          <p:cNvPicPr>
+            <a:picLocks noChangeAspect="1"/>
+          </p:cNvPicPr>
+          <p:nvPr/>
+        </p:nvPicPr>
+        <p:blipFill>
+          <a:blip r:embed="rId2">
+            <a:extLst>
+              <a:ext uri="{28A0092B-C50C-407E-A947-70E740481C1C}">
+                <a14:useLocalDpi xmlns:a14="http://schemas.microsoft.com/office/drawing/2010/main" val="0"/>
+              </a:ext>
+            </a:extLst>
+          </a:blip>
+          <a:stretch>
+            <a:fillRect/>
+          </a:stretch>
+        </p:blipFill>
+        <p:spPr>
+          <a:xfrm>
+            <a:off x="1411693" y="1166497"/>
+            <a:ext cx="9364382" cy="4525006"/>
+          </a:xfrm>
+          <a:prstGeom prst="rect">
+            <a:avLst/>
+          </a:prstGeom>
+        </p:spPr>
+      </p:pic>
+    </p:spTree>
+    <p:extLst>
+      <p:ext uri="{BB962C8B-B14F-4D97-AF65-F5344CB8AC3E}">
+        <p14:creationId xmlns:p14="http://schemas.microsoft.com/office/powerpoint/2010/main" val="1837532814"/>
       </p:ext>
     </p:extLst>
   </p:cSld>

--- a/simdjs-presentation.pptx
+++ b/simdjs-presentation.pptx
@@ -17,6 +17,12 @@
     <p:sldId id="266" r:id="rId11"/>
     <p:sldId id="267" r:id="rId12"/>
     <p:sldId id="265" r:id="rId13"/>
+    <p:sldId id="268" r:id="rId14"/>
+    <p:sldId id="269" r:id="rId15"/>
+    <p:sldId id="270" r:id="rId16"/>
+    <p:sldId id="271" r:id="rId17"/>
+    <p:sldId id="272" r:id="rId18"/>
+    <p:sldId id="273" r:id="rId19"/>
   </p:sldIdLst>
   <p:sldSz cx="12192000" cy="6858000"/>
   <p:notesSz cx="6858000" cy="9144000"/>
@@ -1352,7 +1358,7 @@
           <a:p>
             <a:fld id="{D7BAD4AB-A0C0-4804-835B-7CAD5144033B}" type="datetimeFigureOut">
               <a:rPr lang="en-US" smtClean="0"/>
-              <a:t>2/6/2015</a:t>
+              <a:t>2/7/2015</a:t>
             </a:fld>
             <a:endParaRPr lang="en-US"/>
           </a:p>
@@ -1454,7 +1460,7 @@
           <a:p>
             <a:fld id="{D7BAD4AB-A0C0-4804-835B-7CAD5144033B}" type="datetimeFigureOut">
               <a:rPr lang="en-US" smtClean="0"/>
-              <a:t>2/6/2015</a:t>
+              <a:t>2/7/2015</a:t>
             </a:fld>
             <a:endParaRPr lang="en-US"/>
           </a:p>
@@ -2616,7 +2622,7 @@
           <a:p>
             <a:fld id="{D7BAD4AB-A0C0-4804-835B-7CAD5144033B}" type="datetimeFigureOut">
               <a:rPr lang="en-US" smtClean="0"/>
-              <a:t>2/6/2015</a:t>
+              <a:t>2/7/2015</a:t>
             </a:fld>
             <a:endParaRPr lang="en-US"/>
           </a:p>
@@ -2825,7 +2831,7 @@
           <a:p>
             <a:fld id="{D7BAD4AB-A0C0-4804-835B-7CAD5144033B}" type="datetimeFigureOut">
               <a:rPr lang="en-US" smtClean="0"/>
-              <a:t>2/6/2015</a:t>
+              <a:t>2/7/2015</a:t>
             </a:fld>
             <a:endParaRPr lang="en-US"/>
           </a:p>
@@ -3059,7 +3065,7 @@
           <a:p>
             <a:fld id="{D7BAD4AB-A0C0-4804-835B-7CAD5144033B}" type="datetimeFigureOut">
               <a:rPr lang="en-US" smtClean="0"/>
-              <a:t>2/6/2015</a:t>
+              <a:t>2/7/2015</a:t>
             </a:fld>
             <a:endParaRPr lang="en-US"/>
           </a:p>
@@ -3514,7 +3520,7 @@
           <a:p>
             <a:fld id="{D7BAD4AB-A0C0-4804-835B-7CAD5144033B}" type="datetimeFigureOut">
               <a:rPr lang="en-US" smtClean="0"/>
-              <a:t>2/6/2015</a:t>
+              <a:t>2/7/2015</a:t>
             </a:fld>
             <a:endParaRPr lang="en-US"/>
           </a:p>
@@ -3765,7 +3771,7 @@
           <a:p>
             <a:fld id="{D7BAD4AB-A0C0-4804-835B-7CAD5144033B}" type="datetimeFigureOut">
               <a:rPr lang="en-US" smtClean="0"/>
-              <a:t>2/6/2015</a:t>
+              <a:t>2/7/2015</a:t>
             </a:fld>
             <a:endParaRPr lang="en-US"/>
           </a:p>
@@ -3975,7 +3981,7 @@
           <a:p>
             <a:fld id="{D7BAD4AB-A0C0-4804-835B-7CAD5144033B}" type="datetimeFigureOut">
               <a:rPr lang="en-US" smtClean="0"/>
-              <a:t>2/6/2015</a:t>
+              <a:t>2/7/2015</a:t>
             </a:fld>
             <a:endParaRPr lang="en-US"/>
           </a:p>
@@ -4416,7 +4422,7 @@
           <a:p>
             <a:fld id="{D7BAD4AB-A0C0-4804-835B-7CAD5144033B}" type="datetimeFigureOut">
               <a:rPr lang="en-US" smtClean="0"/>
-              <a:t>2/6/2015</a:t>
+              <a:t>2/7/2015</a:t>
             </a:fld>
             <a:endParaRPr lang="en-US"/>
           </a:p>
@@ -4795,7 +4801,7 @@
           <a:p>
             <a:fld id="{D7BAD4AB-A0C0-4804-835B-7CAD5144033B}" type="datetimeFigureOut">
               <a:rPr lang="en-US" smtClean="0"/>
-              <a:t>2/6/2015</a:t>
+              <a:t>2/7/2015</a:t>
             </a:fld>
             <a:endParaRPr lang="en-US"/>
           </a:p>
@@ -7238,12 +7244,6 @@
               </a:rPr>
               <a:t>Scalar</a:t>
             </a:r>
-            <a:endParaRPr lang="en-US" sz="2400" b="1" u="sng" dirty="0" smtClean="0">
-              <a:solidFill>
-                <a:schemeClr val="tx2"/>
-              </a:solidFill>
-              <a:cs typeface="Neo Sans Intel"/>
-            </a:endParaRPr>
           </a:p>
         </p:txBody>
       </p:sp>
@@ -7278,12 +7278,6 @@
               </a:rPr>
               <a:t>SIMD</a:t>
             </a:r>
-            <a:endParaRPr lang="en-US" sz="2400" b="1" u="sng" dirty="0" smtClean="0">
-              <a:solidFill>
-                <a:schemeClr val="tx2"/>
-              </a:solidFill>
-              <a:cs typeface="Neo Sans Intel"/>
-            </a:endParaRPr>
           </a:p>
         </p:txBody>
       </p:sp>
@@ -7413,13 +7407,6 @@
           <a:p>
             <a:pPr lvl="1"/>
             <a:r>
-              <a:rPr lang="en-US" dirty="0" smtClean="0"/>
-              <a:t>Float64x2 Division (x86)</a:t>
-            </a:r>
-          </a:p>
-          <a:p>
-            <a:pPr lvl="1"/>
-            <a:r>
               <a:rPr lang="en-US" dirty="0" err="1" smtClean="0"/>
               <a:t>Fma</a:t>
             </a:r>
@@ -7448,6 +7435,2609 @@
     <p:extLst>
       <p:ext uri="{BB962C8B-B14F-4D97-AF65-F5344CB8AC3E}">
         <p14:creationId xmlns:p14="http://schemas.microsoft.com/office/powerpoint/2010/main" val="2790065815"/>
+      </p:ext>
+    </p:extLst>
+  </p:cSld>
+  <p:clrMapOvr>
+    <a:masterClrMapping/>
+  </p:clrMapOvr>
+</p:sld>
+</file>
+
+<file path=ppt/slides/slide13.xml><?xml version="1.0" encoding="utf-8"?>
+<p:sld xmlns:a="http://schemas.openxmlformats.org/drawingml/2006/main" xmlns:r="http://schemas.openxmlformats.org/officeDocument/2006/relationships" xmlns:p="http://schemas.openxmlformats.org/presentationml/2006/main">
+  <p:cSld>
+    <p:spTree>
+      <p:nvGrpSpPr>
+        <p:cNvPr id="1" name=""/>
+        <p:cNvGrpSpPr/>
+        <p:nvPr/>
+      </p:nvGrpSpPr>
+      <p:grpSpPr>
+        <a:xfrm>
+          <a:off x="0" y="0"/>
+          <a:ext cx="0" cy="0"/>
+          <a:chOff x="0" y="0"/>
+          <a:chExt cx="0" cy="0"/>
+        </a:xfrm>
+      </p:grpSpPr>
+      <p:sp>
+        <p:nvSpPr>
+          <p:cNvPr id="2" name="Title 1"/>
+          <p:cNvSpPr>
+            <a:spLocks noGrp="1"/>
+          </p:cNvSpPr>
+          <p:nvPr>
+            <p:ph type="title"/>
+          </p:nvPr>
+        </p:nvSpPr>
+        <p:spPr/>
+        <p:txBody>
+          <a:bodyPr/>
+          <a:lstStyle/>
+          <a:p>
+            <a:r>
+              <a:rPr lang="en-US" dirty="0" smtClean="0"/>
+              <a:t>Emscripten - Basics</a:t>
+            </a:r>
+            <a:endParaRPr lang="en-US" dirty="0"/>
+          </a:p>
+        </p:txBody>
+      </p:sp>
+      <p:sp>
+        <p:nvSpPr>
+          <p:cNvPr id="3" name="Content Placeholder 2"/>
+          <p:cNvSpPr>
+            <a:spLocks noGrp="1"/>
+          </p:cNvSpPr>
+          <p:nvPr>
+            <p:ph sz="quarter" idx="13"/>
+          </p:nvPr>
+        </p:nvSpPr>
+        <p:spPr/>
+        <p:txBody>
+          <a:bodyPr/>
+          <a:lstStyle/>
+          <a:p>
+            <a:pPr marL="342900" indent="-342900">
+              <a:buFont typeface="Arial" panose="020B0604020202020204" pitchFamily="34" charset="0"/>
+              <a:buChar char="•"/>
+            </a:pPr>
+            <a:r>
+              <a:rPr lang="en-US" dirty="0" smtClean="0"/>
+              <a:t>Brainchild of Mozilla’s Alon Zakai</a:t>
+            </a:r>
+          </a:p>
+          <a:p>
+            <a:pPr marL="342900" indent="-342900">
+              <a:buFont typeface="Arial" panose="020B0604020202020204" pitchFamily="34" charset="0"/>
+              <a:buChar char="•"/>
+            </a:pPr>
+            <a:r>
+              <a:rPr lang="en-US" dirty="0" smtClean="0"/>
+              <a:t>Compiles C/C++ to JavaScript</a:t>
+            </a:r>
+          </a:p>
+          <a:p>
+            <a:pPr marL="342900" indent="-342900">
+              <a:buFont typeface="Arial" panose="020B0604020202020204" pitchFamily="34" charset="0"/>
+              <a:buChar char="•"/>
+            </a:pPr>
+            <a:r>
+              <a:rPr lang="en-US" dirty="0" smtClean="0"/>
+              <a:t>Uses clang/LLVM for C/C++ front-end and optimizer framework</a:t>
+            </a:r>
+          </a:p>
+          <a:p>
+            <a:pPr marL="342900" indent="-342900">
+              <a:buFont typeface="Arial" panose="020B0604020202020204" pitchFamily="34" charset="0"/>
+              <a:buChar char="•"/>
+            </a:pPr>
+            <a:r>
+              <a:rPr lang="en-US" dirty="0" smtClean="0"/>
+              <a:t>Models memory with JS </a:t>
+            </a:r>
+            <a:r>
+              <a:rPr lang="en-US" dirty="0" err="1" smtClean="0"/>
+              <a:t>TypedArrays</a:t>
+            </a:r>
+            <a:endParaRPr lang="en-US" dirty="0" smtClean="0"/>
+          </a:p>
+          <a:p>
+            <a:pPr marL="342900" indent="-342900">
+              <a:buFont typeface="Arial" panose="020B0604020202020204" pitchFamily="34" charset="0"/>
+              <a:buChar char="•"/>
+            </a:pPr>
+            <a:r>
+              <a:rPr lang="en-US" dirty="0" smtClean="0"/>
+              <a:t>Generates the asm.js subset of JavaScript</a:t>
+            </a:r>
+          </a:p>
+          <a:p>
+            <a:pPr marL="342900" indent="-342900">
+              <a:buFont typeface="Arial" panose="020B0604020202020204" pitchFamily="34" charset="0"/>
+              <a:buChar char="•"/>
+            </a:pPr>
+            <a:r>
+              <a:rPr lang="en-US" dirty="0"/>
+              <a:t>Tools available to create bindings between handwritten JS and Emscripten generated JS (</a:t>
+            </a:r>
+            <a:r>
+              <a:rPr lang="en-US" dirty="0" err="1"/>
+              <a:t>webidl_binder</a:t>
+            </a:r>
+            <a:r>
+              <a:rPr lang="en-US" dirty="0"/>
+              <a:t>)</a:t>
+            </a:r>
+          </a:p>
+          <a:p>
+            <a:pPr marL="342900" indent="-342900">
+              <a:buFont typeface="Arial" panose="020B0604020202020204" pitchFamily="34" charset="0"/>
+              <a:buChar char="•"/>
+            </a:pPr>
+            <a:r>
+              <a:rPr lang="en-US" dirty="0" smtClean="0"/>
+              <a:t>Several large C/C++ applications/games have been ported to the web platform (e.g., Unity, Unreal, box2D)</a:t>
+            </a:r>
+            <a:endParaRPr lang="en-US" dirty="0"/>
+          </a:p>
+        </p:txBody>
+      </p:sp>
+    </p:spTree>
+    <p:extLst>
+      <p:ext uri="{BB962C8B-B14F-4D97-AF65-F5344CB8AC3E}">
+        <p14:creationId xmlns:p14="http://schemas.microsoft.com/office/powerpoint/2010/main" val="2591634468"/>
+      </p:ext>
+    </p:extLst>
+  </p:cSld>
+  <p:clrMapOvr>
+    <a:masterClrMapping/>
+  </p:clrMapOvr>
+</p:sld>
+</file>
+
+<file path=ppt/slides/slide14.xml><?xml version="1.0" encoding="utf-8"?>
+<p:sld xmlns:a="http://schemas.openxmlformats.org/drawingml/2006/main" xmlns:r="http://schemas.openxmlformats.org/officeDocument/2006/relationships" xmlns:p="http://schemas.openxmlformats.org/presentationml/2006/main">
+  <p:cSld>
+    <p:spTree>
+      <p:nvGrpSpPr>
+        <p:cNvPr id="1" name=""/>
+        <p:cNvGrpSpPr/>
+        <p:nvPr/>
+      </p:nvGrpSpPr>
+      <p:grpSpPr>
+        <a:xfrm>
+          <a:off x="0" y="0"/>
+          <a:ext cx="0" cy="0"/>
+          <a:chOff x="0" y="0"/>
+          <a:chExt cx="0" cy="0"/>
+        </a:xfrm>
+      </p:grpSpPr>
+      <p:sp>
+        <p:nvSpPr>
+          <p:cNvPr id="2" name="Title 1"/>
+          <p:cNvSpPr>
+            <a:spLocks noGrp="1"/>
+          </p:cNvSpPr>
+          <p:nvPr>
+            <p:ph type="title"/>
+          </p:nvPr>
+        </p:nvSpPr>
+        <p:spPr/>
+        <p:txBody>
+          <a:bodyPr/>
+          <a:lstStyle/>
+          <a:p>
+            <a:r>
+              <a:rPr lang="en-US" dirty="0" smtClean="0"/>
+              <a:t>Emscripten – C/C++ -&gt; JS Memory Modelling</a:t>
+            </a:r>
+            <a:endParaRPr lang="en-US" dirty="0"/>
+          </a:p>
+        </p:txBody>
+      </p:sp>
+      <p:sp>
+        <p:nvSpPr>
+          <p:cNvPr id="3" name="Content Placeholder 2"/>
+          <p:cNvSpPr>
+            <a:spLocks noGrp="1"/>
+          </p:cNvSpPr>
+          <p:nvPr>
+            <p:ph sz="quarter" idx="13"/>
+          </p:nvPr>
+        </p:nvSpPr>
+        <p:spPr>
+          <a:xfrm>
+            <a:off x="607484" y="2215564"/>
+            <a:ext cx="4487030" cy="2587556"/>
+          </a:xfrm>
+        </p:spPr>
+        <p:txBody>
+          <a:bodyPr/>
+          <a:lstStyle/>
+          <a:p>
+            <a:pPr marL="342900" indent="-342900">
+              <a:buFont typeface="Arial" panose="020B0604020202020204" pitchFamily="34" charset="0"/>
+              <a:buChar char="•"/>
+            </a:pPr>
+            <a:r>
+              <a:rPr lang="en-US" dirty="0" smtClean="0"/>
+              <a:t>Views over the same memory (buffer) for basic C/C++ types</a:t>
+            </a:r>
+          </a:p>
+          <a:p>
+            <a:pPr marL="342900" indent="-342900">
+              <a:buFont typeface="Arial" panose="020B0604020202020204" pitchFamily="34" charset="0"/>
+              <a:buChar char="•"/>
+            </a:pPr>
+            <a:r>
+              <a:rPr lang="en-US" dirty="0" smtClean="0"/>
+              <a:t>Pointers are indices used to access elements of these arrays</a:t>
+            </a:r>
+            <a:endParaRPr lang="en-US" dirty="0"/>
+          </a:p>
+        </p:txBody>
+      </p:sp>
+      <p:sp>
+        <p:nvSpPr>
+          <p:cNvPr id="5" name="TextBox 4"/>
+          <p:cNvSpPr txBox="1"/>
+          <p:nvPr/>
+        </p:nvSpPr>
+        <p:spPr>
+          <a:xfrm>
+            <a:off x="5628905" y="2078181"/>
+            <a:ext cx="6181500" cy="2862322"/>
+          </a:xfrm>
+          <a:prstGeom prst="rect">
+            <a:avLst/>
+          </a:prstGeom>
+          <a:noFill/>
+        </p:spPr>
+        <p:txBody>
+          <a:bodyPr wrap="none" rtlCol="0">
+            <a:spAutoFit/>
+          </a:bodyPr>
+          <a:lstStyle/>
+          <a:p>
+            <a:r>
+              <a:rPr lang="en-US" dirty="0" err="1">
+                <a:solidFill>
+                  <a:schemeClr val="tx2"/>
+                </a:solidFill>
+                <a:latin typeface="Lucida Console" panose="020B0609040504020204" pitchFamily="49" charset="0"/>
+                <a:cs typeface="Neo Sans Intel"/>
+              </a:rPr>
+              <a:t>var</a:t>
+            </a:r>
+            <a:r>
+              <a:rPr lang="en-US" dirty="0">
+                <a:solidFill>
+                  <a:schemeClr val="tx2"/>
+                </a:solidFill>
+                <a:latin typeface="Lucida Console" panose="020B0609040504020204" pitchFamily="49" charset="0"/>
+                <a:cs typeface="Neo Sans Intel"/>
+              </a:rPr>
+              <a:t> buffer = new </a:t>
+            </a:r>
+            <a:r>
+              <a:rPr lang="en-US" dirty="0" err="1">
+                <a:solidFill>
+                  <a:schemeClr val="tx2"/>
+                </a:solidFill>
+                <a:latin typeface="Lucida Console" panose="020B0609040504020204" pitchFamily="49" charset="0"/>
+                <a:cs typeface="Neo Sans Intel"/>
+              </a:rPr>
+              <a:t>ArrayBuffer</a:t>
+            </a:r>
+            <a:r>
+              <a:rPr lang="en-US" dirty="0">
+                <a:solidFill>
+                  <a:schemeClr val="tx2"/>
+                </a:solidFill>
+                <a:latin typeface="Lucida Console" panose="020B0609040504020204" pitchFamily="49" charset="0"/>
+                <a:cs typeface="Neo Sans Intel"/>
+              </a:rPr>
+              <a:t>(TOTAL_MEMORY);</a:t>
+            </a:r>
+          </a:p>
+          <a:p>
+            <a:r>
+              <a:rPr lang="en-US" dirty="0">
+                <a:solidFill>
+                  <a:schemeClr val="tx2"/>
+                </a:solidFill>
+                <a:latin typeface="Lucida Console" panose="020B0609040504020204" pitchFamily="49" charset="0"/>
+                <a:cs typeface="Neo Sans Intel"/>
+              </a:rPr>
+              <a:t>HEAP8 = new Int8Array(buffer);</a:t>
+            </a:r>
+          </a:p>
+          <a:p>
+            <a:r>
+              <a:rPr lang="en-US" dirty="0">
+                <a:solidFill>
+                  <a:schemeClr val="tx2"/>
+                </a:solidFill>
+                <a:latin typeface="Lucida Console" panose="020B0609040504020204" pitchFamily="49" charset="0"/>
+                <a:cs typeface="Neo Sans Intel"/>
+              </a:rPr>
+              <a:t>HEAP16 = new Int16Array(buffer);</a:t>
+            </a:r>
+          </a:p>
+          <a:p>
+            <a:r>
+              <a:rPr lang="en-US" dirty="0">
+                <a:solidFill>
+                  <a:schemeClr val="tx2"/>
+                </a:solidFill>
+                <a:latin typeface="Lucida Console" panose="020B0609040504020204" pitchFamily="49" charset="0"/>
+                <a:cs typeface="Neo Sans Intel"/>
+              </a:rPr>
+              <a:t>HEAP32 = new Int32Array(buffer);</a:t>
+            </a:r>
+          </a:p>
+          <a:p>
+            <a:r>
+              <a:rPr lang="en-US" dirty="0">
+                <a:solidFill>
+                  <a:schemeClr val="tx2"/>
+                </a:solidFill>
+                <a:latin typeface="Lucida Console" panose="020B0609040504020204" pitchFamily="49" charset="0"/>
+                <a:cs typeface="Neo Sans Intel"/>
+              </a:rPr>
+              <a:t>HEAPU8 = new Uint8Array(buffer);</a:t>
+            </a:r>
+          </a:p>
+          <a:p>
+            <a:r>
+              <a:rPr lang="en-US" dirty="0">
+                <a:solidFill>
+                  <a:schemeClr val="tx2"/>
+                </a:solidFill>
+                <a:latin typeface="Lucida Console" panose="020B0609040504020204" pitchFamily="49" charset="0"/>
+                <a:cs typeface="Neo Sans Intel"/>
+              </a:rPr>
+              <a:t>HEAPU16 = new Uint16Array(buffer);</a:t>
+            </a:r>
+          </a:p>
+          <a:p>
+            <a:r>
+              <a:rPr lang="en-US" dirty="0">
+                <a:solidFill>
+                  <a:schemeClr val="tx2"/>
+                </a:solidFill>
+                <a:latin typeface="Lucida Console" panose="020B0609040504020204" pitchFamily="49" charset="0"/>
+                <a:cs typeface="Neo Sans Intel"/>
+              </a:rPr>
+              <a:t>HEAPU32 = new Uint32Array(buffer);</a:t>
+            </a:r>
+          </a:p>
+          <a:p>
+            <a:r>
+              <a:rPr lang="en-US" dirty="0">
+                <a:solidFill>
+                  <a:schemeClr val="tx2"/>
+                </a:solidFill>
+                <a:latin typeface="Lucida Console" panose="020B0609040504020204" pitchFamily="49" charset="0"/>
+                <a:cs typeface="Neo Sans Intel"/>
+              </a:rPr>
+              <a:t>HEAPF32 = new Float32Array(buffer);</a:t>
+            </a:r>
+          </a:p>
+          <a:p>
+            <a:r>
+              <a:rPr lang="en-US" dirty="0">
+                <a:solidFill>
+                  <a:schemeClr val="tx2"/>
+                </a:solidFill>
+                <a:latin typeface="Lucida Console" panose="020B0609040504020204" pitchFamily="49" charset="0"/>
+                <a:cs typeface="Neo Sans Intel"/>
+              </a:rPr>
+              <a:t>HEAPF64 = new Float64Array(buffer);</a:t>
+            </a:r>
+          </a:p>
+          <a:p>
+            <a:endParaRPr lang="en-US" dirty="0" smtClean="0">
+              <a:solidFill>
+                <a:schemeClr val="tx2"/>
+              </a:solidFill>
+              <a:latin typeface="Lucida Console" panose="020B0609040504020204" pitchFamily="49" charset="0"/>
+              <a:cs typeface="Neo Sans Intel"/>
+            </a:endParaRPr>
+          </a:p>
+        </p:txBody>
+      </p:sp>
+    </p:spTree>
+    <p:extLst>
+      <p:ext uri="{BB962C8B-B14F-4D97-AF65-F5344CB8AC3E}">
+        <p14:creationId xmlns:p14="http://schemas.microsoft.com/office/powerpoint/2010/main" val="10713401"/>
+      </p:ext>
+    </p:extLst>
+  </p:cSld>
+  <p:clrMapOvr>
+    <a:masterClrMapping/>
+  </p:clrMapOvr>
+</p:sld>
+</file>
+
+<file path=ppt/slides/slide15.xml><?xml version="1.0" encoding="utf-8"?>
+<p:sld xmlns:a="http://schemas.openxmlformats.org/drawingml/2006/main" xmlns:r="http://schemas.openxmlformats.org/officeDocument/2006/relationships" xmlns:p="http://schemas.openxmlformats.org/presentationml/2006/main">
+  <p:cSld>
+    <p:spTree>
+      <p:nvGrpSpPr>
+        <p:cNvPr id="1" name=""/>
+        <p:cNvGrpSpPr/>
+        <p:nvPr/>
+      </p:nvGrpSpPr>
+      <p:grpSpPr>
+        <a:xfrm>
+          <a:off x="0" y="0"/>
+          <a:ext cx="0" cy="0"/>
+          <a:chOff x="0" y="0"/>
+          <a:chExt cx="0" cy="0"/>
+        </a:xfrm>
+      </p:grpSpPr>
+      <p:sp>
+        <p:nvSpPr>
+          <p:cNvPr id="2" name="Title 1"/>
+          <p:cNvSpPr>
+            <a:spLocks noGrp="1"/>
+          </p:cNvSpPr>
+          <p:nvPr>
+            <p:ph type="title"/>
+          </p:nvPr>
+        </p:nvSpPr>
+        <p:spPr/>
+        <p:txBody>
+          <a:bodyPr/>
+          <a:lstStyle/>
+          <a:p>
+            <a:r>
+              <a:rPr lang="en-US" dirty="0" smtClean="0"/>
+              <a:t>Emscripten – Generated Code Example</a:t>
+            </a:r>
+            <a:endParaRPr lang="en-US" dirty="0"/>
+          </a:p>
+        </p:txBody>
+      </p:sp>
+      <p:sp>
+        <p:nvSpPr>
+          <p:cNvPr id="3" name="Content Placeholder 2"/>
+          <p:cNvSpPr>
+            <a:spLocks noGrp="1"/>
+          </p:cNvSpPr>
+          <p:nvPr>
+            <p:ph sz="quarter" idx="13"/>
+          </p:nvPr>
+        </p:nvSpPr>
+        <p:spPr>
+          <a:xfrm>
+            <a:off x="607484" y="3139698"/>
+            <a:ext cx="4647426" cy="3427358"/>
+          </a:xfrm>
+        </p:spPr>
+        <p:txBody>
+          <a:bodyPr>
+            <a:normAutofit fontScale="92500" lnSpcReduction="10000"/>
+          </a:bodyPr>
+          <a:lstStyle/>
+          <a:p>
+            <a:pPr marL="342900" indent="-342900">
+              <a:buFont typeface="Arial" panose="020B0604020202020204" pitchFamily="34" charset="0"/>
+              <a:buChar char="•"/>
+            </a:pPr>
+            <a:r>
+              <a:rPr lang="en-US" dirty="0" smtClean="0"/>
+              <a:t>Unary ‘+’ (+expr) used as hint to JIT compiler to indicate number</a:t>
+            </a:r>
+          </a:p>
+          <a:p>
+            <a:pPr marL="342900" indent="-342900">
+              <a:buFont typeface="Arial" panose="020B0604020202020204" pitchFamily="34" charset="0"/>
+              <a:buChar char="•"/>
+            </a:pPr>
+            <a:r>
+              <a:rPr lang="en-US" dirty="0" smtClean="0"/>
+              <a:t>Bitwise-Or zero (expr | 0) used to indicate 32-bit signed </a:t>
+            </a:r>
+            <a:r>
+              <a:rPr lang="en-US" dirty="0" err="1" smtClean="0"/>
+              <a:t>int</a:t>
+            </a:r>
+            <a:endParaRPr lang="en-US" dirty="0" smtClean="0"/>
+          </a:p>
+          <a:p>
+            <a:pPr marL="342900" indent="-342900">
+              <a:buFont typeface="Arial" panose="020B0604020202020204" pitchFamily="34" charset="0"/>
+              <a:buChar char="•"/>
+            </a:pPr>
+            <a:r>
+              <a:rPr lang="en-US" dirty="0" smtClean="0"/>
+              <a:t>Unsigned shift right (&gt;&gt;&gt;) used to indicate 32-bit unsigned </a:t>
+            </a:r>
+            <a:r>
+              <a:rPr lang="en-US" dirty="0" err="1" smtClean="0"/>
+              <a:t>int</a:t>
+            </a:r>
+            <a:endParaRPr lang="en-US" dirty="0" smtClean="0"/>
+          </a:p>
+          <a:p>
+            <a:pPr marL="342900" indent="-342900">
+              <a:buFont typeface="Arial" panose="020B0604020202020204" pitchFamily="34" charset="0"/>
+              <a:buChar char="•"/>
+            </a:pPr>
+            <a:r>
+              <a:rPr lang="en-US" dirty="0" smtClean="0"/>
+              <a:t>Addresses are byte addresses. Need to shift right by 2 to get the right index</a:t>
+            </a:r>
+            <a:endParaRPr lang="en-US" dirty="0"/>
+          </a:p>
+        </p:txBody>
+      </p:sp>
+      <p:sp>
+        <p:nvSpPr>
+          <p:cNvPr id="4" name="TextBox 3"/>
+          <p:cNvSpPr txBox="1"/>
+          <p:nvPr/>
+        </p:nvSpPr>
+        <p:spPr>
+          <a:xfrm>
+            <a:off x="5394372" y="1570037"/>
+            <a:ext cx="6320961" cy="3139321"/>
+          </a:xfrm>
+          <a:prstGeom prst="rect">
+            <a:avLst/>
+          </a:prstGeom>
+          <a:noFill/>
+        </p:spPr>
+        <p:txBody>
+          <a:bodyPr wrap="none" rtlCol="0">
+            <a:spAutoFit/>
+          </a:bodyPr>
+          <a:lstStyle/>
+          <a:p>
+            <a:r>
+              <a:rPr lang="en-US" dirty="0" smtClean="0">
+                <a:solidFill>
+                  <a:schemeClr val="tx2"/>
+                </a:solidFill>
+                <a:latin typeface="Lucida Console" panose="020B0609040504020204" pitchFamily="49" charset="0"/>
+                <a:cs typeface="Neo Sans Intel"/>
+              </a:rPr>
+              <a:t>while </a:t>
+            </a:r>
+            <a:r>
+              <a:rPr lang="en-US" dirty="0">
+                <a:solidFill>
+                  <a:schemeClr val="tx2"/>
+                </a:solidFill>
+                <a:latin typeface="Lucida Console" panose="020B0609040504020204" pitchFamily="49" charset="0"/>
+                <a:cs typeface="Neo Sans Intel"/>
+              </a:rPr>
+              <a:t>(1) {</a:t>
+            </a:r>
+          </a:p>
+          <a:p>
+            <a:r>
+              <a:rPr lang="en-US" dirty="0" smtClean="0">
+                <a:solidFill>
+                  <a:schemeClr val="tx2"/>
+                </a:solidFill>
+                <a:latin typeface="Lucida Console" panose="020B0609040504020204" pitchFamily="49" charset="0"/>
+                <a:cs typeface="Neo Sans Intel"/>
+              </a:rPr>
+              <a:t> </a:t>
+            </a:r>
+            <a:r>
+              <a:rPr lang="en-US" dirty="0">
+                <a:solidFill>
+                  <a:schemeClr val="tx2"/>
+                </a:solidFill>
+                <a:latin typeface="Lucida Console" panose="020B0609040504020204" pitchFamily="49" charset="0"/>
+                <a:cs typeface="Neo Sans Intel"/>
+              </a:rPr>
+              <a:t>$add = $sum$04 + +HEAPF32[$a$addr$06 &gt;&gt; 2];</a:t>
+            </a:r>
+          </a:p>
+          <a:p>
+            <a:r>
+              <a:rPr lang="en-US" dirty="0" smtClean="0">
+                <a:solidFill>
+                  <a:schemeClr val="tx2"/>
+                </a:solidFill>
+                <a:latin typeface="Lucida Console" panose="020B0609040504020204" pitchFamily="49" charset="0"/>
+                <a:cs typeface="Neo Sans Intel"/>
+              </a:rPr>
+              <a:t> </a:t>
+            </a:r>
+            <a:r>
+              <a:rPr lang="en-US" dirty="0">
+                <a:solidFill>
+                  <a:schemeClr val="tx2"/>
+                </a:solidFill>
+                <a:latin typeface="Lucida Console" panose="020B0609040504020204" pitchFamily="49" charset="0"/>
+                <a:cs typeface="Neo Sans Intel"/>
+              </a:rPr>
+              <a:t>$j$05 = $j$05 + 4 | 0;</a:t>
+            </a:r>
+          </a:p>
+          <a:p>
+            <a:r>
+              <a:rPr lang="en-US" dirty="0" smtClean="0">
+                <a:solidFill>
+                  <a:schemeClr val="tx2"/>
+                </a:solidFill>
+                <a:latin typeface="Lucida Console" panose="020B0609040504020204" pitchFamily="49" charset="0"/>
+                <a:cs typeface="Neo Sans Intel"/>
+              </a:rPr>
+              <a:t> </a:t>
+            </a:r>
+            <a:r>
+              <a:rPr lang="en-US" dirty="0">
+                <a:solidFill>
+                  <a:schemeClr val="tx2"/>
+                </a:solidFill>
+                <a:latin typeface="Lucida Console" panose="020B0609040504020204" pitchFamily="49" charset="0"/>
+                <a:cs typeface="Neo Sans Intel"/>
+              </a:rPr>
+              <a:t>if (!($j$05 &gt;&gt;&gt; 0 &lt; $length &gt;&gt;&gt; 0)) {</a:t>
+            </a:r>
+          </a:p>
+          <a:p>
+            <a:r>
+              <a:rPr lang="en-US" dirty="0" smtClean="0">
+                <a:solidFill>
+                  <a:schemeClr val="tx2"/>
+                </a:solidFill>
+                <a:latin typeface="Lucida Console" panose="020B0609040504020204" pitchFamily="49" charset="0"/>
+                <a:cs typeface="Neo Sans Intel"/>
+              </a:rPr>
+              <a:t>  </a:t>
+            </a:r>
+            <a:r>
+              <a:rPr lang="en-US" dirty="0">
+                <a:solidFill>
+                  <a:schemeClr val="tx2"/>
+                </a:solidFill>
+                <a:latin typeface="Lucida Console" panose="020B0609040504020204" pitchFamily="49" charset="0"/>
+                <a:cs typeface="Neo Sans Intel"/>
+              </a:rPr>
+              <a:t>$sum$0$lcssa = $add;</a:t>
+            </a:r>
+          </a:p>
+          <a:p>
+            <a:r>
+              <a:rPr lang="en-US" dirty="0" smtClean="0">
+                <a:solidFill>
+                  <a:schemeClr val="tx2"/>
+                </a:solidFill>
+                <a:latin typeface="Lucida Console" panose="020B0609040504020204" pitchFamily="49" charset="0"/>
+                <a:cs typeface="Neo Sans Intel"/>
+              </a:rPr>
+              <a:t>  </a:t>
+            </a:r>
+            <a:r>
+              <a:rPr lang="en-US" dirty="0">
+                <a:solidFill>
+                  <a:schemeClr val="tx2"/>
+                </a:solidFill>
+                <a:latin typeface="Lucida Console" panose="020B0609040504020204" pitchFamily="49" charset="0"/>
+                <a:cs typeface="Neo Sans Intel"/>
+              </a:rPr>
+              <a:t>break;</a:t>
+            </a:r>
+          </a:p>
+          <a:p>
+            <a:r>
+              <a:rPr lang="en-US" dirty="0" smtClean="0">
+                <a:solidFill>
+                  <a:schemeClr val="tx2"/>
+                </a:solidFill>
+                <a:latin typeface="Lucida Console" panose="020B0609040504020204" pitchFamily="49" charset="0"/>
+                <a:cs typeface="Neo Sans Intel"/>
+              </a:rPr>
+              <a:t> </a:t>
+            </a:r>
+            <a:r>
+              <a:rPr lang="en-US" dirty="0">
+                <a:solidFill>
+                  <a:schemeClr val="tx2"/>
+                </a:solidFill>
+                <a:latin typeface="Lucida Console" panose="020B0609040504020204" pitchFamily="49" charset="0"/>
+                <a:cs typeface="Neo Sans Intel"/>
+              </a:rPr>
+              <a:t>} else {</a:t>
+            </a:r>
+          </a:p>
+          <a:p>
+            <a:r>
+              <a:rPr lang="en-US" dirty="0" smtClean="0">
+                <a:solidFill>
+                  <a:schemeClr val="tx2"/>
+                </a:solidFill>
+                <a:latin typeface="Lucida Console" panose="020B0609040504020204" pitchFamily="49" charset="0"/>
+                <a:cs typeface="Neo Sans Intel"/>
+              </a:rPr>
+              <a:t>  </a:t>
+            </a:r>
+            <a:r>
+              <a:rPr lang="en-US" dirty="0">
+                <a:solidFill>
+                  <a:schemeClr val="tx2"/>
+                </a:solidFill>
+                <a:latin typeface="Lucida Console" panose="020B0609040504020204" pitchFamily="49" charset="0"/>
+                <a:cs typeface="Neo Sans Intel"/>
+              </a:rPr>
+              <a:t>$a$addr$06 = $a$addr$06 + 4 | 0;</a:t>
+            </a:r>
+          </a:p>
+          <a:p>
+            <a:r>
+              <a:rPr lang="en-US" dirty="0" smtClean="0">
+                <a:solidFill>
+                  <a:schemeClr val="tx2"/>
+                </a:solidFill>
+                <a:latin typeface="Lucida Console" panose="020B0609040504020204" pitchFamily="49" charset="0"/>
+                <a:cs typeface="Neo Sans Intel"/>
+              </a:rPr>
+              <a:t>  </a:t>
+            </a:r>
+            <a:r>
+              <a:rPr lang="en-US" dirty="0">
+                <a:solidFill>
+                  <a:schemeClr val="tx2"/>
+                </a:solidFill>
+                <a:latin typeface="Lucida Console" panose="020B0609040504020204" pitchFamily="49" charset="0"/>
+                <a:cs typeface="Neo Sans Intel"/>
+              </a:rPr>
+              <a:t>$sum$04 = $add;</a:t>
+            </a:r>
+          </a:p>
+          <a:p>
+            <a:r>
+              <a:rPr lang="en-US" dirty="0" smtClean="0">
+                <a:solidFill>
+                  <a:schemeClr val="tx2"/>
+                </a:solidFill>
+                <a:latin typeface="Lucida Console" panose="020B0609040504020204" pitchFamily="49" charset="0"/>
+                <a:cs typeface="Neo Sans Intel"/>
+              </a:rPr>
+              <a:t> </a:t>
+            </a:r>
+            <a:r>
+              <a:rPr lang="en-US" dirty="0">
+                <a:solidFill>
+                  <a:schemeClr val="tx2"/>
+                </a:solidFill>
+                <a:latin typeface="Lucida Console" panose="020B0609040504020204" pitchFamily="49" charset="0"/>
+                <a:cs typeface="Neo Sans Intel"/>
+              </a:rPr>
+              <a:t>}</a:t>
+            </a:r>
+          </a:p>
+          <a:p>
+            <a:r>
+              <a:rPr lang="en-US" dirty="0" smtClean="0">
+                <a:solidFill>
+                  <a:schemeClr val="tx2"/>
+                </a:solidFill>
+                <a:latin typeface="Lucida Console" panose="020B0609040504020204" pitchFamily="49" charset="0"/>
+                <a:cs typeface="Neo Sans Intel"/>
+              </a:rPr>
+              <a:t>}</a:t>
+            </a:r>
+          </a:p>
+        </p:txBody>
+      </p:sp>
+      <p:sp>
+        <p:nvSpPr>
+          <p:cNvPr id="5" name="TextBox 4"/>
+          <p:cNvSpPr txBox="1"/>
+          <p:nvPr/>
+        </p:nvSpPr>
+        <p:spPr>
+          <a:xfrm>
+            <a:off x="607484" y="1570037"/>
+            <a:ext cx="4647426" cy="1477328"/>
+          </a:xfrm>
+          <a:prstGeom prst="rect">
+            <a:avLst/>
+          </a:prstGeom>
+          <a:noFill/>
+        </p:spPr>
+        <p:txBody>
+          <a:bodyPr wrap="none" rtlCol="0">
+            <a:spAutoFit/>
+          </a:bodyPr>
+          <a:lstStyle/>
+          <a:p>
+            <a:r>
+              <a:rPr lang="en-US" dirty="0" smtClean="0">
+                <a:solidFill>
+                  <a:schemeClr val="tx2"/>
+                </a:solidFill>
+                <a:latin typeface="Lucida Console" panose="020B0609040504020204" pitchFamily="49" charset="0"/>
+                <a:cs typeface="Neo Sans Intel"/>
+              </a:rPr>
+              <a:t>for </a:t>
+            </a:r>
+            <a:r>
+              <a:rPr lang="en-US" dirty="0">
+                <a:solidFill>
+                  <a:schemeClr val="tx2"/>
+                </a:solidFill>
+                <a:latin typeface="Lucida Console" panose="020B0609040504020204" pitchFamily="49" charset="0"/>
+                <a:cs typeface="Neo Sans Intel"/>
+              </a:rPr>
+              <a:t>(uint32_t j = 0, l = length</a:t>
+            </a:r>
+            <a:r>
+              <a:rPr lang="en-US" dirty="0" smtClean="0">
+                <a:solidFill>
+                  <a:schemeClr val="tx2"/>
+                </a:solidFill>
+                <a:latin typeface="Lucida Console" panose="020B0609040504020204" pitchFamily="49" charset="0"/>
+                <a:cs typeface="Neo Sans Intel"/>
+              </a:rPr>
+              <a:t>;</a:t>
+            </a:r>
+          </a:p>
+          <a:p>
+            <a:r>
+              <a:rPr lang="en-US" dirty="0" smtClean="0">
+                <a:solidFill>
+                  <a:schemeClr val="tx2"/>
+                </a:solidFill>
+                <a:latin typeface="Lucida Console" panose="020B0609040504020204" pitchFamily="49" charset="0"/>
+                <a:cs typeface="Neo Sans Intel"/>
+              </a:rPr>
+              <a:t>     </a:t>
+            </a:r>
+            <a:r>
+              <a:rPr lang="en-US" dirty="0">
+                <a:solidFill>
+                  <a:schemeClr val="tx2"/>
+                </a:solidFill>
+                <a:latin typeface="Lucida Console" panose="020B0609040504020204" pitchFamily="49" charset="0"/>
+                <a:cs typeface="Neo Sans Intel"/>
+              </a:rPr>
+              <a:t>j &lt; l</a:t>
+            </a:r>
+            <a:r>
+              <a:rPr lang="en-US" dirty="0" smtClean="0">
+                <a:solidFill>
+                  <a:schemeClr val="tx2"/>
+                </a:solidFill>
+                <a:latin typeface="Lucida Console" panose="020B0609040504020204" pitchFamily="49" charset="0"/>
+                <a:cs typeface="Neo Sans Intel"/>
+              </a:rPr>
+              <a:t>;</a:t>
+            </a:r>
+          </a:p>
+          <a:p>
+            <a:r>
+              <a:rPr lang="en-US" dirty="0" smtClean="0">
+                <a:solidFill>
+                  <a:schemeClr val="tx2"/>
+                </a:solidFill>
+                <a:latin typeface="Lucida Console" panose="020B0609040504020204" pitchFamily="49" charset="0"/>
+                <a:cs typeface="Neo Sans Intel"/>
+              </a:rPr>
+              <a:t>     </a:t>
+            </a:r>
+            <a:r>
+              <a:rPr lang="en-US" dirty="0">
+                <a:solidFill>
+                  <a:schemeClr val="tx2"/>
+                </a:solidFill>
+                <a:latin typeface="Lucida Console" panose="020B0609040504020204" pitchFamily="49" charset="0"/>
+                <a:cs typeface="Neo Sans Intel"/>
+              </a:rPr>
+              <a:t>j = j + 4) {</a:t>
+            </a:r>
+          </a:p>
+          <a:p>
+            <a:r>
+              <a:rPr lang="en-US" dirty="0" smtClean="0">
+                <a:solidFill>
+                  <a:schemeClr val="tx2"/>
+                </a:solidFill>
+                <a:latin typeface="Lucida Console" panose="020B0609040504020204" pitchFamily="49" charset="0"/>
+                <a:cs typeface="Neo Sans Intel"/>
+              </a:rPr>
+              <a:t>  </a:t>
+            </a:r>
+            <a:r>
+              <a:rPr lang="en-US" dirty="0">
+                <a:solidFill>
+                  <a:schemeClr val="tx2"/>
+                </a:solidFill>
+                <a:latin typeface="Lucida Console" panose="020B0609040504020204" pitchFamily="49" charset="0"/>
+                <a:cs typeface="Neo Sans Intel"/>
+              </a:rPr>
+              <a:t>sum = sum + *(a++);</a:t>
+            </a:r>
+          </a:p>
+          <a:p>
+            <a:r>
+              <a:rPr lang="en-US" dirty="0" smtClean="0">
+                <a:solidFill>
+                  <a:schemeClr val="tx2"/>
+                </a:solidFill>
+                <a:latin typeface="Lucida Console" panose="020B0609040504020204" pitchFamily="49" charset="0"/>
+                <a:cs typeface="Neo Sans Intel"/>
+              </a:rPr>
+              <a:t>}</a:t>
+            </a:r>
+          </a:p>
+        </p:txBody>
+      </p:sp>
+      <p:sp>
+        <p:nvSpPr>
+          <p:cNvPr id="6" name="Oval 5"/>
+          <p:cNvSpPr/>
+          <p:nvPr/>
+        </p:nvSpPr>
+        <p:spPr>
+          <a:xfrm>
+            <a:off x="7818120" y="1644842"/>
+            <a:ext cx="3897213" cy="710025"/>
+          </a:xfrm>
+          <a:prstGeom prst="ellipse">
+            <a:avLst/>
+          </a:prstGeom>
+          <a:noFill/>
+          <a:ln w="38100">
+            <a:solidFill>
+              <a:srgbClr val="FF0000"/>
+            </a:solidFill>
+          </a:ln>
+          <a:effectLst/>
+        </p:spPr>
+        <p:style>
+          <a:lnRef idx="1">
+            <a:schemeClr val="accent1"/>
+          </a:lnRef>
+          <a:fillRef idx="3">
+            <a:schemeClr val="accent1"/>
+          </a:fillRef>
+          <a:effectRef idx="2">
+            <a:schemeClr val="accent1"/>
+          </a:effectRef>
+          <a:fontRef idx="minor">
+            <a:schemeClr val="lt1"/>
+          </a:fontRef>
+        </p:style>
+        <p:txBody>
+          <a:bodyPr rtlCol="0" anchor="ctr"/>
+          <a:lstStyle/>
+          <a:p>
+            <a:pPr algn="ctr"/>
+            <a:endParaRPr lang="en-US"/>
+          </a:p>
+        </p:txBody>
+      </p:sp>
+      <p:sp>
+        <p:nvSpPr>
+          <p:cNvPr id="7" name="Oval 6"/>
+          <p:cNvSpPr/>
+          <p:nvPr/>
+        </p:nvSpPr>
+        <p:spPr>
+          <a:xfrm>
+            <a:off x="7101840" y="3321242"/>
+            <a:ext cx="3897213" cy="710025"/>
+          </a:xfrm>
+          <a:prstGeom prst="ellipse">
+            <a:avLst/>
+          </a:prstGeom>
+          <a:noFill/>
+          <a:ln w="38100">
+            <a:solidFill>
+              <a:srgbClr val="FF0000"/>
+            </a:solidFill>
+          </a:ln>
+          <a:effectLst/>
+        </p:spPr>
+        <p:style>
+          <a:lnRef idx="1">
+            <a:schemeClr val="accent1"/>
+          </a:lnRef>
+          <a:fillRef idx="3">
+            <a:schemeClr val="accent1"/>
+          </a:fillRef>
+          <a:effectRef idx="2">
+            <a:schemeClr val="accent1"/>
+          </a:effectRef>
+          <a:fontRef idx="minor">
+            <a:schemeClr val="lt1"/>
+          </a:fontRef>
+        </p:style>
+        <p:txBody>
+          <a:bodyPr rtlCol="0" anchor="ctr"/>
+          <a:lstStyle/>
+          <a:p>
+            <a:pPr algn="ctr"/>
+            <a:endParaRPr lang="en-US"/>
+          </a:p>
+        </p:txBody>
+      </p:sp>
+      <p:sp>
+        <p:nvSpPr>
+          <p:cNvPr id="8" name="TextBox 7"/>
+          <p:cNvSpPr txBox="1"/>
+          <p:nvPr/>
+        </p:nvSpPr>
+        <p:spPr>
+          <a:xfrm>
+            <a:off x="5392165" y="4797587"/>
+            <a:ext cx="6325375" cy="984885"/>
+          </a:xfrm>
+          <a:prstGeom prst="rect">
+            <a:avLst/>
+          </a:prstGeom>
+          <a:solidFill>
+            <a:srgbClr val="FF0000"/>
+          </a:solidFill>
+          <a:effectLst>
+            <a:reflection blurRad="6350" stA="50000" endA="300" endPos="55000" dir="5400000" sy="-100000" algn="bl" rotWithShape="0"/>
+          </a:effectLst>
+          <a:scene3d>
+            <a:camera prst="orthographicFront"/>
+            <a:lightRig rig="threePt" dir="t"/>
+          </a:scene3d>
+          <a:sp3d>
+            <a:bevelT/>
+          </a:sp3d>
+        </p:spPr>
+        <p:txBody>
+          <a:bodyPr wrap="square" tIns="182880" bIns="182880" rtlCol="0">
+            <a:spAutoFit/>
+          </a:bodyPr>
+          <a:lstStyle/>
+          <a:p>
+            <a:pPr algn="ctr"/>
+            <a:r>
+              <a:rPr lang="en-US" sz="2000" b="1" dirty="0" smtClean="0">
+                <a:solidFill>
+                  <a:schemeClr val="bg1"/>
+                </a:solidFill>
+                <a:cs typeface="Neo Sans Intel"/>
+              </a:rPr>
+              <a:t>Type hints and no dynamic allocations allow JIT compilers to generate very efficient code QUICKLY!</a:t>
+            </a:r>
+          </a:p>
+        </p:txBody>
+      </p:sp>
+      <p:sp>
+        <p:nvSpPr>
+          <p:cNvPr id="9" name="Oval 8"/>
+          <p:cNvSpPr/>
+          <p:nvPr/>
+        </p:nvSpPr>
+        <p:spPr>
+          <a:xfrm>
+            <a:off x="6151418" y="2354867"/>
+            <a:ext cx="1935678" cy="471460"/>
+          </a:xfrm>
+          <a:prstGeom prst="ellipse">
+            <a:avLst/>
+          </a:prstGeom>
+          <a:noFill/>
+          <a:ln w="38100">
+            <a:solidFill>
+              <a:srgbClr val="FF0000"/>
+            </a:solidFill>
+          </a:ln>
+          <a:effectLst/>
+        </p:spPr>
+        <p:style>
+          <a:lnRef idx="1">
+            <a:schemeClr val="accent1"/>
+          </a:lnRef>
+          <a:fillRef idx="3">
+            <a:schemeClr val="accent1"/>
+          </a:fillRef>
+          <a:effectRef idx="2">
+            <a:schemeClr val="accent1"/>
+          </a:effectRef>
+          <a:fontRef idx="minor">
+            <a:schemeClr val="lt1"/>
+          </a:fontRef>
+        </p:style>
+        <p:txBody>
+          <a:bodyPr rtlCol="0" anchor="ctr"/>
+          <a:lstStyle/>
+          <a:p>
+            <a:pPr algn="ctr"/>
+            <a:endParaRPr lang="en-US"/>
+          </a:p>
+        </p:txBody>
+      </p:sp>
+    </p:spTree>
+    <p:extLst>
+      <p:ext uri="{BB962C8B-B14F-4D97-AF65-F5344CB8AC3E}">
+        <p14:creationId xmlns:p14="http://schemas.microsoft.com/office/powerpoint/2010/main" val="3388736133"/>
+      </p:ext>
+    </p:extLst>
+  </p:cSld>
+  <p:clrMapOvr>
+    <a:masterClrMapping/>
+  </p:clrMapOvr>
+</p:sld>
+</file>
+
+<file path=ppt/slides/slide16.xml><?xml version="1.0" encoding="utf-8"?>
+<p:sld xmlns:a="http://schemas.openxmlformats.org/drawingml/2006/main" xmlns:r="http://schemas.openxmlformats.org/officeDocument/2006/relationships" xmlns:p="http://schemas.openxmlformats.org/presentationml/2006/main">
+  <p:cSld>
+    <p:spTree>
+      <p:nvGrpSpPr>
+        <p:cNvPr id="1" name=""/>
+        <p:cNvGrpSpPr/>
+        <p:nvPr/>
+      </p:nvGrpSpPr>
+      <p:grpSpPr>
+        <a:xfrm>
+          <a:off x="0" y="0"/>
+          <a:ext cx="0" cy="0"/>
+          <a:chOff x="0" y="0"/>
+          <a:chExt cx="0" cy="0"/>
+        </a:xfrm>
+      </p:grpSpPr>
+      <p:sp>
+        <p:nvSpPr>
+          <p:cNvPr id="2" name="Title 1"/>
+          <p:cNvSpPr>
+            <a:spLocks noGrp="1"/>
+          </p:cNvSpPr>
+          <p:nvPr>
+            <p:ph type="title"/>
+          </p:nvPr>
+        </p:nvSpPr>
+        <p:spPr/>
+        <p:txBody>
+          <a:bodyPr/>
+          <a:lstStyle/>
+          <a:p>
+            <a:r>
+              <a:rPr lang="en-US" dirty="0" smtClean="0"/>
+              <a:t>Emscripten – Showcase Uses</a:t>
+            </a:r>
+            <a:endParaRPr lang="en-US" dirty="0"/>
+          </a:p>
+        </p:txBody>
+      </p:sp>
+      <p:sp>
+        <p:nvSpPr>
+          <p:cNvPr id="7" name="TextBox 6"/>
+          <p:cNvSpPr txBox="1"/>
+          <p:nvPr/>
+        </p:nvSpPr>
+        <p:spPr>
+          <a:xfrm>
+            <a:off x="2754769" y="1108372"/>
+            <a:ext cx="1770036" cy="461665"/>
+          </a:xfrm>
+          <a:prstGeom prst="rect">
+            <a:avLst/>
+          </a:prstGeom>
+          <a:noFill/>
+        </p:spPr>
+        <p:txBody>
+          <a:bodyPr wrap="none" rtlCol="0">
+            <a:spAutoFit/>
+          </a:bodyPr>
+          <a:lstStyle/>
+          <a:p>
+            <a:r>
+              <a:rPr lang="en-US" sz="2400" dirty="0" smtClean="0">
+                <a:solidFill>
+                  <a:schemeClr val="tx2"/>
+                </a:solidFill>
+                <a:cs typeface="Neo Sans Intel"/>
+              </a:rPr>
+              <a:t>Epic Unreal</a:t>
+            </a:r>
+          </a:p>
+        </p:txBody>
+      </p:sp>
+      <p:sp>
+        <p:nvSpPr>
+          <p:cNvPr id="8" name="TextBox 7"/>
+          <p:cNvSpPr txBox="1"/>
+          <p:nvPr/>
+        </p:nvSpPr>
+        <p:spPr>
+          <a:xfrm>
+            <a:off x="9192221" y="1030510"/>
+            <a:ext cx="923651" cy="461665"/>
+          </a:xfrm>
+          <a:prstGeom prst="rect">
+            <a:avLst/>
+          </a:prstGeom>
+          <a:noFill/>
+        </p:spPr>
+        <p:txBody>
+          <a:bodyPr wrap="none" rtlCol="0">
+            <a:spAutoFit/>
+          </a:bodyPr>
+          <a:lstStyle/>
+          <a:p>
+            <a:r>
+              <a:rPr lang="en-US" sz="2400" dirty="0" smtClean="0">
+                <a:solidFill>
+                  <a:schemeClr val="tx2"/>
+                </a:solidFill>
+                <a:cs typeface="Neo Sans Intel"/>
+              </a:rPr>
+              <a:t>Unity</a:t>
+            </a:r>
+          </a:p>
+        </p:txBody>
+      </p:sp>
+      <p:sp>
+        <p:nvSpPr>
+          <p:cNvPr id="9" name="TextBox 8"/>
+          <p:cNvSpPr txBox="1"/>
+          <p:nvPr/>
+        </p:nvSpPr>
+        <p:spPr>
+          <a:xfrm>
+            <a:off x="225632" y="5184457"/>
+            <a:ext cx="6828312" cy="1384995"/>
+          </a:xfrm>
+          <a:prstGeom prst="rect">
+            <a:avLst/>
+          </a:prstGeom>
+          <a:noFill/>
+        </p:spPr>
+        <p:txBody>
+          <a:bodyPr wrap="square" rtlCol="0">
+            <a:spAutoFit/>
+          </a:bodyPr>
+          <a:lstStyle/>
+          <a:p>
+            <a:pPr marL="457200" indent="-457200">
+              <a:buFont typeface="Arial" panose="020B0604020202020204" pitchFamily="34" charset="0"/>
+              <a:buChar char="•"/>
+            </a:pPr>
+            <a:r>
+              <a:rPr lang="en-US" sz="2800" dirty="0" smtClean="0">
+                <a:solidFill>
+                  <a:schemeClr val="tx2"/>
+                </a:solidFill>
+                <a:cs typeface="Neo Sans Intel"/>
+              </a:rPr>
+              <a:t>Over a million lines of C++ code ported to JS</a:t>
+            </a:r>
+          </a:p>
+          <a:p>
+            <a:pPr marL="457200" indent="-457200">
+              <a:buFont typeface="Arial" panose="020B0604020202020204" pitchFamily="34" charset="0"/>
+              <a:buChar char="•"/>
+            </a:pPr>
+            <a:r>
+              <a:rPr lang="en-US" sz="2800" dirty="0" smtClean="0">
+                <a:solidFill>
+                  <a:schemeClr val="tx2"/>
+                </a:solidFill>
+                <a:cs typeface="Neo Sans Intel"/>
+              </a:rPr>
+              <a:t>4 days to port</a:t>
+            </a:r>
+          </a:p>
+        </p:txBody>
+      </p:sp>
+      <p:pic>
+        <p:nvPicPr>
+          <p:cNvPr id="3" name="Picture 2"/>
+          <p:cNvPicPr>
+            <a:picLocks noChangeAspect="1"/>
+          </p:cNvPicPr>
+          <p:nvPr/>
+        </p:nvPicPr>
+        <p:blipFill>
+          <a:blip r:embed="rId2">
+            <a:extLst>
+              <a:ext uri="{28A0092B-C50C-407E-A947-70E740481C1C}">
+                <a14:useLocalDpi xmlns:a14="http://schemas.microsoft.com/office/drawing/2010/main" val="0"/>
+              </a:ext>
+            </a:extLst>
+          </a:blip>
+          <a:stretch>
+            <a:fillRect/>
+          </a:stretch>
+        </p:blipFill>
+        <p:spPr>
+          <a:xfrm>
+            <a:off x="86688" y="1492175"/>
+            <a:ext cx="7106198" cy="3692282"/>
+          </a:xfrm>
+          <a:prstGeom prst="rect">
+            <a:avLst/>
+          </a:prstGeom>
+        </p:spPr>
+      </p:pic>
+      <p:pic>
+        <p:nvPicPr>
+          <p:cNvPr id="4" name="Picture 3"/>
+          <p:cNvPicPr>
+            <a:picLocks noChangeAspect="1"/>
+          </p:cNvPicPr>
+          <p:nvPr/>
+        </p:nvPicPr>
+        <p:blipFill>
+          <a:blip r:embed="rId3">
+            <a:extLst>
+              <a:ext uri="{28A0092B-C50C-407E-A947-70E740481C1C}">
+                <a14:useLocalDpi xmlns:a14="http://schemas.microsoft.com/office/drawing/2010/main" val="0"/>
+              </a:ext>
+            </a:extLst>
+          </a:blip>
+          <a:stretch>
+            <a:fillRect/>
+          </a:stretch>
+        </p:blipFill>
+        <p:spPr>
+          <a:xfrm>
+            <a:off x="7344704" y="1501003"/>
+            <a:ext cx="4618684" cy="4280019"/>
+          </a:xfrm>
+          <a:prstGeom prst="rect">
+            <a:avLst/>
+          </a:prstGeom>
+        </p:spPr>
+      </p:pic>
+    </p:spTree>
+    <p:extLst>
+      <p:ext uri="{BB962C8B-B14F-4D97-AF65-F5344CB8AC3E}">
+        <p14:creationId xmlns:p14="http://schemas.microsoft.com/office/powerpoint/2010/main" val="809491598"/>
+      </p:ext>
+    </p:extLst>
+  </p:cSld>
+  <p:clrMapOvr>
+    <a:masterClrMapping/>
+  </p:clrMapOvr>
+</p:sld>
+</file>
+
+<file path=ppt/slides/slide17.xml><?xml version="1.0" encoding="utf-8"?>
+<p:sld xmlns:a="http://schemas.openxmlformats.org/drawingml/2006/main" xmlns:r="http://schemas.openxmlformats.org/officeDocument/2006/relationships" xmlns:p="http://schemas.openxmlformats.org/presentationml/2006/main">
+  <p:cSld>
+    <p:spTree>
+      <p:nvGrpSpPr>
+        <p:cNvPr id="1" name=""/>
+        <p:cNvGrpSpPr/>
+        <p:nvPr/>
+      </p:nvGrpSpPr>
+      <p:grpSpPr>
+        <a:xfrm>
+          <a:off x="0" y="0"/>
+          <a:ext cx="0" cy="0"/>
+          <a:chOff x="0" y="0"/>
+          <a:chExt cx="0" cy="0"/>
+        </a:xfrm>
+      </p:grpSpPr>
+      <p:sp>
+        <p:nvSpPr>
+          <p:cNvPr id="2" name="Title 1"/>
+          <p:cNvSpPr>
+            <a:spLocks noGrp="1"/>
+          </p:cNvSpPr>
+          <p:nvPr>
+            <p:ph type="title"/>
+          </p:nvPr>
+        </p:nvSpPr>
+        <p:spPr/>
+        <p:txBody>
+          <a:bodyPr/>
+          <a:lstStyle/>
+          <a:p>
+            <a:r>
+              <a:rPr lang="en-US" dirty="0" smtClean="0"/>
+              <a:t>SIMD.JS and Emscripten – A Perfect Match!</a:t>
+            </a:r>
+            <a:endParaRPr lang="en-US" dirty="0"/>
+          </a:p>
+        </p:txBody>
+      </p:sp>
+      <p:sp>
+        <p:nvSpPr>
+          <p:cNvPr id="3" name="Content Placeholder 2"/>
+          <p:cNvSpPr>
+            <a:spLocks noGrp="1"/>
+          </p:cNvSpPr>
+          <p:nvPr>
+            <p:ph sz="quarter" idx="13"/>
+          </p:nvPr>
+        </p:nvSpPr>
+        <p:spPr/>
+        <p:txBody>
+          <a:bodyPr/>
+          <a:lstStyle/>
+          <a:p>
+            <a:pPr marL="342900" indent="-342900">
+              <a:buFont typeface="Arial" panose="020B0604020202020204" pitchFamily="34" charset="0"/>
+              <a:buChar char="•"/>
+            </a:pPr>
+            <a:r>
+              <a:rPr lang="en-US" dirty="0" smtClean="0"/>
+              <a:t>Performance critical C/C++ code uses SIMD to get acceptable performance</a:t>
+            </a:r>
+          </a:p>
+          <a:p>
+            <a:pPr lvl="2"/>
+            <a:r>
+              <a:rPr lang="en-US" dirty="0" smtClean="0"/>
+              <a:t>Games, physics, image manipulation, video encoding/decoding, signal processing, etc.</a:t>
+            </a:r>
+          </a:p>
+          <a:p>
+            <a:pPr marL="342900" indent="-342900">
+              <a:buFont typeface="Arial" panose="020B0604020202020204" pitchFamily="34" charset="0"/>
+              <a:buChar char="•"/>
+            </a:pPr>
+            <a:r>
+              <a:rPr lang="en-US" dirty="0" smtClean="0"/>
+              <a:t>SIMD.JS enables Emscripten to fully utilize these highly optimized C/C++ code sequences</a:t>
+            </a:r>
+            <a:endParaRPr lang="en-US" dirty="0"/>
+          </a:p>
+        </p:txBody>
+      </p:sp>
+    </p:spTree>
+    <p:extLst>
+      <p:ext uri="{BB962C8B-B14F-4D97-AF65-F5344CB8AC3E}">
+        <p14:creationId xmlns:p14="http://schemas.microsoft.com/office/powerpoint/2010/main" val="2092965777"/>
+      </p:ext>
+    </p:extLst>
+  </p:cSld>
+  <p:clrMapOvr>
+    <a:masterClrMapping/>
+  </p:clrMapOvr>
+</p:sld>
+</file>
+
+<file path=ppt/slides/slide18.xml><?xml version="1.0" encoding="utf-8"?>
+<p:sld xmlns:a="http://schemas.openxmlformats.org/drawingml/2006/main" xmlns:r="http://schemas.openxmlformats.org/officeDocument/2006/relationships" xmlns:p="http://schemas.openxmlformats.org/presentationml/2006/main">
+  <p:cSld>
+    <p:spTree>
+      <p:nvGrpSpPr>
+        <p:cNvPr id="1" name=""/>
+        <p:cNvGrpSpPr/>
+        <p:nvPr/>
+      </p:nvGrpSpPr>
+      <p:grpSpPr>
+        <a:xfrm>
+          <a:off x="0" y="0"/>
+          <a:ext cx="0" cy="0"/>
+          <a:chOff x="0" y="0"/>
+          <a:chExt cx="0" cy="0"/>
+        </a:xfrm>
+      </p:grpSpPr>
+      <p:sp>
+        <p:nvSpPr>
+          <p:cNvPr id="2" name="Title 1"/>
+          <p:cNvSpPr>
+            <a:spLocks noGrp="1"/>
+          </p:cNvSpPr>
+          <p:nvPr>
+            <p:ph type="title"/>
+          </p:nvPr>
+        </p:nvSpPr>
+        <p:spPr/>
+        <p:txBody>
+          <a:bodyPr/>
+          <a:lstStyle/>
+          <a:p>
+            <a:r>
+              <a:rPr lang="en-US" dirty="0" smtClean="0"/>
+              <a:t>Emscripten – Compiling SIMD C/C++ Code</a:t>
+            </a:r>
+            <a:endParaRPr lang="en-US" dirty="0"/>
+          </a:p>
+        </p:txBody>
+      </p:sp>
+      <p:sp>
+        <p:nvSpPr>
+          <p:cNvPr id="3" name="Content Placeholder 2"/>
+          <p:cNvSpPr>
+            <a:spLocks noGrp="1"/>
+          </p:cNvSpPr>
+          <p:nvPr>
+            <p:ph sz="quarter" idx="13"/>
+          </p:nvPr>
+        </p:nvSpPr>
+        <p:spPr>
+          <a:xfrm>
+            <a:off x="607484" y="1604435"/>
+            <a:ext cx="10970683" cy="402496"/>
+          </a:xfrm>
+        </p:spPr>
+        <p:txBody>
+          <a:bodyPr/>
+          <a:lstStyle/>
+          <a:p>
+            <a:r>
+              <a:rPr lang="en-US" dirty="0" smtClean="0"/>
+              <a:t>$ </a:t>
+            </a:r>
+            <a:r>
+              <a:rPr lang="en-US" dirty="0" err="1" smtClean="0"/>
+              <a:t>emcc</a:t>
+            </a:r>
+            <a:r>
+              <a:rPr lang="en-US" dirty="0" smtClean="0"/>
+              <a:t> –O2 –g average-</a:t>
+            </a:r>
+            <a:r>
+              <a:rPr lang="en-US" dirty="0" err="1" smtClean="0"/>
+              <a:t>intrin.c</a:t>
+            </a:r>
+            <a:endParaRPr lang="en-US" dirty="0"/>
+          </a:p>
+        </p:txBody>
+      </p:sp>
+      <p:grpSp>
+        <p:nvGrpSpPr>
+          <p:cNvPr id="12" name="Group 11"/>
+          <p:cNvGrpSpPr/>
+          <p:nvPr/>
+        </p:nvGrpSpPr>
+        <p:grpSpPr>
+          <a:xfrm>
+            <a:off x="5974081" y="2076493"/>
+            <a:ext cx="5930178" cy="3262432"/>
+            <a:chOff x="5974081" y="2076493"/>
+            <a:chExt cx="5930178" cy="3262432"/>
+          </a:xfrm>
+        </p:grpSpPr>
+        <p:grpSp>
+          <p:nvGrpSpPr>
+            <p:cNvPr id="9" name="Group 8"/>
+            <p:cNvGrpSpPr/>
+            <p:nvPr/>
+          </p:nvGrpSpPr>
+          <p:grpSpPr>
+            <a:xfrm>
+              <a:off x="5974081" y="2076493"/>
+              <a:ext cx="5930178" cy="3262432"/>
+              <a:chOff x="5974081" y="2076493"/>
+              <a:chExt cx="5930178" cy="3262432"/>
+            </a:xfrm>
+          </p:grpSpPr>
+          <p:sp>
+            <p:nvSpPr>
+              <p:cNvPr id="5" name="TextBox 4"/>
+              <p:cNvSpPr txBox="1"/>
+              <p:nvPr/>
+            </p:nvSpPr>
+            <p:spPr>
+              <a:xfrm>
+                <a:off x="5974081" y="2538158"/>
+                <a:ext cx="5930178" cy="2800767"/>
+              </a:xfrm>
+              <a:prstGeom prst="rect">
+                <a:avLst/>
+              </a:prstGeom>
+              <a:noFill/>
+              <a:ln w="25400">
+                <a:solidFill>
+                  <a:schemeClr val="accent1"/>
+                </a:solidFill>
+              </a:ln>
+            </p:spPr>
+            <p:txBody>
+              <a:bodyPr wrap="square" rtlCol="0">
+                <a:spAutoFit/>
+              </a:bodyPr>
+              <a:lstStyle/>
+              <a:p>
+                <a:r>
+                  <a:rPr lang="en-US" sz="1600" dirty="0" smtClean="0">
+                    <a:solidFill>
+                      <a:schemeClr val="tx2"/>
+                    </a:solidFill>
+                    <a:latin typeface="Lucida Console" panose="020B0609040504020204" pitchFamily="49" charset="0"/>
+                    <a:cs typeface="Neo Sans Intel"/>
+                  </a:rPr>
+                  <a:t>while </a:t>
+                </a:r>
+                <a:r>
+                  <a:rPr lang="en-US" sz="1600" dirty="0">
+                    <a:solidFill>
+                      <a:schemeClr val="tx2"/>
+                    </a:solidFill>
+                    <a:latin typeface="Lucida Console" panose="020B0609040504020204" pitchFamily="49" charset="0"/>
+                    <a:cs typeface="Neo Sans Intel"/>
+                  </a:rPr>
+                  <a:t>(1) {</a:t>
+                </a:r>
+              </a:p>
+              <a:p>
+                <a:r>
+                  <a:rPr lang="en-US" sz="1600" dirty="0" smtClean="0">
+                    <a:solidFill>
+                      <a:schemeClr val="tx2"/>
+                    </a:solidFill>
+                    <a:latin typeface="Lucida Console" panose="020B0609040504020204" pitchFamily="49" charset="0"/>
+                    <a:cs typeface="Neo Sans Intel"/>
+                  </a:rPr>
+                  <a:t> </a:t>
+                </a:r>
+                <a:r>
+                  <a:rPr lang="en-US" sz="1600" dirty="0">
+                    <a:solidFill>
+                      <a:schemeClr val="tx2"/>
+                    </a:solidFill>
+                    <a:latin typeface="Lucida Console" panose="020B0609040504020204" pitchFamily="49" charset="0"/>
+                    <a:cs typeface="Neo Sans Intel"/>
+                  </a:rPr>
+                  <a:t>$</a:t>
+                </a:r>
+                <a:r>
+                  <a:rPr lang="en-US" sz="1600" dirty="0" err="1">
+                    <a:solidFill>
+                      <a:schemeClr val="tx2"/>
+                    </a:solidFill>
+                    <a:latin typeface="Lucida Console" panose="020B0609040504020204" pitchFamily="49" charset="0"/>
+                    <a:cs typeface="Neo Sans Intel"/>
+                  </a:rPr>
+                  <a:t>add$i</a:t>
+                </a:r>
+                <a:r>
+                  <a:rPr lang="en-US" sz="1600" dirty="0">
+                    <a:solidFill>
+                      <a:schemeClr val="tx2"/>
+                    </a:solidFill>
+                    <a:latin typeface="Lucida Console" panose="020B0609040504020204" pitchFamily="49" charset="0"/>
+                    <a:cs typeface="Neo Sans Intel"/>
+                  </a:rPr>
+                  <a:t> = SIMD_float32x4_add</a:t>
+                </a:r>
+                <a:r>
+                  <a:rPr lang="en-US" sz="1600" dirty="0" smtClean="0">
+                    <a:solidFill>
+                      <a:schemeClr val="tx2"/>
+                    </a:solidFill>
+                    <a:latin typeface="Lucida Console" panose="020B0609040504020204" pitchFamily="49" charset="0"/>
+                    <a:cs typeface="Neo Sans Intel"/>
+                  </a:rPr>
+                  <a:t>(</a:t>
+                </a:r>
+              </a:p>
+              <a:p>
+                <a:r>
+                  <a:rPr lang="en-US" sz="1600" dirty="0" smtClean="0">
+                    <a:solidFill>
+                      <a:schemeClr val="tx2"/>
+                    </a:solidFill>
+                    <a:latin typeface="Lucida Console" panose="020B0609040504020204" pitchFamily="49" charset="0"/>
+                    <a:cs typeface="Neo Sans Intel"/>
+                  </a:rPr>
+                  <a:t>           $</a:t>
+                </a:r>
+                <a:r>
+                  <a:rPr lang="en-US" sz="1600" dirty="0">
+                    <a:solidFill>
+                      <a:schemeClr val="tx2"/>
+                    </a:solidFill>
+                    <a:latin typeface="Lucida Console" panose="020B0609040504020204" pitchFamily="49" charset="0"/>
+                    <a:cs typeface="Neo Sans Intel"/>
+                  </a:rPr>
+                  <a:t>sumx4$010</a:t>
+                </a:r>
+                <a:r>
+                  <a:rPr lang="en-US" sz="1600" dirty="0" smtClean="0">
+                    <a:solidFill>
+                      <a:schemeClr val="tx2"/>
+                    </a:solidFill>
+                    <a:latin typeface="Lucida Console" panose="020B0609040504020204" pitchFamily="49" charset="0"/>
+                    <a:cs typeface="Neo Sans Intel"/>
+                  </a:rPr>
+                  <a:t>,</a:t>
+                </a:r>
+              </a:p>
+              <a:p>
+                <a:r>
+                  <a:rPr lang="en-US" sz="1600" dirty="0" smtClean="0">
+                    <a:solidFill>
+                      <a:schemeClr val="tx2"/>
+                    </a:solidFill>
+                    <a:latin typeface="Lucida Console" panose="020B0609040504020204" pitchFamily="49" charset="0"/>
+                    <a:cs typeface="Neo Sans Intel"/>
+                  </a:rPr>
+                  <a:t>           </a:t>
+                </a:r>
+                <a:r>
+                  <a:rPr lang="en-US" sz="1600" dirty="0">
+                    <a:solidFill>
+                      <a:schemeClr val="tx2"/>
+                    </a:solidFill>
+                    <a:latin typeface="Lucida Console" panose="020B0609040504020204" pitchFamily="49" charset="0"/>
+                    <a:cs typeface="Neo Sans Intel"/>
+                  </a:rPr>
+                  <a:t>SIMD_float32x4_load</a:t>
+                </a:r>
+                <a:r>
+                  <a:rPr lang="en-US" sz="1600" dirty="0" smtClean="0">
+                    <a:solidFill>
+                      <a:schemeClr val="tx2"/>
+                    </a:solidFill>
+                    <a:latin typeface="Lucida Console" panose="020B0609040504020204" pitchFamily="49" charset="0"/>
+                    <a:cs typeface="Neo Sans Intel"/>
+                  </a:rPr>
+                  <a:t>(</a:t>
+                </a:r>
+              </a:p>
+              <a:p>
+                <a:r>
+                  <a:rPr lang="en-US" sz="1600" dirty="0" smtClean="0">
+                    <a:solidFill>
+                      <a:schemeClr val="tx2"/>
+                    </a:solidFill>
+                    <a:latin typeface="Lucida Console" panose="020B0609040504020204" pitchFamily="49" charset="0"/>
+                    <a:cs typeface="Neo Sans Intel"/>
+                  </a:rPr>
+                  <a:t>            buffer</a:t>
+                </a:r>
+                <a:r>
+                  <a:rPr lang="en-US" sz="1600" dirty="0">
+                    <a:solidFill>
+                      <a:schemeClr val="tx2"/>
+                    </a:solidFill>
+                    <a:latin typeface="Lucida Console" panose="020B0609040504020204" pitchFamily="49" charset="0"/>
+                    <a:cs typeface="Neo Sans Intel"/>
+                  </a:rPr>
+                  <a:t>, $a + ($j$09 &lt;&lt; 2) | 0));</a:t>
+                </a:r>
+              </a:p>
+              <a:p>
+                <a:r>
+                  <a:rPr lang="en-US" sz="1600" dirty="0" smtClean="0">
+                    <a:solidFill>
+                      <a:schemeClr val="tx2"/>
+                    </a:solidFill>
+                    <a:latin typeface="Lucida Console" panose="020B0609040504020204" pitchFamily="49" charset="0"/>
+                    <a:cs typeface="Neo Sans Intel"/>
+                  </a:rPr>
+                  <a:t> </a:t>
+                </a:r>
+                <a:r>
+                  <a:rPr lang="en-US" sz="1600" dirty="0">
+                    <a:solidFill>
+                      <a:schemeClr val="tx2"/>
+                    </a:solidFill>
+                    <a:latin typeface="Lucida Console" panose="020B0609040504020204" pitchFamily="49" charset="0"/>
+                    <a:cs typeface="Neo Sans Intel"/>
+                  </a:rPr>
+                  <a:t>$j$09 = $j$09 + 4 | 0;</a:t>
+                </a:r>
+              </a:p>
+              <a:p>
+                <a:r>
+                  <a:rPr lang="en-US" sz="1600" dirty="0" smtClean="0">
+                    <a:solidFill>
+                      <a:schemeClr val="tx2"/>
+                    </a:solidFill>
+                    <a:latin typeface="Lucida Console" panose="020B0609040504020204" pitchFamily="49" charset="0"/>
+                    <a:cs typeface="Neo Sans Intel"/>
+                  </a:rPr>
+                  <a:t> </a:t>
+                </a:r>
+                <a:r>
+                  <a:rPr lang="en-US" sz="1600" dirty="0">
+                    <a:solidFill>
+                      <a:schemeClr val="tx2"/>
+                    </a:solidFill>
+                    <a:latin typeface="Lucida Console" panose="020B0609040504020204" pitchFamily="49" charset="0"/>
+                    <a:cs typeface="Neo Sans Intel"/>
+                  </a:rPr>
+                  <a:t>if (!($j$09 &gt;&gt;&gt; 0 &lt; $length &gt;&gt;&gt; 0)) {</a:t>
+                </a:r>
+              </a:p>
+              <a:p>
+                <a:r>
+                  <a:rPr lang="en-US" sz="1600" dirty="0" smtClean="0">
+                    <a:solidFill>
+                      <a:schemeClr val="tx2"/>
+                    </a:solidFill>
+                    <a:latin typeface="Lucida Console" panose="020B0609040504020204" pitchFamily="49" charset="0"/>
+                    <a:cs typeface="Neo Sans Intel"/>
+                  </a:rPr>
+                  <a:t>  </a:t>
+                </a:r>
+                <a:r>
+                  <a:rPr lang="en-US" sz="1600" dirty="0">
+                    <a:solidFill>
+                      <a:schemeClr val="tx2"/>
+                    </a:solidFill>
+                    <a:latin typeface="Lucida Console" panose="020B0609040504020204" pitchFamily="49" charset="0"/>
+                    <a:cs typeface="Neo Sans Intel"/>
+                  </a:rPr>
+                  <a:t>$sumx4$0$lcssa = $</a:t>
+                </a:r>
+                <a:r>
+                  <a:rPr lang="en-US" sz="1600" dirty="0" err="1">
+                    <a:solidFill>
+                      <a:schemeClr val="tx2"/>
+                    </a:solidFill>
+                    <a:latin typeface="Lucida Console" panose="020B0609040504020204" pitchFamily="49" charset="0"/>
+                    <a:cs typeface="Neo Sans Intel"/>
+                  </a:rPr>
+                  <a:t>add$i</a:t>
+                </a:r>
+                <a:r>
+                  <a:rPr lang="en-US" sz="1600" dirty="0">
+                    <a:solidFill>
+                      <a:schemeClr val="tx2"/>
+                    </a:solidFill>
+                    <a:latin typeface="Lucida Console" panose="020B0609040504020204" pitchFamily="49" charset="0"/>
+                    <a:cs typeface="Neo Sans Intel"/>
+                  </a:rPr>
+                  <a:t>;</a:t>
+                </a:r>
+              </a:p>
+              <a:p>
+                <a:r>
+                  <a:rPr lang="en-US" sz="1600" dirty="0" smtClean="0">
+                    <a:solidFill>
+                      <a:schemeClr val="tx2"/>
+                    </a:solidFill>
+                    <a:latin typeface="Lucida Console" panose="020B0609040504020204" pitchFamily="49" charset="0"/>
+                    <a:cs typeface="Neo Sans Intel"/>
+                  </a:rPr>
+                  <a:t>  </a:t>
+                </a:r>
+                <a:r>
+                  <a:rPr lang="en-US" sz="1600" dirty="0">
+                    <a:solidFill>
+                      <a:schemeClr val="tx2"/>
+                    </a:solidFill>
+                    <a:latin typeface="Lucida Console" panose="020B0609040504020204" pitchFamily="49" charset="0"/>
+                    <a:cs typeface="Neo Sans Intel"/>
+                  </a:rPr>
+                  <a:t>break;</a:t>
+                </a:r>
+              </a:p>
+              <a:p>
+                <a:r>
+                  <a:rPr lang="en-US" sz="1600" dirty="0" smtClean="0">
+                    <a:solidFill>
+                      <a:schemeClr val="tx2"/>
+                    </a:solidFill>
+                    <a:latin typeface="Lucida Console" panose="020B0609040504020204" pitchFamily="49" charset="0"/>
+                    <a:cs typeface="Neo Sans Intel"/>
+                  </a:rPr>
+                  <a:t> </a:t>
+                </a:r>
+                <a:r>
+                  <a:rPr lang="en-US" sz="1600" dirty="0">
+                    <a:solidFill>
+                      <a:schemeClr val="tx2"/>
+                    </a:solidFill>
+                    <a:latin typeface="Lucida Console" panose="020B0609040504020204" pitchFamily="49" charset="0"/>
+                    <a:cs typeface="Neo Sans Intel"/>
+                  </a:rPr>
+                  <a:t>} else $sumx4$010 = $</a:t>
+                </a:r>
+                <a:r>
+                  <a:rPr lang="en-US" sz="1600" dirty="0" err="1">
+                    <a:solidFill>
+                      <a:schemeClr val="tx2"/>
+                    </a:solidFill>
+                    <a:latin typeface="Lucida Console" panose="020B0609040504020204" pitchFamily="49" charset="0"/>
+                    <a:cs typeface="Neo Sans Intel"/>
+                  </a:rPr>
+                  <a:t>add$i</a:t>
+                </a:r>
+                <a:r>
+                  <a:rPr lang="en-US" sz="1600" dirty="0">
+                    <a:solidFill>
+                      <a:schemeClr val="tx2"/>
+                    </a:solidFill>
+                    <a:latin typeface="Lucida Console" panose="020B0609040504020204" pitchFamily="49" charset="0"/>
+                    <a:cs typeface="Neo Sans Intel"/>
+                  </a:rPr>
+                  <a:t>;</a:t>
+                </a:r>
+              </a:p>
+              <a:p>
+                <a:r>
+                  <a:rPr lang="en-US" sz="1600" dirty="0" smtClean="0">
+                    <a:solidFill>
+                      <a:schemeClr val="tx2"/>
+                    </a:solidFill>
+                    <a:latin typeface="Lucida Console" panose="020B0609040504020204" pitchFamily="49" charset="0"/>
+                    <a:cs typeface="Neo Sans Intel"/>
+                  </a:rPr>
+                  <a:t>}</a:t>
+                </a:r>
+              </a:p>
+            </p:txBody>
+          </p:sp>
+          <p:sp>
+            <p:nvSpPr>
+              <p:cNvPr id="7" name="TextBox 6"/>
+              <p:cNvSpPr txBox="1"/>
+              <p:nvPr/>
+            </p:nvSpPr>
+            <p:spPr>
+              <a:xfrm>
+                <a:off x="6417486" y="2076493"/>
+                <a:ext cx="5043368" cy="461665"/>
+              </a:xfrm>
+              <a:prstGeom prst="rect">
+                <a:avLst/>
+              </a:prstGeom>
+              <a:noFill/>
+            </p:spPr>
+            <p:txBody>
+              <a:bodyPr wrap="none" rtlCol="0">
+                <a:spAutoFit/>
+              </a:bodyPr>
+              <a:lstStyle/>
+              <a:p>
+                <a:r>
+                  <a:rPr lang="en-US" sz="2400" u="sng" dirty="0" smtClean="0">
+                    <a:solidFill>
+                      <a:schemeClr val="tx2"/>
+                    </a:solidFill>
+                    <a:cs typeface="Neo Sans Intel"/>
+                  </a:rPr>
+                  <a:t>asm.js code with SIMD.JS (for loop)</a:t>
+                </a:r>
+              </a:p>
+            </p:txBody>
+          </p:sp>
+        </p:grpSp>
+        <p:sp>
+          <p:nvSpPr>
+            <p:cNvPr id="10" name="Oval 9"/>
+            <p:cNvSpPr/>
+            <p:nvPr/>
+          </p:nvSpPr>
+          <p:spPr>
+            <a:xfrm>
+              <a:off x="7162800" y="2742510"/>
+              <a:ext cx="2712720" cy="455820"/>
+            </a:xfrm>
+            <a:prstGeom prst="ellipse">
+              <a:avLst/>
+            </a:prstGeom>
+            <a:noFill/>
+            <a:ln w="25400">
+              <a:solidFill>
+                <a:srgbClr val="FF0000"/>
+              </a:solidFill>
+            </a:ln>
+            <a:effectLst/>
+          </p:spPr>
+          <p:style>
+            <a:lnRef idx="1">
+              <a:schemeClr val="accent1"/>
+            </a:lnRef>
+            <a:fillRef idx="3">
+              <a:schemeClr val="accent1"/>
+            </a:fillRef>
+            <a:effectRef idx="2">
+              <a:schemeClr val="accent1"/>
+            </a:effectRef>
+            <a:fontRef idx="minor">
+              <a:schemeClr val="lt1"/>
+            </a:fontRef>
+          </p:style>
+          <p:txBody>
+            <a:bodyPr rtlCol="0" anchor="ctr"/>
+            <a:lstStyle/>
+            <a:p>
+              <a:pPr algn="ctr"/>
+              <a:endParaRPr lang="en-US"/>
+            </a:p>
+          </p:txBody>
+        </p:sp>
+        <p:sp>
+          <p:nvSpPr>
+            <p:cNvPr id="11" name="Oval 10"/>
+            <p:cNvSpPr/>
+            <p:nvPr/>
+          </p:nvSpPr>
+          <p:spPr>
+            <a:xfrm>
+              <a:off x="7315200" y="3208529"/>
+              <a:ext cx="2712720" cy="455820"/>
+            </a:xfrm>
+            <a:prstGeom prst="ellipse">
+              <a:avLst/>
+            </a:prstGeom>
+            <a:noFill/>
+            <a:ln w="25400">
+              <a:solidFill>
+                <a:srgbClr val="FF0000"/>
+              </a:solidFill>
+            </a:ln>
+            <a:effectLst/>
+          </p:spPr>
+          <p:style>
+            <a:lnRef idx="1">
+              <a:schemeClr val="accent1"/>
+            </a:lnRef>
+            <a:fillRef idx="3">
+              <a:schemeClr val="accent1"/>
+            </a:fillRef>
+            <a:effectRef idx="2">
+              <a:schemeClr val="accent1"/>
+            </a:effectRef>
+            <a:fontRef idx="minor">
+              <a:schemeClr val="lt1"/>
+            </a:fontRef>
+          </p:style>
+          <p:txBody>
+            <a:bodyPr rtlCol="0" anchor="ctr"/>
+            <a:lstStyle/>
+            <a:p>
+              <a:pPr algn="ctr"/>
+              <a:endParaRPr lang="en-US"/>
+            </a:p>
+          </p:txBody>
+        </p:sp>
+      </p:grpSp>
+      <p:grpSp>
+        <p:nvGrpSpPr>
+          <p:cNvPr id="15" name="Group 14"/>
+          <p:cNvGrpSpPr/>
+          <p:nvPr/>
+        </p:nvGrpSpPr>
+        <p:grpSpPr>
+          <a:xfrm>
+            <a:off x="248409" y="2076493"/>
+            <a:ext cx="5492209" cy="3778432"/>
+            <a:chOff x="248409" y="2076493"/>
+            <a:chExt cx="5492209" cy="3778432"/>
+          </a:xfrm>
+        </p:grpSpPr>
+        <p:grpSp>
+          <p:nvGrpSpPr>
+            <p:cNvPr id="8" name="Group 7"/>
+            <p:cNvGrpSpPr/>
+            <p:nvPr/>
+          </p:nvGrpSpPr>
+          <p:grpSpPr>
+            <a:xfrm>
+              <a:off x="248409" y="2076493"/>
+              <a:ext cx="5492209" cy="3778432"/>
+              <a:chOff x="248409" y="2076493"/>
+              <a:chExt cx="5492209" cy="3778432"/>
+            </a:xfrm>
+          </p:grpSpPr>
+          <p:sp>
+            <p:nvSpPr>
+              <p:cNvPr id="4" name="TextBox 3"/>
+              <p:cNvSpPr txBox="1"/>
+              <p:nvPr/>
+            </p:nvSpPr>
+            <p:spPr>
+              <a:xfrm>
+                <a:off x="248409" y="2561716"/>
+                <a:ext cx="5492209" cy="3293209"/>
+              </a:xfrm>
+              <a:prstGeom prst="rect">
+                <a:avLst/>
+              </a:prstGeom>
+              <a:noFill/>
+              <a:ln w="25400">
+                <a:solidFill>
+                  <a:schemeClr val="accent1"/>
+                </a:solidFill>
+              </a:ln>
+            </p:spPr>
+            <p:txBody>
+              <a:bodyPr wrap="none" rtlCol="0">
+                <a:spAutoFit/>
+              </a:bodyPr>
+              <a:lstStyle/>
+              <a:p>
+                <a:r>
+                  <a:rPr lang="en-US" sz="1600" dirty="0">
+                    <a:solidFill>
+                      <a:schemeClr val="tx2"/>
+                    </a:solidFill>
+                    <a:latin typeface="Lucida Console" panose="020B0609040504020204" pitchFamily="49" charset="0"/>
+                    <a:cs typeface="Neo Sans Intel"/>
+                  </a:rPr>
+                  <a:t>float </a:t>
+                </a:r>
+                <a:r>
+                  <a:rPr lang="en-US" sz="1600" dirty="0" err="1">
+                    <a:solidFill>
+                      <a:schemeClr val="tx2"/>
+                    </a:solidFill>
+                    <a:latin typeface="Lucida Console" panose="020B0609040504020204" pitchFamily="49" charset="0"/>
+                    <a:cs typeface="Neo Sans Intel"/>
+                  </a:rPr>
+                  <a:t>averageIntrin</a:t>
+                </a:r>
+                <a:r>
+                  <a:rPr lang="en-US" sz="1600" dirty="0">
+                    <a:solidFill>
+                      <a:schemeClr val="tx2"/>
+                    </a:solidFill>
+                    <a:latin typeface="Lucida Console" panose="020B0609040504020204" pitchFamily="49" charset="0"/>
+                    <a:cs typeface="Neo Sans Intel"/>
+                  </a:rPr>
+                  <a:t>(float *a</a:t>
+                </a:r>
+                <a:r>
+                  <a:rPr lang="en-US" sz="1600" dirty="0" smtClean="0">
+                    <a:solidFill>
+                      <a:schemeClr val="tx2"/>
+                    </a:solidFill>
+                    <a:latin typeface="Lucida Console" panose="020B0609040504020204" pitchFamily="49" charset="0"/>
+                    <a:cs typeface="Neo Sans Intel"/>
+                  </a:rPr>
+                  <a:t>,</a:t>
+                </a:r>
+              </a:p>
+              <a:p>
+                <a:r>
+                  <a:rPr lang="en-US" sz="1600" dirty="0">
+                    <a:solidFill>
+                      <a:schemeClr val="tx2"/>
+                    </a:solidFill>
+                    <a:latin typeface="Lucida Console" panose="020B0609040504020204" pitchFamily="49" charset="0"/>
+                    <a:cs typeface="Neo Sans Intel"/>
+                  </a:rPr>
+                  <a:t> </a:t>
+                </a:r>
+                <a:r>
+                  <a:rPr lang="en-US" sz="1600" dirty="0" smtClean="0">
+                    <a:solidFill>
+                      <a:schemeClr val="tx2"/>
+                    </a:solidFill>
+                    <a:latin typeface="Lucida Console" panose="020B0609040504020204" pitchFamily="49" charset="0"/>
+                    <a:cs typeface="Neo Sans Intel"/>
+                  </a:rPr>
+                  <a:t>                   uint32_t </a:t>
+                </a:r>
+                <a:r>
+                  <a:rPr lang="en-US" sz="1600" dirty="0">
+                    <a:solidFill>
+                      <a:schemeClr val="tx2"/>
+                    </a:solidFill>
+                    <a:latin typeface="Lucida Console" panose="020B0609040504020204" pitchFamily="49" charset="0"/>
+                    <a:cs typeface="Neo Sans Intel"/>
+                  </a:rPr>
+                  <a:t>length) {</a:t>
+                </a:r>
+              </a:p>
+              <a:p>
+                <a:r>
+                  <a:rPr lang="en-US" sz="1600" dirty="0">
+                    <a:solidFill>
+                      <a:schemeClr val="tx2"/>
+                    </a:solidFill>
+                    <a:latin typeface="Lucida Console" panose="020B0609040504020204" pitchFamily="49" charset="0"/>
+                    <a:cs typeface="Neo Sans Intel"/>
+                  </a:rPr>
+                  <a:t>  __m128 sumx4 = _mm_set_ps1(0.0);</a:t>
+                </a:r>
+              </a:p>
+              <a:p>
+                <a:r>
+                  <a:rPr lang="en-US" sz="1600" dirty="0">
+                    <a:solidFill>
+                      <a:schemeClr val="tx2"/>
+                    </a:solidFill>
+                    <a:latin typeface="Lucida Console" panose="020B0609040504020204" pitchFamily="49" charset="0"/>
+                    <a:cs typeface="Neo Sans Intel"/>
+                  </a:rPr>
+                  <a:t>  for (uint32_t j = 0</a:t>
+                </a:r>
+                <a:r>
+                  <a:rPr lang="en-US" sz="1600" dirty="0" smtClean="0">
+                    <a:solidFill>
+                      <a:schemeClr val="tx2"/>
+                    </a:solidFill>
+                    <a:latin typeface="Lucida Console" panose="020B0609040504020204" pitchFamily="49" charset="0"/>
+                    <a:cs typeface="Neo Sans Intel"/>
+                  </a:rPr>
+                  <a:t>, </a:t>
+                </a:r>
+                <a:r>
+                  <a:rPr lang="en-US" sz="1600" dirty="0">
+                    <a:solidFill>
+                      <a:schemeClr val="tx2"/>
+                    </a:solidFill>
+                    <a:latin typeface="Lucida Console" panose="020B0609040504020204" pitchFamily="49" charset="0"/>
+                    <a:cs typeface="Neo Sans Intel"/>
+                  </a:rPr>
+                  <a:t>l = length</a:t>
+                </a:r>
+                <a:r>
+                  <a:rPr lang="en-US" sz="1600" dirty="0" smtClean="0">
+                    <a:solidFill>
+                      <a:schemeClr val="tx2"/>
+                    </a:solidFill>
+                    <a:latin typeface="Lucida Console" panose="020B0609040504020204" pitchFamily="49" charset="0"/>
+                    <a:cs typeface="Neo Sans Intel"/>
+                  </a:rPr>
+                  <a:t>;</a:t>
+                </a:r>
+              </a:p>
+              <a:p>
+                <a:r>
+                  <a:rPr lang="en-US" sz="1600" dirty="0">
+                    <a:solidFill>
+                      <a:schemeClr val="tx2"/>
+                    </a:solidFill>
+                    <a:latin typeface="Lucida Console" panose="020B0609040504020204" pitchFamily="49" charset="0"/>
+                    <a:cs typeface="Neo Sans Intel"/>
+                  </a:rPr>
+                  <a:t> </a:t>
+                </a:r>
+                <a:r>
+                  <a:rPr lang="en-US" sz="1600" dirty="0" smtClean="0">
+                    <a:solidFill>
+                      <a:schemeClr val="tx2"/>
+                    </a:solidFill>
+                    <a:latin typeface="Lucida Console" panose="020B0609040504020204" pitchFamily="49" charset="0"/>
+                    <a:cs typeface="Neo Sans Intel"/>
+                  </a:rPr>
+                  <a:t>      </a:t>
+                </a:r>
+                <a:r>
+                  <a:rPr lang="en-US" sz="1600" dirty="0">
+                    <a:solidFill>
+                      <a:schemeClr val="tx2"/>
+                    </a:solidFill>
+                    <a:latin typeface="Lucida Console" panose="020B0609040504020204" pitchFamily="49" charset="0"/>
+                    <a:cs typeface="Neo Sans Intel"/>
+                  </a:rPr>
+                  <a:t>j &lt; l; j = j + 4) {</a:t>
+                </a:r>
+              </a:p>
+              <a:p>
+                <a:r>
+                  <a:rPr lang="en-US" sz="1600" dirty="0">
+                    <a:solidFill>
+                      <a:schemeClr val="tx2"/>
+                    </a:solidFill>
+                    <a:latin typeface="Lucida Console" panose="020B0609040504020204" pitchFamily="49" charset="0"/>
+                    <a:cs typeface="Neo Sans Intel"/>
+                  </a:rPr>
+                  <a:t>    sumx4 = _</a:t>
+                </a:r>
+                <a:r>
+                  <a:rPr lang="en-US" sz="1600" dirty="0" err="1">
+                    <a:solidFill>
+                      <a:schemeClr val="tx2"/>
+                    </a:solidFill>
+                    <a:latin typeface="Lucida Console" panose="020B0609040504020204" pitchFamily="49" charset="0"/>
+                    <a:cs typeface="Neo Sans Intel"/>
+                  </a:rPr>
+                  <a:t>mm_add_ps</a:t>
+                </a:r>
+                <a:r>
+                  <a:rPr lang="en-US" sz="1600" dirty="0" smtClean="0">
+                    <a:solidFill>
+                      <a:schemeClr val="tx2"/>
+                    </a:solidFill>
+                    <a:latin typeface="Lucida Console" panose="020B0609040504020204" pitchFamily="49" charset="0"/>
+                    <a:cs typeface="Neo Sans Intel"/>
+                  </a:rPr>
+                  <a:t>(</a:t>
+                </a:r>
+              </a:p>
+              <a:p>
+                <a:r>
+                  <a:rPr lang="en-US" sz="1600" dirty="0">
+                    <a:solidFill>
+                      <a:schemeClr val="tx2"/>
+                    </a:solidFill>
+                    <a:latin typeface="Lucida Console" panose="020B0609040504020204" pitchFamily="49" charset="0"/>
+                    <a:cs typeface="Neo Sans Intel"/>
+                  </a:rPr>
+                  <a:t> </a:t>
+                </a:r>
+                <a:r>
+                  <a:rPr lang="en-US" sz="1600" dirty="0" smtClean="0">
+                    <a:solidFill>
+                      <a:schemeClr val="tx2"/>
+                    </a:solidFill>
+                    <a:latin typeface="Lucida Console" panose="020B0609040504020204" pitchFamily="49" charset="0"/>
+                    <a:cs typeface="Neo Sans Intel"/>
+                  </a:rPr>
+                  <a:t>             sumx4,_</a:t>
+                </a:r>
+                <a:r>
+                  <a:rPr lang="en-US" sz="1600" dirty="0">
+                    <a:solidFill>
+                      <a:schemeClr val="tx2"/>
+                    </a:solidFill>
+                    <a:latin typeface="Lucida Console" panose="020B0609040504020204" pitchFamily="49" charset="0"/>
+                    <a:cs typeface="Neo Sans Intel"/>
+                  </a:rPr>
+                  <a:t>mm_loadu_ps(&amp;(a[j])));</a:t>
+                </a:r>
+              </a:p>
+              <a:p>
+                <a:r>
+                  <a:rPr lang="en-US" sz="1600" dirty="0">
+                    <a:solidFill>
+                      <a:schemeClr val="tx2"/>
+                    </a:solidFill>
+                    <a:latin typeface="Lucida Console" panose="020B0609040504020204" pitchFamily="49" charset="0"/>
+                    <a:cs typeface="Neo Sans Intel"/>
+                  </a:rPr>
+                  <a:t>  }</a:t>
+                </a:r>
+              </a:p>
+              <a:p>
+                <a:r>
+                  <a:rPr lang="en-US" sz="1600" dirty="0">
+                    <a:solidFill>
+                      <a:schemeClr val="tx2"/>
+                    </a:solidFill>
+                    <a:latin typeface="Lucida Console" panose="020B0609040504020204" pitchFamily="49" charset="0"/>
+                    <a:cs typeface="Neo Sans Intel"/>
+                  </a:rPr>
+                  <a:t>  float mSumx4[4];</a:t>
+                </a:r>
+              </a:p>
+              <a:p>
+                <a:r>
+                  <a:rPr lang="en-US" sz="1600" dirty="0">
+                    <a:solidFill>
+                      <a:schemeClr val="tx2"/>
+                    </a:solidFill>
+                    <a:latin typeface="Lucida Console" panose="020B0609040504020204" pitchFamily="49" charset="0"/>
+                    <a:cs typeface="Neo Sans Intel"/>
+                  </a:rPr>
+                  <a:t>  _</a:t>
+                </a:r>
+                <a:r>
+                  <a:rPr lang="en-US" sz="1600" dirty="0" err="1">
+                    <a:solidFill>
+                      <a:schemeClr val="tx2"/>
+                    </a:solidFill>
+                    <a:latin typeface="Lucida Console" panose="020B0609040504020204" pitchFamily="49" charset="0"/>
+                    <a:cs typeface="Neo Sans Intel"/>
+                  </a:rPr>
+                  <a:t>mm_storeu_ps</a:t>
+                </a:r>
+                <a:r>
+                  <a:rPr lang="en-US" sz="1600" dirty="0">
+                    <a:solidFill>
+                      <a:schemeClr val="tx2"/>
+                    </a:solidFill>
+                    <a:latin typeface="Lucida Console" panose="020B0609040504020204" pitchFamily="49" charset="0"/>
+                    <a:cs typeface="Neo Sans Intel"/>
+                  </a:rPr>
+                  <a:t>(mSumx4, sumx4);</a:t>
+                </a:r>
+              </a:p>
+              <a:p>
+                <a:r>
+                  <a:rPr lang="en-US" sz="1600" dirty="0">
+                    <a:solidFill>
+                      <a:schemeClr val="tx2"/>
+                    </a:solidFill>
+                    <a:latin typeface="Lucida Console" panose="020B0609040504020204" pitchFamily="49" charset="0"/>
+                    <a:cs typeface="Neo Sans Intel"/>
+                  </a:rPr>
+                  <a:t>  return (mSumx4[0] + mSumx4[1] </a:t>
+                </a:r>
+                <a:r>
+                  <a:rPr lang="en-US" sz="1600" dirty="0" smtClean="0">
+                    <a:solidFill>
+                      <a:schemeClr val="tx2"/>
+                    </a:solidFill>
+                    <a:latin typeface="Lucida Console" panose="020B0609040504020204" pitchFamily="49" charset="0"/>
+                    <a:cs typeface="Neo Sans Intel"/>
+                  </a:rPr>
+                  <a:t>+</a:t>
+                </a:r>
+              </a:p>
+              <a:p>
+                <a:r>
+                  <a:rPr lang="en-US" sz="1600" dirty="0">
+                    <a:solidFill>
+                      <a:schemeClr val="tx2"/>
+                    </a:solidFill>
+                    <a:latin typeface="Lucida Console" panose="020B0609040504020204" pitchFamily="49" charset="0"/>
+                    <a:cs typeface="Neo Sans Intel"/>
+                  </a:rPr>
+                  <a:t> </a:t>
+                </a:r>
+                <a:r>
+                  <a:rPr lang="en-US" sz="1600" dirty="0" smtClean="0">
+                    <a:solidFill>
+                      <a:schemeClr val="tx2"/>
+                    </a:solidFill>
+                    <a:latin typeface="Lucida Console" panose="020B0609040504020204" pitchFamily="49" charset="0"/>
+                    <a:cs typeface="Neo Sans Intel"/>
+                  </a:rPr>
+                  <a:t>         </a:t>
+                </a:r>
+                <a:r>
+                  <a:rPr lang="en-US" sz="1600" dirty="0">
+                    <a:solidFill>
+                      <a:schemeClr val="tx2"/>
+                    </a:solidFill>
+                    <a:latin typeface="Lucida Console" panose="020B0609040504020204" pitchFamily="49" charset="0"/>
+                    <a:cs typeface="Neo Sans Intel"/>
+                  </a:rPr>
+                  <a:t>mSumx4[2] + mSumx4[3])/length;</a:t>
+                </a:r>
+              </a:p>
+              <a:p>
+                <a:r>
+                  <a:rPr lang="en-US" sz="1600" dirty="0">
+                    <a:solidFill>
+                      <a:schemeClr val="tx2"/>
+                    </a:solidFill>
+                    <a:latin typeface="Lucida Console" panose="020B0609040504020204" pitchFamily="49" charset="0"/>
+                    <a:cs typeface="Neo Sans Intel"/>
+                  </a:rPr>
+                  <a:t>}</a:t>
+                </a:r>
+                <a:endParaRPr lang="en-US" sz="1600" dirty="0" smtClean="0">
+                  <a:solidFill>
+                    <a:schemeClr val="tx2"/>
+                  </a:solidFill>
+                  <a:latin typeface="Lucida Console" panose="020B0609040504020204" pitchFamily="49" charset="0"/>
+                  <a:cs typeface="Neo Sans Intel"/>
+                </a:endParaRPr>
+              </a:p>
+            </p:txBody>
+          </p:sp>
+          <p:sp>
+            <p:nvSpPr>
+              <p:cNvPr id="6" name="TextBox 5"/>
+              <p:cNvSpPr txBox="1"/>
+              <p:nvPr/>
+            </p:nvSpPr>
+            <p:spPr>
+              <a:xfrm>
+                <a:off x="1138877" y="2076493"/>
+                <a:ext cx="3711272" cy="461665"/>
+              </a:xfrm>
+              <a:prstGeom prst="rect">
+                <a:avLst/>
+              </a:prstGeom>
+              <a:noFill/>
+            </p:spPr>
+            <p:txBody>
+              <a:bodyPr wrap="none" rtlCol="0">
+                <a:spAutoFit/>
+              </a:bodyPr>
+              <a:lstStyle/>
+              <a:p>
+                <a:r>
+                  <a:rPr lang="en-US" sz="2400" u="sng" dirty="0" smtClean="0">
+                    <a:solidFill>
+                      <a:schemeClr val="tx2"/>
+                    </a:solidFill>
+                    <a:cs typeface="Neo Sans Intel"/>
+                  </a:rPr>
+                  <a:t>C code with x86 </a:t>
+                </a:r>
+                <a:r>
+                  <a:rPr lang="en-US" sz="2400" u="sng" dirty="0" err="1" smtClean="0">
+                    <a:solidFill>
+                      <a:schemeClr val="tx2"/>
+                    </a:solidFill>
+                    <a:cs typeface="Neo Sans Intel"/>
+                  </a:rPr>
+                  <a:t>intrinsics</a:t>
+                </a:r>
+                <a:endParaRPr lang="en-US" sz="2400" u="sng" dirty="0" smtClean="0">
+                  <a:solidFill>
+                    <a:schemeClr val="tx2"/>
+                  </a:solidFill>
+                  <a:cs typeface="Neo Sans Intel"/>
+                </a:endParaRPr>
+              </a:p>
+            </p:txBody>
+          </p:sp>
+        </p:grpSp>
+        <p:sp>
+          <p:nvSpPr>
+            <p:cNvPr id="13" name="Oval 12"/>
+            <p:cNvSpPr/>
+            <p:nvPr/>
+          </p:nvSpPr>
+          <p:spPr>
+            <a:xfrm>
+              <a:off x="1783080" y="3809999"/>
+              <a:ext cx="1569720" cy="320041"/>
+            </a:xfrm>
+            <a:prstGeom prst="ellipse">
+              <a:avLst/>
+            </a:prstGeom>
+            <a:noFill/>
+            <a:ln w="25400">
+              <a:solidFill>
+                <a:srgbClr val="FF0000"/>
+              </a:solidFill>
+            </a:ln>
+            <a:effectLst/>
+          </p:spPr>
+          <p:style>
+            <a:lnRef idx="1">
+              <a:schemeClr val="accent1"/>
+            </a:lnRef>
+            <a:fillRef idx="3">
+              <a:schemeClr val="accent1"/>
+            </a:fillRef>
+            <a:effectRef idx="2">
+              <a:schemeClr val="accent1"/>
+            </a:effectRef>
+            <a:fontRef idx="minor">
+              <a:schemeClr val="lt1"/>
+            </a:fontRef>
+          </p:style>
+          <p:txBody>
+            <a:bodyPr rtlCol="0" anchor="ctr"/>
+            <a:lstStyle/>
+            <a:p>
+              <a:pPr algn="ctr"/>
+              <a:endParaRPr lang="en-US"/>
+            </a:p>
+          </p:txBody>
+        </p:sp>
+        <p:sp>
+          <p:nvSpPr>
+            <p:cNvPr id="14" name="Oval 13"/>
+            <p:cNvSpPr/>
+            <p:nvPr/>
+          </p:nvSpPr>
+          <p:spPr>
+            <a:xfrm>
+              <a:off x="2684672" y="4048299"/>
+              <a:ext cx="1792060" cy="356061"/>
+            </a:xfrm>
+            <a:prstGeom prst="ellipse">
+              <a:avLst/>
+            </a:prstGeom>
+            <a:noFill/>
+            <a:ln w="25400">
+              <a:solidFill>
+                <a:srgbClr val="FF0000"/>
+              </a:solidFill>
+            </a:ln>
+            <a:effectLst/>
+          </p:spPr>
+          <p:style>
+            <a:lnRef idx="1">
+              <a:schemeClr val="accent1"/>
+            </a:lnRef>
+            <a:fillRef idx="3">
+              <a:schemeClr val="accent1"/>
+            </a:fillRef>
+            <a:effectRef idx="2">
+              <a:schemeClr val="accent1"/>
+            </a:effectRef>
+            <a:fontRef idx="minor">
+              <a:schemeClr val="lt1"/>
+            </a:fontRef>
+          </p:style>
+          <p:txBody>
+            <a:bodyPr rtlCol="0" anchor="ctr"/>
+            <a:lstStyle/>
+            <a:p>
+              <a:pPr algn="ctr"/>
+              <a:endParaRPr lang="en-US"/>
+            </a:p>
+          </p:txBody>
+        </p:sp>
+      </p:grpSp>
+    </p:spTree>
+    <p:extLst>
+      <p:ext uri="{BB962C8B-B14F-4D97-AF65-F5344CB8AC3E}">
+        <p14:creationId xmlns:p14="http://schemas.microsoft.com/office/powerpoint/2010/main" val="3316198848"/>
       </p:ext>
     </p:extLst>
   </p:cSld>
@@ -8178,7 +10768,7 @@
           <a:p>
             <a:r>
               <a:rPr lang="en-US" dirty="0" smtClean="0"/>
-              <a:t>Demo</a:t>
+              <a:t>Demo - Mandelbrot</a:t>
             </a:r>
             <a:endParaRPr lang="en-US" dirty="0"/>
           </a:p>
@@ -8186,7 +10776,7 @@
       </p:sp>
       <p:pic>
         <p:nvPicPr>
-          <p:cNvPr id="4" name="Picture 3"/>
+          <p:cNvPr id="5" name="Picture 4"/>
           <p:cNvPicPr>
             <a:picLocks noChangeAspect="1"/>
           </p:cNvPicPr>
@@ -8206,8 +10796,38 @@
         </p:blipFill>
         <p:spPr>
           <a:xfrm>
-            <a:off x="2491792" y="990917"/>
-            <a:ext cx="7204183" cy="5580705"/>
+            <a:off x="6178855" y="1570036"/>
+            <a:ext cx="5442053" cy="3839191"/>
+          </a:xfrm>
+          <a:prstGeom prst="rect">
+            <a:avLst/>
+          </a:prstGeom>
+        </p:spPr>
+      </p:pic>
+      <p:pic>
+        <p:nvPicPr>
+          <p:cNvPr id="6" name="Picture 5"/>
+          <p:cNvPicPr>
+            <a:picLocks noChangeAspect="1"/>
+          </p:cNvPicPr>
+          <p:nvPr/>
+        </p:nvPicPr>
+        <p:blipFill>
+          <a:blip r:embed="rId3">
+            <a:extLst>
+              <a:ext uri="{28A0092B-C50C-407E-A947-70E740481C1C}">
+                <a14:useLocalDpi xmlns:a14="http://schemas.microsoft.com/office/drawing/2010/main" val="0"/>
+              </a:ext>
+            </a:extLst>
+          </a:blip>
+          <a:stretch>
+            <a:fillRect/>
+          </a:stretch>
+        </p:blipFill>
+        <p:spPr>
+          <a:xfrm>
+            <a:off x="716271" y="1570117"/>
+            <a:ext cx="5353797" cy="3839111"/>
           </a:xfrm>
           <a:prstGeom prst="rect">
             <a:avLst/>

--- a/simdjs-presentation.pptx
+++ b/simdjs-presentation.pptx
@@ -23,6 +23,14 @@
     <p:sldId id="271" r:id="rId17"/>
     <p:sldId id="272" r:id="rId18"/>
     <p:sldId id="273" r:id="rId19"/>
+    <p:sldId id="274" r:id="rId20"/>
+    <p:sldId id="275" r:id="rId21"/>
+    <p:sldId id="276" r:id="rId22"/>
+    <p:sldId id="277" r:id="rId23"/>
+    <p:sldId id="278" r:id="rId24"/>
+    <p:sldId id="279" r:id="rId25"/>
+    <p:sldId id="280" r:id="rId26"/>
+    <p:sldId id="281" r:id="rId27"/>
   </p:sldIdLst>
   <p:sldSz cx="12192000" cy="6858000"/>
   <p:notesSz cx="6858000" cy="9144000"/>
@@ -362,7 +370,7 @@
           <a:noFill/>
           <a:extLst>
             <a:ext uri="{909E8E84-426E-40dd-AFC4-6F175D3DCCD1}">
-              <a14:hiddenFill xmlns="" xmlns:a14="http://schemas.microsoft.com/office/drawing/2010/main">
+              <a14:hiddenFill xmlns:a14="http://schemas.microsoft.com/office/drawing/2010/main" xmlns="">
                 <a:solidFill>
                   <a:srgbClr val="FFFFFF"/>
                 </a:solidFill>
@@ -403,7 +411,7 @@
           <a:noFill/>
           <a:extLst>
             <a:ext uri="{909E8E84-426E-40dd-AFC4-6F175D3DCCD1}">
-              <a14:hiddenFill xmlns="" xmlns:a14="http://schemas.microsoft.com/office/drawing/2010/main">
+              <a14:hiddenFill xmlns:a14="http://schemas.microsoft.com/office/drawing/2010/main" xmlns="">
                 <a:solidFill>
                   <a:srgbClr val="FFFFFF"/>
                 </a:solidFill>
@@ -726,7 +734,7 @@
           <a:noFill/>
           <a:extLst>
             <a:ext uri="{909E8E84-426E-40dd-AFC4-6F175D3DCCD1}">
-              <a14:hiddenFill xmlns="" xmlns:a14="http://schemas.microsoft.com/office/drawing/2010/main">
+              <a14:hiddenFill xmlns:a14="http://schemas.microsoft.com/office/drawing/2010/main" xmlns="">
                 <a:solidFill>
                   <a:srgbClr val="FFFFFF"/>
                 </a:solidFill>
@@ -1012,7 +1020,7 @@
           <a:noFill/>
           <a:extLst>
             <a:ext uri="{909E8E84-426E-40dd-AFC4-6F175D3DCCD1}">
-              <a14:hiddenFill xmlns="" xmlns:a14="http://schemas.microsoft.com/office/drawing/2010/main">
+              <a14:hiddenFill xmlns:a14="http://schemas.microsoft.com/office/drawing/2010/main" xmlns="">
                 <a:solidFill>
                   <a:srgbClr val="FFFFFF"/>
                 </a:solidFill>
@@ -1621,7 +1629,7 @@
           <a:noFill/>
           <a:extLst>
             <a:ext uri="{909E8E84-426E-40dd-AFC4-6F175D3DCCD1}">
-              <a14:hiddenFill xmlns="" xmlns:a14="http://schemas.microsoft.com/office/drawing/2010/main">
+              <a14:hiddenFill xmlns:a14="http://schemas.microsoft.com/office/drawing/2010/main" xmlns="">
                 <a:solidFill>
                   <a:srgbClr val="FFFFFF"/>
                 </a:solidFill>
@@ -2559,7 +2567,7 @@
           <a:noFill/>
           <a:extLst>
             <a:ext uri="{909E8E84-426E-40dd-AFC4-6F175D3DCCD1}">
-              <a14:hiddenFill xmlns="" xmlns:a14="http://schemas.microsoft.com/office/drawing/2010/main">
+              <a14:hiddenFill xmlns:a14="http://schemas.microsoft.com/office/drawing/2010/main" xmlns="">
                 <a:solidFill>
                   <a:srgbClr val="FFFFFF"/>
                 </a:solidFill>
@@ -4653,7 +4661,7 @@
           <a:noFill/>
           <a:extLst>
             <a:ext uri="{909E8E84-426E-40dd-AFC4-6F175D3DCCD1}">
-              <a14:hiddenFill xmlns="" xmlns:a14="http://schemas.microsoft.com/office/drawing/2010/main">
+              <a14:hiddenFill xmlns:a14="http://schemas.microsoft.com/office/drawing/2010/main" xmlns="">
                 <a:solidFill>
                   <a:srgbClr val="FFFFFF"/>
                 </a:solidFill>
@@ -7673,7 +7681,7 @@
             </a:pPr>
             <a:r>
               <a:rPr lang="en-US" dirty="0" smtClean="0"/>
-              <a:t>Pointers are indices used to access elements of these arrays</a:t>
+              <a:t>C/C++ pointers used as indices to access elements of these arrays</a:t>
             </a:r>
             <a:endParaRPr lang="en-US" dirty="0"/>
           </a:p>
@@ -7940,7 +7948,15 @@
             </a:pPr>
             <a:r>
               <a:rPr lang="en-US" dirty="0" smtClean="0"/>
-              <a:t>Bitwise-Or zero (expr | 0) used to indicate 32-bit signed </a:t>
+              <a:t>Bitwise-Or zero (</a:t>
+            </a:r>
+            <a:r>
+              <a:rPr lang="en-US" dirty="0" smtClean="0"/>
+              <a:t>expr|0</a:t>
+            </a:r>
+            <a:r>
+              <a:rPr lang="en-US" dirty="0" smtClean="0"/>
+              <a:t>) used to indicate 32-bit signed </a:t>
             </a:r>
             <a:r>
               <a:rPr lang="en-US" dirty="0" err="1" smtClean="0"/>
@@ -8725,7 +8741,7 @@
                 </a:solidFill>
                 <a:cs typeface="Neo Sans Intel"/>
               </a:rPr>
-              <a:t>4 days to port</a:t>
+              <a:t>4 days to port!</a:t>
             </a:r>
           </a:p>
         </p:txBody>
@@ -10047,6 +10063,204 @@
 </p:sld>
 </file>
 
+<file path=ppt/slides/slide19.xml><?xml version="1.0" encoding="utf-8"?>
+<p:sld xmlns:a="http://schemas.openxmlformats.org/drawingml/2006/main" xmlns:r="http://schemas.openxmlformats.org/officeDocument/2006/relationships" xmlns:p="http://schemas.openxmlformats.org/presentationml/2006/main">
+  <p:cSld>
+    <p:spTree>
+      <p:nvGrpSpPr>
+        <p:cNvPr id="1" name=""/>
+        <p:cNvGrpSpPr/>
+        <p:nvPr/>
+      </p:nvGrpSpPr>
+      <p:grpSpPr>
+        <a:xfrm>
+          <a:off x="0" y="0"/>
+          <a:ext cx="0" cy="0"/>
+          <a:chOff x="0" y="0"/>
+          <a:chExt cx="0" cy="0"/>
+        </a:xfrm>
+      </p:grpSpPr>
+      <p:sp>
+        <p:nvSpPr>
+          <p:cNvPr id="2" name="Title 1"/>
+          <p:cNvSpPr>
+            <a:spLocks noGrp="1"/>
+          </p:cNvSpPr>
+          <p:nvPr>
+            <p:ph type="title"/>
+          </p:nvPr>
+        </p:nvSpPr>
+        <p:spPr/>
+        <p:txBody>
+          <a:bodyPr/>
+          <a:lstStyle/>
+          <a:p>
+            <a:r>
+              <a:rPr lang="en-US" dirty="0" smtClean="0"/>
+              <a:t>Benchmarks</a:t>
+            </a:r>
+            <a:endParaRPr lang="en-US" dirty="0"/>
+          </a:p>
+        </p:txBody>
+      </p:sp>
+      <p:sp>
+        <p:nvSpPr>
+          <p:cNvPr id="3" name="Content Placeholder 2"/>
+          <p:cNvSpPr>
+            <a:spLocks noGrp="1"/>
+          </p:cNvSpPr>
+          <p:nvPr>
+            <p:ph sz="quarter" idx="13"/>
+          </p:nvPr>
+        </p:nvSpPr>
+        <p:spPr>
+          <a:xfrm>
+            <a:off x="609601" y="1175657"/>
+            <a:ext cx="10970683" cy="5177642"/>
+          </a:xfrm>
+        </p:spPr>
+        <p:txBody>
+          <a:bodyPr>
+            <a:normAutofit lnSpcReduction="10000"/>
+          </a:bodyPr>
+          <a:lstStyle/>
+          <a:p>
+            <a:pPr marL="342900" indent="-342900">
+              <a:buFont typeface="Arial" panose="020B0604020202020204" pitchFamily="34" charset="0"/>
+              <a:buChar char="•"/>
+            </a:pPr>
+            <a:r>
+              <a:rPr lang="en-US" dirty="0" smtClean="0"/>
+              <a:t>Handwritten JavaScript benchmark kernels:</a:t>
+            </a:r>
+          </a:p>
+          <a:p>
+            <a:pPr marL="643459" lvl="1" indent="-342900">
+              <a:buFont typeface="Arial" panose="020B0604020202020204" pitchFamily="34" charset="0"/>
+              <a:buChar char="•"/>
+            </a:pPr>
+            <a:r>
+              <a:rPr lang="en-US" dirty="0" smtClean="0"/>
+              <a:t>Average, Mandelbrot, </a:t>
+            </a:r>
+            <a:r>
+              <a:rPr lang="en-US" dirty="0" err="1" smtClean="0"/>
+              <a:t>MatrixMultiplication</a:t>
+            </a:r>
+            <a:r>
+              <a:rPr lang="en-US" dirty="0" smtClean="0"/>
+              <a:t>, </a:t>
+            </a:r>
+            <a:r>
+              <a:rPr lang="en-US" dirty="0" err="1" smtClean="0"/>
+              <a:t>VertexTransform</a:t>
+            </a:r>
+            <a:r>
+              <a:rPr lang="en-US" dirty="0" smtClean="0"/>
+              <a:t>, </a:t>
+            </a:r>
+            <a:r>
+              <a:rPr lang="en-US" dirty="0" err="1" smtClean="0"/>
+              <a:t>MatrixTranspose</a:t>
+            </a:r>
+            <a:r>
+              <a:rPr lang="en-US" dirty="0" smtClean="0"/>
+              <a:t>, </a:t>
+            </a:r>
+            <a:r>
+              <a:rPr lang="en-US" dirty="0" err="1" smtClean="0"/>
+              <a:t>MatrixInverse</a:t>
+            </a:r>
+            <a:endParaRPr lang="en-US" dirty="0" smtClean="0"/>
+          </a:p>
+          <a:p>
+            <a:pPr marL="643459" lvl="1" indent="-342900">
+              <a:buFont typeface="Arial" panose="020B0604020202020204" pitchFamily="34" charset="0"/>
+              <a:buChar char="•"/>
+            </a:pPr>
+            <a:r>
+              <a:rPr lang="en-US" dirty="0" smtClean="0"/>
+              <a:t>Vector/Matrix math important for game/physics</a:t>
+            </a:r>
+          </a:p>
+          <a:p>
+            <a:pPr marL="643459" lvl="1" indent="-342900">
+              <a:buFont typeface="Arial" panose="020B0604020202020204" pitchFamily="34" charset="0"/>
+              <a:buChar char="•"/>
+            </a:pPr>
+            <a:r>
+              <a:rPr lang="en-US" dirty="0" smtClean="0"/>
+              <a:t>Kernels for both scalar and SIMD implementations</a:t>
+            </a:r>
+          </a:p>
+          <a:p>
+            <a:pPr marL="643459" lvl="1" indent="-342900">
+              <a:buFont typeface="Arial" panose="020B0604020202020204" pitchFamily="34" charset="0"/>
+              <a:buChar char="•"/>
+            </a:pPr>
+            <a:r>
+              <a:rPr lang="en-US" dirty="0" smtClean="0"/>
+              <a:t>Measure speedup (SIMD/scalar)</a:t>
+            </a:r>
+          </a:p>
+          <a:p>
+            <a:pPr marL="342900" indent="-342900">
+              <a:buFont typeface="Arial" panose="020B0604020202020204" pitchFamily="34" charset="0"/>
+              <a:buChar char="•"/>
+            </a:pPr>
+            <a:r>
+              <a:rPr lang="en-US" dirty="0" smtClean="0"/>
+              <a:t>Manually converted to C++</a:t>
+            </a:r>
+          </a:p>
+          <a:p>
+            <a:pPr marL="342900" indent="-342900">
+              <a:buFont typeface="Arial" panose="020B0604020202020204" pitchFamily="34" charset="0"/>
+              <a:buChar char="•"/>
+            </a:pPr>
+            <a:r>
+              <a:rPr lang="en-US" dirty="0" smtClean="0"/>
+              <a:t>Automatically compiled back to JavaScript with Emscripten</a:t>
+            </a:r>
+          </a:p>
+          <a:p>
+            <a:pPr marL="342900" indent="-342900">
+              <a:buFont typeface="Arial" panose="020B0604020202020204" pitchFamily="34" charset="0"/>
+              <a:buChar char="•"/>
+            </a:pPr>
+            <a:r>
+              <a:rPr lang="en-US" dirty="0" smtClean="0"/>
+              <a:t>JavaScript code executed with both Chromium and Firefox SIMD prototypes</a:t>
+            </a:r>
+          </a:p>
+          <a:p>
+            <a:pPr marL="342900" indent="-342900">
+              <a:buFont typeface="Arial" panose="020B0604020202020204" pitchFamily="34" charset="0"/>
+              <a:buChar char="•"/>
+            </a:pPr>
+            <a:r>
+              <a:rPr lang="en-US" dirty="0" smtClean="0"/>
+              <a:t>Native clang/LLVM compiler used to compile C++ code</a:t>
+            </a:r>
+          </a:p>
+          <a:p>
+            <a:endParaRPr lang="en-US" dirty="0"/>
+          </a:p>
+        </p:txBody>
+      </p:sp>
+    </p:spTree>
+    <p:extLst>
+      <p:ext uri="{BB962C8B-B14F-4D97-AF65-F5344CB8AC3E}">
+        <p14:creationId xmlns:p14="http://schemas.microsoft.com/office/powerpoint/2010/main" val="3150181395"/>
+      </p:ext>
+    </p:extLst>
+  </p:cSld>
+  <p:clrMapOvr>
+    <a:masterClrMapping/>
+  </p:clrMapOvr>
+</p:sld>
+</file>
+
 <file path=ppt/slides/slide2.xml><?xml version="1.0" encoding="utf-8"?>
 <p:sld xmlns:a="http://schemas.openxmlformats.org/drawingml/2006/main" xmlns:r="http://schemas.openxmlformats.org/officeDocument/2006/relationships" xmlns:p="http://schemas.openxmlformats.org/presentationml/2006/main">
   <p:cSld>
@@ -10158,7 +10372,21 @@
             </a:pPr>
             <a:r>
               <a:rPr lang="en-US" dirty="0" smtClean="0"/>
+              <a:t>Benchmark </a:t>
+            </a:r>
+            <a:r>
+              <a:rPr lang="en-US" dirty="0" smtClean="0"/>
               <a:t>Results</a:t>
+            </a:r>
+          </a:p>
+          <a:p>
+            <a:pPr marL="342900" indent="-342900">
+              <a:buFont typeface="Arial" panose="020B0604020202020204" pitchFamily="34" charset="0"/>
+              <a:buChar char="•"/>
+            </a:pPr>
+            <a:r>
+              <a:rPr lang="en-US" dirty="0" smtClean="0"/>
+              <a:t>Summary</a:t>
             </a:r>
             <a:endParaRPr lang="en-US" dirty="0"/>
           </a:p>
@@ -10168,6 +10396,2460 @@
     <p:extLst>
       <p:ext uri="{BB962C8B-B14F-4D97-AF65-F5344CB8AC3E}">
         <p14:creationId xmlns:p14="http://schemas.microsoft.com/office/powerpoint/2010/main" val="4258955792"/>
+      </p:ext>
+    </p:extLst>
+  </p:cSld>
+  <p:clrMapOvr>
+    <a:masterClrMapping/>
+  </p:clrMapOvr>
+</p:sld>
+</file>
+
+<file path=ppt/slides/slide20.xml><?xml version="1.0" encoding="utf-8"?>
+<p:sld xmlns:a="http://schemas.openxmlformats.org/drawingml/2006/main" xmlns:r="http://schemas.openxmlformats.org/officeDocument/2006/relationships" xmlns:p="http://schemas.openxmlformats.org/presentationml/2006/main">
+  <p:cSld>
+    <p:spTree>
+      <p:nvGrpSpPr>
+        <p:cNvPr id="1" name=""/>
+        <p:cNvGrpSpPr/>
+        <p:nvPr/>
+      </p:nvGrpSpPr>
+      <p:grpSpPr>
+        <a:xfrm>
+          <a:off x="0" y="0"/>
+          <a:ext cx="0" cy="0"/>
+          <a:chOff x="0" y="0"/>
+          <a:chExt cx="0" cy="0"/>
+        </a:xfrm>
+      </p:grpSpPr>
+      <p:sp>
+        <p:nvSpPr>
+          <p:cNvPr id="2" name="Title 1"/>
+          <p:cNvSpPr>
+            <a:spLocks noGrp="1"/>
+          </p:cNvSpPr>
+          <p:nvPr>
+            <p:ph type="title"/>
+          </p:nvPr>
+        </p:nvSpPr>
+        <p:spPr/>
+        <p:txBody>
+          <a:bodyPr/>
+          <a:lstStyle/>
+          <a:p>
+            <a:r>
+              <a:rPr lang="en-US" dirty="0" smtClean="0"/>
+              <a:t>Benchmarks – Handwritten JavaScript</a:t>
+            </a:r>
+            <a:endParaRPr lang="en-US" dirty="0"/>
+          </a:p>
+        </p:txBody>
+      </p:sp>
+      <p:grpSp>
+        <p:nvGrpSpPr>
+          <p:cNvPr id="10" name="Group 9"/>
+          <p:cNvGrpSpPr/>
+          <p:nvPr/>
+        </p:nvGrpSpPr>
+        <p:grpSpPr>
+          <a:xfrm>
+            <a:off x="1747516" y="1108372"/>
+            <a:ext cx="5985934" cy="2769989"/>
+            <a:chOff x="1747516" y="1108372"/>
+            <a:chExt cx="5985934" cy="2769989"/>
+          </a:xfrm>
+        </p:grpSpPr>
+        <p:sp>
+          <p:nvSpPr>
+            <p:cNvPr id="4" name="TextBox 3"/>
+            <p:cNvSpPr txBox="1"/>
+            <p:nvPr/>
+          </p:nvSpPr>
+          <p:spPr>
+            <a:xfrm>
+              <a:off x="1747516" y="1570037"/>
+              <a:ext cx="5985934" cy="2308324"/>
+            </a:xfrm>
+            <a:prstGeom prst="rect">
+              <a:avLst/>
+            </a:prstGeom>
+            <a:noFill/>
+          </p:spPr>
+          <p:txBody>
+            <a:bodyPr wrap="none" rtlCol="0">
+              <a:spAutoFit/>
+            </a:bodyPr>
+            <a:lstStyle/>
+            <a:p>
+              <a:r>
+                <a:rPr lang="en-US" sz="1600" dirty="0" smtClean="0">
+                  <a:solidFill>
+                    <a:schemeClr val="tx2"/>
+                  </a:solidFill>
+                  <a:latin typeface="Lucida Console" panose="020B0609040504020204" pitchFamily="49" charset="0"/>
+                  <a:cs typeface="Neo Sans Intel"/>
+                </a:rPr>
+                <a:t>function </a:t>
+              </a:r>
+              <a:r>
+                <a:rPr lang="en-US" sz="1600" dirty="0">
+                  <a:solidFill>
+                    <a:schemeClr val="tx2"/>
+                  </a:solidFill>
+                  <a:latin typeface="Lucida Console" panose="020B0609040504020204" pitchFamily="49" charset="0"/>
+                  <a:cs typeface="Neo Sans Intel"/>
+                </a:rPr>
+                <a:t>average(n) {</a:t>
+              </a:r>
+            </a:p>
+            <a:p>
+              <a:r>
+                <a:rPr lang="en-US" sz="1600" dirty="0" smtClean="0">
+                  <a:solidFill>
+                    <a:schemeClr val="tx2"/>
+                  </a:solidFill>
+                  <a:latin typeface="Lucida Console" panose="020B0609040504020204" pitchFamily="49" charset="0"/>
+                  <a:cs typeface="Neo Sans Intel"/>
+                </a:rPr>
+                <a:t>  </a:t>
+              </a:r>
+              <a:r>
+                <a:rPr lang="en-US" sz="1600" dirty="0">
+                  <a:solidFill>
+                    <a:schemeClr val="tx2"/>
+                  </a:solidFill>
+                  <a:latin typeface="Lucida Console" panose="020B0609040504020204" pitchFamily="49" charset="0"/>
+                  <a:cs typeface="Neo Sans Intel"/>
+                </a:rPr>
+                <a:t>for (</a:t>
+              </a:r>
+              <a:r>
+                <a:rPr lang="en-US" sz="1600" dirty="0" err="1">
+                  <a:solidFill>
+                    <a:schemeClr val="tx2"/>
+                  </a:solidFill>
+                  <a:latin typeface="Lucida Console" panose="020B0609040504020204" pitchFamily="49" charset="0"/>
+                  <a:cs typeface="Neo Sans Intel"/>
+                </a:rPr>
+                <a:t>var</a:t>
+              </a:r>
+              <a:r>
+                <a:rPr lang="en-US" sz="1600" dirty="0">
+                  <a:solidFill>
+                    <a:schemeClr val="tx2"/>
+                  </a:solidFill>
+                  <a:latin typeface="Lucida Console" panose="020B0609040504020204" pitchFamily="49" charset="0"/>
+                  <a:cs typeface="Neo Sans Intel"/>
+                </a:rPr>
+                <a:t> i = 0; i &lt; n; ++i) {</a:t>
+              </a:r>
+            </a:p>
+            <a:p>
+              <a:r>
+                <a:rPr lang="en-US" sz="1600" dirty="0" smtClean="0">
+                  <a:solidFill>
+                    <a:schemeClr val="tx2"/>
+                  </a:solidFill>
+                  <a:latin typeface="Lucida Console" panose="020B0609040504020204" pitchFamily="49" charset="0"/>
+                  <a:cs typeface="Neo Sans Intel"/>
+                </a:rPr>
+                <a:t>    </a:t>
+              </a:r>
+              <a:r>
+                <a:rPr lang="en-US" sz="1600" dirty="0" err="1">
+                  <a:solidFill>
+                    <a:schemeClr val="tx2"/>
+                  </a:solidFill>
+                  <a:latin typeface="Lucida Console" panose="020B0609040504020204" pitchFamily="49" charset="0"/>
+                  <a:cs typeface="Neo Sans Intel"/>
+                </a:rPr>
+                <a:t>var</a:t>
+              </a:r>
+              <a:r>
+                <a:rPr lang="en-US" sz="1600" dirty="0">
+                  <a:solidFill>
+                    <a:schemeClr val="tx2"/>
+                  </a:solidFill>
+                  <a:latin typeface="Lucida Console" panose="020B0609040504020204" pitchFamily="49" charset="0"/>
+                  <a:cs typeface="Neo Sans Intel"/>
+                </a:rPr>
+                <a:t> sum = 0.0;</a:t>
+              </a:r>
+            </a:p>
+            <a:p>
+              <a:r>
+                <a:rPr lang="en-US" sz="1600" dirty="0" smtClean="0">
+                  <a:solidFill>
+                    <a:schemeClr val="tx2"/>
+                  </a:solidFill>
+                  <a:latin typeface="Lucida Console" panose="020B0609040504020204" pitchFamily="49" charset="0"/>
+                  <a:cs typeface="Neo Sans Intel"/>
+                </a:rPr>
+                <a:t>    </a:t>
+              </a:r>
+              <a:r>
+                <a:rPr lang="en-US" sz="1600" dirty="0">
+                  <a:solidFill>
+                    <a:schemeClr val="tx2"/>
+                  </a:solidFill>
+                  <a:latin typeface="Lucida Console" panose="020B0609040504020204" pitchFamily="49" charset="0"/>
+                  <a:cs typeface="Neo Sans Intel"/>
+                </a:rPr>
+                <a:t>for (</a:t>
+              </a:r>
+              <a:r>
+                <a:rPr lang="en-US" sz="1600" dirty="0" err="1">
+                  <a:solidFill>
+                    <a:schemeClr val="tx2"/>
+                  </a:solidFill>
+                  <a:latin typeface="Lucida Console" panose="020B0609040504020204" pitchFamily="49" charset="0"/>
+                  <a:cs typeface="Neo Sans Intel"/>
+                </a:rPr>
+                <a:t>var</a:t>
+              </a:r>
+              <a:r>
+                <a:rPr lang="en-US" sz="1600" dirty="0">
+                  <a:solidFill>
+                    <a:schemeClr val="tx2"/>
+                  </a:solidFill>
+                  <a:latin typeface="Lucida Console" panose="020B0609040504020204" pitchFamily="49" charset="0"/>
+                  <a:cs typeface="Neo Sans Intel"/>
+                </a:rPr>
+                <a:t> j = 0, l = </a:t>
+              </a:r>
+              <a:r>
+                <a:rPr lang="en-US" sz="1600" dirty="0" err="1">
+                  <a:solidFill>
+                    <a:schemeClr val="tx2"/>
+                  </a:solidFill>
+                  <a:latin typeface="Lucida Console" panose="020B0609040504020204" pitchFamily="49" charset="0"/>
+                  <a:cs typeface="Neo Sans Intel"/>
+                </a:rPr>
+                <a:t>a.length</a:t>
+              </a:r>
+              <a:r>
+                <a:rPr lang="en-US" sz="1600" dirty="0">
+                  <a:solidFill>
+                    <a:schemeClr val="tx2"/>
+                  </a:solidFill>
+                  <a:latin typeface="Lucida Console" panose="020B0609040504020204" pitchFamily="49" charset="0"/>
+                  <a:cs typeface="Neo Sans Intel"/>
+                </a:rPr>
+                <a:t>; j &lt; l; ++j) {</a:t>
+              </a:r>
+            </a:p>
+            <a:p>
+              <a:r>
+                <a:rPr lang="en-US" sz="1600" dirty="0" smtClean="0">
+                  <a:solidFill>
+                    <a:schemeClr val="tx2"/>
+                  </a:solidFill>
+                  <a:latin typeface="Lucida Console" panose="020B0609040504020204" pitchFamily="49" charset="0"/>
+                  <a:cs typeface="Neo Sans Intel"/>
+                </a:rPr>
+                <a:t>      </a:t>
+              </a:r>
+              <a:r>
+                <a:rPr lang="en-US" sz="1600" dirty="0">
+                  <a:solidFill>
+                    <a:schemeClr val="tx2"/>
+                  </a:solidFill>
+                  <a:latin typeface="Lucida Console" panose="020B0609040504020204" pitchFamily="49" charset="0"/>
+                  <a:cs typeface="Neo Sans Intel"/>
+                </a:rPr>
+                <a:t>sum += a[j];</a:t>
+              </a:r>
+            </a:p>
+            <a:p>
+              <a:r>
+                <a:rPr lang="en-US" sz="1600" dirty="0" smtClean="0">
+                  <a:solidFill>
+                    <a:schemeClr val="tx2"/>
+                  </a:solidFill>
+                  <a:latin typeface="Lucida Console" panose="020B0609040504020204" pitchFamily="49" charset="0"/>
+                  <a:cs typeface="Neo Sans Intel"/>
+                </a:rPr>
+                <a:t>    </a:t>
+              </a:r>
+              <a:r>
+                <a:rPr lang="en-US" sz="1600" dirty="0">
+                  <a:solidFill>
+                    <a:schemeClr val="tx2"/>
+                  </a:solidFill>
+                  <a:latin typeface="Lucida Console" panose="020B0609040504020204" pitchFamily="49" charset="0"/>
+                  <a:cs typeface="Neo Sans Intel"/>
+                </a:rPr>
+                <a:t>}</a:t>
+              </a:r>
+            </a:p>
+            <a:p>
+              <a:r>
+                <a:rPr lang="en-US" sz="1600" dirty="0" smtClean="0">
+                  <a:solidFill>
+                    <a:schemeClr val="tx2"/>
+                  </a:solidFill>
+                  <a:latin typeface="Lucida Console" panose="020B0609040504020204" pitchFamily="49" charset="0"/>
+                  <a:cs typeface="Neo Sans Intel"/>
+                </a:rPr>
+                <a:t>  </a:t>
+              </a:r>
+              <a:r>
+                <a:rPr lang="en-US" sz="1600" dirty="0">
+                  <a:solidFill>
+                    <a:schemeClr val="tx2"/>
+                  </a:solidFill>
+                  <a:latin typeface="Lucida Console" panose="020B0609040504020204" pitchFamily="49" charset="0"/>
+                  <a:cs typeface="Neo Sans Intel"/>
+                </a:rPr>
+                <a:t>}</a:t>
+              </a:r>
+            </a:p>
+            <a:p>
+              <a:r>
+                <a:rPr lang="en-US" sz="1600" dirty="0" smtClean="0">
+                  <a:solidFill>
+                    <a:schemeClr val="tx2"/>
+                  </a:solidFill>
+                  <a:latin typeface="Lucida Console" panose="020B0609040504020204" pitchFamily="49" charset="0"/>
+                  <a:cs typeface="Neo Sans Intel"/>
+                </a:rPr>
+                <a:t>  </a:t>
+              </a:r>
+              <a:r>
+                <a:rPr lang="en-US" sz="1600" dirty="0">
+                  <a:solidFill>
+                    <a:schemeClr val="tx2"/>
+                  </a:solidFill>
+                  <a:latin typeface="Lucida Console" panose="020B0609040504020204" pitchFamily="49" charset="0"/>
+                  <a:cs typeface="Neo Sans Intel"/>
+                </a:rPr>
+                <a:t>return sum/</a:t>
+              </a:r>
+              <a:r>
+                <a:rPr lang="en-US" sz="1600" dirty="0" err="1">
+                  <a:solidFill>
+                    <a:schemeClr val="tx2"/>
+                  </a:solidFill>
+                  <a:latin typeface="Lucida Console" panose="020B0609040504020204" pitchFamily="49" charset="0"/>
+                  <a:cs typeface="Neo Sans Intel"/>
+                </a:rPr>
+                <a:t>a.length</a:t>
+              </a:r>
+              <a:r>
+                <a:rPr lang="en-US" sz="1600" dirty="0">
+                  <a:solidFill>
+                    <a:schemeClr val="tx2"/>
+                  </a:solidFill>
+                  <a:latin typeface="Lucida Console" panose="020B0609040504020204" pitchFamily="49" charset="0"/>
+                  <a:cs typeface="Neo Sans Intel"/>
+                </a:rPr>
+                <a:t>;</a:t>
+              </a:r>
+            </a:p>
+            <a:p>
+              <a:r>
+                <a:rPr lang="en-US" sz="1600" dirty="0" smtClean="0">
+                  <a:solidFill>
+                    <a:schemeClr val="tx2"/>
+                  </a:solidFill>
+                  <a:latin typeface="Lucida Console" panose="020B0609040504020204" pitchFamily="49" charset="0"/>
+                  <a:cs typeface="Neo Sans Intel"/>
+                </a:rPr>
+                <a:t>}</a:t>
+              </a:r>
+              <a:endParaRPr lang="en-US" sz="1600" dirty="0" smtClean="0">
+                <a:solidFill>
+                  <a:schemeClr val="tx2"/>
+                </a:solidFill>
+                <a:latin typeface="Lucida Console" panose="020B0609040504020204" pitchFamily="49" charset="0"/>
+                <a:cs typeface="Neo Sans Intel"/>
+              </a:endParaRPr>
+            </a:p>
+          </p:txBody>
+        </p:sp>
+        <p:sp>
+          <p:nvSpPr>
+            <p:cNvPr id="6" name="TextBox 5"/>
+            <p:cNvSpPr txBox="1"/>
+            <p:nvPr/>
+          </p:nvSpPr>
+          <p:spPr>
+            <a:xfrm>
+              <a:off x="4813726" y="1108372"/>
+              <a:ext cx="2560316" cy="461665"/>
+            </a:xfrm>
+            <a:prstGeom prst="rect">
+              <a:avLst/>
+            </a:prstGeom>
+            <a:noFill/>
+          </p:spPr>
+          <p:txBody>
+            <a:bodyPr wrap="none" rtlCol="0">
+              <a:spAutoFit/>
+            </a:bodyPr>
+            <a:lstStyle/>
+            <a:p>
+              <a:r>
+                <a:rPr lang="en-US" sz="2400" u="sng" dirty="0" smtClean="0">
+                  <a:solidFill>
+                    <a:schemeClr val="tx2"/>
+                  </a:solidFill>
+                  <a:cs typeface="Neo Sans Intel"/>
+                </a:rPr>
+                <a:t>Scalar JavaScript</a:t>
+              </a:r>
+              <a:endParaRPr lang="en-US" sz="2400" u="sng" dirty="0" smtClean="0">
+                <a:solidFill>
+                  <a:schemeClr val="tx2"/>
+                </a:solidFill>
+                <a:cs typeface="Neo Sans Intel"/>
+              </a:endParaRPr>
+            </a:p>
+          </p:txBody>
+        </p:sp>
+      </p:grpSp>
+      <p:grpSp>
+        <p:nvGrpSpPr>
+          <p:cNvPr id="8" name="Group 7"/>
+          <p:cNvGrpSpPr/>
+          <p:nvPr/>
+        </p:nvGrpSpPr>
+        <p:grpSpPr>
+          <a:xfrm>
+            <a:off x="1747516" y="3878361"/>
+            <a:ext cx="9071714" cy="2769989"/>
+            <a:chOff x="1747516" y="3564586"/>
+            <a:chExt cx="9071714" cy="2769989"/>
+          </a:xfrm>
+        </p:grpSpPr>
+        <p:sp>
+          <p:nvSpPr>
+            <p:cNvPr id="5" name="TextBox 4"/>
+            <p:cNvSpPr txBox="1"/>
+            <p:nvPr/>
+          </p:nvSpPr>
+          <p:spPr>
+            <a:xfrm>
+              <a:off x="1747516" y="4026251"/>
+              <a:ext cx="9071714" cy="2308324"/>
+            </a:xfrm>
+            <a:prstGeom prst="rect">
+              <a:avLst/>
+            </a:prstGeom>
+            <a:noFill/>
+          </p:spPr>
+          <p:txBody>
+            <a:bodyPr wrap="none" rtlCol="0">
+              <a:spAutoFit/>
+            </a:bodyPr>
+            <a:lstStyle/>
+            <a:p>
+              <a:r>
+                <a:rPr lang="en-US" sz="1600" dirty="0" smtClean="0">
+                  <a:solidFill>
+                    <a:schemeClr val="tx2"/>
+                  </a:solidFill>
+                  <a:latin typeface="Lucida Console" panose="020B0609040504020204" pitchFamily="49" charset="0"/>
+                  <a:cs typeface="Neo Sans Intel"/>
+                </a:rPr>
+                <a:t>function </a:t>
+              </a:r>
+              <a:r>
+                <a:rPr lang="en-US" sz="1600" dirty="0" err="1">
+                  <a:solidFill>
+                    <a:schemeClr val="tx2"/>
+                  </a:solidFill>
+                  <a:latin typeface="Lucida Console" panose="020B0609040504020204" pitchFamily="49" charset="0"/>
+                  <a:cs typeface="Neo Sans Intel"/>
+                </a:rPr>
+                <a:t>simdAverage</a:t>
+              </a:r>
+              <a:r>
+                <a:rPr lang="en-US" sz="1600" dirty="0">
+                  <a:solidFill>
+                    <a:schemeClr val="tx2"/>
+                  </a:solidFill>
+                  <a:latin typeface="Lucida Console" panose="020B0609040504020204" pitchFamily="49" charset="0"/>
+                  <a:cs typeface="Neo Sans Intel"/>
+                </a:rPr>
+                <a:t>(n) {</a:t>
+              </a:r>
+            </a:p>
+            <a:p>
+              <a:r>
+                <a:rPr lang="en-US" sz="1600" dirty="0" smtClean="0">
+                  <a:solidFill>
+                    <a:schemeClr val="tx2"/>
+                  </a:solidFill>
+                  <a:latin typeface="Lucida Console" panose="020B0609040504020204" pitchFamily="49" charset="0"/>
+                  <a:cs typeface="Neo Sans Intel"/>
+                </a:rPr>
+                <a:t>  </a:t>
+              </a:r>
+              <a:r>
+                <a:rPr lang="en-US" sz="1600" dirty="0">
+                  <a:solidFill>
+                    <a:schemeClr val="tx2"/>
+                  </a:solidFill>
+                  <a:latin typeface="Lucida Console" panose="020B0609040504020204" pitchFamily="49" charset="0"/>
+                  <a:cs typeface="Neo Sans Intel"/>
+                </a:rPr>
+                <a:t>for (</a:t>
+              </a:r>
+              <a:r>
+                <a:rPr lang="en-US" sz="1600" dirty="0" err="1">
+                  <a:solidFill>
+                    <a:schemeClr val="tx2"/>
+                  </a:solidFill>
+                  <a:latin typeface="Lucida Console" panose="020B0609040504020204" pitchFamily="49" charset="0"/>
+                  <a:cs typeface="Neo Sans Intel"/>
+                </a:rPr>
+                <a:t>var</a:t>
+              </a:r>
+              <a:r>
+                <a:rPr lang="en-US" sz="1600" dirty="0">
+                  <a:solidFill>
+                    <a:schemeClr val="tx2"/>
+                  </a:solidFill>
+                  <a:latin typeface="Lucida Console" panose="020B0609040504020204" pitchFamily="49" charset="0"/>
+                  <a:cs typeface="Neo Sans Intel"/>
+                </a:rPr>
+                <a:t> i = 0; i &lt; n; ++i) {</a:t>
+              </a:r>
+            </a:p>
+            <a:p>
+              <a:r>
+                <a:rPr lang="en-US" sz="1600" dirty="0" smtClean="0">
+                  <a:solidFill>
+                    <a:schemeClr val="tx2"/>
+                  </a:solidFill>
+                  <a:latin typeface="Lucida Console" panose="020B0609040504020204" pitchFamily="49" charset="0"/>
+                  <a:cs typeface="Neo Sans Intel"/>
+                </a:rPr>
+                <a:t>    </a:t>
+              </a:r>
+              <a:r>
+                <a:rPr lang="en-US" sz="1600" dirty="0" err="1">
+                  <a:solidFill>
+                    <a:schemeClr val="tx2"/>
+                  </a:solidFill>
+                  <a:latin typeface="Lucida Console" panose="020B0609040504020204" pitchFamily="49" charset="0"/>
+                  <a:cs typeface="Neo Sans Intel"/>
+                </a:rPr>
+                <a:t>var</a:t>
+              </a:r>
+              <a:r>
+                <a:rPr lang="en-US" sz="1600" dirty="0">
+                  <a:solidFill>
+                    <a:schemeClr val="tx2"/>
+                  </a:solidFill>
+                  <a:latin typeface="Lucida Console" panose="020B0609040504020204" pitchFamily="49" charset="0"/>
+                  <a:cs typeface="Neo Sans Intel"/>
+                </a:rPr>
+                <a:t> sum4 = SIMD.float32x4.splat(0.0);</a:t>
+              </a:r>
+            </a:p>
+            <a:p>
+              <a:r>
+                <a:rPr lang="en-US" sz="1600" dirty="0" smtClean="0">
+                  <a:solidFill>
+                    <a:schemeClr val="tx2"/>
+                  </a:solidFill>
+                  <a:latin typeface="Lucida Console" panose="020B0609040504020204" pitchFamily="49" charset="0"/>
+                  <a:cs typeface="Neo Sans Intel"/>
+                </a:rPr>
+                <a:t>    </a:t>
+              </a:r>
+              <a:r>
+                <a:rPr lang="en-US" sz="1600" dirty="0">
+                  <a:solidFill>
+                    <a:schemeClr val="tx2"/>
+                  </a:solidFill>
+                  <a:latin typeface="Lucida Console" panose="020B0609040504020204" pitchFamily="49" charset="0"/>
+                  <a:cs typeface="Neo Sans Intel"/>
+                </a:rPr>
+                <a:t>for (</a:t>
+              </a:r>
+              <a:r>
+                <a:rPr lang="en-US" sz="1600" dirty="0" err="1">
+                  <a:solidFill>
+                    <a:schemeClr val="tx2"/>
+                  </a:solidFill>
+                  <a:latin typeface="Lucida Console" panose="020B0609040504020204" pitchFamily="49" charset="0"/>
+                  <a:cs typeface="Neo Sans Intel"/>
+                </a:rPr>
+                <a:t>var</a:t>
+              </a:r>
+              <a:r>
+                <a:rPr lang="en-US" sz="1600" dirty="0">
+                  <a:solidFill>
+                    <a:schemeClr val="tx2"/>
+                  </a:solidFill>
+                  <a:latin typeface="Lucida Console" panose="020B0609040504020204" pitchFamily="49" charset="0"/>
+                  <a:cs typeface="Neo Sans Intel"/>
+                </a:rPr>
+                <a:t> j = 0; j &lt; </a:t>
+              </a:r>
+              <a:r>
+                <a:rPr lang="en-US" sz="1600" dirty="0" err="1">
+                  <a:solidFill>
+                    <a:schemeClr val="tx2"/>
+                  </a:solidFill>
+                  <a:latin typeface="Lucida Console" panose="020B0609040504020204" pitchFamily="49" charset="0"/>
+                  <a:cs typeface="Neo Sans Intel"/>
+                </a:rPr>
+                <a:t>a.length</a:t>
+              </a:r>
+              <a:r>
+                <a:rPr lang="en-US" sz="1600" dirty="0">
+                  <a:solidFill>
+                    <a:schemeClr val="tx2"/>
+                  </a:solidFill>
+                  <a:latin typeface="Lucida Console" panose="020B0609040504020204" pitchFamily="49" charset="0"/>
+                  <a:cs typeface="Neo Sans Intel"/>
+                </a:rPr>
+                <a:t> / 4; ++j) {</a:t>
+              </a:r>
+            </a:p>
+            <a:p>
+              <a:r>
+                <a:rPr lang="en-US" sz="1600" dirty="0" smtClean="0">
+                  <a:solidFill>
+                    <a:schemeClr val="tx2"/>
+                  </a:solidFill>
+                  <a:latin typeface="Lucida Console" panose="020B0609040504020204" pitchFamily="49" charset="0"/>
+                  <a:cs typeface="Neo Sans Intel"/>
+                </a:rPr>
+                <a:t>      </a:t>
+              </a:r>
+              <a:r>
+                <a:rPr lang="en-US" sz="1600" dirty="0">
+                  <a:solidFill>
+                    <a:schemeClr val="tx2"/>
+                  </a:solidFill>
+                  <a:latin typeface="Lucida Console" panose="020B0609040504020204" pitchFamily="49" charset="0"/>
+                  <a:cs typeface="Neo Sans Intel"/>
+                </a:rPr>
+                <a:t>sum4 = SIMD.float32x4.add(sum4, SIMD.float32x4.load(a, j &lt;&lt; 2));</a:t>
+              </a:r>
+            </a:p>
+            <a:p>
+              <a:r>
+                <a:rPr lang="en-US" sz="1600" dirty="0" smtClean="0">
+                  <a:solidFill>
+                    <a:schemeClr val="tx2"/>
+                  </a:solidFill>
+                  <a:latin typeface="Lucida Console" panose="020B0609040504020204" pitchFamily="49" charset="0"/>
+                  <a:cs typeface="Neo Sans Intel"/>
+                </a:rPr>
+                <a:t>    </a:t>
+              </a:r>
+              <a:r>
+                <a:rPr lang="en-US" sz="1600" dirty="0">
+                  <a:solidFill>
+                    <a:schemeClr val="tx2"/>
+                  </a:solidFill>
+                  <a:latin typeface="Lucida Console" panose="020B0609040504020204" pitchFamily="49" charset="0"/>
+                  <a:cs typeface="Neo Sans Intel"/>
+                </a:rPr>
+                <a:t>}</a:t>
+              </a:r>
+            </a:p>
+            <a:p>
+              <a:r>
+                <a:rPr lang="en-US" sz="1600" dirty="0" smtClean="0">
+                  <a:solidFill>
+                    <a:schemeClr val="tx2"/>
+                  </a:solidFill>
+                  <a:latin typeface="Lucida Console" panose="020B0609040504020204" pitchFamily="49" charset="0"/>
+                  <a:cs typeface="Neo Sans Intel"/>
+                </a:rPr>
+                <a:t>  </a:t>
+              </a:r>
+              <a:r>
+                <a:rPr lang="en-US" sz="1600" dirty="0">
+                  <a:solidFill>
+                    <a:schemeClr val="tx2"/>
+                  </a:solidFill>
+                  <a:latin typeface="Lucida Console" panose="020B0609040504020204" pitchFamily="49" charset="0"/>
+                  <a:cs typeface="Neo Sans Intel"/>
+                </a:rPr>
+                <a:t>}</a:t>
+              </a:r>
+            </a:p>
+            <a:p>
+              <a:r>
+                <a:rPr lang="en-US" sz="1600" dirty="0" smtClean="0">
+                  <a:solidFill>
+                    <a:schemeClr val="tx2"/>
+                  </a:solidFill>
+                  <a:latin typeface="Lucida Console" panose="020B0609040504020204" pitchFamily="49" charset="0"/>
+                  <a:cs typeface="Neo Sans Intel"/>
+                </a:rPr>
+                <a:t>  </a:t>
+              </a:r>
+              <a:r>
+                <a:rPr lang="en-US" sz="1600" dirty="0">
+                  <a:solidFill>
+                    <a:schemeClr val="tx2"/>
+                  </a:solidFill>
+                  <a:latin typeface="Lucida Console" panose="020B0609040504020204" pitchFamily="49" charset="0"/>
+                  <a:cs typeface="Neo Sans Intel"/>
+                </a:rPr>
+                <a:t>return (sum4.x + sum4.y + sum4.z + sum4.w)/</a:t>
+              </a:r>
+              <a:r>
+                <a:rPr lang="en-US" sz="1600" dirty="0" err="1">
+                  <a:solidFill>
+                    <a:schemeClr val="tx2"/>
+                  </a:solidFill>
+                  <a:latin typeface="Lucida Console" panose="020B0609040504020204" pitchFamily="49" charset="0"/>
+                  <a:cs typeface="Neo Sans Intel"/>
+                </a:rPr>
+                <a:t>a.length</a:t>
+              </a:r>
+              <a:r>
+                <a:rPr lang="en-US" sz="1600" dirty="0">
+                  <a:solidFill>
+                    <a:schemeClr val="tx2"/>
+                  </a:solidFill>
+                  <a:latin typeface="Lucida Console" panose="020B0609040504020204" pitchFamily="49" charset="0"/>
+                  <a:cs typeface="Neo Sans Intel"/>
+                </a:rPr>
+                <a:t>;</a:t>
+              </a:r>
+            </a:p>
+            <a:p>
+              <a:r>
+                <a:rPr lang="en-US" sz="1600" dirty="0" smtClean="0">
+                  <a:solidFill>
+                    <a:schemeClr val="tx2"/>
+                  </a:solidFill>
+                  <a:latin typeface="Lucida Console" panose="020B0609040504020204" pitchFamily="49" charset="0"/>
+                  <a:cs typeface="Neo Sans Intel"/>
+                </a:rPr>
+                <a:t>}</a:t>
+              </a:r>
+              <a:endParaRPr lang="en-US" sz="1600" dirty="0" smtClean="0">
+                <a:solidFill>
+                  <a:schemeClr val="tx2"/>
+                </a:solidFill>
+                <a:latin typeface="Lucida Console" panose="020B0609040504020204" pitchFamily="49" charset="0"/>
+                <a:cs typeface="Neo Sans Intel"/>
+              </a:endParaRPr>
+            </a:p>
+          </p:txBody>
+        </p:sp>
+        <p:sp>
+          <p:nvSpPr>
+            <p:cNvPr id="7" name="TextBox 6"/>
+            <p:cNvSpPr txBox="1"/>
+            <p:nvPr/>
+          </p:nvSpPr>
+          <p:spPr>
+            <a:xfrm>
+              <a:off x="4871434" y="3564586"/>
+              <a:ext cx="2444900" cy="461665"/>
+            </a:xfrm>
+            <a:prstGeom prst="rect">
+              <a:avLst/>
+            </a:prstGeom>
+            <a:noFill/>
+          </p:spPr>
+          <p:txBody>
+            <a:bodyPr wrap="none" rtlCol="0">
+              <a:spAutoFit/>
+            </a:bodyPr>
+            <a:lstStyle/>
+            <a:p>
+              <a:r>
+                <a:rPr lang="en-US" sz="2400" u="sng" dirty="0" smtClean="0">
+                  <a:solidFill>
+                    <a:schemeClr val="tx2"/>
+                  </a:solidFill>
+                  <a:cs typeface="Neo Sans Intel"/>
+                </a:rPr>
+                <a:t>SIMD JavaScript</a:t>
+              </a:r>
+              <a:endParaRPr lang="en-US" sz="2400" u="sng" dirty="0" smtClean="0">
+                <a:solidFill>
+                  <a:schemeClr val="tx2"/>
+                </a:solidFill>
+                <a:cs typeface="Neo Sans Intel"/>
+              </a:endParaRPr>
+            </a:p>
+          </p:txBody>
+        </p:sp>
+      </p:grpSp>
+    </p:spTree>
+    <p:extLst>
+      <p:ext uri="{BB962C8B-B14F-4D97-AF65-F5344CB8AC3E}">
+        <p14:creationId xmlns:p14="http://schemas.microsoft.com/office/powerpoint/2010/main" val="3026700603"/>
+      </p:ext>
+    </p:extLst>
+  </p:cSld>
+  <p:clrMapOvr>
+    <a:masterClrMapping/>
+  </p:clrMapOvr>
+</p:sld>
+</file>
+
+<file path=ppt/slides/slide21.xml><?xml version="1.0" encoding="utf-8"?>
+<p:sld xmlns:a="http://schemas.openxmlformats.org/drawingml/2006/main" xmlns:r="http://schemas.openxmlformats.org/officeDocument/2006/relationships" xmlns:p="http://schemas.openxmlformats.org/presentationml/2006/main">
+  <p:cSld>
+    <p:spTree>
+      <p:nvGrpSpPr>
+        <p:cNvPr id="1" name=""/>
+        <p:cNvGrpSpPr/>
+        <p:nvPr/>
+      </p:nvGrpSpPr>
+      <p:grpSpPr>
+        <a:xfrm>
+          <a:off x="0" y="0"/>
+          <a:ext cx="0" cy="0"/>
+          <a:chOff x="0" y="0"/>
+          <a:chExt cx="0" cy="0"/>
+        </a:xfrm>
+      </p:grpSpPr>
+      <p:sp>
+        <p:nvSpPr>
+          <p:cNvPr id="2" name="Title 1"/>
+          <p:cNvSpPr>
+            <a:spLocks noGrp="1"/>
+          </p:cNvSpPr>
+          <p:nvPr>
+            <p:ph type="title"/>
+          </p:nvPr>
+        </p:nvSpPr>
+        <p:spPr/>
+        <p:txBody>
+          <a:bodyPr/>
+          <a:lstStyle/>
+          <a:p>
+            <a:r>
+              <a:rPr lang="en-US" dirty="0"/>
+              <a:t>Benchmarks – Handwritten </a:t>
+            </a:r>
+            <a:r>
+              <a:rPr lang="en-US" dirty="0" smtClean="0"/>
+              <a:t>C++</a:t>
+            </a:r>
+            <a:endParaRPr lang="en-US" dirty="0"/>
+          </a:p>
+        </p:txBody>
+      </p:sp>
+      <p:sp>
+        <p:nvSpPr>
+          <p:cNvPr id="5" name="TextBox 4"/>
+          <p:cNvSpPr txBox="1"/>
+          <p:nvPr/>
+        </p:nvSpPr>
+        <p:spPr>
+          <a:xfrm>
+            <a:off x="1805224" y="1570037"/>
+            <a:ext cx="6109365" cy="1815882"/>
+          </a:xfrm>
+          <a:prstGeom prst="rect">
+            <a:avLst/>
+          </a:prstGeom>
+          <a:noFill/>
+        </p:spPr>
+        <p:txBody>
+          <a:bodyPr wrap="none" rtlCol="0">
+            <a:spAutoFit/>
+          </a:bodyPr>
+          <a:lstStyle/>
+          <a:p>
+            <a:r>
+              <a:rPr lang="en-US" sz="1600" dirty="0" smtClean="0">
+                <a:solidFill>
+                  <a:schemeClr val="tx2"/>
+                </a:solidFill>
+                <a:latin typeface="Lucida Console" panose="020B0609040504020204" pitchFamily="49" charset="0"/>
+                <a:cs typeface="Neo Sans Intel"/>
+              </a:rPr>
+              <a:t>static </a:t>
+            </a:r>
+            <a:r>
+              <a:rPr lang="en-US" sz="1600" dirty="0">
+                <a:solidFill>
+                  <a:schemeClr val="tx2"/>
+                </a:solidFill>
+                <a:latin typeface="Lucida Console" panose="020B0609040504020204" pitchFamily="49" charset="0"/>
+                <a:cs typeface="Neo Sans Intel"/>
+              </a:rPr>
+              <a:t>float nonSimdAverageKernel32() {</a:t>
+            </a:r>
+          </a:p>
+          <a:p>
+            <a:r>
+              <a:rPr lang="en-US" sz="1600" dirty="0" smtClean="0">
+                <a:solidFill>
+                  <a:schemeClr val="tx2"/>
+                </a:solidFill>
+                <a:latin typeface="Lucida Console" panose="020B0609040504020204" pitchFamily="49" charset="0"/>
+                <a:cs typeface="Neo Sans Intel"/>
+              </a:rPr>
+              <a:t>  float </a:t>
+            </a:r>
+            <a:r>
+              <a:rPr lang="en-US" sz="1600" dirty="0">
+                <a:solidFill>
+                  <a:schemeClr val="tx2"/>
+                </a:solidFill>
+                <a:latin typeface="Lucida Console" panose="020B0609040504020204" pitchFamily="49" charset="0"/>
+                <a:cs typeface="Neo Sans Intel"/>
+              </a:rPr>
+              <a:t>sum = 0.0;</a:t>
+            </a:r>
+          </a:p>
+          <a:p>
+            <a:r>
+              <a:rPr lang="en-US" sz="1600" dirty="0">
+                <a:solidFill>
+                  <a:schemeClr val="tx2"/>
+                </a:solidFill>
+                <a:latin typeface="Lucida Console" panose="020B0609040504020204" pitchFamily="49" charset="0"/>
+                <a:cs typeface="Neo Sans Intel"/>
+              </a:rPr>
+              <a:t>  </a:t>
+            </a:r>
+            <a:r>
+              <a:rPr lang="en-US" sz="1600" dirty="0" smtClean="0">
+                <a:solidFill>
+                  <a:schemeClr val="tx2"/>
+                </a:solidFill>
+                <a:latin typeface="Lucida Console" panose="020B0609040504020204" pitchFamily="49" charset="0"/>
+                <a:cs typeface="Neo Sans Intel"/>
+              </a:rPr>
+              <a:t>for </a:t>
+            </a:r>
+            <a:r>
+              <a:rPr lang="en-US" sz="1600" dirty="0">
+                <a:solidFill>
+                  <a:schemeClr val="tx2"/>
+                </a:solidFill>
+                <a:latin typeface="Lucida Console" panose="020B0609040504020204" pitchFamily="49" charset="0"/>
+                <a:cs typeface="Neo Sans Intel"/>
+              </a:rPr>
+              <a:t>(uint32_t j = 0, l = length; j &lt; l; ++j) {</a:t>
+            </a:r>
+          </a:p>
+          <a:p>
+            <a:r>
+              <a:rPr lang="en-US" sz="1600" dirty="0">
+                <a:solidFill>
+                  <a:schemeClr val="tx2"/>
+                </a:solidFill>
+                <a:latin typeface="Lucida Console" panose="020B0609040504020204" pitchFamily="49" charset="0"/>
+                <a:cs typeface="Neo Sans Intel"/>
+              </a:rPr>
+              <a:t>  </a:t>
+            </a:r>
+            <a:r>
+              <a:rPr lang="en-US" sz="1600" dirty="0" smtClean="0">
+                <a:solidFill>
+                  <a:schemeClr val="tx2"/>
+                </a:solidFill>
+                <a:latin typeface="Lucida Console" panose="020B0609040504020204" pitchFamily="49" charset="0"/>
+                <a:cs typeface="Neo Sans Intel"/>
+              </a:rPr>
+              <a:t>  </a:t>
+            </a:r>
+            <a:r>
+              <a:rPr lang="en-US" sz="1600" dirty="0">
+                <a:solidFill>
+                  <a:schemeClr val="tx2"/>
+                </a:solidFill>
+                <a:latin typeface="Lucida Console" panose="020B0609040504020204" pitchFamily="49" charset="0"/>
+                <a:cs typeface="Neo Sans Intel"/>
+              </a:rPr>
+              <a:t>sum += a[j];</a:t>
+            </a:r>
+          </a:p>
+          <a:p>
+            <a:r>
+              <a:rPr lang="en-US" sz="1600" dirty="0">
+                <a:solidFill>
+                  <a:schemeClr val="tx2"/>
+                </a:solidFill>
+                <a:latin typeface="Lucida Console" panose="020B0609040504020204" pitchFamily="49" charset="0"/>
+                <a:cs typeface="Neo Sans Intel"/>
+              </a:rPr>
+              <a:t>  </a:t>
+            </a:r>
+            <a:r>
+              <a:rPr lang="en-US" sz="1600" dirty="0" smtClean="0">
+                <a:solidFill>
+                  <a:schemeClr val="tx2"/>
+                </a:solidFill>
+                <a:latin typeface="Lucida Console" panose="020B0609040504020204" pitchFamily="49" charset="0"/>
+                <a:cs typeface="Neo Sans Intel"/>
+              </a:rPr>
+              <a:t>}</a:t>
+            </a:r>
+            <a:endParaRPr lang="en-US" sz="1600" dirty="0">
+              <a:solidFill>
+                <a:schemeClr val="tx2"/>
+              </a:solidFill>
+              <a:latin typeface="Lucida Console" panose="020B0609040504020204" pitchFamily="49" charset="0"/>
+              <a:cs typeface="Neo Sans Intel"/>
+            </a:endParaRPr>
+          </a:p>
+          <a:p>
+            <a:r>
+              <a:rPr lang="en-US" sz="1600" dirty="0">
+                <a:solidFill>
+                  <a:schemeClr val="tx2"/>
+                </a:solidFill>
+                <a:latin typeface="Lucida Console" panose="020B0609040504020204" pitchFamily="49" charset="0"/>
+                <a:cs typeface="Neo Sans Intel"/>
+              </a:rPr>
+              <a:t>  </a:t>
+            </a:r>
+            <a:r>
+              <a:rPr lang="en-US" sz="1600" dirty="0" smtClean="0">
+                <a:solidFill>
+                  <a:schemeClr val="tx2"/>
+                </a:solidFill>
+                <a:latin typeface="Lucida Console" panose="020B0609040504020204" pitchFamily="49" charset="0"/>
+                <a:cs typeface="Neo Sans Intel"/>
+              </a:rPr>
+              <a:t>return </a:t>
+            </a:r>
+            <a:r>
+              <a:rPr lang="en-US" sz="1600" dirty="0">
+                <a:solidFill>
+                  <a:schemeClr val="tx2"/>
+                </a:solidFill>
+                <a:latin typeface="Lucida Console" panose="020B0609040504020204" pitchFamily="49" charset="0"/>
+                <a:cs typeface="Neo Sans Intel"/>
+              </a:rPr>
+              <a:t>sum/length;</a:t>
+            </a:r>
+          </a:p>
+          <a:p>
+            <a:r>
+              <a:rPr lang="en-US" sz="1600" dirty="0" smtClean="0">
+                <a:solidFill>
+                  <a:schemeClr val="tx2"/>
+                </a:solidFill>
+                <a:latin typeface="Lucida Console" panose="020B0609040504020204" pitchFamily="49" charset="0"/>
+                <a:cs typeface="Neo Sans Intel"/>
+              </a:rPr>
+              <a:t>}</a:t>
+            </a:r>
+            <a:endParaRPr lang="en-US" sz="1600" dirty="0" smtClean="0">
+              <a:solidFill>
+                <a:schemeClr val="tx2"/>
+              </a:solidFill>
+              <a:latin typeface="Lucida Console" panose="020B0609040504020204" pitchFamily="49" charset="0"/>
+              <a:cs typeface="Neo Sans Intel"/>
+            </a:endParaRPr>
+          </a:p>
+        </p:txBody>
+      </p:sp>
+      <p:sp>
+        <p:nvSpPr>
+          <p:cNvPr id="6" name="TextBox 5"/>
+          <p:cNvSpPr txBox="1"/>
+          <p:nvPr/>
+        </p:nvSpPr>
+        <p:spPr>
+          <a:xfrm>
+            <a:off x="5069739" y="1108372"/>
+            <a:ext cx="1670650" cy="461665"/>
+          </a:xfrm>
+          <a:prstGeom prst="rect">
+            <a:avLst/>
+          </a:prstGeom>
+          <a:noFill/>
+        </p:spPr>
+        <p:txBody>
+          <a:bodyPr wrap="none" rtlCol="0">
+            <a:spAutoFit/>
+          </a:bodyPr>
+          <a:lstStyle/>
+          <a:p>
+            <a:r>
+              <a:rPr lang="en-US" sz="2400" u="sng" dirty="0" smtClean="0">
+                <a:solidFill>
+                  <a:schemeClr val="tx2"/>
+                </a:solidFill>
+                <a:cs typeface="Neo Sans Intel"/>
+              </a:rPr>
+              <a:t>Scalar C++</a:t>
+            </a:r>
+            <a:endParaRPr lang="en-US" sz="2400" u="sng" dirty="0" smtClean="0">
+              <a:solidFill>
+                <a:schemeClr val="tx2"/>
+              </a:solidFill>
+              <a:cs typeface="Neo Sans Intel"/>
+            </a:endParaRPr>
+          </a:p>
+        </p:txBody>
+      </p:sp>
+      <p:sp>
+        <p:nvSpPr>
+          <p:cNvPr id="8" name="TextBox 7"/>
+          <p:cNvSpPr txBox="1"/>
+          <p:nvPr/>
+        </p:nvSpPr>
+        <p:spPr>
+          <a:xfrm>
+            <a:off x="1805224" y="4309249"/>
+            <a:ext cx="8084264" cy="2062103"/>
+          </a:xfrm>
+          <a:prstGeom prst="rect">
+            <a:avLst/>
+          </a:prstGeom>
+          <a:noFill/>
+        </p:spPr>
+        <p:txBody>
+          <a:bodyPr wrap="none" rtlCol="0">
+            <a:spAutoFit/>
+          </a:bodyPr>
+          <a:lstStyle/>
+          <a:p>
+            <a:r>
+              <a:rPr lang="en-US" sz="1600" dirty="0" smtClean="0">
+                <a:solidFill>
+                  <a:schemeClr val="tx2"/>
+                </a:solidFill>
+                <a:latin typeface="Lucida Console" panose="020B0609040504020204" pitchFamily="49" charset="0"/>
+                <a:cs typeface="Neo Sans Intel"/>
+              </a:rPr>
+              <a:t>static </a:t>
+            </a:r>
+            <a:r>
+              <a:rPr lang="en-US" sz="1600" dirty="0">
+                <a:solidFill>
+                  <a:schemeClr val="tx2"/>
+                </a:solidFill>
+                <a:latin typeface="Lucida Console" panose="020B0609040504020204" pitchFamily="49" charset="0"/>
+                <a:cs typeface="Neo Sans Intel"/>
+              </a:rPr>
+              <a:t>float </a:t>
+            </a:r>
+            <a:r>
+              <a:rPr lang="en-US" sz="1600" dirty="0" err="1">
+                <a:solidFill>
+                  <a:schemeClr val="tx2"/>
+                </a:solidFill>
+                <a:latin typeface="Lucida Console" panose="020B0609040504020204" pitchFamily="49" charset="0"/>
+                <a:cs typeface="Neo Sans Intel"/>
+              </a:rPr>
+              <a:t>simdAverageKernel</a:t>
+            </a:r>
+            <a:r>
+              <a:rPr lang="en-US" sz="1600" dirty="0">
+                <a:solidFill>
+                  <a:schemeClr val="tx2"/>
+                </a:solidFill>
+                <a:latin typeface="Lucida Console" panose="020B0609040504020204" pitchFamily="49" charset="0"/>
+                <a:cs typeface="Neo Sans Intel"/>
+              </a:rPr>
+              <a:t>() {</a:t>
+            </a:r>
+          </a:p>
+          <a:p>
+            <a:r>
+              <a:rPr lang="en-US" sz="1600" dirty="0" smtClean="0">
+                <a:solidFill>
+                  <a:schemeClr val="tx2"/>
+                </a:solidFill>
+                <a:latin typeface="Lucida Console" panose="020B0609040504020204" pitchFamily="49" charset="0"/>
+                <a:cs typeface="Neo Sans Intel"/>
+              </a:rPr>
+              <a:t>  __</a:t>
+            </a:r>
+            <a:r>
+              <a:rPr lang="en-US" sz="1600" dirty="0">
+                <a:solidFill>
+                  <a:schemeClr val="tx2"/>
+                </a:solidFill>
+                <a:latin typeface="Lucida Console" panose="020B0609040504020204" pitchFamily="49" charset="0"/>
+                <a:cs typeface="Neo Sans Intel"/>
+              </a:rPr>
+              <a:t>m128 sumx4 = _mm_set_ps1(0.0);</a:t>
+            </a:r>
+          </a:p>
+          <a:p>
+            <a:r>
+              <a:rPr lang="en-US" sz="1600" dirty="0">
+                <a:solidFill>
+                  <a:schemeClr val="tx2"/>
+                </a:solidFill>
+                <a:latin typeface="Lucida Console" panose="020B0609040504020204" pitchFamily="49" charset="0"/>
+                <a:cs typeface="Neo Sans Intel"/>
+              </a:rPr>
+              <a:t>  </a:t>
+            </a:r>
+            <a:r>
+              <a:rPr lang="en-US" sz="1600" dirty="0" smtClean="0">
+                <a:solidFill>
+                  <a:schemeClr val="tx2"/>
+                </a:solidFill>
+                <a:latin typeface="Lucida Console" panose="020B0609040504020204" pitchFamily="49" charset="0"/>
+                <a:cs typeface="Neo Sans Intel"/>
+              </a:rPr>
+              <a:t>for </a:t>
+            </a:r>
+            <a:r>
+              <a:rPr lang="en-US" sz="1600" dirty="0">
+                <a:solidFill>
+                  <a:schemeClr val="tx2"/>
+                </a:solidFill>
+                <a:latin typeface="Lucida Console" panose="020B0609040504020204" pitchFamily="49" charset="0"/>
+                <a:cs typeface="Neo Sans Intel"/>
+              </a:rPr>
+              <a:t>(uint32_t j = 0, l = length; j &lt; l; j = j + 4) {</a:t>
+            </a:r>
+          </a:p>
+          <a:p>
+            <a:r>
+              <a:rPr lang="en-US" sz="1600" dirty="0">
+                <a:solidFill>
+                  <a:schemeClr val="tx2"/>
+                </a:solidFill>
+                <a:latin typeface="Lucida Console" panose="020B0609040504020204" pitchFamily="49" charset="0"/>
+                <a:cs typeface="Neo Sans Intel"/>
+              </a:rPr>
+              <a:t>  </a:t>
+            </a:r>
+            <a:r>
+              <a:rPr lang="en-US" sz="1600" dirty="0" smtClean="0">
+                <a:solidFill>
+                  <a:schemeClr val="tx2"/>
+                </a:solidFill>
+                <a:latin typeface="Lucida Console" panose="020B0609040504020204" pitchFamily="49" charset="0"/>
+                <a:cs typeface="Neo Sans Intel"/>
+              </a:rPr>
+              <a:t>  </a:t>
+            </a:r>
+            <a:r>
+              <a:rPr lang="en-US" sz="1600" dirty="0">
+                <a:solidFill>
+                  <a:schemeClr val="tx2"/>
+                </a:solidFill>
+                <a:latin typeface="Lucida Console" panose="020B0609040504020204" pitchFamily="49" charset="0"/>
+                <a:cs typeface="Neo Sans Intel"/>
+              </a:rPr>
+              <a:t>sumx4 = _</a:t>
+            </a:r>
+            <a:r>
+              <a:rPr lang="en-US" sz="1600" dirty="0" err="1">
+                <a:solidFill>
+                  <a:schemeClr val="tx2"/>
+                </a:solidFill>
+                <a:latin typeface="Lucida Console" panose="020B0609040504020204" pitchFamily="49" charset="0"/>
+                <a:cs typeface="Neo Sans Intel"/>
+              </a:rPr>
+              <a:t>mm_add_ps</a:t>
+            </a:r>
+            <a:r>
+              <a:rPr lang="en-US" sz="1600" dirty="0">
+                <a:solidFill>
+                  <a:schemeClr val="tx2"/>
+                </a:solidFill>
+                <a:latin typeface="Lucida Console" panose="020B0609040504020204" pitchFamily="49" charset="0"/>
+                <a:cs typeface="Neo Sans Intel"/>
+              </a:rPr>
+              <a:t>(sumx4, _</a:t>
+            </a:r>
+            <a:r>
+              <a:rPr lang="en-US" sz="1600" dirty="0" err="1">
+                <a:solidFill>
+                  <a:schemeClr val="tx2"/>
+                </a:solidFill>
+                <a:latin typeface="Lucida Console" panose="020B0609040504020204" pitchFamily="49" charset="0"/>
+                <a:cs typeface="Neo Sans Intel"/>
+              </a:rPr>
+              <a:t>mm_loadu_ps</a:t>
+            </a:r>
+            <a:r>
+              <a:rPr lang="en-US" sz="1600" dirty="0">
+                <a:solidFill>
+                  <a:schemeClr val="tx2"/>
+                </a:solidFill>
+                <a:latin typeface="Lucida Console" panose="020B0609040504020204" pitchFamily="49" charset="0"/>
+                <a:cs typeface="Neo Sans Intel"/>
+              </a:rPr>
+              <a:t>(&amp;(a[j])));</a:t>
+            </a:r>
+          </a:p>
+          <a:p>
+            <a:r>
+              <a:rPr lang="en-US" sz="1600" dirty="0">
+                <a:solidFill>
+                  <a:schemeClr val="tx2"/>
+                </a:solidFill>
+                <a:latin typeface="Lucida Console" panose="020B0609040504020204" pitchFamily="49" charset="0"/>
+                <a:cs typeface="Neo Sans Intel"/>
+              </a:rPr>
+              <a:t>  </a:t>
+            </a:r>
+            <a:r>
+              <a:rPr lang="en-US" sz="1600" dirty="0" smtClean="0">
+                <a:solidFill>
+                  <a:schemeClr val="tx2"/>
+                </a:solidFill>
+                <a:latin typeface="Lucida Console" panose="020B0609040504020204" pitchFamily="49" charset="0"/>
+                <a:cs typeface="Neo Sans Intel"/>
+              </a:rPr>
+              <a:t>}</a:t>
+            </a:r>
+            <a:endParaRPr lang="en-US" sz="1600" dirty="0">
+              <a:solidFill>
+                <a:schemeClr val="tx2"/>
+              </a:solidFill>
+              <a:latin typeface="Lucida Console" panose="020B0609040504020204" pitchFamily="49" charset="0"/>
+              <a:cs typeface="Neo Sans Intel"/>
+            </a:endParaRPr>
+          </a:p>
+          <a:p>
+            <a:r>
+              <a:rPr lang="en-US" sz="1600" dirty="0">
+                <a:solidFill>
+                  <a:schemeClr val="tx2"/>
+                </a:solidFill>
+                <a:latin typeface="Lucida Console" panose="020B0609040504020204" pitchFamily="49" charset="0"/>
+                <a:cs typeface="Neo Sans Intel"/>
+              </a:rPr>
+              <a:t>  </a:t>
+            </a:r>
+            <a:r>
+              <a:rPr lang="en-US" sz="1600" dirty="0" smtClean="0">
+                <a:solidFill>
+                  <a:schemeClr val="tx2"/>
+                </a:solidFill>
+                <a:latin typeface="Lucida Console" panose="020B0609040504020204" pitchFamily="49" charset="0"/>
+                <a:cs typeface="Neo Sans Intel"/>
+              </a:rPr>
+              <a:t>Base</a:t>
+            </a:r>
+            <a:r>
+              <a:rPr lang="en-US" sz="1600" dirty="0">
+                <a:solidFill>
+                  <a:schemeClr val="tx2"/>
+                </a:solidFill>
+                <a:latin typeface="Lucida Console" panose="020B0609040504020204" pitchFamily="49" charset="0"/>
+                <a:cs typeface="Neo Sans Intel"/>
+              </a:rPr>
+              <a:t>::Lanes&lt;__m128, float&gt; lanes(sumx4);</a:t>
+            </a:r>
+          </a:p>
+          <a:p>
+            <a:r>
+              <a:rPr lang="en-US" sz="1600" dirty="0">
+                <a:solidFill>
+                  <a:schemeClr val="tx2"/>
+                </a:solidFill>
+                <a:latin typeface="Lucida Console" panose="020B0609040504020204" pitchFamily="49" charset="0"/>
+                <a:cs typeface="Neo Sans Intel"/>
+              </a:rPr>
+              <a:t>  </a:t>
+            </a:r>
+            <a:r>
+              <a:rPr lang="en-US" sz="1600" dirty="0" smtClean="0">
+                <a:solidFill>
+                  <a:schemeClr val="tx2"/>
+                </a:solidFill>
+                <a:latin typeface="Lucida Console" panose="020B0609040504020204" pitchFamily="49" charset="0"/>
+                <a:cs typeface="Neo Sans Intel"/>
+              </a:rPr>
+              <a:t>return </a:t>
+            </a:r>
+            <a:r>
+              <a:rPr lang="en-US" sz="1600" dirty="0">
+                <a:solidFill>
+                  <a:schemeClr val="tx2"/>
+                </a:solidFill>
+                <a:latin typeface="Lucida Console" panose="020B0609040504020204" pitchFamily="49" charset="0"/>
+                <a:cs typeface="Neo Sans Intel"/>
+              </a:rPr>
+              <a:t>(</a:t>
+            </a:r>
+            <a:r>
+              <a:rPr lang="en-US" sz="1600" dirty="0" err="1">
+                <a:solidFill>
+                  <a:schemeClr val="tx2"/>
+                </a:solidFill>
+                <a:latin typeface="Lucida Console" panose="020B0609040504020204" pitchFamily="49" charset="0"/>
+                <a:cs typeface="Neo Sans Intel"/>
+              </a:rPr>
+              <a:t>lanes.x</a:t>
+            </a:r>
+            <a:r>
+              <a:rPr lang="en-US" sz="1600" dirty="0">
+                <a:solidFill>
+                  <a:schemeClr val="tx2"/>
+                </a:solidFill>
+                <a:latin typeface="Lucida Console" panose="020B0609040504020204" pitchFamily="49" charset="0"/>
+                <a:cs typeface="Neo Sans Intel"/>
+              </a:rPr>
+              <a:t>() + </a:t>
+            </a:r>
+            <a:r>
+              <a:rPr lang="en-US" sz="1600" dirty="0" err="1">
+                <a:solidFill>
+                  <a:schemeClr val="tx2"/>
+                </a:solidFill>
+                <a:latin typeface="Lucida Console" panose="020B0609040504020204" pitchFamily="49" charset="0"/>
+                <a:cs typeface="Neo Sans Intel"/>
+              </a:rPr>
+              <a:t>lanes.y</a:t>
+            </a:r>
+            <a:r>
+              <a:rPr lang="en-US" sz="1600" dirty="0">
+                <a:solidFill>
+                  <a:schemeClr val="tx2"/>
+                </a:solidFill>
+                <a:latin typeface="Lucida Console" panose="020B0609040504020204" pitchFamily="49" charset="0"/>
+                <a:cs typeface="Neo Sans Intel"/>
+              </a:rPr>
+              <a:t>() + </a:t>
+            </a:r>
+            <a:r>
+              <a:rPr lang="en-US" sz="1600" dirty="0" err="1">
+                <a:solidFill>
+                  <a:schemeClr val="tx2"/>
+                </a:solidFill>
+                <a:latin typeface="Lucida Console" panose="020B0609040504020204" pitchFamily="49" charset="0"/>
+                <a:cs typeface="Neo Sans Intel"/>
+              </a:rPr>
+              <a:t>lanes.z</a:t>
+            </a:r>
+            <a:r>
+              <a:rPr lang="en-US" sz="1600" dirty="0">
+                <a:solidFill>
+                  <a:schemeClr val="tx2"/>
+                </a:solidFill>
+                <a:latin typeface="Lucida Console" panose="020B0609040504020204" pitchFamily="49" charset="0"/>
+                <a:cs typeface="Neo Sans Intel"/>
+              </a:rPr>
+              <a:t>() + </a:t>
+            </a:r>
+            <a:r>
+              <a:rPr lang="en-US" sz="1600" dirty="0" err="1">
+                <a:solidFill>
+                  <a:schemeClr val="tx2"/>
+                </a:solidFill>
+                <a:latin typeface="Lucida Console" panose="020B0609040504020204" pitchFamily="49" charset="0"/>
+                <a:cs typeface="Neo Sans Intel"/>
+              </a:rPr>
+              <a:t>lanes.w</a:t>
+            </a:r>
+            <a:r>
+              <a:rPr lang="en-US" sz="1600" dirty="0">
+                <a:solidFill>
+                  <a:schemeClr val="tx2"/>
+                </a:solidFill>
+                <a:latin typeface="Lucida Console" panose="020B0609040504020204" pitchFamily="49" charset="0"/>
+                <a:cs typeface="Neo Sans Intel"/>
+              </a:rPr>
+              <a:t>())/length</a:t>
+            </a:r>
+            <a:r>
+              <a:rPr lang="en-US" sz="1600" dirty="0" smtClean="0">
+                <a:solidFill>
+                  <a:schemeClr val="tx2"/>
+                </a:solidFill>
+                <a:latin typeface="Lucida Console" panose="020B0609040504020204" pitchFamily="49" charset="0"/>
+                <a:cs typeface="Neo Sans Intel"/>
+              </a:rPr>
+              <a:t>;</a:t>
+            </a:r>
+          </a:p>
+          <a:p>
+            <a:r>
+              <a:rPr lang="en-US" sz="1600" dirty="0">
+                <a:solidFill>
+                  <a:schemeClr val="tx2"/>
+                </a:solidFill>
+                <a:latin typeface="Lucida Console" panose="020B0609040504020204" pitchFamily="49" charset="0"/>
+                <a:cs typeface="Neo Sans Intel"/>
+              </a:rPr>
+              <a:t>}</a:t>
+            </a:r>
+            <a:endParaRPr lang="en-US" sz="1600" dirty="0" smtClean="0">
+              <a:solidFill>
+                <a:schemeClr val="tx2"/>
+              </a:solidFill>
+              <a:latin typeface="Lucida Console" panose="020B0609040504020204" pitchFamily="49" charset="0"/>
+              <a:cs typeface="Neo Sans Intel"/>
+            </a:endParaRPr>
+          </a:p>
+        </p:txBody>
+      </p:sp>
+      <p:sp>
+        <p:nvSpPr>
+          <p:cNvPr id="9" name="TextBox 8"/>
+          <p:cNvSpPr txBox="1"/>
+          <p:nvPr/>
+        </p:nvSpPr>
+        <p:spPr>
+          <a:xfrm>
+            <a:off x="5069739" y="3847584"/>
+            <a:ext cx="1555234" cy="461665"/>
+          </a:xfrm>
+          <a:prstGeom prst="rect">
+            <a:avLst/>
+          </a:prstGeom>
+          <a:noFill/>
+        </p:spPr>
+        <p:txBody>
+          <a:bodyPr wrap="none" rtlCol="0">
+            <a:spAutoFit/>
+          </a:bodyPr>
+          <a:lstStyle/>
+          <a:p>
+            <a:r>
+              <a:rPr lang="en-US" sz="2400" u="sng" dirty="0" smtClean="0">
+                <a:solidFill>
+                  <a:schemeClr val="tx2"/>
+                </a:solidFill>
+                <a:cs typeface="Neo Sans Intel"/>
+              </a:rPr>
+              <a:t>SIMD C++</a:t>
+            </a:r>
+            <a:endParaRPr lang="en-US" sz="2400" u="sng" dirty="0" smtClean="0">
+              <a:solidFill>
+                <a:schemeClr val="tx2"/>
+              </a:solidFill>
+              <a:cs typeface="Neo Sans Intel"/>
+            </a:endParaRPr>
+          </a:p>
+        </p:txBody>
+      </p:sp>
+    </p:spTree>
+    <p:extLst>
+      <p:ext uri="{BB962C8B-B14F-4D97-AF65-F5344CB8AC3E}">
+        <p14:creationId xmlns:p14="http://schemas.microsoft.com/office/powerpoint/2010/main" val="2362999345"/>
+      </p:ext>
+    </p:extLst>
+  </p:cSld>
+  <p:clrMapOvr>
+    <a:masterClrMapping/>
+  </p:clrMapOvr>
+</p:sld>
+</file>
+
+<file path=ppt/slides/slide22.xml><?xml version="1.0" encoding="utf-8"?>
+<p:sld xmlns:a="http://schemas.openxmlformats.org/drawingml/2006/main" xmlns:r="http://schemas.openxmlformats.org/officeDocument/2006/relationships" xmlns:p="http://schemas.openxmlformats.org/presentationml/2006/main">
+  <p:cSld>
+    <p:spTree>
+      <p:nvGrpSpPr>
+        <p:cNvPr id="1" name=""/>
+        <p:cNvGrpSpPr/>
+        <p:nvPr/>
+      </p:nvGrpSpPr>
+      <p:grpSpPr>
+        <a:xfrm>
+          <a:off x="0" y="0"/>
+          <a:ext cx="0" cy="0"/>
+          <a:chOff x="0" y="0"/>
+          <a:chExt cx="0" cy="0"/>
+        </a:xfrm>
+      </p:grpSpPr>
+      <p:sp>
+        <p:nvSpPr>
+          <p:cNvPr id="2" name="Title 1"/>
+          <p:cNvSpPr>
+            <a:spLocks noGrp="1"/>
+          </p:cNvSpPr>
+          <p:nvPr>
+            <p:ph type="title"/>
+          </p:nvPr>
+        </p:nvSpPr>
+        <p:spPr/>
+        <p:txBody>
+          <a:bodyPr/>
+          <a:lstStyle/>
+          <a:p>
+            <a:r>
+              <a:rPr lang="en-US" dirty="0" smtClean="0"/>
+              <a:t>Benchmark Results – SIMD vs. Scalar Speedups</a:t>
+            </a:r>
+            <a:endParaRPr lang="en-US" dirty="0"/>
+          </a:p>
+        </p:txBody>
+      </p:sp>
+      <p:pic>
+        <p:nvPicPr>
+          <p:cNvPr id="4" name="Picture 3"/>
+          <p:cNvPicPr>
+            <a:picLocks noChangeAspect="1"/>
+          </p:cNvPicPr>
+          <p:nvPr/>
+        </p:nvPicPr>
+        <p:blipFill>
+          <a:blip r:embed="rId2">
+            <a:extLst>
+              <a:ext uri="{28A0092B-C50C-407E-A947-70E740481C1C}">
+                <a14:useLocalDpi xmlns:a14="http://schemas.microsoft.com/office/drawing/2010/main" val="0"/>
+              </a:ext>
+            </a:extLst>
+          </a:blip>
+          <a:stretch>
+            <a:fillRect/>
+          </a:stretch>
+        </p:blipFill>
+        <p:spPr>
+          <a:xfrm>
+            <a:off x="607484" y="1140030"/>
+            <a:ext cx="5827994" cy="5498276"/>
+          </a:xfrm>
+          <a:prstGeom prst="rect">
+            <a:avLst/>
+          </a:prstGeom>
+        </p:spPr>
+      </p:pic>
+      <p:sp>
+        <p:nvSpPr>
+          <p:cNvPr id="5" name="TextBox 4"/>
+          <p:cNvSpPr txBox="1"/>
+          <p:nvPr/>
+        </p:nvSpPr>
+        <p:spPr>
+          <a:xfrm>
+            <a:off x="6502531" y="1140030"/>
+            <a:ext cx="4950621" cy="3785652"/>
+          </a:xfrm>
+          <a:prstGeom prst="rect">
+            <a:avLst/>
+          </a:prstGeom>
+          <a:noFill/>
+        </p:spPr>
+        <p:txBody>
+          <a:bodyPr wrap="square" rtlCol="0">
+            <a:spAutoFit/>
+          </a:bodyPr>
+          <a:lstStyle/>
+          <a:p>
+            <a:r>
+              <a:rPr lang="en-US" sz="2400" b="1" u="sng" dirty="0" smtClean="0">
+                <a:solidFill>
+                  <a:schemeClr val="tx2"/>
+                </a:solidFill>
+                <a:cs typeface="Neo Sans Intel"/>
+              </a:rPr>
+              <a:t>Observations:</a:t>
+            </a:r>
+          </a:p>
+          <a:p>
+            <a:pPr marL="342900" indent="-342900">
+              <a:buFont typeface="Arial" panose="020B0604020202020204" pitchFamily="34" charset="0"/>
+              <a:buChar char="•"/>
+            </a:pPr>
+            <a:r>
+              <a:rPr lang="en-US" sz="2400" b="1" dirty="0" smtClean="0">
+                <a:solidFill>
+                  <a:schemeClr val="tx2"/>
+                </a:solidFill>
+                <a:cs typeface="Neo Sans Intel"/>
+              </a:rPr>
+              <a:t>Average speedups are in the expected ~4x range</a:t>
+            </a:r>
+          </a:p>
+          <a:p>
+            <a:pPr marL="342900" indent="-342900">
+              <a:buFont typeface="Arial" panose="020B0604020202020204" pitchFamily="34" charset="0"/>
+              <a:buChar char="•"/>
+            </a:pPr>
+            <a:r>
+              <a:rPr lang="en-US" sz="2400" dirty="0" smtClean="0">
+                <a:solidFill>
+                  <a:schemeClr val="tx2"/>
+                </a:solidFill>
+                <a:cs typeface="Neo Sans Intel"/>
+              </a:rPr>
+              <a:t>Higher speedups for ‘JS Handwritten Chrome’ is due to slow scalar kernel (64-bit FP operations</a:t>
+            </a:r>
+          </a:p>
+          <a:p>
+            <a:pPr marL="342900" indent="-342900">
+              <a:buFont typeface="Arial" panose="020B0604020202020204" pitchFamily="34" charset="0"/>
+              <a:buChar char="•"/>
+            </a:pPr>
+            <a:r>
+              <a:rPr lang="en-US" sz="2400" dirty="0" smtClean="0">
+                <a:solidFill>
+                  <a:schemeClr val="tx2"/>
+                </a:solidFill>
+                <a:cs typeface="Neo Sans Intel"/>
+              </a:rPr>
+              <a:t>Super linear speedups for </a:t>
+            </a:r>
+            <a:r>
+              <a:rPr lang="en-US" sz="2400" dirty="0" err="1" smtClean="0">
+                <a:solidFill>
+                  <a:schemeClr val="tx2"/>
+                </a:solidFill>
+                <a:cs typeface="Neo Sans Intel"/>
+              </a:rPr>
+              <a:t>MatrixInverse</a:t>
+            </a:r>
+            <a:r>
+              <a:rPr lang="en-US" sz="2400" dirty="0" smtClean="0">
+                <a:solidFill>
+                  <a:schemeClr val="tx2"/>
+                </a:solidFill>
+                <a:cs typeface="Neo Sans Intel"/>
+              </a:rPr>
+              <a:t> most likely due to slower scalar kernel as well.</a:t>
+            </a:r>
+            <a:endParaRPr lang="en-US" sz="2400" dirty="0" smtClean="0">
+              <a:solidFill>
+                <a:schemeClr val="tx2"/>
+              </a:solidFill>
+              <a:cs typeface="Neo Sans Intel"/>
+            </a:endParaRPr>
+          </a:p>
+        </p:txBody>
+      </p:sp>
+    </p:spTree>
+    <p:extLst>
+      <p:ext uri="{BB962C8B-B14F-4D97-AF65-F5344CB8AC3E}">
+        <p14:creationId xmlns:p14="http://schemas.microsoft.com/office/powerpoint/2010/main" val="729326348"/>
+      </p:ext>
+    </p:extLst>
+  </p:cSld>
+  <p:clrMapOvr>
+    <a:masterClrMapping/>
+  </p:clrMapOvr>
+</p:sld>
+</file>
+
+<file path=ppt/slides/slide23.xml><?xml version="1.0" encoding="utf-8"?>
+<p:sld xmlns:a="http://schemas.openxmlformats.org/drawingml/2006/main" xmlns:r="http://schemas.openxmlformats.org/officeDocument/2006/relationships" xmlns:p="http://schemas.openxmlformats.org/presentationml/2006/main">
+  <p:cSld>
+    <p:spTree>
+      <p:nvGrpSpPr>
+        <p:cNvPr id="1" name=""/>
+        <p:cNvGrpSpPr/>
+        <p:nvPr/>
+      </p:nvGrpSpPr>
+      <p:grpSpPr>
+        <a:xfrm>
+          <a:off x="0" y="0"/>
+          <a:ext cx="0" cy="0"/>
+          <a:chOff x="0" y="0"/>
+          <a:chExt cx="0" cy="0"/>
+        </a:xfrm>
+      </p:grpSpPr>
+      <p:sp>
+        <p:nvSpPr>
+          <p:cNvPr id="2" name="Title 1"/>
+          <p:cNvSpPr>
+            <a:spLocks noGrp="1"/>
+          </p:cNvSpPr>
+          <p:nvPr>
+            <p:ph type="title"/>
+          </p:nvPr>
+        </p:nvSpPr>
+        <p:spPr/>
+        <p:txBody>
+          <a:bodyPr/>
+          <a:lstStyle/>
+          <a:p>
+            <a:r>
+              <a:rPr lang="en-US" dirty="0" smtClean="0"/>
+              <a:t>Benchmark Results – Scalar C++ vs. Scalar JS</a:t>
+            </a:r>
+            <a:endParaRPr lang="en-US" dirty="0"/>
+          </a:p>
+        </p:txBody>
+      </p:sp>
+      <p:pic>
+        <p:nvPicPr>
+          <p:cNvPr id="7" name="Picture 6"/>
+          <p:cNvPicPr>
+            <a:picLocks noChangeAspect="1"/>
+          </p:cNvPicPr>
+          <p:nvPr/>
+        </p:nvPicPr>
+        <p:blipFill>
+          <a:blip r:embed="rId2">
+            <a:extLst>
+              <a:ext uri="{28A0092B-C50C-407E-A947-70E740481C1C}">
+                <a14:useLocalDpi xmlns:a14="http://schemas.microsoft.com/office/drawing/2010/main" val="0"/>
+              </a:ext>
+            </a:extLst>
+          </a:blip>
+          <a:stretch>
+            <a:fillRect/>
+          </a:stretch>
+        </p:blipFill>
+        <p:spPr>
+          <a:xfrm>
+            <a:off x="607484" y="1002792"/>
+            <a:ext cx="5767915" cy="5644631"/>
+          </a:xfrm>
+          <a:prstGeom prst="rect">
+            <a:avLst/>
+          </a:prstGeom>
+        </p:spPr>
+      </p:pic>
+      <p:sp>
+        <p:nvSpPr>
+          <p:cNvPr id="10" name="TextBox 9"/>
+          <p:cNvSpPr txBox="1"/>
+          <p:nvPr/>
+        </p:nvSpPr>
+        <p:spPr>
+          <a:xfrm>
+            <a:off x="6502531" y="1140030"/>
+            <a:ext cx="4950621" cy="4893647"/>
+          </a:xfrm>
+          <a:prstGeom prst="rect">
+            <a:avLst/>
+          </a:prstGeom>
+          <a:noFill/>
+        </p:spPr>
+        <p:txBody>
+          <a:bodyPr wrap="square" rtlCol="0">
+            <a:spAutoFit/>
+          </a:bodyPr>
+          <a:lstStyle/>
+          <a:p>
+            <a:r>
+              <a:rPr lang="en-US" sz="2400" b="1" u="sng" dirty="0" smtClean="0">
+                <a:solidFill>
+                  <a:schemeClr val="tx2"/>
+                </a:solidFill>
+                <a:cs typeface="Neo Sans Intel"/>
+              </a:rPr>
+              <a:t>Observations:</a:t>
+            </a:r>
+          </a:p>
+          <a:p>
+            <a:pPr marL="342900" indent="-342900">
+              <a:buFont typeface="Arial" panose="020B0604020202020204" pitchFamily="34" charset="0"/>
+              <a:buChar char="•"/>
+            </a:pPr>
+            <a:r>
+              <a:rPr lang="en-US" sz="2400" b="1" dirty="0" smtClean="0">
+                <a:solidFill>
+                  <a:schemeClr val="tx2"/>
+                </a:solidFill>
+                <a:cs typeface="Neo Sans Intel"/>
+              </a:rPr>
+              <a:t>Average JS performance is roughly 60% of native C++</a:t>
+            </a:r>
+            <a:endParaRPr lang="en-US" sz="2400" b="1" dirty="0" smtClean="0">
+              <a:solidFill>
+                <a:schemeClr val="tx2"/>
+              </a:solidFill>
+              <a:cs typeface="Neo Sans Intel"/>
+            </a:endParaRPr>
+          </a:p>
+          <a:p>
+            <a:pPr marL="342900" indent="-342900">
+              <a:buFont typeface="Arial" panose="020B0604020202020204" pitchFamily="34" charset="0"/>
+              <a:buChar char="•"/>
+            </a:pPr>
+            <a:r>
+              <a:rPr lang="en-US" sz="2400" dirty="0" smtClean="0">
+                <a:solidFill>
+                  <a:schemeClr val="tx2"/>
+                </a:solidFill>
+                <a:cs typeface="Neo Sans Intel"/>
+              </a:rPr>
+              <a:t>Handwritten JS code is slightly faster than Emscripten generated JS</a:t>
+            </a:r>
+          </a:p>
+          <a:p>
+            <a:pPr marL="342900" indent="-342900">
+              <a:buFont typeface="Arial" panose="020B0604020202020204" pitchFamily="34" charset="0"/>
+              <a:buChar char="•"/>
+            </a:pPr>
+            <a:r>
+              <a:rPr lang="en-US" sz="2400" dirty="0" err="1" smtClean="0">
+                <a:solidFill>
+                  <a:schemeClr val="tx2"/>
+                </a:solidFill>
+                <a:cs typeface="Neo Sans Intel"/>
+              </a:rPr>
+              <a:t>SpiderMonkey</a:t>
+            </a:r>
+            <a:r>
+              <a:rPr lang="en-US" sz="2400" dirty="0" smtClean="0">
+                <a:solidFill>
+                  <a:schemeClr val="tx2"/>
+                </a:solidFill>
+                <a:cs typeface="Neo Sans Intel"/>
+              </a:rPr>
+              <a:t>/</a:t>
+            </a:r>
+            <a:r>
+              <a:rPr lang="en-US" sz="2400" dirty="0" err="1" smtClean="0">
+                <a:solidFill>
+                  <a:schemeClr val="tx2"/>
+                </a:solidFill>
+                <a:cs typeface="Neo Sans Intel"/>
+              </a:rPr>
+              <a:t>OdinMonkey</a:t>
+            </a:r>
+            <a:r>
+              <a:rPr lang="en-US" sz="2400" dirty="0" smtClean="0">
+                <a:solidFill>
+                  <a:schemeClr val="tx2"/>
+                </a:solidFill>
+                <a:cs typeface="Neo Sans Intel"/>
+              </a:rPr>
+              <a:t> is slightly faster than Chromium on Emscripten generated JS</a:t>
+            </a:r>
+          </a:p>
+          <a:p>
+            <a:pPr marL="342900" indent="-342900">
+              <a:buFont typeface="Arial" panose="020B0604020202020204" pitchFamily="34" charset="0"/>
+              <a:buChar char="•"/>
+            </a:pPr>
+            <a:r>
+              <a:rPr lang="en-US" sz="2400" dirty="0" smtClean="0">
+                <a:solidFill>
+                  <a:schemeClr val="tx2"/>
+                </a:solidFill>
+                <a:cs typeface="Neo Sans Intel"/>
+              </a:rPr>
+              <a:t>Chromium has ‘slow JIT’ overhead that </a:t>
+            </a:r>
+            <a:r>
+              <a:rPr lang="en-US" sz="2400" dirty="0" err="1" smtClean="0">
+                <a:solidFill>
+                  <a:schemeClr val="tx2"/>
+                </a:solidFill>
+                <a:cs typeface="Neo Sans Intel"/>
+              </a:rPr>
+              <a:t>OdinMonkey</a:t>
+            </a:r>
+            <a:r>
+              <a:rPr lang="en-US" sz="2400" dirty="0" smtClean="0">
+                <a:solidFill>
+                  <a:schemeClr val="tx2"/>
+                </a:solidFill>
+                <a:cs typeface="Neo Sans Intel"/>
+              </a:rPr>
+              <a:t> doesn’t</a:t>
+            </a:r>
+          </a:p>
+          <a:p>
+            <a:pPr marL="342900" indent="-342900">
+              <a:buFont typeface="Arial" panose="020B0604020202020204" pitchFamily="34" charset="0"/>
+              <a:buChar char="•"/>
+            </a:pPr>
+            <a:endParaRPr lang="en-US" sz="2400" dirty="0" smtClean="0">
+              <a:solidFill>
+                <a:schemeClr val="tx2"/>
+              </a:solidFill>
+              <a:cs typeface="Neo Sans Intel"/>
+            </a:endParaRPr>
+          </a:p>
+        </p:txBody>
+      </p:sp>
+    </p:spTree>
+    <p:extLst>
+      <p:ext uri="{BB962C8B-B14F-4D97-AF65-F5344CB8AC3E}">
+        <p14:creationId xmlns:p14="http://schemas.microsoft.com/office/powerpoint/2010/main" val="1927586629"/>
+      </p:ext>
+    </p:extLst>
+  </p:cSld>
+  <p:clrMapOvr>
+    <a:masterClrMapping/>
+  </p:clrMapOvr>
+</p:sld>
+</file>
+
+<file path=ppt/slides/slide24.xml><?xml version="1.0" encoding="utf-8"?>
+<p:sld xmlns:a="http://schemas.openxmlformats.org/drawingml/2006/main" xmlns:r="http://schemas.openxmlformats.org/officeDocument/2006/relationships" xmlns:p="http://schemas.openxmlformats.org/presentationml/2006/main">
+  <p:cSld>
+    <p:spTree>
+      <p:nvGrpSpPr>
+        <p:cNvPr id="1" name=""/>
+        <p:cNvGrpSpPr/>
+        <p:nvPr/>
+      </p:nvGrpSpPr>
+      <p:grpSpPr>
+        <a:xfrm>
+          <a:off x="0" y="0"/>
+          <a:ext cx="0" cy="0"/>
+          <a:chOff x="0" y="0"/>
+          <a:chExt cx="0" cy="0"/>
+        </a:xfrm>
+      </p:grpSpPr>
+      <p:sp>
+        <p:nvSpPr>
+          <p:cNvPr id="2" name="Title 1"/>
+          <p:cNvSpPr>
+            <a:spLocks noGrp="1"/>
+          </p:cNvSpPr>
+          <p:nvPr>
+            <p:ph type="title"/>
+          </p:nvPr>
+        </p:nvSpPr>
+        <p:spPr/>
+        <p:txBody>
+          <a:bodyPr/>
+          <a:lstStyle/>
+          <a:p>
+            <a:r>
+              <a:rPr lang="en-US" dirty="0" smtClean="0"/>
+              <a:t>Benchmark Results – SIMD C++ vs. SIMD JS</a:t>
+            </a:r>
+            <a:endParaRPr lang="en-US" dirty="0"/>
+          </a:p>
+        </p:txBody>
+      </p:sp>
+      <p:pic>
+        <p:nvPicPr>
+          <p:cNvPr id="4" name="Picture 3"/>
+          <p:cNvPicPr>
+            <a:picLocks noChangeAspect="1"/>
+          </p:cNvPicPr>
+          <p:nvPr/>
+        </p:nvPicPr>
+        <p:blipFill>
+          <a:blip r:embed="rId2">
+            <a:extLst>
+              <a:ext uri="{28A0092B-C50C-407E-A947-70E740481C1C}">
+                <a14:useLocalDpi xmlns:a14="http://schemas.microsoft.com/office/drawing/2010/main" val="0"/>
+              </a:ext>
+            </a:extLst>
+          </a:blip>
+          <a:stretch>
+            <a:fillRect/>
+          </a:stretch>
+        </p:blipFill>
+        <p:spPr>
+          <a:xfrm>
+            <a:off x="607484" y="1151905"/>
+            <a:ext cx="5627061" cy="5566369"/>
+          </a:xfrm>
+          <a:prstGeom prst="rect">
+            <a:avLst/>
+          </a:prstGeom>
+        </p:spPr>
+      </p:pic>
+      <p:sp>
+        <p:nvSpPr>
+          <p:cNvPr id="5" name="TextBox 4"/>
+          <p:cNvSpPr txBox="1"/>
+          <p:nvPr/>
+        </p:nvSpPr>
+        <p:spPr>
+          <a:xfrm>
+            <a:off x="6502531" y="1140030"/>
+            <a:ext cx="4950621" cy="4524315"/>
+          </a:xfrm>
+          <a:prstGeom prst="rect">
+            <a:avLst/>
+          </a:prstGeom>
+          <a:noFill/>
+        </p:spPr>
+        <p:txBody>
+          <a:bodyPr wrap="square" rtlCol="0">
+            <a:spAutoFit/>
+          </a:bodyPr>
+          <a:lstStyle/>
+          <a:p>
+            <a:r>
+              <a:rPr lang="en-US" sz="2400" b="1" u="sng" dirty="0" smtClean="0">
+                <a:solidFill>
+                  <a:schemeClr val="tx2"/>
+                </a:solidFill>
+                <a:cs typeface="Neo Sans Intel"/>
+              </a:rPr>
+              <a:t>Observations:</a:t>
+            </a:r>
+          </a:p>
+          <a:p>
+            <a:pPr marL="342900" indent="-342900">
+              <a:buFont typeface="Arial" panose="020B0604020202020204" pitchFamily="34" charset="0"/>
+              <a:buChar char="•"/>
+            </a:pPr>
+            <a:r>
+              <a:rPr lang="en-US" sz="2400" dirty="0" smtClean="0">
+                <a:solidFill>
+                  <a:schemeClr val="tx2"/>
+                </a:solidFill>
+                <a:cs typeface="Neo Sans Intel"/>
+              </a:rPr>
+              <a:t>Handwritten JS performance is ~85% of native C++ on Chromium!</a:t>
+            </a:r>
+          </a:p>
+          <a:p>
+            <a:pPr marL="342900" indent="-342900">
+              <a:buFont typeface="Arial" panose="020B0604020202020204" pitchFamily="34" charset="0"/>
+              <a:buChar char="•"/>
+            </a:pPr>
+            <a:r>
+              <a:rPr lang="en-US" sz="2400" dirty="0" smtClean="0">
+                <a:solidFill>
+                  <a:schemeClr val="tx2"/>
+                </a:solidFill>
+                <a:cs typeface="Neo Sans Intel"/>
+              </a:rPr>
+              <a:t>Emscripten generated JS performance is ~60% of native C++ on both Chromium and </a:t>
+            </a:r>
+            <a:r>
+              <a:rPr lang="en-US" sz="2400" dirty="0" err="1" smtClean="0">
+                <a:solidFill>
+                  <a:schemeClr val="tx2"/>
+                </a:solidFill>
+                <a:cs typeface="Neo Sans Intel"/>
+              </a:rPr>
+              <a:t>OdinMonkey</a:t>
+            </a:r>
+            <a:endParaRPr lang="en-US" sz="2400" dirty="0" smtClean="0">
+              <a:solidFill>
+                <a:schemeClr val="tx2"/>
+              </a:solidFill>
+              <a:cs typeface="Neo Sans Intel"/>
+            </a:endParaRPr>
+          </a:p>
+          <a:p>
+            <a:pPr marL="342900" indent="-342900">
+              <a:buFont typeface="Arial" panose="020B0604020202020204" pitchFamily="34" charset="0"/>
+              <a:buChar char="•"/>
+            </a:pPr>
+            <a:r>
+              <a:rPr lang="en-US" sz="2400" dirty="0" smtClean="0">
+                <a:solidFill>
+                  <a:schemeClr val="tx2"/>
+                </a:solidFill>
+                <a:cs typeface="Neo Sans Intel"/>
+              </a:rPr>
+              <a:t>C++/JS performance for SIMD code is roughly the same as it is for Scalar code</a:t>
+            </a:r>
+          </a:p>
+          <a:p>
+            <a:pPr marL="342900" indent="-342900">
+              <a:buFont typeface="Arial" panose="020B0604020202020204" pitchFamily="34" charset="0"/>
+              <a:buChar char="•"/>
+            </a:pPr>
+            <a:endParaRPr lang="en-US" sz="2400" dirty="0" smtClean="0">
+              <a:solidFill>
+                <a:schemeClr val="tx2"/>
+              </a:solidFill>
+              <a:cs typeface="Neo Sans Intel"/>
+            </a:endParaRPr>
+          </a:p>
+        </p:txBody>
+      </p:sp>
+    </p:spTree>
+    <p:extLst>
+      <p:ext uri="{BB962C8B-B14F-4D97-AF65-F5344CB8AC3E}">
+        <p14:creationId xmlns:p14="http://schemas.microsoft.com/office/powerpoint/2010/main" val="2427440855"/>
+      </p:ext>
+    </p:extLst>
+  </p:cSld>
+  <p:clrMapOvr>
+    <a:masterClrMapping/>
+  </p:clrMapOvr>
+</p:sld>
+</file>
+
+<file path=ppt/slides/slide25.xml><?xml version="1.0" encoding="utf-8"?>
+<p:sld xmlns:a="http://schemas.openxmlformats.org/drawingml/2006/main" xmlns:r="http://schemas.openxmlformats.org/officeDocument/2006/relationships" xmlns:p="http://schemas.openxmlformats.org/presentationml/2006/main">
+  <p:cSld>
+    <p:spTree>
+      <p:nvGrpSpPr>
+        <p:cNvPr id="1" name=""/>
+        <p:cNvGrpSpPr/>
+        <p:nvPr/>
+      </p:nvGrpSpPr>
+      <p:grpSpPr>
+        <a:xfrm>
+          <a:off x="0" y="0"/>
+          <a:ext cx="0" cy="0"/>
+          <a:chOff x="0" y="0"/>
+          <a:chExt cx="0" cy="0"/>
+        </a:xfrm>
+      </p:grpSpPr>
+      <p:sp>
+        <p:nvSpPr>
+          <p:cNvPr id="2" name="Title 1"/>
+          <p:cNvSpPr>
+            <a:spLocks noGrp="1"/>
+          </p:cNvSpPr>
+          <p:nvPr>
+            <p:ph type="title"/>
+          </p:nvPr>
+        </p:nvSpPr>
+        <p:spPr/>
+        <p:txBody>
+          <a:bodyPr/>
+          <a:lstStyle/>
+          <a:p>
+            <a:r>
+              <a:rPr lang="en-US" dirty="0" smtClean="0"/>
+              <a:t>Summary</a:t>
+            </a:r>
+            <a:endParaRPr lang="en-US" dirty="0"/>
+          </a:p>
+        </p:txBody>
+      </p:sp>
+      <p:sp>
+        <p:nvSpPr>
+          <p:cNvPr id="3" name="Content Placeholder 2"/>
+          <p:cNvSpPr>
+            <a:spLocks noGrp="1"/>
+          </p:cNvSpPr>
+          <p:nvPr>
+            <p:ph sz="quarter" idx="13"/>
+          </p:nvPr>
+        </p:nvSpPr>
+        <p:spPr/>
+        <p:txBody>
+          <a:bodyPr/>
+          <a:lstStyle/>
+          <a:p>
+            <a:r>
+              <a:rPr lang="en-US" dirty="0" smtClean="0"/>
+              <a:t>SIMD.JS bridges the hardware/software gap for JavaScript programs</a:t>
+            </a:r>
+          </a:p>
+          <a:p>
+            <a:r>
+              <a:rPr lang="en-US" dirty="0" smtClean="0"/>
+              <a:t>SIMD.JS makes ~4x speedup of performance critical code possible</a:t>
+            </a:r>
+          </a:p>
+          <a:p>
+            <a:r>
+              <a:rPr lang="en-US" dirty="0" smtClean="0"/>
+              <a:t>Emscripten now compiles SIMD C++ vector code</a:t>
+            </a:r>
+          </a:p>
+          <a:p>
+            <a:r>
+              <a:rPr lang="en-US" dirty="0" smtClean="0"/>
+              <a:t>The performance gap between native C/C++ code and JavaScript code keeps getting smaller</a:t>
+            </a:r>
+          </a:p>
+          <a:p>
+            <a:r>
+              <a:rPr lang="en-US" dirty="0" smtClean="0"/>
+              <a:t>HTML5/JavaScript is rapidly becoming a viable cross platform</a:t>
+            </a:r>
+            <a:endParaRPr lang="en-US" dirty="0"/>
+          </a:p>
+        </p:txBody>
+      </p:sp>
+      <p:sp>
+        <p:nvSpPr>
+          <p:cNvPr id="4" name="TextBox 3"/>
+          <p:cNvSpPr txBox="1"/>
+          <p:nvPr/>
+        </p:nvSpPr>
+        <p:spPr>
+          <a:xfrm>
+            <a:off x="1089263" y="4987439"/>
+            <a:ext cx="10007124" cy="923330"/>
+          </a:xfrm>
+          <a:prstGeom prst="rect">
+            <a:avLst/>
+          </a:prstGeom>
+          <a:solidFill>
+            <a:srgbClr val="FF0000"/>
+          </a:solidFill>
+          <a:effectLst>
+            <a:reflection blurRad="6350" stA="50000" endA="300" endPos="55000" dir="5400000" sy="-100000" algn="bl" rotWithShape="0"/>
+          </a:effectLst>
+          <a:scene3d>
+            <a:camera prst="orthographicFront"/>
+            <a:lightRig rig="threePt" dir="t"/>
+          </a:scene3d>
+          <a:sp3d>
+            <a:bevelT/>
+          </a:sp3d>
+        </p:spPr>
+        <p:txBody>
+          <a:bodyPr wrap="square" tIns="182880" bIns="182880" rtlCol="0">
+            <a:spAutoFit/>
+          </a:bodyPr>
+          <a:lstStyle/>
+          <a:p>
+            <a:pPr algn="ctr"/>
+            <a:r>
+              <a:rPr lang="en-US" sz="3600" b="1" dirty="0" smtClean="0">
+                <a:solidFill>
+                  <a:schemeClr val="bg1"/>
+                </a:solidFill>
+                <a:cs typeface="Neo Sans Intel"/>
+              </a:rPr>
+              <a:t>THANK YOU </a:t>
+            </a:r>
+            <a:endParaRPr lang="en-US" sz="3600" b="1" dirty="0" smtClean="0">
+              <a:solidFill>
+                <a:schemeClr val="bg1"/>
+              </a:solidFill>
+              <a:cs typeface="Neo Sans Intel"/>
+            </a:endParaRPr>
+          </a:p>
+        </p:txBody>
+      </p:sp>
+    </p:spTree>
+    <p:extLst>
+      <p:ext uri="{BB962C8B-B14F-4D97-AF65-F5344CB8AC3E}">
+        <p14:creationId xmlns:p14="http://schemas.microsoft.com/office/powerpoint/2010/main" val="638239788"/>
+      </p:ext>
+    </p:extLst>
+  </p:cSld>
+  <p:clrMapOvr>
+    <a:masterClrMapping/>
+  </p:clrMapOvr>
+</p:sld>
+</file>
+
+<file path=ppt/slides/slide26.xml><?xml version="1.0" encoding="utf-8"?>
+<p:sld xmlns:a="http://schemas.openxmlformats.org/drawingml/2006/main" xmlns:r="http://schemas.openxmlformats.org/officeDocument/2006/relationships" xmlns:p="http://schemas.openxmlformats.org/presentationml/2006/main">
+  <p:cSld>
+    <p:spTree>
+      <p:nvGrpSpPr>
+        <p:cNvPr id="1" name=""/>
+        <p:cNvGrpSpPr/>
+        <p:nvPr/>
+      </p:nvGrpSpPr>
+      <p:grpSpPr>
+        <a:xfrm>
+          <a:off x="0" y="0"/>
+          <a:ext cx="0" cy="0"/>
+          <a:chOff x="0" y="0"/>
+          <a:chExt cx="0" cy="0"/>
+        </a:xfrm>
+      </p:grpSpPr>
+      <p:sp>
+        <p:nvSpPr>
+          <p:cNvPr id="2" name="Title 1"/>
+          <p:cNvSpPr>
+            <a:spLocks noGrp="1"/>
+          </p:cNvSpPr>
+          <p:nvPr>
+            <p:ph type="title"/>
+          </p:nvPr>
+        </p:nvSpPr>
+        <p:spPr/>
+        <p:txBody>
+          <a:bodyPr/>
+          <a:lstStyle/>
+          <a:p>
+            <a:r>
+              <a:rPr lang="en-US" dirty="0" smtClean="0"/>
+              <a:t>References</a:t>
+            </a:r>
+            <a:endParaRPr lang="en-US" dirty="0"/>
+          </a:p>
+        </p:txBody>
+      </p:sp>
+      <p:sp>
+        <p:nvSpPr>
+          <p:cNvPr id="3" name="Content Placeholder 2"/>
+          <p:cNvSpPr>
+            <a:spLocks noGrp="1"/>
+          </p:cNvSpPr>
+          <p:nvPr>
+            <p:ph sz="quarter" idx="13"/>
+          </p:nvPr>
+        </p:nvSpPr>
+        <p:spPr/>
+        <p:txBody>
+          <a:bodyPr/>
+          <a:lstStyle/>
+          <a:p>
+            <a:r>
+              <a:rPr lang="en-US" dirty="0" smtClean="0"/>
+              <a:t>SIMD.JS </a:t>
+            </a:r>
+            <a:r>
+              <a:rPr lang="en-US" dirty="0" err="1" smtClean="0"/>
+              <a:t>polyfill</a:t>
+            </a:r>
+            <a:r>
+              <a:rPr lang="en-US" dirty="0" smtClean="0"/>
+              <a:t>/spec and handwritten JS benchmarks:</a:t>
+            </a:r>
+          </a:p>
+          <a:p>
+            <a:pPr lvl="1"/>
+            <a:r>
+              <a:rPr lang="en-US" dirty="0">
+                <a:hlinkClick r:id="rId2"/>
+              </a:rPr>
+              <a:t>https://github.com/johnmccutchan/ecmascript_simd</a:t>
+            </a:r>
+            <a:endParaRPr lang="en-US" dirty="0" smtClean="0"/>
+          </a:p>
+          <a:p>
+            <a:r>
+              <a:rPr lang="en-US" dirty="0" smtClean="0"/>
+              <a:t>Emscripten:</a:t>
+            </a:r>
+          </a:p>
+          <a:p>
+            <a:pPr lvl="1"/>
+            <a:r>
+              <a:rPr lang="en-US" dirty="0">
+                <a:hlinkClick r:id="rId3"/>
+              </a:rPr>
+              <a:t>https://</a:t>
+            </a:r>
+            <a:r>
+              <a:rPr lang="en-US" dirty="0" smtClean="0">
+                <a:hlinkClick r:id="rId3"/>
+              </a:rPr>
+              <a:t>github.com/kripken/emscripten/wiki</a:t>
+            </a:r>
+            <a:endParaRPr lang="en-US" dirty="0" smtClean="0"/>
+          </a:p>
+          <a:p>
+            <a:r>
+              <a:rPr lang="en-US" dirty="0" smtClean="0"/>
+              <a:t>C++ benchmarks:</a:t>
+            </a:r>
+          </a:p>
+          <a:p>
+            <a:pPr lvl="1"/>
+            <a:r>
+              <a:rPr lang="en-US" dirty="0">
+                <a:hlinkClick r:id="rId4"/>
+              </a:rPr>
+              <a:t>https://</a:t>
+            </a:r>
+            <a:r>
+              <a:rPr lang="en-US" dirty="0" smtClean="0">
+                <a:hlinkClick r:id="rId4"/>
+              </a:rPr>
+              <a:t>github.com/PeterJensen/benchcpp</a:t>
+            </a:r>
+            <a:endParaRPr lang="en-US" dirty="0" smtClean="0"/>
+          </a:p>
+          <a:p>
+            <a:r>
+              <a:rPr lang="en-US" dirty="0" smtClean="0"/>
+              <a:t>This Presentation:</a:t>
+            </a:r>
+          </a:p>
+          <a:p>
+            <a:pPr lvl="1"/>
+            <a:r>
+              <a:rPr lang="en-US" dirty="0">
+                <a:hlinkClick r:id="rId5"/>
+              </a:rPr>
+              <a:t>https://github.com/PeterJensen/wpmvp2015</a:t>
+            </a:r>
+            <a:endParaRPr lang="en-US" dirty="0"/>
+          </a:p>
+          <a:p>
+            <a:endParaRPr lang="en-US" dirty="0"/>
+          </a:p>
+        </p:txBody>
+      </p:sp>
+    </p:spTree>
+    <p:extLst>
+      <p:ext uri="{BB962C8B-B14F-4D97-AF65-F5344CB8AC3E}">
+        <p14:creationId xmlns:p14="http://schemas.microsoft.com/office/powerpoint/2010/main" val="3178510465"/>
       </p:ext>
     </p:extLst>
   </p:cSld>
@@ -10988,7 +13670,26 @@
               <a:rPr lang="en-US" dirty="0" err="1" smtClean="0"/>
               <a:t>intrinsics</a:t>
             </a:r>
-            <a:endParaRPr lang="en-US" dirty="0"/>
+            <a:endParaRPr lang="en-US" dirty="0" smtClean="0"/>
+          </a:p>
+          <a:p>
+            <a:pPr marL="342900" indent="-342900">
+              <a:buFont typeface="Arial" panose="020B0604020202020204" pitchFamily="34" charset="0"/>
+              <a:buChar char="•"/>
+            </a:pPr>
+            <a:r>
+              <a:rPr lang="en-US" b="1" dirty="0" smtClean="0"/>
+              <a:t>Standardization (TC39) underway for inclusion of SIMD.JS in </a:t>
+            </a:r>
+            <a:r>
+              <a:rPr lang="en-US" b="1" dirty="0" err="1" smtClean="0"/>
+              <a:t>EcmaScript</a:t>
+            </a:r>
+            <a:r>
+              <a:rPr lang="en-US" b="1" dirty="0" smtClean="0"/>
+              <a:t> 7</a:t>
+            </a:r>
+            <a:endParaRPr lang="en-US" b="1" dirty="0"/>
           </a:p>
         </p:txBody>
       </p:sp>

--- a/simdjs-presentation.pptx
+++ b/simdjs-presentation.pptx
@@ -4,6 +4,9 @@
   <p:sldMasterIdLst>
     <p:sldMasterId id="2147483660" r:id="rId1"/>
   </p:sldMasterIdLst>
+  <p:notesMasterIdLst>
+    <p:notesMasterId r:id="rId28"/>
+  </p:notesMasterIdLst>
   <p:sldIdLst>
     <p:sldId id="256" r:id="rId2"/>
     <p:sldId id="257" r:id="rId3"/>
@@ -137,6 +140,356 @@
 </p:presentation>
 </file>
 
+<file path=ppt/notesMasters/notesMaster1.xml><?xml version="1.0" encoding="utf-8"?>
+<p:notesMaster xmlns:a="http://schemas.openxmlformats.org/drawingml/2006/main" xmlns:r="http://schemas.openxmlformats.org/officeDocument/2006/relationships" xmlns:p="http://schemas.openxmlformats.org/presentationml/2006/main">
+  <p:cSld>
+    <p:bg>
+      <p:bgRef idx="1001">
+        <a:schemeClr val="bg1"/>
+      </p:bgRef>
+    </p:bg>
+    <p:spTree>
+      <p:nvGrpSpPr>
+        <p:cNvPr id="1" name=""/>
+        <p:cNvGrpSpPr/>
+        <p:nvPr/>
+      </p:nvGrpSpPr>
+      <p:grpSpPr>
+        <a:xfrm>
+          <a:off x="0" y="0"/>
+          <a:ext cx="0" cy="0"/>
+          <a:chOff x="0" y="0"/>
+          <a:chExt cx="0" cy="0"/>
+        </a:xfrm>
+      </p:grpSpPr>
+      <p:sp>
+        <p:nvSpPr>
+          <p:cNvPr id="2" name="Header Placeholder 1"/>
+          <p:cNvSpPr>
+            <a:spLocks noGrp="1"/>
+          </p:cNvSpPr>
+          <p:nvPr>
+            <p:ph type="hdr" sz="quarter"/>
+          </p:nvPr>
+        </p:nvSpPr>
+        <p:spPr>
+          <a:xfrm>
+            <a:off x="0" y="0"/>
+            <a:ext cx="2971800" cy="458788"/>
+          </a:xfrm>
+          <a:prstGeom prst="rect">
+            <a:avLst/>
+          </a:prstGeom>
+        </p:spPr>
+        <p:txBody>
+          <a:bodyPr vert="horz" lIns="91440" tIns="45720" rIns="91440" bIns="45720" rtlCol="0"/>
+          <a:lstStyle>
+            <a:lvl1pPr algn="l">
+              <a:defRPr sz="1200"/>
+            </a:lvl1pPr>
+          </a:lstStyle>
+          <a:p>
+            <a:endParaRPr lang="en-US"/>
+          </a:p>
+        </p:txBody>
+      </p:sp>
+      <p:sp>
+        <p:nvSpPr>
+          <p:cNvPr id="3" name="Date Placeholder 2"/>
+          <p:cNvSpPr>
+            <a:spLocks noGrp="1"/>
+          </p:cNvSpPr>
+          <p:nvPr>
+            <p:ph type="dt" idx="1"/>
+          </p:nvPr>
+        </p:nvSpPr>
+        <p:spPr>
+          <a:xfrm>
+            <a:off x="3884613" y="0"/>
+            <a:ext cx="2971800" cy="458788"/>
+          </a:xfrm>
+          <a:prstGeom prst="rect">
+            <a:avLst/>
+          </a:prstGeom>
+        </p:spPr>
+        <p:txBody>
+          <a:bodyPr vert="horz" lIns="91440" tIns="45720" rIns="91440" bIns="45720" rtlCol="0"/>
+          <a:lstStyle>
+            <a:lvl1pPr algn="r">
+              <a:defRPr sz="1200"/>
+            </a:lvl1pPr>
+          </a:lstStyle>
+          <a:p>
+            <a:fld id="{7D54951D-F8AE-4273-8166-A1D979EF51AD}" type="datetimeFigureOut">
+              <a:rPr lang="en-US" smtClean="0"/>
+              <a:t>2/7/2015</a:t>
+            </a:fld>
+            <a:endParaRPr lang="en-US"/>
+          </a:p>
+        </p:txBody>
+      </p:sp>
+      <p:sp>
+        <p:nvSpPr>
+          <p:cNvPr id="4" name="Slide Image Placeholder 3"/>
+          <p:cNvSpPr>
+            <a:spLocks noGrp="1" noRot="1" noChangeAspect="1"/>
+          </p:cNvSpPr>
+          <p:nvPr>
+            <p:ph type="sldImg" idx="2"/>
+          </p:nvPr>
+        </p:nvSpPr>
+        <p:spPr>
+          <a:xfrm>
+            <a:off x="685800" y="1143000"/>
+            <a:ext cx="5486400" cy="3086100"/>
+          </a:xfrm>
+          <a:prstGeom prst="rect">
+            <a:avLst/>
+          </a:prstGeom>
+          <a:noFill/>
+          <a:ln w="12700">
+            <a:solidFill>
+              <a:prstClr val="black"/>
+            </a:solidFill>
+          </a:ln>
+        </p:spPr>
+        <p:txBody>
+          <a:bodyPr vert="horz" lIns="91440" tIns="45720" rIns="91440" bIns="45720" rtlCol="0" anchor="ctr"/>
+          <a:lstStyle/>
+          <a:p>
+            <a:endParaRPr lang="en-US"/>
+          </a:p>
+        </p:txBody>
+      </p:sp>
+      <p:sp>
+        <p:nvSpPr>
+          <p:cNvPr id="5" name="Notes Placeholder 4"/>
+          <p:cNvSpPr>
+            <a:spLocks noGrp="1"/>
+          </p:cNvSpPr>
+          <p:nvPr>
+            <p:ph type="body" sz="quarter" idx="3"/>
+          </p:nvPr>
+        </p:nvSpPr>
+        <p:spPr>
+          <a:xfrm>
+            <a:off x="685800" y="4400550"/>
+            <a:ext cx="5486400" cy="3600450"/>
+          </a:xfrm>
+          <a:prstGeom prst="rect">
+            <a:avLst/>
+          </a:prstGeom>
+        </p:spPr>
+        <p:txBody>
+          <a:bodyPr vert="horz" lIns="91440" tIns="45720" rIns="91440" bIns="45720" rtlCol="0"/>
+          <a:lstStyle/>
+          <a:p>
+            <a:pPr lvl="0"/>
+            <a:r>
+              <a:rPr lang="en-US" smtClean="0"/>
+              <a:t>Click to edit Master text styles</a:t>
+            </a:r>
+          </a:p>
+          <a:p>
+            <a:pPr lvl="1"/>
+            <a:r>
+              <a:rPr lang="en-US" smtClean="0"/>
+              <a:t>Second level</a:t>
+            </a:r>
+          </a:p>
+          <a:p>
+            <a:pPr lvl="2"/>
+            <a:r>
+              <a:rPr lang="en-US" smtClean="0"/>
+              <a:t>Third level</a:t>
+            </a:r>
+          </a:p>
+          <a:p>
+            <a:pPr lvl="3"/>
+            <a:r>
+              <a:rPr lang="en-US" smtClean="0"/>
+              <a:t>Fourth level</a:t>
+            </a:r>
+          </a:p>
+          <a:p>
+            <a:pPr lvl="4"/>
+            <a:r>
+              <a:rPr lang="en-US" smtClean="0"/>
+              <a:t>Fifth level</a:t>
+            </a:r>
+            <a:endParaRPr lang="en-US"/>
+          </a:p>
+        </p:txBody>
+      </p:sp>
+      <p:sp>
+        <p:nvSpPr>
+          <p:cNvPr id="6" name="Footer Placeholder 5"/>
+          <p:cNvSpPr>
+            <a:spLocks noGrp="1"/>
+          </p:cNvSpPr>
+          <p:nvPr>
+            <p:ph type="ftr" sz="quarter" idx="4"/>
+          </p:nvPr>
+        </p:nvSpPr>
+        <p:spPr>
+          <a:xfrm>
+            <a:off x="0" y="8685213"/>
+            <a:ext cx="2971800" cy="458787"/>
+          </a:xfrm>
+          <a:prstGeom prst="rect">
+            <a:avLst/>
+          </a:prstGeom>
+        </p:spPr>
+        <p:txBody>
+          <a:bodyPr vert="horz" lIns="91440" tIns="45720" rIns="91440" bIns="45720" rtlCol="0" anchor="b"/>
+          <a:lstStyle>
+            <a:lvl1pPr algn="l">
+              <a:defRPr sz="1200"/>
+            </a:lvl1pPr>
+          </a:lstStyle>
+          <a:p>
+            <a:endParaRPr lang="en-US"/>
+          </a:p>
+        </p:txBody>
+      </p:sp>
+      <p:sp>
+        <p:nvSpPr>
+          <p:cNvPr id="7" name="Slide Number Placeholder 6"/>
+          <p:cNvSpPr>
+            <a:spLocks noGrp="1"/>
+          </p:cNvSpPr>
+          <p:nvPr>
+            <p:ph type="sldNum" sz="quarter" idx="5"/>
+          </p:nvPr>
+        </p:nvSpPr>
+        <p:spPr>
+          <a:xfrm>
+            <a:off x="3884613" y="8685213"/>
+            <a:ext cx="2971800" cy="458787"/>
+          </a:xfrm>
+          <a:prstGeom prst="rect">
+            <a:avLst/>
+          </a:prstGeom>
+        </p:spPr>
+        <p:txBody>
+          <a:bodyPr vert="horz" lIns="91440" tIns="45720" rIns="91440" bIns="45720" rtlCol="0" anchor="b"/>
+          <a:lstStyle>
+            <a:lvl1pPr algn="r">
+              <a:defRPr sz="1200"/>
+            </a:lvl1pPr>
+          </a:lstStyle>
+          <a:p>
+            <a:fld id="{DBCD5687-4D87-433D-953F-C8E5AB76F55C}" type="slidenum">
+              <a:rPr lang="en-US" smtClean="0"/>
+              <a:t>‹#›</a:t>
+            </a:fld>
+            <a:endParaRPr lang="en-US"/>
+          </a:p>
+        </p:txBody>
+      </p:sp>
+    </p:spTree>
+    <p:extLst>
+      <p:ext uri="{BB962C8B-B14F-4D97-AF65-F5344CB8AC3E}">
+        <p14:creationId xmlns:p14="http://schemas.microsoft.com/office/powerpoint/2010/main" val="2705275553"/>
+      </p:ext>
+    </p:extLst>
+  </p:cSld>
+  <p:clrMap bg1="lt1" tx1="dk1" bg2="lt2" tx2="dk2" accent1="accent1" accent2="accent2" accent3="accent3" accent4="accent4" accent5="accent5" accent6="accent6" hlink="hlink" folHlink="folHlink"/>
+  <p:notesStyle>
+    <a:lvl1pPr marL="0" algn="l" defTabSz="914400" rtl="0" eaLnBrk="1" latinLnBrk="0" hangingPunct="1">
+      <a:defRPr sz="1200" kern="1200">
+        <a:solidFill>
+          <a:schemeClr val="tx1"/>
+        </a:solidFill>
+        <a:latin typeface="+mn-lt"/>
+        <a:ea typeface="+mn-ea"/>
+        <a:cs typeface="+mn-cs"/>
+      </a:defRPr>
+    </a:lvl1pPr>
+    <a:lvl2pPr marL="457200" algn="l" defTabSz="914400" rtl="0" eaLnBrk="1" latinLnBrk="0" hangingPunct="1">
+      <a:defRPr sz="1200" kern="1200">
+        <a:solidFill>
+          <a:schemeClr val="tx1"/>
+        </a:solidFill>
+        <a:latin typeface="+mn-lt"/>
+        <a:ea typeface="+mn-ea"/>
+        <a:cs typeface="+mn-cs"/>
+      </a:defRPr>
+    </a:lvl2pPr>
+    <a:lvl3pPr marL="914400" algn="l" defTabSz="914400" rtl="0" eaLnBrk="1" latinLnBrk="0" hangingPunct="1">
+      <a:defRPr sz="1200" kern="1200">
+        <a:solidFill>
+          <a:schemeClr val="tx1"/>
+        </a:solidFill>
+        <a:latin typeface="+mn-lt"/>
+        <a:ea typeface="+mn-ea"/>
+        <a:cs typeface="+mn-cs"/>
+      </a:defRPr>
+    </a:lvl3pPr>
+    <a:lvl4pPr marL="1371600" algn="l" defTabSz="914400" rtl="0" eaLnBrk="1" latinLnBrk="0" hangingPunct="1">
+      <a:defRPr sz="1200" kern="1200">
+        <a:solidFill>
+          <a:schemeClr val="tx1"/>
+        </a:solidFill>
+        <a:latin typeface="+mn-lt"/>
+        <a:ea typeface="+mn-ea"/>
+        <a:cs typeface="+mn-cs"/>
+      </a:defRPr>
+    </a:lvl4pPr>
+    <a:lvl5pPr marL="1828800" algn="l" defTabSz="914400" rtl="0" eaLnBrk="1" latinLnBrk="0" hangingPunct="1">
+      <a:defRPr sz="1200" kern="1200">
+        <a:solidFill>
+          <a:schemeClr val="tx1"/>
+        </a:solidFill>
+        <a:latin typeface="+mn-lt"/>
+        <a:ea typeface="+mn-ea"/>
+        <a:cs typeface="+mn-cs"/>
+      </a:defRPr>
+    </a:lvl5pPr>
+    <a:lvl6pPr marL="2286000" algn="l" defTabSz="914400" rtl="0" eaLnBrk="1" latinLnBrk="0" hangingPunct="1">
+      <a:defRPr sz="1200" kern="1200">
+        <a:solidFill>
+          <a:schemeClr val="tx1"/>
+        </a:solidFill>
+        <a:latin typeface="+mn-lt"/>
+        <a:ea typeface="+mn-ea"/>
+        <a:cs typeface="+mn-cs"/>
+      </a:defRPr>
+    </a:lvl6pPr>
+    <a:lvl7pPr marL="2743200" algn="l" defTabSz="914400" rtl="0" eaLnBrk="1" latinLnBrk="0" hangingPunct="1">
+      <a:defRPr sz="1200" kern="1200">
+        <a:solidFill>
+          <a:schemeClr val="tx1"/>
+        </a:solidFill>
+        <a:latin typeface="+mn-lt"/>
+        <a:ea typeface="+mn-ea"/>
+        <a:cs typeface="+mn-cs"/>
+      </a:defRPr>
+    </a:lvl7pPr>
+    <a:lvl8pPr marL="3200400" algn="l" defTabSz="914400" rtl="0" eaLnBrk="1" latinLnBrk="0" hangingPunct="1">
+      <a:defRPr sz="1200" kern="1200">
+        <a:solidFill>
+          <a:schemeClr val="tx1"/>
+        </a:solidFill>
+        <a:latin typeface="+mn-lt"/>
+        <a:ea typeface="+mn-ea"/>
+        <a:cs typeface="+mn-cs"/>
+      </a:defRPr>
+    </a:lvl8pPr>
+    <a:lvl9pPr marL="3657600" algn="l" defTabSz="914400" rtl="0" eaLnBrk="1" latinLnBrk="0" hangingPunct="1">
+      <a:defRPr sz="1200" kern="1200">
+        <a:solidFill>
+          <a:schemeClr val="tx1"/>
+        </a:solidFill>
+        <a:latin typeface="+mn-lt"/>
+        <a:ea typeface="+mn-ea"/>
+        <a:cs typeface="+mn-cs"/>
+      </a:defRPr>
+    </a:lvl9pPr>
+  </p:notesStyle>
+</p:notesMaster>
+</file>
+
 <file path=ppt/slideLayouts/slideLayout1.xml><?xml version="1.0" encoding="utf-8"?>
 <p:sldLayout xmlns:a="http://schemas.openxmlformats.org/drawingml/2006/main" xmlns:r="http://schemas.openxmlformats.org/officeDocument/2006/relationships" xmlns:p="http://schemas.openxmlformats.org/presentationml/2006/main" showMasterSp="0" type="title" preserve="1">
   <p:cSld name="Title Slide">
@@ -370,7 +723,7 @@
           <a:noFill/>
           <a:extLst>
             <a:ext uri="{909E8E84-426E-40dd-AFC4-6F175D3DCCD1}">
-              <a14:hiddenFill xmlns:a14="http://schemas.microsoft.com/office/drawing/2010/main" xmlns="">
+              <a14:hiddenFill xmlns="" xmlns:a14="http://schemas.microsoft.com/office/drawing/2010/main">
                 <a:solidFill>
                   <a:srgbClr val="FFFFFF"/>
                 </a:solidFill>
@@ -411,7 +764,7 @@
           <a:noFill/>
           <a:extLst>
             <a:ext uri="{909E8E84-426E-40dd-AFC4-6F175D3DCCD1}">
-              <a14:hiddenFill xmlns:a14="http://schemas.microsoft.com/office/drawing/2010/main" xmlns="">
+              <a14:hiddenFill xmlns="" xmlns:a14="http://schemas.microsoft.com/office/drawing/2010/main">
                 <a:solidFill>
                   <a:srgbClr val="FFFFFF"/>
                 </a:solidFill>
@@ -734,7 +1087,7 @@
           <a:noFill/>
           <a:extLst>
             <a:ext uri="{909E8E84-426E-40dd-AFC4-6F175D3DCCD1}">
-              <a14:hiddenFill xmlns:a14="http://schemas.microsoft.com/office/drawing/2010/main" xmlns="">
+              <a14:hiddenFill xmlns="" xmlns:a14="http://schemas.microsoft.com/office/drawing/2010/main">
                 <a:solidFill>
                   <a:srgbClr val="FFFFFF"/>
                 </a:solidFill>
@@ -1020,7 +1373,7 @@
           <a:noFill/>
           <a:extLst>
             <a:ext uri="{909E8E84-426E-40dd-AFC4-6F175D3DCCD1}">
-              <a14:hiddenFill xmlns:a14="http://schemas.microsoft.com/office/drawing/2010/main" xmlns="">
+              <a14:hiddenFill xmlns="" xmlns:a14="http://schemas.microsoft.com/office/drawing/2010/main">
                 <a:solidFill>
                   <a:srgbClr val="FFFFFF"/>
                 </a:solidFill>
@@ -1629,7 +1982,7 @@
           <a:noFill/>
           <a:extLst>
             <a:ext uri="{909E8E84-426E-40dd-AFC4-6F175D3DCCD1}">
-              <a14:hiddenFill xmlns:a14="http://schemas.microsoft.com/office/drawing/2010/main" xmlns="">
+              <a14:hiddenFill xmlns="" xmlns:a14="http://schemas.microsoft.com/office/drawing/2010/main">
                 <a:solidFill>
                   <a:srgbClr val="FFFFFF"/>
                 </a:solidFill>
@@ -2567,7 +2920,7 @@
           <a:noFill/>
           <a:extLst>
             <a:ext uri="{909E8E84-426E-40dd-AFC4-6F175D3DCCD1}">
-              <a14:hiddenFill xmlns:a14="http://schemas.microsoft.com/office/drawing/2010/main" xmlns="">
+              <a14:hiddenFill xmlns="" xmlns:a14="http://schemas.microsoft.com/office/drawing/2010/main">
                 <a:solidFill>
                   <a:srgbClr val="FFFFFF"/>
                 </a:solidFill>
@@ -2674,7 +3027,7 @@
               <a:rPr lang="en-US" smtClean="0"/>
               <a:t>‹#›</a:t>
             </a:fld>
-            <a:endParaRPr lang="en-US"/>
+            <a:endParaRPr lang="en-US" dirty="0"/>
           </a:p>
         </p:txBody>
       </p:sp>
@@ -2802,6 +3155,7 @@
       </p:par>
     </p:tnLst>
   </p:timing>
+  <p:hf hdr="0" ftr="0" dt="0"/>
 </p:sldLayout>
 </file>
 
@@ -3000,6 +3354,7 @@
       </p:par>
     </p:tnLst>
   </p:timing>
+  <p:hf hdr="0" ftr="0" dt="0"/>
 </p:sldLayout>
 </file>
 
@@ -4661,7 +5016,7 @@
           <a:noFill/>
           <a:extLst>
             <a:ext uri="{909E8E84-426E-40dd-AFC4-6F175D3DCCD1}">
-              <a14:hiddenFill xmlns:a14="http://schemas.microsoft.com/office/drawing/2010/main" xmlns="">
+              <a14:hiddenFill xmlns="" xmlns:a14="http://schemas.microsoft.com/office/drawing/2010/main">
                 <a:solidFill>
                   <a:srgbClr val="FFFFFF"/>
                 </a:solidFill>
@@ -5686,6 +6041,29 @@
           </a:p>
         </p:txBody>
       </p:sp>
+      <p:sp>
+        <p:nvSpPr>
+          <p:cNvPr id="4" name="Slide Number Placeholder 3"/>
+          <p:cNvSpPr>
+            <a:spLocks noGrp="1"/>
+          </p:cNvSpPr>
+          <p:nvPr>
+            <p:ph type="sldNum" sz="quarter" idx="12"/>
+          </p:nvPr>
+        </p:nvSpPr>
+        <p:spPr/>
+        <p:txBody>
+          <a:bodyPr/>
+          <a:lstStyle/>
+          <a:p>
+            <a:fld id="{A0C5CCEE-D03D-489F-97ED-FB0A92A5761D}" type="slidenum">
+              <a:rPr lang="en-US" smtClean="0"/>
+              <a:t>10</a:t>
+            </a:fld>
+            <a:endParaRPr lang="en-US" dirty="0"/>
+          </a:p>
+        </p:txBody>
+      </p:sp>
     </p:spTree>
     <p:extLst>
       <p:ext uri="{BB962C8B-B14F-4D97-AF65-F5344CB8AC3E}">
@@ -7289,6 +7667,29 @@
           </a:p>
         </p:txBody>
       </p:sp>
+      <p:sp>
+        <p:nvSpPr>
+          <p:cNvPr id="3" name="Slide Number Placeholder 2"/>
+          <p:cNvSpPr>
+            <a:spLocks noGrp="1"/>
+          </p:cNvSpPr>
+          <p:nvPr>
+            <p:ph type="sldNum" sz="quarter" idx="12"/>
+          </p:nvPr>
+        </p:nvSpPr>
+        <p:spPr/>
+        <p:txBody>
+          <a:bodyPr/>
+          <a:lstStyle/>
+          <a:p>
+            <a:fld id="{A0C5CCEE-D03D-489F-97ED-FB0A92A5761D}" type="slidenum">
+              <a:rPr lang="en-US" smtClean="0"/>
+              <a:t>11</a:t>
+            </a:fld>
+            <a:endParaRPr lang="en-US" dirty="0"/>
+          </a:p>
+        </p:txBody>
+      </p:sp>
     </p:spTree>
     <p:extLst>
       <p:ext uri="{BB962C8B-B14F-4D97-AF65-F5344CB8AC3E}">
@@ -7439,6 +7840,29 @@
           </a:p>
         </p:txBody>
       </p:sp>
+      <p:sp>
+        <p:nvSpPr>
+          <p:cNvPr id="4" name="Slide Number Placeholder 3"/>
+          <p:cNvSpPr>
+            <a:spLocks noGrp="1"/>
+          </p:cNvSpPr>
+          <p:nvPr>
+            <p:ph type="sldNum" sz="quarter" idx="12"/>
+          </p:nvPr>
+        </p:nvSpPr>
+        <p:spPr/>
+        <p:txBody>
+          <a:bodyPr/>
+          <a:lstStyle/>
+          <a:p>
+            <a:fld id="{A0C5CCEE-D03D-489F-97ED-FB0A92A5761D}" type="slidenum">
+              <a:rPr lang="en-US" smtClean="0"/>
+              <a:t>12</a:t>
+            </a:fld>
+            <a:endParaRPr lang="en-US" dirty="0"/>
+          </a:p>
+        </p:txBody>
+      </p:sp>
     </p:spTree>
     <p:extLst>
       <p:ext uri="{BB962C8B-B14F-4D97-AF65-F5344CB8AC3E}">
@@ -7592,6 +8016,29 @@
           </a:p>
         </p:txBody>
       </p:sp>
+      <p:sp>
+        <p:nvSpPr>
+          <p:cNvPr id="4" name="Slide Number Placeholder 3"/>
+          <p:cNvSpPr>
+            <a:spLocks noGrp="1"/>
+          </p:cNvSpPr>
+          <p:nvPr>
+            <p:ph type="sldNum" sz="quarter" idx="12"/>
+          </p:nvPr>
+        </p:nvSpPr>
+        <p:spPr/>
+        <p:txBody>
+          <a:bodyPr/>
+          <a:lstStyle/>
+          <a:p>
+            <a:fld id="{A0C5CCEE-D03D-489F-97ED-FB0A92A5761D}" type="slidenum">
+              <a:rPr lang="en-US" smtClean="0"/>
+              <a:t>13</a:t>
+            </a:fld>
+            <a:endParaRPr lang="en-US" dirty="0"/>
+          </a:p>
+        </p:txBody>
+      </p:sp>
     </p:spTree>
     <p:extLst>
       <p:ext uri="{BB962C8B-B14F-4D97-AF65-F5344CB8AC3E}">
@@ -7857,6 +8304,29 @@
           </a:p>
         </p:txBody>
       </p:sp>
+      <p:sp>
+        <p:nvSpPr>
+          <p:cNvPr id="4" name="Slide Number Placeholder 3"/>
+          <p:cNvSpPr>
+            <a:spLocks noGrp="1"/>
+          </p:cNvSpPr>
+          <p:nvPr>
+            <p:ph type="sldNum" sz="quarter" idx="12"/>
+          </p:nvPr>
+        </p:nvSpPr>
+        <p:spPr/>
+        <p:txBody>
+          <a:bodyPr/>
+          <a:lstStyle/>
+          <a:p>
+            <a:fld id="{A0C5CCEE-D03D-489F-97ED-FB0A92A5761D}" type="slidenum">
+              <a:rPr lang="en-US" smtClean="0"/>
+              <a:t>14</a:t>
+            </a:fld>
+            <a:endParaRPr lang="en-US" dirty="0"/>
+          </a:p>
+        </p:txBody>
+      </p:sp>
     </p:spTree>
     <p:extLst>
       <p:ext uri="{BB962C8B-B14F-4D97-AF65-F5344CB8AC3E}">
@@ -7948,15 +8418,7 @@
             </a:pPr>
             <a:r>
               <a:rPr lang="en-US" dirty="0" smtClean="0"/>
-              <a:t>Bitwise-Or zero (</a:t>
-            </a:r>
-            <a:r>
-              <a:rPr lang="en-US" dirty="0" smtClean="0"/>
-              <a:t>expr|0</a:t>
-            </a:r>
-            <a:r>
-              <a:rPr lang="en-US" dirty="0" smtClean="0"/>
-              <a:t>) used to indicate 32-bit signed </a:t>
+              <a:t>Bitwise-Or zero (expr|0) used to indicate 32-bit signed </a:t>
             </a:r>
             <a:r>
               <a:rPr lang="en-US" dirty="0" err="1" smtClean="0"/>
@@ -8569,6 +9031,29 @@
           <a:p>
             <a:pPr algn="ctr"/>
             <a:endParaRPr lang="en-US"/>
+          </a:p>
+        </p:txBody>
+      </p:sp>
+      <p:sp>
+        <p:nvSpPr>
+          <p:cNvPr id="10" name="Slide Number Placeholder 9"/>
+          <p:cNvSpPr>
+            <a:spLocks noGrp="1"/>
+          </p:cNvSpPr>
+          <p:nvPr>
+            <p:ph type="sldNum" sz="quarter" idx="12"/>
+          </p:nvPr>
+        </p:nvSpPr>
+        <p:spPr/>
+        <p:txBody>
+          <a:bodyPr/>
+          <a:lstStyle/>
+          <a:p>
+            <a:fld id="{A0C5CCEE-D03D-489F-97ED-FB0A92A5761D}" type="slidenum">
+              <a:rPr lang="en-US" smtClean="0"/>
+              <a:t>15</a:t>
+            </a:fld>
+            <a:endParaRPr lang="en-US" dirty="0"/>
           </a:p>
         </p:txBody>
       </p:sp>
@@ -8806,6 +9291,29 @@
           </a:prstGeom>
         </p:spPr>
       </p:pic>
+      <p:sp>
+        <p:nvSpPr>
+          <p:cNvPr id="5" name="Slide Number Placeholder 4"/>
+          <p:cNvSpPr>
+            <a:spLocks noGrp="1"/>
+          </p:cNvSpPr>
+          <p:nvPr>
+            <p:ph type="sldNum" sz="quarter" idx="12"/>
+          </p:nvPr>
+        </p:nvSpPr>
+        <p:spPr/>
+        <p:txBody>
+          <a:bodyPr/>
+          <a:lstStyle/>
+          <a:p>
+            <a:fld id="{A0C5CCEE-D03D-489F-97ED-FB0A92A5761D}" type="slidenum">
+              <a:rPr lang="en-US" smtClean="0"/>
+              <a:t>16</a:t>
+            </a:fld>
+            <a:endParaRPr lang="en-US" dirty="0"/>
+          </a:p>
+        </p:txBody>
+      </p:sp>
     </p:spTree>
     <p:extLst>
       <p:ext uri="{BB962C8B-B14F-4D97-AF65-F5344CB8AC3E}">
@@ -8899,6 +9407,29 @@
               <a:rPr lang="en-US" dirty="0" smtClean="0"/>
               <a:t>SIMD.JS enables Emscripten to fully utilize these highly optimized C/C++ code sequences</a:t>
             </a:r>
+            <a:endParaRPr lang="en-US" dirty="0"/>
+          </a:p>
+        </p:txBody>
+      </p:sp>
+      <p:sp>
+        <p:nvSpPr>
+          <p:cNvPr id="4" name="Slide Number Placeholder 3"/>
+          <p:cNvSpPr>
+            <a:spLocks noGrp="1"/>
+          </p:cNvSpPr>
+          <p:nvPr>
+            <p:ph type="sldNum" sz="quarter" idx="12"/>
+          </p:nvPr>
+        </p:nvSpPr>
+        <p:spPr/>
+        <p:txBody>
+          <a:bodyPr/>
+          <a:lstStyle/>
+          <a:p>
+            <a:fld id="{A0C5CCEE-D03D-489F-97ED-FB0A92A5761D}" type="slidenum">
+              <a:rPr lang="en-US" smtClean="0"/>
+              <a:t>17</a:t>
+            </a:fld>
             <a:endParaRPr lang="en-US" dirty="0"/>
           </a:p>
         </p:txBody>
@@ -10050,6 +10581,29 @@
           </p:txBody>
         </p:sp>
       </p:grpSp>
+      <p:sp>
+        <p:nvSpPr>
+          <p:cNvPr id="16" name="Slide Number Placeholder 15"/>
+          <p:cNvSpPr>
+            <a:spLocks noGrp="1"/>
+          </p:cNvSpPr>
+          <p:nvPr>
+            <p:ph type="sldNum" sz="quarter" idx="12"/>
+          </p:nvPr>
+        </p:nvSpPr>
+        <p:spPr/>
+        <p:txBody>
+          <a:bodyPr/>
+          <a:lstStyle/>
+          <a:p>
+            <a:fld id="{A0C5CCEE-D03D-489F-97ED-FB0A92A5761D}" type="slidenum">
+              <a:rPr lang="en-US" smtClean="0"/>
+              <a:t>18</a:t>
+            </a:fld>
+            <a:endParaRPr lang="en-US" dirty="0"/>
+          </a:p>
+        </p:txBody>
+      </p:sp>
     </p:spTree>
     <p:extLst>
       <p:ext uri="{BB962C8B-B14F-4D97-AF65-F5344CB8AC3E}">
@@ -10248,6 +10802,29 @@
           </a:p>
         </p:txBody>
       </p:sp>
+      <p:sp>
+        <p:nvSpPr>
+          <p:cNvPr id="4" name="Slide Number Placeholder 3"/>
+          <p:cNvSpPr>
+            <a:spLocks noGrp="1"/>
+          </p:cNvSpPr>
+          <p:nvPr>
+            <p:ph type="sldNum" sz="quarter" idx="12"/>
+          </p:nvPr>
+        </p:nvSpPr>
+        <p:spPr/>
+        <p:txBody>
+          <a:bodyPr/>
+          <a:lstStyle/>
+          <a:p>
+            <a:fld id="{A0C5CCEE-D03D-489F-97ED-FB0A92A5761D}" type="slidenum">
+              <a:rPr lang="en-US" smtClean="0"/>
+              <a:t>19</a:t>
+            </a:fld>
+            <a:endParaRPr lang="en-US" dirty="0"/>
+          </a:p>
+        </p:txBody>
+      </p:sp>
     </p:spTree>
     <p:extLst>
       <p:ext uri="{BB962C8B-B14F-4D97-AF65-F5344CB8AC3E}">
@@ -10372,11 +10949,7 @@
             </a:pPr>
             <a:r>
               <a:rPr lang="en-US" dirty="0" smtClean="0"/>
-              <a:t>Benchmark </a:t>
-            </a:r>
-            <a:r>
-              <a:rPr lang="en-US" dirty="0" smtClean="0"/>
-              <a:t>Results</a:t>
+              <a:t>Benchmark Results</a:t>
             </a:r>
           </a:p>
           <a:p>
@@ -10389,6 +10962,29 @@
               <a:t>Summary</a:t>
             </a:r>
             <a:endParaRPr lang="en-US" dirty="0"/>
+          </a:p>
+        </p:txBody>
+      </p:sp>
+      <p:sp>
+        <p:nvSpPr>
+          <p:cNvPr id="2" name="Slide Number Placeholder 1"/>
+          <p:cNvSpPr>
+            <a:spLocks noGrp="1"/>
+          </p:cNvSpPr>
+          <p:nvPr>
+            <p:ph type="sldNum" sz="quarter" idx="12"/>
+          </p:nvPr>
+        </p:nvSpPr>
+        <p:spPr/>
+        <p:txBody>
+          <a:bodyPr/>
+          <a:lstStyle/>
+          <a:p>
+            <a:fld id="{A0C5CCEE-D03D-489F-97ED-FB0A92A5761D}" type="slidenum">
+              <a:rPr lang="en-US" smtClean="0"/>
+              <a:t>2</a:t>
+            </a:fld>
+            <a:endParaRPr lang="en-US"/>
           </a:p>
         </p:txBody>
       </p:sp>
@@ -10757,13 +11353,6 @@
                 </a:rPr>
                 <a:t>}</a:t>
               </a:r>
-              <a:endParaRPr lang="en-US" sz="1600" dirty="0" smtClean="0">
-                <a:solidFill>
-                  <a:schemeClr val="tx2"/>
-                </a:solidFill>
-                <a:latin typeface="Lucida Console" panose="020B0609040504020204" pitchFamily="49" charset="0"/>
-                <a:cs typeface="Neo Sans Intel"/>
-              </a:endParaRPr>
             </a:p>
           </p:txBody>
         </p:sp>
@@ -10798,12 +11387,6 @@
                 </a:rPr>
                 <a:t>Scalar JavaScript</a:t>
               </a:r>
-              <a:endParaRPr lang="en-US" sz="2400" u="sng" dirty="0" smtClean="0">
-                <a:solidFill>
-                  <a:schemeClr val="tx2"/>
-                </a:solidFill>
-                <a:cs typeface="Neo Sans Intel"/>
-              </a:endParaRPr>
             </a:p>
           </p:txBody>
         </p:sp>
@@ -11130,13 +11713,6 @@
                 </a:rPr>
                 <a:t>}</a:t>
               </a:r>
-              <a:endParaRPr lang="en-US" sz="1600" dirty="0" smtClean="0">
-                <a:solidFill>
-                  <a:schemeClr val="tx2"/>
-                </a:solidFill>
-                <a:latin typeface="Lucida Console" panose="020B0609040504020204" pitchFamily="49" charset="0"/>
-                <a:cs typeface="Neo Sans Intel"/>
-              </a:endParaRPr>
             </a:p>
           </p:txBody>
         </p:sp>
@@ -11171,16 +11747,33 @@
                 </a:rPr>
                 <a:t>SIMD JavaScript</a:t>
               </a:r>
-              <a:endParaRPr lang="en-US" sz="2400" u="sng" dirty="0" smtClean="0">
-                <a:solidFill>
-                  <a:schemeClr val="tx2"/>
-                </a:solidFill>
-                <a:cs typeface="Neo Sans Intel"/>
-              </a:endParaRPr>
             </a:p>
           </p:txBody>
         </p:sp>
       </p:grpSp>
+      <p:sp>
+        <p:nvSpPr>
+          <p:cNvPr id="3" name="Slide Number Placeholder 2"/>
+          <p:cNvSpPr>
+            <a:spLocks noGrp="1"/>
+          </p:cNvSpPr>
+          <p:nvPr>
+            <p:ph type="sldNum" sz="quarter" idx="12"/>
+          </p:nvPr>
+        </p:nvSpPr>
+        <p:spPr/>
+        <p:txBody>
+          <a:bodyPr/>
+          <a:lstStyle/>
+          <a:p>
+            <a:fld id="{A0C5CCEE-D03D-489F-97ED-FB0A92A5761D}" type="slidenum">
+              <a:rPr lang="en-US" smtClean="0"/>
+              <a:t>20</a:t>
+            </a:fld>
+            <a:endParaRPr lang="en-US" dirty="0"/>
+          </a:p>
+        </p:txBody>
+      </p:sp>
     </p:spTree>
     <p:extLst>
       <p:ext uri="{BB962C8B-B14F-4D97-AF65-F5344CB8AC3E}">
@@ -11439,13 +12032,6 @@
               </a:rPr>
               <a:t>}</a:t>
             </a:r>
-            <a:endParaRPr lang="en-US" sz="1600" dirty="0" smtClean="0">
-              <a:solidFill>
-                <a:schemeClr val="tx2"/>
-              </a:solidFill>
-              <a:latin typeface="Lucida Console" panose="020B0609040504020204" pitchFamily="49" charset="0"/>
-              <a:cs typeface="Neo Sans Intel"/>
-            </a:endParaRPr>
           </a:p>
         </p:txBody>
       </p:sp>
@@ -11480,12 +12066,6 @@
               </a:rPr>
               <a:t>Scalar C++</a:t>
             </a:r>
-            <a:endParaRPr lang="en-US" sz="2400" u="sng" dirty="0" smtClean="0">
-              <a:solidFill>
-                <a:schemeClr val="tx2"/>
-              </a:solidFill>
-              <a:cs typeface="Neo Sans Intel"/>
-            </a:endParaRPr>
           </a:p>
         </p:txBody>
       </p:sp>
@@ -11913,12 +12493,29 @@
               </a:rPr>
               <a:t>SIMD C++</a:t>
             </a:r>
-            <a:endParaRPr lang="en-US" sz="2400" u="sng" dirty="0" smtClean="0">
-              <a:solidFill>
-                <a:schemeClr val="tx2"/>
-              </a:solidFill>
-              <a:cs typeface="Neo Sans Intel"/>
-            </a:endParaRPr>
+          </a:p>
+        </p:txBody>
+      </p:sp>
+      <p:sp>
+        <p:nvSpPr>
+          <p:cNvPr id="3" name="Slide Number Placeholder 2"/>
+          <p:cNvSpPr>
+            <a:spLocks noGrp="1"/>
+          </p:cNvSpPr>
+          <p:nvPr>
+            <p:ph type="sldNum" sz="quarter" idx="12"/>
+          </p:nvPr>
+        </p:nvSpPr>
+        <p:spPr/>
+        <p:txBody>
+          <a:bodyPr/>
+          <a:lstStyle/>
+          <a:p>
+            <a:fld id="{A0C5CCEE-D03D-489F-97ED-FB0A92A5761D}" type="slidenum">
+              <a:rPr lang="en-US" smtClean="0"/>
+              <a:t>21</a:t>
+            </a:fld>
+            <a:endParaRPr lang="en-US" dirty="0"/>
           </a:p>
         </p:txBody>
       </p:sp>
@@ -12099,12 +12696,29 @@
               </a:rPr>
               <a:t> most likely due to slower scalar kernel as well.</a:t>
             </a:r>
-            <a:endParaRPr lang="en-US" sz="2400" dirty="0" smtClean="0">
-              <a:solidFill>
-                <a:schemeClr val="tx2"/>
-              </a:solidFill>
-              <a:cs typeface="Neo Sans Intel"/>
-            </a:endParaRPr>
+          </a:p>
+        </p:txBody>
+      </p:sp>
+      <p:sp>
+        <p:nvSpPr>
+          <p:cNvPr id="3" name="Slide Number Placeholder 2"/>
+          <p:cNvSpPr>
+            <a:spLocks noGrp="1"/>
+          </p:cNvSpPr>
+          <p:nvPr>
+            <p:ph type="sldNum" sz="quarter" idx="12"/>
+          </p:nvPr>
+        </p:nvSpPr>
+        <p:spPr/>
+        <p:txBody>
+          <a:bodyPr/>
+          <a:lstStyle/>
+          <a:p>
+            <a:fld id="{A0C5CCEE-D03D-489F-97ED-FB0A92A5761D}" type="slidenum">
+              <a:rPr lang="en-US" smtClean="0"/>
+              <a:t>22</a:t>
+            </a:fld>
+            <a:endParaRPr lang="en-US" dirty="0"/>
           </a:p>
         </p:txBody>
       </p:sp>
@@ -12237,12 +12851,6 @@
               </a:rPr>
               <a:t>Average JS performance is roughly 60% of native C++</a:t>
             </a:r>
-            <a:endParaRPr lang="en-US" sz="2400" b="1" dirty="0" smtClean="0">
-              <a:solidFill>
-                <a:schemeClr val="tx2"/>
-              </a:solidFill>
-              <a:cs typeface="Neo Sans Intel"/>
-            </a:endParaRPr>
           </a:p>
           <a:p>
             <a:pPr marL="342900" indent="-342900">
@@ -12345,6 +12953,29 @@
               </a:solidFill>
               <a:cs typeface="Neo Sans Intel"/>
             </a:endParaRPr>
+          </a:p>
+        </p:txBody>
+      </p:sp>
+      <p:sp>
+        <p:nvSpPr>
+          <p:cNvPr id="3" name="Slide Number Placeholder 2"/>
+          <p:cNvSpPr>
+            <a:spLocks noGrp="1"/>
+          </p:cNvSpPr>
+          <p:nvPr>
+            <p:ph type="sldNum" sz="quarter" idx="12"/>
+          </p:nvPr>
+        </p:nvSpPr>
+        <p:spPr/>
+        <p:txBody>
+          <a:bodyPr/>
+          <a:lstStyle/>
+          <a:p>
+            <a:fld id="{A0C5CCEE-D03D-489F-97ED-FB0A92A5761D}" type="slidenum">
+              <a:rPr lang="en-US" smtClean="0"/>
+              <a:t>23</a:t>
+            </a:fld>
+            <a:endParaRPr lang="en-US" dirty="0"/>
           </a:p>
         </p:txBody>
       </p:sp>
@@ -12537,6 +13168,29 @@
           </a:p>
         </p:txBody>
       </p:sp>
+      <p:sp>
+        <p:nvSpPr>
+          <p:cNvPr id="3" name="Slide Number Placeholder 2"/>
+          <p:cNvSpPr>
+            <a:spLocks noGrp="1"/>
+          </p:cNvSpPr>
+          <p:nvPr>
+            <p:ph type="sldNum" sz="quarter" idx="12"/>
+          </p:nvPr>
+        </p:nvSpPr>
+        <p:spPr/>
+        <p:txBody>
+          <a:bodyPr/>
+          <a:lstStyle/>
+          <a:p>
+            <a:fld id="{A0C5CCEE-D03D-489F-97ED-FB0A92A5761D}" type="slidenum">
+              <a:rPr lang="en-US" smtClean="0"/>
+              <a:t>24</a:t>
+            </a:fld>
+            <a:endParaRPr lang="en-US" dirty="0"/>
+          </a:p>
+        </p:txBody>
+      </p:sp>
     </p:spTree>
     <p:extLst>
       <p:ext uri="{BB962C8B-B14F-4D97-AF65-F5344CB8AC3E}">
@@ -12681,12 +13335,29 @@
               </a:rPr>
               <a:t>THANK YOU </a:t>
             </a:r>
-            <a:endParaRPr lang="en-US" sz="3600" b="1" dirty="0" smtClean="0">
-              <a:solidFill>
-                <a:schemeClr val="bg1"/>
-              </a:solidFill>
-              <a:cs typeface="Neo Sans Intel"/>
-            </a:endParaRPr>
+          </a:p>
+        </p:txBody>
+      </p:sp>
+      <p:sp>
+        <p:nvSpPr>
+          <p:cNvPr id="5" name="Slide Number Placeholder 4"/>
+          <p:cNvSpPr>
+            <a:spLocks noGrp="1"/>
+          </p:cNvSpPr>
+          <p:nvPr>
+            <p:ph type="sldNum" sz="quarter" idx="12"/>
+          </p:nvPr>
+        </p:nvSpPr>
+        <p:spPr/>
+        <p:txBody>
+          <a:bodyPr/>
+          <a:lstStyle/>
+          <a:p>
+            <a:fld id="{A0C5CCEE-D03D-489F-97ED-FB0A92A5761D}" type="slidenum">
+              <a:rPr lang="en-US" smtClean="0"/>
+              <a:t>25</a:t>
+            </a:fld>
+            <a:endParaRPr lang="en-US" dirty="0"/>
           </a:p>
         </p:txBody>
       </p:sp>
@@ -12846,6 +13517,29 @@
           </a:p>
         </p:txBody>
       </p:sp>
+      <p:sp>
+        <p:nvSpPr>
+          <p:cNvPr id="4" name="Slide Number Placeholder 3"/>
+          <p:cNvSpPr>
+            <a:spLocks noGrp="1"/>
+          </p:cNvSpPr>
+          <p:nvPr>
+            <p:ph type="sldNum" sz="quarter" idx="12"/>
+          </p:nvPr>
+        </p:nvSpPr>
+        <p:spPr/>
+        <p:txBody>
+          <a:bodyPr/>
+          <a:lstStyle/>
+          <a:p>
+            <a:fld id="{A0C5CCEE-D03D-489F-97ED-FB0A92A5761D}" type="slidenum">
+              <a:rPr lang="en-US" smtClean="0"/>
+              <a:t>26</a:t>
+            </a:fld>
+            <a:endParaRPr lang="en-US" dirty="0"/>
+          </a:p>
+        </p:txBody>
+      </p:sp>
     </p:spTree>
     <p:extLst>
       <p:ext uri="{BB962C8B-B14F-4D97-AF65-F5344CB8AC3E}">
@@ -12929,6 +13623,29 @@
           </a:prstGeom>
         </p:spPr>
       </p:pic>
+      <p:sp>
+        <p:nvSpPr>
+          <p:cNvPr id="3" name="Slide Number Placeholder 2"/>
+          <p:cNvSpPr>
+            <a:spLocks noGrp="1"/>
+          </p:cNvSpPr>
+          <p:nvPr>
+            <p:ph type="sldNum" sz="quarter" idx="12"/>
+          </p:nvPr>
+        </p:nvSpPr>
+        <p:spPr/>
+        <p:txBody>
+          <a:bodyPr/>
+          <a:lstStyle/>
+          <a:p>
+            <a:fld id="{A0C5CCEE-D03D-489F-97ED-FB0A92A5761D}" type="slidenum">
+              <a:rPr lang="en-US" smtClean="0"/>
+              <a:t>3</a:t>
+            </a:fld>
+            <a:endParaRPr lang="en-US" dirty="0"/>
+          </a:p>
+        </p:txBody>
+      </p:sp>
     </p:spTree>
     <p:extLst>
       <p:ext uri="{BB962C8B-B14F-4D97-AF65-F5344CB8AC3E}">
@@ -13125,6 +13842,29 @@
           </a:prstGeom>
         </p:spPr>
       </p:pic>
+      <p:sp>
+        <p:nvSpPr>
+          <p:cNvPr id="4" name="Slide Number Placeholder 3"/>
+          <p:cNvSpPr>
+            <a:spLocks noGrp="1"/>
+          </p:cNvSpPr>
+          <p:nvPr>
+            <p:ph type="sldNum" sz="quarter" idx="12"/>
+          </p:nvPr>
+        </p:nvSpPr>
+        <p:spPr/>
+        <p:txBody>
+          <a:bodyPr/>
+          <a:lstStyle/>
+          <a:p>
+            <a:fld id="{A0C5CCEE-D03D-489F-97ED-FB0A92A5761D}" type="slidenum">
+              <a:rPr lang="en-US" smtClean="0"/>
+              <a:t>4</a:t>
+            </a:fld>
+            <a:endParaRPr lang="en-US" dirty="0"/>
+          </a:p>
+        </p:txBody>
+      </p:sp>
     </p:spTree>
     <p:extLst>
       <p:ext uri="{BB962C8B-B14F-4D97-AF65-F5344CB8AC3E}">
@@ -13261,6 +14001,29 @@
           </a:p>
         </p:txBody>
       </p:sp>
+      <p:sp>
+        <p:nvSpPr>
+          <p:cNvPr id="4" name="Slide Number Placeholder 3"/>
+          <p:cNvSpPr>
+            <a:spLocks noGrp="1"/>
+          </p:cNvSpPr>
+          <p:nvPr>
+            <p:ph type="sldNum" sz="quarter" idx="12"/>
+          </p:nvPr>
+        </p:nvSpPr>
+        <p:spPr/>
+        <p:txBody>
+          <a:bodyPr/>
+          <a:lstStyle/>
+          <a:p>
+            <a:fld id="{A0C5CCEE-D03D-489F-97ED-FB0A92A5761D}" type="slidenum">
+              <a:rPr lang="en-US" smtClean="0"/>
+              <a:t>5</a:t>
+            </a:fld>
+            <a:endParaRPr lang="en-US"/>
+          </a:p>
+        </p:txBody>
+      </p:sp>
     </p:spTree>
     <p:extLst>
       <p:ext uri="{BB962C8B-B14F-4D97-AF65-F5344CB8AC3E}">
@@ -13400,6 +14163,29 @@
               </a:rPr>
               <a:t>SIMD.JS/Emscripten will bridge this gap </a:t>
             </a:r>
+          </a:p>
+        </p:txBody>
+      </p:sp>
+      <p:sp>
+        <p:nvSpPr>
+          <p:cNvPr id="5" name="Slide Number Placeholder 4"/>
+          <p:cNvSpPr>
+            <a:spLocks noGrp="1"/>
+          </p:cNvSpPr>
+          <p:nvPr>
+            <p:ph type="sldNum" sz="quarter" idx="12"/>
+          </p:nvPr>
+        </p:nvSpPr>
+        <p:spPr/>
+        <p:txBody>
+          <a:bodyPr/>
+          <a:lstStyle/>
+          <a:p>
+            <a:fld id="{A0C5CCEE-D03D-489F-97ED-FB0A92A5761D}" type="slidenum">
+              <a:rPr lang="en-US" smtClean="0"/>
+              <a:t>6</a:t>
+            </a:fld>
+            <a:endParaRPr lang="en-US" dirty="0"/>
           </a:p>
         </p:txBody>
       </p:sp>
@@ -13516,6 +14302,29 @@
           </a:prstGeom>
         </p:spPr>
       </p:pic>
+      <p:sp>
+        <p:nvSpPr>
+          <p:cNvPr id="3" name="Slide Number Placeholder 2"/>
+          <p:cNvSpPr>
+            <a:spLocks noGrp="1"/>
+          </p:cNvSpPr>
+          <p:nvPr>
+            <p:ph type="sldNum" sz="quarter" idx="12"/>
+          </p:nvPr>
+        </p:nvSpPr>
+        <p:spPr/>
+        <p:txBody>
+          <a:bodyPr/>
+          <a:lstStyle/>
+          <a:p>
+            <a:fld id="{A0C5CCEE-D03D-489F-97ED-FB0A92A5761D}" type="slidenum">
+              <a:rPr lang="en-US" smtClean="0"/>
+              <a:t>7</a:t>
+            </a:fld>
+            <a:endParaRPr lang="en-US" dirty="0"/>
+          </a:p>
+        </p:txBody>
+      </p:sp>
     </p:spTree>
     <p:extLst>
       <p:ext uri="{BB962C8B-B14F-4D97-AF65-F5344CB8AC3E}">
@@ -13693,6 +14502,29 @@
           </a:p>
         </p:txBody>
       </p:sp>
+      <p:sp>
+        <p:nvSpPr>
+          <p:cNvPr id="4" name="Slide Number Placeholder 3"/>
+          <p:cNvSpPr>
+            <a:spLocks noGrp="1"/>
+          </p:cNvSpPr>
+          <p:nvPr>
+            <p:ph type="sldNum" sz="quarter" idx="12"/>
+          </p:nvPr>
+        </p:nvSpPr>
+        <p:spPr/>
+        <p:txBody>
+          <a:bodyPr/>
+          <a:lstStyle/>
+          <a:p>
+            <a:fld id="{A0C5CCEE-D03D-489F-97ED-FB0A92A5761D}" type="slidenum">
+              <a:rPr lang="en-US" smtClean="0"/>
+              <a:t>8</a:t>
+            </a:fld>
+            <a:endParaRPr lang="en-US"/>
+          </a:p>
+        </p:txBody>
+      </p:sp>
     </p:spTree>
     <p:extLst>
       <p:ext uri="{BB962C8B-B14F-4D97-AF65-F5344CB8AC3E}">
@@ -13776,6 +14608,29 @@
           </a:prstGeom>
         </p:spPr>
       </p:pic>
+      <p:sp>
+        <p:nvSpPr>
+          <p:cNvPr id="3" name="Slide Number Placeholder 2"/>
+          <p:cNvSpPr>
+            <a:spLocks noGrp="1"/>
+          </p:cNvSpPr>
+          <p:nvPr>
+            <p:ph type="sldNum" sz="quarter" idx="12"/>
+          </p:nvPr>
+        </p:nvSpPr>
+        <p:spPr/>
+        <p:txBody>
+          <a:bodyPr/>
+          <a:lstStyle/>
+          <a:p>
+            <a:fld id="{A0C5CCEE-D03D-489F-97ED-FB0A92A5761D}" type="slidenum">
+              <a:rPr lang="en-US" smtClean="0"/>
+              <a:t>9</a:t>
+            </a:fld>
+            <a:endParaRPr lang="en-US" dirty="0"/>
+          </a:p>
+        </p:txBody>
+      </p:sp>
     </p:spTree>
     <p:extLst>
       <p:ext uri="{BB962C8B-B14F-4D97-AF65-F5344CB8AC3E}">
@@ -14084,4 +14939,265 @@
   </a:objectDefaults>
   <a:extraClrSchemeLst/>
 </a:theme>
+</file>
+
+<file path=ppt/theme/theme2.xml><?xml version="1.0" encoding="utf-8"?>
+<a:theme xmlns:a="http://schemas.openxmlformats.org/drawingml/2006/main" name="Office Theme">
+  <a:themeElements>
+    <a:clrScheme name="Office">
+      <a:dk1>
+        <a:sysClr val="windowText" lastClr="000000"/>
+      </a:dk1>
+      <a:lt1>
+        <a:sysClr val="window" lastClr="FFFFFF"/>
+      </a:lt1>
+      <a:dk2>
+        <a:srgbClr val="44546A"/>
+      </a:dk2>
+      <a:lt2>
+        <a:srgbClr val="E7E6E6"/>
+      </a:lt2>
+      <a:accent1>
+        <a:srgbClr val="5B9BD5"/>
+      </a:accent1>
+      <a:accent2>
+        <a:srgbClr val="ED7D31"/>
+      </a:accent2>
+      <a:accent3>
+        <a:srgbClr val="A5A5A5"/>
+      </a:accent3>
+      <a:accent4>
+        <a:srgbClr val="FFC000"/>
+      </a:accent4>
+      <a:accent5>
+        <a:srgbClr val="4472C4"/>
+      </a:accent5>
+      <a:accent6>
+        <a:srgbClr val="70AD47"/>
+      </a:accent6>
+      <a:hlink>
+        <a:srgbClr val="0563C1"/>
+      </a:hlink>
+      <a:folHlink>
+        <a:srgbClr val="954F72"/>
+      </a:folHlink>
+    </a:clrScheme>
+    <a:fontScheme name="Office">
+      <a:majorFont>
+        <a:latin typeface="Calibri Light" panose="020F0302020204030204"/>
+        <a:ea typeface=""/>
+        <a:cs typeface=""/>
+        <a:font script="Jpan" typeface="ＭＳ Ｐゴシック"/>
+        <a:font script="Hang" typeface="맑은 고딕"/>
+        <a:font script="Hans" typeface="宋体"/>
+        <a:font script="Hant" typeface="新細明體"/>
+        <a:font script="Arab" typeface="Times New Roman"/>
+        <a:font script="Hebr" typeface="Times New Roman"/>
+        <a:font script="Thai" typeface="Angsana New"/>
+        <a:font script="Ethi" typeface="Nyala"/>
+        <a:font script="Beng" typeface="Vrinda"/>
+        <a:font script="Gujr" typeface="Shruti"/>
+        <a:font script="Khmr" typeface="MoolBoran"/>
+        <a:font script="Knda" typeface="Tunga"/>
+        <a:font script="Guru" typeface="Raavi"/>
+        <a:font script="Cans" typeface="Euphemia"/>
+        <a:font script="Cher" typeface="Plantagenet Cherokee"/>
+        <a:font script="Yiii" typeface="Microsoft Yi Baiti"/>
+        <a:font script="Tibt" typeface="Microsoft Himalaya"/>
+        <a:font script="Thaa" typeface="MV Boli"/>
+        <a:font script="Deva" typeface="Mangal"/>
+        <a:font script="Telu" typeface="Gautami"/>
+        <a:font script="Taml" typeface="Latha"/>
+        <a:font script="Syrc" typeface="Estrangelo Edessa"/>
+        <a:font script="Orya" typeface="Kalinga"/>
+        <a:font script="Mlym" typeface="Kartika"/>
+        <a:font script="Laoo" typeface="DokChampa"/>
+        <a:font script="Sinh" typeface="Iskoola Pota"/>
+        <a:font script="Mong" typeface="Mongolian Baiti"/>
+        <a:font script="Viet" typeface="Times New Roman"/>
+        <a:font script="Uigh" typeface="Microsoft Uighur"/>
+        <a:font script="Geor" typeface="Sylfaen"/>
+      </a:majorFont>
+      <a:minorFont>
+        <a:latin typeface="Calibri" panose="020F0502020204030204"/>
+        <a:ea typeface=""/>
+        <a:cs typeface=""/>
+        <a:font script="Jpan" typeface="ＭＳ Ｐゴシック"/>
+        <a:font script="Hang" typeface="맑은 고딕"/>
+        <a:font script="Hans" typeface="宋体"/>
+        <a:font script="Hant" typeface="新細明體"/>
+        <a:font script="Arab" typeface="Arial"/>
+        <a:font script="Hebr" typeface="Arial"/>
+        <a:font script="Thai" typeface="Cordia New"/>
+        <a:font script="Ethi" typeface="Nyala"/>
+        <a:font script="Beng" typeface="Vrinda"/>
+        <a:font script="Gujr" typeface="Shruti"/>
+        <a:font script="Khmr" typeface="DaunPenh"/>
+        <a:font script="Knda" typeface="Tunga"/>
+        <a:font script="Guru" typeface="Raavi"/>
+        <a:font script="Cans" typeface="Euphemia"/>
+        <a:font script="Cher" typeface="Plantagenet Cherokee"/>
+        <a:font script="Yiii" typeface="Microsoft Yi Baiti"/>
+        <a:font script="Tibt" typeface="Microsoft Himalaya"/>
+        <a:font script="Thaa" typeface="MV Boli"/>
+        <a:font script="Deva" typeface="Mangal"/>
+        <a:font script="Telu" typeface="Gautami"/>
+        <a:font script="Taml" typeface="Latha"/>
+        <a:font script="Syrc" typeface="Estrangelo Edessa"/>
+        <a:font script="Orya" typeface="Kalinga"/>
+        <a:font script="Mlym" typeface="Kartika"/>
+        <a:font script="Laoo" typeface="DokChampa"/>
+        <a:font script="Sinh" typeface="Iskoola Pota"/>
+        <a:font script="Mong" typeface="Mongolian Baiti"/>
+        <a:font script="Viet" typeface="Arial"/>
+        <a:font script="Uigh" typeface="Microsoft Uighur"/>
+        <a:font script="Geor" typeface="Sylfaen"/>
+      </a:minorFont>
+    </a:fontScheme>
+    <a:fmtScheme name="Office">
+      <a:fillStyleLst>
+        <a:solidFill>
+          <a:schemeClr val="phClr"/>
+        </a:solidFill>
+        <a:gradFill rotWithShape="1">
+          <a:gsLst>
+            <a:gs pos="0">
+              <a:schemeClr val="phClr">
+                <a:lumMod val="110000"/>
+                <a:satMod val="105000"/>
+                <a:tint val="67000"/>
+              </a:schemeClr>
+            </a:gs>
+            <a:gs pos="50000">
+              <a:schemeClr val="phClr">
+                <a:lumMod val="105000"/>
+                <a:satMod val="103000"/>
+                <a:tint val="73000"/>
+              </a:schemeClr>
+            </a:gs>
+            <a:gs pos="100000">
+              <a:schemeClr val="phClr">
+                <a:lumMod val="105000"/>
+                <a:satMod val="109000"/>
+                <a:tint val="81000"/>
+              </a:schemeClr>
+            </a:gs>
+          </a:gsLst>
+          <a:lin ang="5400000" scaled="0"/>
+        </a:gradFill>
+        <a:gradFill rotWithShape="1">
+          <a:gsLst>
+            <a:gs pos="0">
+              <a:schemeClr val="phClr">
+                <a:satMod val="103000"/>
+                <a:lumMod val="102000"/>
+                <a:tint val="94000"/>
+              </a:schemeClr>
+            </a:gs>
+            <a:gs pos="50000">
+              <a:schemeClr val="phClr">
+                <a:satMod val="110000"/>
+                <a:lumMod val="100000"/>
+                <a:shade val="100000"/>
+              </a:schemeClr>
+            </a:gs>
+            <a:gs pos="100000">
+              <a:schemeClr val="phClr">
+                <a:lumMod val="99000"/>
+                <a:satMod val="120000"/>
+                <a:shade val="78000"/>
+              </a:schemeClr>
+            </a:gs>
+          </a:gsLst>
+          <a:lin ang="5400000" scaled="0"/>
+        </a:gradFill>
+      </a:fillStyleLst>
+      <a:lnStyleLst>
+        <a:ln w="6350" cap="flat" cmpd="sng" algn="ctr">
+          <a:solidFill>
+            <a:schemeClr val="phClr"/>
+          </a:solidFill>
+          <a:prstDash val="solid"/>
+          <a:miter lim="800000"/>
+        </a:ln>
+        <a:ln w="12700" cap="flat" cmpd="sng" algn="ctr">
+          <a:solidFill>
+            <a:schemeClr val="phClr"/>
+          </a:solidFill>
+          <a:prstDash val="solid"/>
+          <a:miter lim="800000"/>
+        </a:ln>
+        <a:ln w="19050" cap="flat" cmpd="sng" algn="ctr">
+          <a:solidFill>
+            <a:schemeClr val="phClr"/>
+          </a:solidFill>
+          <a:prstDash val="solid"/>
+          <a:miter lim="800000"/>
+        </a:ln>
+      </a:lnStyleLst>
+      <a:effectStyleLst>
+        <a:effectStyle>
+          <a:effectLst/>
+        </a:effectStyle>
+        <a:effectStyle>
+          <a:effectLst/>
+        </a:effectStyle>
+        <a:effectStyle>
+          <a:effectLst>
+            <a:outerShdw blurRad="57150" dist="19050" dir="5400000" algn="ctr" rotWithShape="0">
+              <a:srgbClr val="000000">
+                <a:alpha val="63000"/>
+              </a:srgbClr>
+            </a:outerShdw>
+          </a:effectLst>
+        </a:effectStyle>
+      </a:effectStyleLst>
+      <a:bgFillStyleLst>
+        <a:solidFill>
+          <a:schemeClr val="phClr"/>
+        </a:solidFill>
+        <a:solidFill>
+          <a:schemeClr val="phClr">
+            <a:tint val="95000"/>
+            <a:satMod val="170000"/>
+          </a:schemeClr>
+        </a:solidFill>
+        <a:gradFill rotWithShape="1">
+          <a:gsLst>
+            <a:gs pos="0">
+              <a:schemeClr val="phClr">
+                <a:tint val="93000"/>
+                <a:satMod val="150000"/>
+                <a:shade val="98000"/>
+                <a:lumMod val="102000"/>
+              </a:schemeClr>
+            </a:gs>
+            <a:gs pos="50000">
+              <a:schemeClr val="phClr">
+                <a:tint val="98000"/>
+                <a:satMod val="130000"/>
+                <a:shade val="90000"/>
+                <a:lumMod val="103000"/>
+              </a:schemeClr>
+            </a:gs>
+            <a:gs pos="100000">
+              <a:schemeClr val="phClr">
+                <a:shade val="63000"/>
+                <a:satMod val="120000"/>
+              </a:schemeClr>
+            </a:gs>
+          </a:gsLst>
+          <a:lin ang="5400000" scaled="0"/>
+        </a:gradFill>
+      </a:bgFillStyleLst>
+    </a:fmtScheme>
+  </a:themeElements>
+  <a:objectDefaults/>
+  <a:extraClrSchemeLst/>
+  <a:extLst>
+    <a:ext uri="{05A4C25C-085E-4340-85A3-A5531E510DB2}">
+      <thm15:themeFamily xmlns:thm15="http://schemas.microsoft.com/office/thememl/2012/main" name="Office Theme" id="{62F939B6-93AF-4DB8-9C6B-D6C7DFDC589F}" vid="{4A3C46E8-61CC-4603-A589-7422A47A8E4A}"/>
+    </a:ext>
+  </a:extLst>
+</a:theme>
 </file>
--- a/simdjs-presentation.pptx
+++ b/simdjs-presentation.pptx
@@ -723,7 +723,7 @@
           <a:noFill/>
           <a:extLst>
             <a:ext uri="{909E8E84-426E-40dd-AFC4-6F175D3DCCD1}">
-              <a14:hiddenFill xmlns="" xmlns:a14="http://schemas.microsoft.com/office/drawing/2010/main">
+              <a14:hiddenFill xmlns:a14="http://schemas.microsoft.com/office/drawing/2010/main" xmlns="">
                 <a:solidFill>
                   <a:srgbClr val="FFFFFF"/>
                 </a:solidFill>
@@ -764,7 +764,7 @@
           <a:noFill/>
           <a:extLst>
             <a:ext uri="{909E8E84-426E-40dd-AFC4-6F175D3DCCD1}">
-              <a14:hiddenFill xmlns="" xmlns:a14="http://schemas.microsoft.com/office/drawing/2010/main">
+              <a14:hiddenFill xmlns:a14="http://schemas.microsoft.com/office/drawing/2010/main" xmlns="">
                 <a:solidFill>
                   <a:srgbClr val="FFFFFF"/>
                 </a:solidFill>
@@ -1087,7 +1087,7 @@
           <a:noFill/>
           <a:extLst>
             <a:ext uri="{909E8E84-426E-40dd-AFC4-6F175D3DCCD1}">
-              <a14:hiddenFill xmlns="" xmlns:a14="http://schemas.microsoft.com/office/drawing/2010/main">
+              <a14:hiddenFill xmlns:a14="http://schemas.microsoft.com/office/drawing/2010/main" xmlns="">
                 <a:solidFill>
                   <a:srgbClr val="FFFFFF"/>
                 </a:solidFill>
@@ -1373,7 +1373,7 @@
           <a:noFill/>
           <a:extLst>
             <a:ext uri="{909E8E84-426E-40dd-AFC4-6F175D3DCCD1}">
-              <a14:hiddenFill xmlns="" xmlns:a14="http://schemas.microsoft.com/office/drawing/2010/main">
+              <a14:hiddenFill xmlns:a14="http://schemas.microsoft.com/office/drawing/2010/main" xmlns="">
                 <a:solidFill>
                   <a:srgbClr val="FFFFFF"/>
                 </a:solidFill>
@@ -1982,7 +1982,7 @@
           <a:noFill/>
           <a:extLst>
             <a:ext uri="{909E8E84-426E-40dd-AFC4-6F175D3DCCD1}">
-              <a14:hiddenFill xmlns="" xmlns:a14="http://schemas.microsoft.com/office/drawing/2010/main">
+              <a14:hiddenFill xmlns:a14="http://schemas.microsoft.com/office/drawing/2010/main" xmlns="">
                 <a:solidFill>
                   <a:srgbClr val="FFFFFF"/>
                 </a:solidFill>
@@ -2920,7 +2920,7 @@
           <a:noFill/>
           <a:extLst>
             <a:ext uri="{909E8E84-426E-40dd-AFC4-6F175D3DCCD1}">
-              <a14:hiddenFill xmlns="" xmlns:a14="http://schemas.microsoft.com/office/drawing/2010/main">
+              <a14:hiddenFill xmlns:a14="http://schemas.microsoft.com/office/drawing/2010/main" xmlns="">
                 <a:solidFill>
                   <a:srgbClr val="FFFFFF"/>
                 </a:solidFill>
@@ -5016,7 +5016,7 @@
           <a:noFill/>
           <a:extLst>
             <a:ext uri="{909E8E84-426E-40dd-AFC4-6F175D3DCCD1}">
-              <a14:hiddenFill xmlns="" xmlns:a14="http://schemas.microsoft.com/office/drawing/2010/main">
+              <a14:hiddenFill xmlns:a14="http://schemas.microsoft.com/office/drawing/2010/main" xmlns="">
                 <a:solidFill>
                   <a:srgbClr val="FFFFFF"/>
                 </a:solidFill>
@@ -7810,7 +7810,15 @@
           <a:p>
             <a:r>
               <a:rPr lang="en-US" dirty="0" smtClean="0"/>
-              <a:t>Architecture specific extensions are in the works, for example</a:t>
+              <a:t>Architecture specific extensions are </a:t>
+            </a:r>
+            <a:r>
+              <a:rPr lang="en-US" dirty="0" smtClean="0"/>
+              <a:t>being discussed, </a:t>
+            </a:r>
+            <a:r>
+              <a:rPr lang="en-US" dirty="0" smtClean="0"/>
+              <a:t>for example</a:t>
             </a:r>
           </a:p>
           <a:p>
@@ -13285,7 +13293,19 @@
           <a:p>
             <a:r>
               <a:rPr lang="en-US" dirty="0" smtClean="0"/>
-              <a:t>HTML5/JavaScript is rapidly becoming a viable cross platform</a:t>
+              <a:t>HTML5/JavaScript </a:t>
+            </a:r>
+            <a:r>
+              <a:rPr lang="en-US" dirty="0" smtClean="0"/>
+              <a:t>becomes an increasingly capable</a:t>
+            </a:r>
+            <a:r>
+              <a:rPr lang="en-US" dirty="0" smtClean="0"/>
+              <a:t> </a:t>
+            </a:r>
+            <a:r>
+              <a:rPr lang="en-US" dirty="0" smtClean="0"/>
+              <a:t>cross platform</a:t>
             </a:r>
             <a:endParaRPr lang="en-US" dirty="0"/>
           </a:p>

--- a/simdjs-presentation.pptx
+++ b/simdjs-presentation.pptx
@@ -5,7 +5,7 @@
     <p:sldMasterId id="2147483660" r:id="rId1"/>
   </p:sldMasterIdLst>
   <p:notesMasterIdLst>
-    <p:notesMasterId r:id="rId28"/>
+    <p:notesMasterId r:id="rId29"/>
   </p:notesMasterIdLst>
   <p:sldIdLst>
     <p:sldId id="256" r:id="rId2"/>
@@ -34,6 +34,7 @@
     <p:sldId id="279" r:id="rId25"/>
     <p:sldId id="280" r:id="rId26"/>
     <p:sldId id="281" r:id="rId27"/>
+    <p:sldId id="282" r:id="rId28"/>
   </p:sldIdLst>
   <p:sldSz cx="12192000" cy="6858000"/>
   <p:notesSz cx="6858000" cy="9144000"/>
@@ -222,7 +223,7 @@
           <a:p>
             <a:fld id="{7D54951D-F8AE-4273-8166-A1D979EF51AD}" type="datetimeFigureOut">
               <a:rPr lang="en-US" smtClean="0"/>
-              <a:t>2/7/2015</a:t>
+              <a:t>2/8/2015</a:t>
             </a:fld>
             <a:endParaRPr lang="en-US"/>
           </a:p>
@@ -723,7 +724,7 @@
           <a:noFill/>
           <a:extLst>
             <a:ext uri="{909E8E84-426E-40dd-AFC4-6F175D3DCCD1}">
-              <a14:hiddenFill xmlns:a14="http://schemas.microsoft.com/office/drawing/2010/main" xmlns="">
+              <a14:hiddenFill xmlns="" xmlns:a14="http://schemas.microsoft.com/office/drawing/2010/main">
                 <a:solidFill>
                   <a:srgbClr val="FFFFFF"/>
                 </a:solidFill>
@@ -764,7 +765,7 @@
           <a:noFill/>
           <a:extLst>
             <a:ext uri="{909E8E84-426E-40dd-AFC4-6F175D3DCCD1}">
-              <a14:hiddenFill xmlns:a14="http://schemas.microsoft.com/office/drawing/2010/main" xmlns="">
+              <a14:hiddenFill xmlns="" xmlns:a14="http://schemas.microsoft.com/office/drawing/2010/main">
                 <a:solidFill>
                   <a:srgbClr val="FFFFFF"/>
                 </a:solidFill>
@@ -1087,7 +1088,7 @@
           <a:noFill/>
           <a:extLst>
             <a:ext uri="{909E8E84-426E-40dd-AFC4-6F175D3DCCD1}">
-              <a14:hiddenFill xmlns:a14="http://schemas.microsoft.com/office/drawing/2010/main" xmlns="">
+              <a14:hiddenFill xmlns="" xmlns:a14="http://schemas.microsoft.com/office/drawing/2010/main">
                 <a:solidFill>
                   <a:srgbClr val="FFFFFF"/>
                 </a:solidFill>
@@ -1373,7 +1374,7 @@
           <a:noFill/>
           <a:extLst>
             <a:ext uri="{909E8E84-426E-40dd-AFC4-6F175D3DCCD1}">
-              <a14:hiddenFill xmlns:a14="http://schemas.microsoft.com/office/drawing/2010/main" xmlns="">
+              <a14:hiddenFill xmlns="" xmlns:a14="http://schemas.microsoft.com/office/drawing/2010/main">
                 <a:solidFill>
                   <a:srgbClr val="FFFFFF"/>
                 </a:solidFill>
@@ -1719,7 +1720,7 @@
           <a:p>
             <a:fld id="{D7BAD4AB-A0C0-4804-835B-7CAD5144033B}" type="datetimeFigureOut">
               <a:rPr lang="en-US" smtClean="0"/>
-              <a:t>2/7/2015</a:t>
+              <a:t>2/8/2015</a:t>
             </a:fld>
             <a:endParaRPr lang="en-US"/>
           </a:p>
@@ -1821,7 +1822,7 @@
           <a:p>
             <a:fld id="{D7BAD4AB-A0C0-4804-835B-7CAD5144033B}" type="datetimeFigureOut">
               <a:rPr lang="en-US" smtClean="0"/>
-              <a:t>2/7/2015</a:t>
+              <a:t>2/8/2015</a:t>
             </a:fld>
             <a:endParaRPr lang="en-US"/>
           </a:p>
@@ -1982,7 +1983,7 @@
           <a:noFill/>
           <a:extLst>
             <a:ext uri="{909E8E84-426E-40dd-AFC4-6F175D3DCCD1}">
-              <a14:hiddenFill xmlns:a14="http://schemas.microsoft.com/office/drawing/2010/main" xmlns="">
+              <a14:hiddenFill xmlns="" xmlns:a14="http://schemas.microsoft.com/office/drawing/2010/main">
                 <a:solidFill>
                   <a:srgbClr val="FFFFFF"/>
                 </a:solidFill>
@@ -2920,7 +2921,7 @@
           <a:noFill/>
           <a:extLst>
             <a:ext uri="{909E8E84-426E-40dd-AFC4-6F175D3DCCD1}">
-              <a14:hiddenFill xmlns:a14="http://schemas.microsoft.com/office/drawing/2010/main" xmlns="">
+              <a14:hiddenFill xmlns="" xmlns:a14="http://schemas.microsoft.com/office/drawing/2010/main">
                 <a:solidFill>
                   <a:srgbClr val="FFFFFF"/>
                 </a:solidFill>
@@ -2983,7 +2984,7 @@
           <a:p>
             <a:fld id="{D7BAD4AB-A0C0-4804-835B-7CAD5144033B}" type="datetimeFigureOut">
               <a:rPr lang="en-US" smtClean="0"/>
-              <a:t>2/7/2015</a:t>
+              <a:t>2/8/2015</a:t>
             </a:fld>
             <a:endParaRPr lang="en-US"/>
           </a:p>
@@ -3193,7 +3194,7 @@
           <a:p>
             <a:fld id="{D7BAD4AB-A0C0-4804-835B-7CAD5144033B}" type="datetimeFigureOut">
               <a:rPr lang="en-US" smtClean="0"/>
-              <a:t>2/7/2015</a:t>
+              <a:t>2/8/2015</a:t>
             </a:fld>
             <a:endParaRPr lang="en-US"/>
           </a:p>
@@ -3428,7 +3429,7 @@
           <a:p>
             <a:fld id="{D7BAD4AB-A0C0-4804-835B-7CAD5144033B}" type="datetimeFigureOut">
               <a:rPr lang="en-US" smtClean="0"/>
-              <a:t>2/7/2015</a:t>
+              <a:t>2/8/2015</a:t>
             </a:fld>
             <a:endParaRPr lang="en-US"/>
           </a:p>
@@ -3883,7 +3884,7 @@
           <a:p>
             <a:fld id="{D7BAD4AB-A0C0-4804-835B-7CAD5144033B}" type="datetimeFigureOut">
               <a:rPr lang="en-US" smtClean="0"/>
-              <a:t>2/7/2015</a:t>
+              <a:t>2/8/2015</a:t>
             </a:fld>
             <a:endParaRPr lang="en-US"/>
           </a:p>
@@ -4134,7 +4135,7 @@
           <a:p>
             <a:fld id="{D7BAD4AB-A0C0-4804-835B-7CAD5144033B}" type="datetimeFigureOut">
               <a:rPr lang="en-US" smtClean="0"/>
-              <a:t>2/7/2015</a:t>
+              <a:t>2/8/2015</a:t>
             </a:fld>
             <a:endParaRPr lang="en-US"/>
           </a:p>
@@ -4344,7 +4345,7 @@
           <a:p>
             <a:fld id="{D7BAD4AB-A0C0-4804-835B-7CAD5144033B}" type="datetimeFigureOut">
               <a:rPr lang="en-US" smtClean="0"/>
-              <a:t>2/7/2015</a:t>
+              <a:t>2/8/2015</a:t>
             </a:fld>
             <a:endParaRPr lang="en-US"/>
           </a:p>
@@ -4785,7 +4786,7 @@
           <a:p>
             <a:fld id="{D7BAD4AB-A0C0-4804-835B-7CAD5144033B}" type="datetimeFigureOut">
               <a:rPr lang="en-US" smtClean="0"/>
-              <a:t>2/7/2015</a:t>
+              <a:t>2/8/2015</a:t>
             </a:fld>
             <a:endParaRPr lang="en-US"/>
           </a:p>
@@ -5016,7 +5017,7 @@
           <a:noFill/>
           <a:extLst>
             <a:ext uri="{909E8E84-426E-40dd-AFC4-6F175D3DCCD1}">
-              <a14:hiddenFill xmlns:a14="http://schemas.microsoft.com/office/drawing/2010/main" xmlns="">
+              <a14:hiddenFill xmlns="" xmlns:a14="http://schemas.microsoft.com/office/drawing/2010/main">
                 <a:solidFill>
                   <a:srgbClr val="FFFFFF"/>
                 </a:solidFill>
@@ -5164,7 +5165,7 @@
           <a:p>
             <a:fld id="{D7BAD4AB-A0C0-4804-835B-7CAD5144033B}" type="datetimeFigureOut">
               <a:rPr lang="en-US" smtClean="0"/>
-              <a:t>2/7/2015</a:t>
+              <a:t>2/8/2015</a:t>
             </a:fld>
             <a:endParaRPr lang="en-US"/>
           </a:p>
@@ -5632,8 +5633,13 @@
             </a:pPr>
             <a:r>
               <a:rPr lang="en-US" dirty="0" smtClean="0"/>
-              <a:t>Peter Jensen, Intel Corporation</a:t>
-            </a:r>
+              <a:t>Peter Jensen, Intel </a:t>
+            </a:r>
+            <a:r>
+              <a:rPr lang="en-US" dirty="0" smtClean="0"/>
+              <a:t>Corporation</a:t>
+            </a:r>
+            <a:endParaRPr lang="en-US" dirty="0" smtClean="0"/>
           </a:p>
           <a:p>
             <a:pPr>
@@ -7810,15 +7816,7 @@
           <a:p>
             <a:r>
               <a:rPr lang="en-US" dirty="0" smtClean="0"/>
-              <a:t>Architecture specific extensions are </a:t>
-            </a:r>
-            <a:r>
-              <a:rPr lang="en-US" dirty="0" smtClean="0"/>
-              <a:t>being discussed, </a:t>
-            </a:r>
-            <a:r>
-              <a:rPr lang="en-US" dirty="0" smtClean="0"/>
-              <a:t>for example</a:t>
+              <a:t>Architecture specific extensions are being discussed, for example</a:t>
             </a:r>
           </a:p>
           <a:p>
@@ -13293,19 +13291,7 @@
           <a:p>
             <a:r>
               <a:rPr lang="en-US" dirty="0" smtClean="0"/>
-              <a:t>HTML5/JavaScript </a:t>
-            </a:r>
-            <a:r>
-              <a:rPr lang="en-US" dirty="0" smtClean="0"/>
-              <a:t>becomes an increasingly capable</a:t>
-            </a:r>
-            <a:r>
-              <a:rPr lang="en-US" dirty="0" smtClean="0"/>
-              <a:t> </a:t>
-            </a:r>
-            <a:r>
-              <a:rPr lang="en-US" dirty="0" smtClean="0"/>
-              <a:t>cross platform</a:t>
+              <a:t>HTML5/JavaScript becomes an increasingly capable cross platform</a:t>
             </a:r>
             <a:endParaRPr lang="en-US" dirty="0"/>
           </a:p>
@@ -13519,8 +13505,13 @@
           <a:p>
             <a:r>
               <a:rPr lang="en-US" dirty="0" smtClean="0"/>
-              <a:t>This Presentation:</a:t>
-            </a:r>
+              <a:t>This </a:t>
+            </a:r>
+            <a:r>
+              <a:rPr lang="en-US" dirty="0" smtClean="0"/>
+              <a:t>Presentation and accompanying paper (contact info in paper):</a:t>
+            </a:r>
+            <a:endParaRPr lang="en-US" dirty="0" smtClean="0"/>
           </a:p>
           <a:p>
             <a:pPr lvl="1"/>
@@ -13564,6 +13555,36 @@
     <p:extLst>
       <p:ext uri="{BB962C8B-B14F-4D97-AF65-F5344CB8AC3E}">
         <p14:creationId xmlns:p14="http://schemas.microsoft.com/office/powerpoint/2010/main" val="3178510465"/>
+      </p:ext>
+    </p:extLst>
+  </p:cSld>
+  <p:clrMapOvr>
+    <a:masterClrMapping/>
+  </p:clrMapOvr>
+</p:sld>
+</file>
+
+<file path=ppt/slides/slide27.xml><?xml version="1.0" encoding="utf-8"?>
+<p:sld xmlns:a="http://schemas.openxmlformats.org/drawingml/2006/main" xmlns:r="http://schemas.openxmlformats.org/officeDocument/2006/relationships" xmlns:p="http://schemas.openxmlformats.org/presentationml/2006/main">
+  <p:cSld>
+    <p:spTree>
+      <p:nvGrpSpPr>
+        <p:cNvPr id="1" name=""/>
+        <p:cNvGrpSpPr/>
+        <p:nvPr/>
+      </p:nvGrpSpPr>
+      <p:grpSpPr>
+        <a:xfrm>
+          <a:off x="0" y="0"/>
+          <a:ext cx="0" cy="0"/>
+          <a:chOff x="0" y="0"/>
+          <a:chExt cx="0" cy="0"/>
+        </a:xfrm>
+      </p:grpSpPr>
+    </p:spTree>
+    <p:extLst>
+      <p:ext uri="{BB962C8B-B14F-4D97-AF65-F5344CB8AC3E}">
+        <p14:creationId xmlns:p14="http://schemas.microsoft.com/office/powerpoint/2010/main" val="703239387"/>
       </p:ext>
     </p:extLst>
   </p:cSld>

--- a/simdjs-presentation.pptx
+++ b/simdjs-presentation.pptx
@@ -5,7 +5,7 @@
     <p:sldMasterId id="2147483660" r:id="rId1"/>
   </p:sldMasterIdLst>
   <p:notesMasterIdLst>
-    <p:notesMasterId r:id="rId29"/>
+    <p:notesMasterId r:id="rId33"/>
   </p:notesMasterIdLst>
   <p:sldIdLst>
     <p:sldId id="256" r:id="rId2"/>
@@ -34,7 +34,11 @@
     <p:sldId id="279" r:id="rId25"/>
     <p:sldId id="280" r:id="rId26"/>
     <p:sldId id="281" r:id="rId27"/>
-    <p:sldId id="282" r:id="rId28"/>
+    <p:sldId id="283" r:id="rId28"/>
+    <p:sldId id="284" r:id="rId29"/>
+    <p:sldId id="285" r:id="rId30"/>
+    <p:sldId id="286" r:id="rId31"/>
+    <p:sldId id="282" r:id="rId32"/>
   </p:sldIdLst>
   <p:sldSz cx="12192000" cy="6858000"/>
   <p:notesSz cx="6858000" cy="9144000"/>
@@ -135,7 +139,7 @@
   </p:defaultTextStyle>
   <p:extLst>
     <p:ext uri="{EFAFB233-063F-42B5-8137-9DF3F51BA10A}">
-      <p15:sldGuideLst xmlns:p15="http://schemas.microsoft.com/office/powerpoint/2012/main"/>
+      <p15:sldGuideLst xmlns:p15="http://schemas.microsoft.com/office/powerpoint/2012/main" xmlns=""/>
     </p:ext>
   </p:extLst>
 </p:presentation>
@@ -223,7 +227,7 @@
           <a:p>
             <a:fld id="{7D54951D-F8AE-4273-8166-A1D979EF51AD}" type="datetimeFigureOut">
               <a:rPr lang="en-US" smtClean="0"/>
-              <a:t>2/8/2015</a:t>
+              <a:t>2/9/2015</a:t>
             </a:fld>
             <a:endParaRPr lang="en-US"/>
           </a:p>
@@ -491,6 +495,196 @@
 </p:notesMaster>
 </file>
 
+<file path=ppt/notesSlides/notesSlide1.xml><?xml version="1.0" encoding="utf-8"?>
+<p:notes xmlns:a="http://schemas.openxmlformats.org/drawingml/2006/main" xmlns:r="http://schemas.openxmlformats.org/officeDocument/2006/relationships" xmlns:p="http://schemas.openxmlformats.org/presentationml/2006/main">
+  <p:cSld>
+    <p:spTree>
+      <p:nvGrpSpPr>
+        <p:cNvPr id="1" name=""/>
+        <p:cNvGrpSpPr/>
+        <p:nvPr/>
+      </p:nvGrpSpPr>
+      <p:grpSpPr>
+        <a:xfrm>
+          <a:off x="0" y="0"/>
+          <a:ext cx="0" cy="0"/>
+          <a:chOff x="0" y="0"/>
+          <a:chExt cx="0" cy="0"/>
+        </a:xfrm>
+      </p:grpSpPr>
+      <p:sp>
+        <p:nvSpPr>
+          <p:cNvPr id="7" name="Rectangle 7"/>
+          <p:cNvSpPr>
+            <a:spLocks noGrp="1" noChangeArrowheads="1"/>
+          </p:cNvSpPr>
+          <p:nvPr>
+            <p:ph type="sldNum" sz="quarter" idx="5"/>
+          </p:nvPr>
+        </p:nvSpPr>
+        <p:spPr>
+          <a:ln/>
+        </p:spPr>
+        <p:txBody>
+          <a:bodyPr/>
+          <a:lstStyle/>
+          <a:p>
+            <a:fld id="{E818EE34-38B0-4CD1-8ADC-E75A637420DE}" type="slidenum">
+              <a:rPr lang="en-US"/>
+              <a:pPr/>
+              <a:t>27</a:t>
+            </a:fld>
+            <a:endParaRPr lang="en-US" dirty="0"/>
+          </a:p>
+        </p:txBody>
+      </p:sp>
+      <p:sp>
+        <p:nvSpPr>
+          <p:cNvPr id="49154" name="Rectangle 2"/>
+          <p:cNvSpPr>
+            <a:spLocks noGrp="1" noRot="1" noChangeAspect="1" noChangeArrowheads="1" noTextEdit="1"/>
+          </p:cNvSpPr>
+          <p:nvPr>
+            <p:ph type="sldImg"/>
+          </p:nvPr>
+        </p:nvSpPr>
+        <p:spPr>
+          <a:xfrm>
+            <a:off x="381000" y="685800"/>
+            <a:ext cx="6096000" cy="3429000"/>
+          </a:xfrm>
+          <a:ln/>
+        </p:spPr>
+      </p:sp>
+      <p:sp>
+        <p:nvSpPr>
+          <p:cNvPr id="49155" name="Rectangle 3"/>
+          <p:cNvSpPr>
+            <a:spLocks noGrp="1" noChangeArrowheads="1"/>
+          </p:cNvSpPr>
+          <p:nvPr>
+            <p:ph type="body" idx="1"/>
+          </p:nvPr>
+        </p:nvSpPr>
+        <p:spPr/>
+        <p:txBody>
+          <a:bodyPr/>
+          <a:lstStyle/>
+          <a:p>
+            <a:endParaRPr lang="en-US" dirty="0"/>
+          </a:p>
+        </p:txBody>
+      </p:sp>
+    </p:spTree>
+    <p:extLst>
+      <p:ext uri="{BB962C8B-B14F-4D97-AF65-F5344CB8AC3E}">
+        <p14:creationId xmlns:p14="http://schemas.microsoft.com/office/powerpoint/2010/main" val="2698456041"/>
+      </p:ext>
+    </p:extLst>
+  </p:cSld>
+  <p:clrMapOvr>
+    <a:masterClrMapping/>
+  </p:clrMapOvr>
+</p:notes>
+</file>
+
+<file path=ppt/notesSlides/notesSlide2.xml><?xml version="1.0" encoding="utf-8"?>
+<p:notes xmlns:a="http://schemas.openxmlformats.org/drawingml/2006/main" xmlns:r="http://schemas.openxmlformats.org/officeDocument/2006/relationships" xmlns:p="http://schemas.openxmlformats.org/presentationml/2006/main">
+  <p:cSld>
+    <p:spTree>
+      <p:nvGrpSpPr>
+        <p:cNvPr id="1" name=""/>
+        <p:cNvGrpSpPr/>
+        <p:nvPr/>
+      </p:nvGrpSpPr>
+      <p:grpSpPr>
+        <a:xfrm>
+          <a:off x="0" y="0"/>
+          <a:ext cx="0" cy="0"/>
+          <a:chOff x="0" y="0"/>
+          <a:chExt cx="0" cy="0"/>
+        </a:xfrm>
+      </p:grpSpPr>
+      <p:sp>
+        <p:nvSpPr>
+          <p:cNvPr id="5122" name="Rectangle 7"/>
+          <p:cNvSpPr>
+            <a:spLocks noGrp="1" noChangeArrowheads="1"/>
+          </p:cNvSpPr>
+          <p:nvPr>
+            <p:ph type="sldNum" sz="quarter" idx="5"/>
+          </p:nvPr>
+        </p:nvSpPr>
+        <p:spPr>
+          <a:noFill/>
+        </p:spPr>
+        <p:txBody>
+          <a:bodyPr/>
+          <a:lstStyle/>
+          <a:p>
+            <a:fld id="{A7E64E82-1ABC-4C1C-AD88-1187CB96081A}" type="slidenum">
+              <a:rPr lang="en-US" smtClean="0"/>
+              <a:pPr/>
+              <a:t>30</a:t>
+            </a:fld>
+            <a:endParaRPr lang="en-US" dirty="0" smtClean="0"/>
+          </a:p>
+        </p:txBody>
+      </p:sp>
+      <p:sp>
+        <p:nvSpPr>
+          <p:cNvPr id="5123" name="Rectangle 2"/>
+          <p:cNvSpPr>
+            <a:spLocks noGrp="1" noRot="1" noChangeAspect="1" noChangeArrowheads="1" noTextEdit="1"/>
+          </p:cNvSpPr>
+          <p:nvPr>
+            <p:ph type="sldImg"/>
+          </p:nvPr>
+        </p:nvSpPr>
+        <p:spPr>
+          <a:xfrm>
+            <a:off x="381000" y="685800"/>
+            <a:ext cx="6096000" cy="3429000"/>
+          </a:xfrm>
+          <a:ln/>
+        </p:spPr>
+      </p:sp>
+      <p:sp>
+        <p:nvSpPr>
+          <p:cNvPr id="5124" name="Rectangle 3"/>
+          <p:cNvSpPr>
+            <a:spLocks noGrp="1" noChangeArrowheads="1"/>
+          </p:cNvSpPr>
+          <p:nvPr>
+            <p:ph type="body" idx="1"/>
+          </p:nvPr>
+        </p:nvSpPr>
+        <p:spPr>
+          <a:noFill/>
+          <a:ln/>
+        </p:spPr>
+        <p:txBody>
+          <a:bodyPr/>
+          <a:lstStyle/>
+          <a:p>
+            <a:pPr eaLnBrk="1" hangingPunct="1"/>
+            <a:endParaRPr lang="en-US" dirty="0" smtClean="0"/>
+          </a:p>
+        </p:txBody>
+      </p:sp>
+    </p:spTree>
+    <p:extLst>
+      <p:ext uri="{BB962C8B-B14F-4D97-AF65-F5344CB8AC3E}">
+        <p14:creationId xmlns:p14="http://schemas.microsoft.com/office/powerpoint/2010/main" val="3644002945"/>
+      </p:ext>
+    </p:extLst>
+  </p:cSld>
+  <p:clrMapOvr>
+    <a:masterClrMapping/>
+  </p:clrMapOvr>
+</p:notes>
+</file>
+
 <file path=ppt/slideLayouts/slideLayout1.xml><?xml version="1.0" encoding="utf-8"?>
 <p:sldLayout xmlns:a="http://schemas.openxmlformats.org/drawingml/2006/main" xmlns:r="http://schemas.openxmlformats.org/officeDocument/2006/relationships" xmlns:p="http://schemas.openxmlformats.org/presentationml/2006/main" showMasterSp="0" type="title" preserve="1">
   <p:cSld name="Title Slide">
@@ -723,8 +917,8 @@
           </a:prstGeom>
           <a:noFill/>
           <a:extLst>
-            <a:ext uri="{909E8E84-426E-40dd-AFC4-6F175D3DCCD1}">
-              <a14:hiddenFill xmlns="" xmlns:a14="http://schemas.microsoft.com/office/drawing/2010/main">
+            <a:ext uri="{909E8E84-426E-40DD-AFC4-6F175D3DCCD1}">
+              <a14:hiddenFill xmlns:a14="http://schemas.microsoft.com/office/drawing/2010/main">
                 <a:solidFill>
                   <a:srgbClr val="FFFFFF"/>
                 </a:solidFill>
@@ -764,8 +958,8 @@
           </a:prstGeom>
           <a:noFill/>
           <a:extLst>
-            <a:ext uri="{909E8E84-426E-40dd-AFC4-6F175D3DCCD1}">
-              <a14:hiddenFill xmlns="" xmlns:a14="http://schemas.microsoft.com/office/drawing/2010/main">
+            <a:ext uri="{909E8E84-426E-40DD-AFC4-6F175D3DCCD1}">
+              <a14:hiddenFill xmlns:a14="http://schemas.microsoft.com/office/drawing/2010/main">
                 <a:solidFill>
                   <a:srgbClr val="FFFFFF"/>
                 </a:solidFill>
@@ -1087,8 +1281,8 @@
           </a:prstGeom>
           <a:noFill/>
           <a:extLst>
-            <a:ext uri="{909E8E84-426E-40dd-AFC4-6F175D3DCCD1}">
-              <a14:hiddenFill xmlns="" xmlns:a14="http://schemas.microsoft.com/office/drawing/2010/main">
+            <a:ext uri="{909E8E84-426E-40DD-AFC4-6F175D3DCCD1}">
+              <a14:hiddenFill xmlns:a14="http://schemas.microsoft.com/office/drawing/2010/main">
                 <a:solidFill>
                   <a:srgbClr val="FFFFFF"/>
                 </a:solidFill>
@@ -1373,8 +1567,8 @@
           </a:prstGeom>
           <a:noFill/>
           <a:extLst>
-            <a:ext uri="{909E8E84-426E-40dd-AFC4-6F175D3DCCD1}">
-              <a14:hiddenFill xmlns="" xmlns:a14="http://schemas.microsoft.com/office/drawing/2010/main">
+            <a:ext uri="{909E8E84-426E-40DD-AFC4-6F175D3DCCD1}">
+              <a14:hiddenFill xmlns:a14="http://schemas.microsoft.com/office/drawing/2010/main">
                 <a:solidFill>
                   <a:srgbClr val="FFFFFF"/>
                 </a:solidFill>
@@ -1720,7 +1914,7 @@
           <a:p>
             <a:fld id="{D7BAD4AB-A0C0-4804-835B-7CAD5144033B}" type="datetimeFigureOut">
               <a:rPr lang="en-US" smtClean="0"/>
-              <a:t>2/8/2015</a:t>
+              <a:t>2/9/2015</a:t>
             </a:fld>
             <a:endParaRPr lang="en-US"/>
           </a:p>
@@ -1822,7 +2016,7 @@
           <a:p>
             <a:fld id="{D7BAD4AB-A0C0-4804-835B-7CAD5144033B}" type="datetimeFigureOut">
               <a:rPr lang="en-US" smtClean="0"/>
-              <a:t>2/8/2015</a:t>
+              <a:t>2/9/2015</a:t>
             </a:fld>
             <a:endParaRPr lang="en-US"/>
           </a:p>
@@ -1982,8 +2176,8 @@
           </a:prstGeom>
           <a:noFill/>
           <a:extLst>
-            <a:ext uri="{909E8E84-426E-40dd-AFC4-6F175D3DCCD1}">
-              <a14:hiddenFill xmlns="" xmlns:a14="http://schemas.microsoft.com/office/drawing/2010/main">
+            <a:ext uri="{909E8E84-426E-40DD-AFC4-6F175D3DCCD1}">
+              <a14:hiddenFill xmlns:a14="http://schemas.microsoft.com/office/drawing/2010/main">
                 <a:solidFill>
                   <a:srgbClr val="FFFFFF"/>
                 </a:solidFill>
@@ -2233,6 +2427,196 @@
     <p:extLst>
       <p:ext uri="{BB962C8B-B14F-4D97-AF65-F5344CB8AC3E}">
         <p14:creationId xmlns:p14="http://schemas.microsoft.com/office/powerpoint/2010/main" val="2513704197"/>
+      </p:ext>
+    </p:extLst>
+  </p:cSld>
+  <p:clrMapOvr>
+    <a:masterClrMapping/>
+  </p:clrMapOvr>
+</p:sldLayout>
+</file>
+
+<file path=ppt/slideLayouts/slideLayout17.xml><?xml version="1.0" encoding="utf-8"?>
+<p:sldLayout xmlns:a="http://schemas.openxmlformats.org/drawingml/2006/main" xmlns:r="http://schemas.openxmlformats.org/officeDocument/2006/relationships" xmlns:p="http://schemas.openxmlformats.org/presentationml/2006/main" userDrawn="1">
+  <p:cSld name="Content Page Generic 2">
+    <p:spTree>
+      <p:nvGrpSpPr>
+        <p:cNvPr id="1" name=""/>
+        <p:cNvGrpSpPr/>
+        <p:nvPr/>
+      </p:nvGrpSpPr>
+      <p:grpSpPr>
+        <a:xfrm>
+          <a:off x="0" y="0"/>
+          <a:ext cx="0" cy="0"/>
+          <a:chOff x="0" y="0"/>
+          <a:chExt cx="0" cy="0"/>
+        </a:xfrm>
+      </p:grpSpPr>
+      <p:sp>
+        <p:nvSpPr>
+          <p:cNvPr id="6" name="Title 1"/>
+          <p:cNvSpPr>
+            <a:spLocks noGrp="1"/>
+          </p:cNvSpPr>
+          <p:nvPr>
+            <p:ph type="title"/>
+          </p:nvPr>
+        </p:nvSpPr>
+        <p:spPr>
+          <a:xfrm>
+            <a:off x="406400" y="228600"/>
+            <a:ext cx="11480800" cy="685800"/>
+          </a:xfrm>
+          <a:prstGeom prst="rect">
+            <a:avLst/>
+          </a:prstGeom>
+        </p:spPr>
+        <p:txBody>
+          <a:bodyPr anchor="t"/>
+          <a:lstStyle>
+            <a:lvl1pPr>
+              <a:defRPr baseline="0">
+                <a:solidFill>
+                  <a:srgbClr val="0860A8"/>
+                </a:solidFill>
+              </a:defRPr>
+            </a:lvl1pPr>
+          </a:lstStyle>
+          <a:p>
+            <a:r>
+              <a:rPr lang="en-US" dirty="0" smtClean="0"/>
+              <a:t>Click to edit Master title style</a:t>
+            </a:r>
+            <a:endParaRPr lang="en-US" dirty="0"/>
+          </a:p>
+        </p:txBody>
+      </p:sp>
+      <p:sp>
+        <p:nvSpPr>
+          <p:cNvPr id="7" name="Content Placeholder 2"/>
+          <p:cNvSpPr>
+            <a:spLocks noGrp="1"/>
+          </p:cNvSpPr>
+          <p:nvPr>
+            <p:ph idx="1"/>
+          </p:nvPr>
+        </p:nvSpPr>
+        <p:spPr>
+          <a:xfrm>
+            <a:off x="304800" y="1219201"/>
+            <a:ext cx="11582400" cy="4876801"/>
+          </a:xfrm>
+          <a:prstGeom prst="rect">
+            <a:avLst/>
+          </a:prstGeom>
+        </p:spPr>
+        <p:txBody>
+          <a:bodyPr/>
+          <a:lstStyle>
+            <a:lvl1pPr marL="457189" indent="-457189">
+              <a:spcBef>
+                <a:spcPts val="0"/>
+              </a:spcBef>
+              <a:spcAft>
+                <a:spcPts val="800"/>
+              </a:spcAft>
+              <a:buSzPct val="90000"/>
+              <a:defRPr sz="3200">
+                <a:solidFill>
+                  <a:schemeClr val="tx1"/>
+                </a:solidFill>
+              </a:defRPr>
+            </a:lvl1pPr>
+            <a:lvl2pPr marL="922844" indent="-313259">
+              <a:spcBef>
+                <a:spcPts val="0"/>
+              </a:spcBef>
+              <a:spcAft>
+                <a:spcPts val="800"/>
+              </a:spcAft>
+              <a:defRPr sz="2700">
+                <a:solidFill>
+                  <a:schemeClr val="tx1"/>
+                </a:solidFill>
+              </a:defRPr>
+            </a:lvl2pPr>
+            <a:lvl3pPr marL="1523962" indent="-304792">
+              <a:spcBef>
+                <a:spcPts val="0"/>
+              </a:spcBef>
+              <a:spcAft>
+                <a:spcPts val="0"/>
+              </a:spcAft>
+              <a:buFont typeface="Wingdings" pitchFamily="2" charset="2"/>
+              <a:buChar char="§"/>
+              <a:defRPr sz="2400">
+                <a:solidFill>
+                  <a:schemeClr val="tx1"/>
+                </a:solidFill>
+              </a:defRPr>
+            </a:lvl3pPr>
+          </a:lstStyle>
+          <a:p>
+            <a:pPr lvl="0"/>
+            <a:r>
+              <a:rPr lang="en-US" dirty="0" smtClean="0"/>
+              <a:t>Click to edit Master text styles</a:t>
+            </a:r>
+          </a:p>
+          <a:p>
+            <a:pPr lvl="1"/>
+            <a:r>
+              <a:rPr lang="en-US" dirty="0" smtClean="0"/>
+              <a:t>Second level</a:t>
+            </a:r>
+          </a:p>
+          <a:p>
+            <a:pPr lvl="2"/>
+            <a:r>
+              <a:rPr lang="en-US" dirty="0" smtClean="0"/>
+              <a:t>Third level </a:t>
+            </a:r>
+          </a:p>
+          <a:p>
+            <a:pPr lvl="1"/>
+            <a:endParaRPr lang="en-US" dirty="0" smtClean="0"/>
+          </a:p>
+        </p:txBody>
+      </p:sp>
+      <p:sp>
+        <p:nvSpPr>
+          <p:cNvPr id="4" name="Slide Number Placeholder 2"/>
+          <p:cNvSpPr>
+            <a:spLocks noGrp="1"/>
+          </p:cNvSpPr>
+          <p:nvPr>
+            <p:ph type="sldNum" sz="quarter" idx="10"/>
+          </p:nvPr>
+        </p:nvSpPr>
+        <p:spPr>
+          <a:xfrm>
+            <a:off x="609601" y="6405034"/>
+            <a:ext cx="509924" cy="258260"/>
+          </a:xfrm>
+        </p:spPr>
+        <p:txBody>
+          <a:bodyPr/>
+          <a:lstStyle/>
+          <a:p>
+            <a:fld id="{4B4CA592-1F25-4DB7-B054-916AA0B8DACF}" type="slidenum">
+              <a:rPr lang="en-US" smtClean="0"/>
+              <a:pPr/>
+              <a:t>‹#›</a:t>
+            </a:fld>
+            <a:endParaRPr lang="en-US" dirty="0"/>
+          </a:p>
+        </p:txBody>
+      </p:sp>
+    </p:spTree>
+    <p:extLst>
+      <p:ext uri="{BB962C8B-B14F-4D97-AF65-F5344CB8AC3E}">
+        <p14:creationId xmlns:p14="http://schemas.microsoft.com/office/powerpoint/2010/main" val="2660115000"/>
       </p:ext>
     </p:extLst>
   </p:cSld>
@@ -2920,8 +3304,8 @@
           </a:prstGeom>
           <a:noFill/>
           <a:extLst>
-            <a:ext uri="{909E8E84-426E-40dd-AFC4-6F175D3DCCD1}">
-              <a14:hiddenFill xmlns="" xmlns:a14="http://schemas.microsoft.com/office/drawing/2010/main">
+            <a:ext uri="{909E8E84-426E-40DD-AFC4-6F175D3DCCD1}">
+              <a14:hiddenFill xmlns:a14="http://schemas.microsoft.com/office/drawing/2010/main">
                 <a:solidFill>
                   <a:srgbClr val="FFFFFF"/>
                 </a:solidFill>
@@ -2984,7 +3368,7 @@
           <a:p>
             <a:fld id="{D7BAD4AB-A0C0-4804-835B-7CAD5144033B}" type="datetimeFigureOut">
               <a:rPr lang="en-US" smtClean="0"/>
-              <a:t>2/8/2015</a:t>
+              <a:t>2/9/2015</a:t>
             </a:fld>
             <a:endParaRPr lang="en-US"/>
           </a:p>
@@ -3194,7 +3578,7 @@
           <a:p>
             <a:fld id="{D7BAD4AB-A0C0-4804-835B-7CAD5144033B}" type="datetimeFigureOut">
               <a:rPr lang="en-US" smtClean="0"/>
-              <a:t>2/8/2015</a:t>
+              <a:t>2/9/2015</a:t>
             </a:fld>
             <a:endParaRPr lang="en-US"/>
           </a:p>
@@ -3429,7 +3813,7 @@
           <a:p>
             <a:fld id="{D7BAD4AB-A0C0-4804-835B-7CAD5144033B}" type="datetimeFigureOut">
               <a:rPr lang="en-US" smtClean="0"/>
-              <a:t>2/8/2015</a:t>
+              <a:t>2/9/2015</a:t>
             </a:fld>
             <a:endParaRPr lang="en-US"/>
           </a:p>
@@ -3884,7 +4268,7 @@
           <a:p>
             <a:fld id="{D7BAD4AB-A0C0-4804-835B-7CAD5144033B}" type="datetimeFigureOut">
               <a:rPr lang="en-US" smtClean="0"/>
-              <a:t>2/8/2015</a:t>
+              <a:t>2/9/2015</a:t>
             </a:fld>
             <a:endParaRPr lang="en-US"/>
           </a:p>
@@ -4135,7 +4519,7 @@
           <a:p>
             <a:fld id="{D7BAD4AB-A0C0-4804-835B-7CAD5144033B}" type="datetimeFigureOut">
               <a:rPr lang="en-US" smtClean="0"/>
-              <a:t>2/8/2015</a:t>
+              <a:t>2/9/2015</a:t>
             </a:fld>
             <a:endParaRPr lang="en-US"/>
           </a:p>
@@ -4345,7 +4729,7 @@
           <a:p>
             <a:fld id="{D7BAD4AB-A0C0-4804-835B-7CAD5144033B}" type="datetimeFigureOut">
               <a:rPr lang="en-US" smtClean="0"/>
-              <a:t>2/8/2015</a:t>
+              <a:t>2/9/2015</a:t>
             </a:fld>
             <a:endParaRPr lang="en-US"/>
           </a:p>
@@ -4786,7 +5170,7 @@
           <a:p>
             <a:fld id="{D7BAD4AB-A0C0-4804-835B-7CAD5144033B}" type="datetimeFigureOut">
               <a:rPr lang="en-US" smtClean="0"/>
-              <a:t>2/8/2015</a:t>
+              <a:t>2/9/2015</a:t>
             </a:fld>
             <a:endParaRPr lang="en-US"/>
           </a:p>
@@ -4994,7 +5378,7 @@
           <p:nvPr/>
         </p:nvPicPr>
         <p:blipFill>
-          <a:blip r:embed="rId18">
+          <a:blip r:embed="rId19">
             <a:extLst>
               <a:ext uri="{28A0092B-C50C-407E-A947-70E740481C1C}">
                 <a14:useLocalDpi xmlns:a14="http://schemas.microsoft.com/office/drawing/2010/main" val="0"/>
@@ -5016,8 +5400,8 @@
           </a:prstGeom>
           <a:noFill/>
           <a:extLst>
-            <a:ext uri="{909E8E84-426E-40dd-AFC4-6F175D3DCCD1}">
-              <a14:hiddenFill xmlns="" xmlns:a14="http://schemas.microsoft.com/office/drawing/2010/main">
+            <a:ext uri="{909E8E84-426E-40DD-AFC4-6F175D3DCCD1}">
+              <a14:hiddenFill xmlns:a14="http://schemas.microsoft.com/office/drawing/2010/main">
                 <a:solidFill>
                   <a:srgbClr val="FFFFFF"/>
                 </a:solidFill>
@@ -5165,7 +5549,7 @@
           <a:p>
             <a:fld id="{D7BAD4AB-A0C0-4804-835B-7CAD5144033B}" type="datetimeFigureOut">
               <a:rPr lang="en-US" smtClean="0"/>
-              <a:t>2/8/2015</a:t>
+              <a:t>2/9/2015</a:t>
             </a:fld>
             <a:endParaRPr lang="en-US"/>
           </a:p>
@@ -5275,6 +5659,7 @@
     <p:sldLayoutId id="2147483674" r:id="rId14"/>
     <p:sldLayoutId id="2147483675" r:id="rId15"/>
     <p:sldLayoutId id="2147483676" r:id="rId16"/>
+    <p:sldLayoutId id="2147483677" r:id="rId17"/>
   </p:sldLayoutIdLst>
   <p:timing>
     <p:tnLst>
@@ -5573,7 +5958,23 @@
           <a:p>
             <a:r>
               <a:rPr lang="en-US" dirty="0" smtClean="0"/>
-              <a:t>SIMD in JavaScript via C++ and Emscripten</a:t>
+              <a:t>SIMD in </a:t>
+            </a:r>
+            <a:r>
+              <a:rPr lang="en-US" dirty="0" smtClean="0"/>
+              <a:t>JavaScript* </a:t>
+            </a:r>
+            <a:r>
+              <a:rPr lang="en-US" dirty="0" smtClean="0"/>
+              <a:t>via C++ and </a:t>
+            </a:r>
+            <a:r>
+              <a:rPr lang="en-US" dirty="0" err="1" smtClean="0"/>
+              <a:t>Emscripten</a:t>
+            </a:r>
+            <a:r>
+              <a:rPr lang="en-US" dirty="0" smtClean="0"/>
+              <a:t>*</a:t>
             </a:r>
             <a:endParaRPr lang="en-US" dirty="0"/>
           </a:p>
@@ -5633,13 +6034,8 @@
             </a:pPr>
             <a:r>
               <a:rPr lang="en-US" dirty="0" smtClean="0"/>
-              <a:t>Peter Jensen, Intel </a:t>
-            </a:r>
-            <a:r>
-              <a:rPr lang="en-US" dirty="0" smtClean="0"/>
-              <a:t>Corporation</a:t>
-            </a:r>
-            <a:endParaRPr lang="en-US" dirty="0" smtClean="0"/>
+              <a:t>Peter Jensen, Intel Corporation</a:t>
+            </a:r>
           </a:p>
           <a:p>
             <a:pPr>
@@ -5671,16 +6067,13 @@
             </a:pPr>
             <a:r>
               <a:rPr lang="en-US" dirty="0" smtClean="0"/>
-              <a:t>Dan </a:t>
-            </a:r>
-            <a:r>
-              <a:rPr lang="en-US" dirty="0" err="1" smtClean="0"/>
-              <a:t>Gohman</a:t>
-            </a:r>
-            <a:r>
-              <a:rPr lang="en-US" dirty="0" smtClean="0"/>
-              <a:t>, Mozilla</a:t>
-            </a:r>
+              <a:t>Dan Gohman, </a:t>
+            </a:r>
+            <a:r>
+              <a:rPr lang="en-US" dirty="0" smtClean="0"/>
+              <a:t>Mozilla*</a:t>
+            </a:r>
+            <a:endParaRPr lang="en-US" dirty="0" smtClean="0"/>
           </a:p>
           <a:p>
             <a:pPr>
@@ -5698,8 +6091,13 @@
             </a:r>
             <a:r>
               <a:rPr lang="en-US" dirty="0" smtClean="0"/>
-              <a:t>, Google</a:t>
-            </a:r>
+              <a:t>, </a:t>
+            </a:r>
+            <a:r>
+              <a:rPr lang="en-US" dirty="0" smtClean="0"/>
+              <a:t>Google*</a:t>
+            </a:r>
+            <a:endParaRPr lang="en-US" dirty="0" smtClean="0"/>
           </a:p>
           <a:p>
             <a:pPr>
@@ -7827,15 +8225,25 @@
             </a:r>
             <a:r>
               <a:rPr lang="en-US" dirty="0" smtClean="0"/>
-              <a:t> (NEON, AVX)</a:t>
-            </a:r>
+              <a:t> (</a:t>
+            </a:r>
+            <a:r>
+              <a:rPr lang="en-US" dirty="0" smtClean="0"/>
+              <a:t>NEON*, AVX*)</a:t>
+            </a:r>
+            <a:endParaRPr lang="en-US" dirty="0" smtClean="0"/>
           </a:p>
           <a:p>
             <a:pPr lvl="1"/>
             <a:r>
               <a:rPr lang="en-US" dirty="0" smtClean="0"/>
-              <a:t>Vector shifts (NEON)</a:t>
-            </a:r>
+              <a:t>Vector shifts (</a:t>
+            </a:r>
+            <a:r>
+              <a:rPr lang="en-US" dirty="0" smtClean="0"/>
+              <a:t>NEON*)</a:t>
+            </a:r>
+            <a:endParaRPr lang="en-US" dirty="0" smtClean="0"/>
           </a:p>
           <a:p>
             <a:pPr lvl="1"/>
@@ -7915,8 +8323,16 @@
           <a:lstStyle/>
           <a:p>
             <a:r>
-              <a:rPr lang="en-US" dirty="0" smtClean="0"/>
-              <a:t>Emscripten - Basics</a:t>
+              <a:rPr lang="en-US" dirty="0" err="1" smtClean="0"/>
+              <a:t>Emscripten</a:t>
+            </a:r>
+            <a:r>
+              <a:rPr lang="en-US" dirty="0" smtClean="0"/>
+              <a:t>* </a:t>
+            </a:r>
+            <a:r>
+              <a:rPr lang="en-US" dirty="0" smtClean="0"/>
+              <a:t>- Basics</a:t>
             </a:r>
             <a:endParaRPr lang="en-US" dirty="0"/>
           </a:p>
@@ -7943,7 +8359,19 @@
             </a:pPr>
             <a:r>
               <a:rPr lang="en-US" dirty="0" smtClean="0"/>
-              <a:t>Brainchild of Mozilla’s Alon Zakai</a:t>
+              <a:t>Brainchild of </a:t>
+            </a:r>
+            <a:r>
+              <a:rPr lang="en-US" dirty="0" smtClean="0"/>
+              <a:t>Mozilla*</a:t>
+            </a:r>
+            <a:r>
+              <a:rPr lang="en-US" dirty="0"/>
+              <a:t>’s </a:t>
+            </a:r>
+            <a:r>
+              <a:rPr lang="en-US" dirty="0" smtClean="0"/>
+              <a:t>Alon Zakai</a:t>
             </a:r>
           </a:p>
           <a:p>
@@ -7953,8 +8381,13 @@
             </a:pPr>
             <a:r>
               <a:rPr lang="en-US" dirty="0" smtClean="0"/>
-              <a:t>Compiles C/C++ to JavaScript</a:t>
-            </a:r>
+              <a:t>Compiles C/C++ to </a:t>
+            </a:r>
+            <a:r>
+              <a:rPr lang="en-US" dirty="0" smtClean="0"/>
+              <a:t>JavaScript*</a:t>
+            </a:r>
+            <a:endParaRPr lang="en-US" dirty="0" smtClean="0"/>
           </a:p>
           <a:p>
             <a:pPr marL="342900" indent="-342900">
@@ -7988,8 +8421,13 @@
             </a:pPr>
             <a:r>
               <a:rPr lang="en-US" dirty="0" smtClean="0"/>
-              <a:t>Generates the asm.js subset of JavaScript</a:t>
-            </a:r>
+              <a:t>Generates the asm.js subset of </a:t>
+            </a:r>
+            <a:r>
+              <a:rPr lang="en-US" dirty="0" smtClean="0"/>
+              <a:t>JavaScript*</a:t>
+            </a:r>
+            <a:endParaRPr lang="en-US" dirty="0" smtClean="0"/>
           </a:p>
           <a:p>
             <a:pPr marL="342900" indent="-342900">
@@ -7998,7 +8436,19 @@
             </a:pPr>
             <a:r>
               <a:rPr lang="en-US" dirty="0"/>
-              <a:t>Tools available to create bindings between handwritten JS and Emscripten generated JS (</a:t>
+              <a:t>Tools available to create bindings between handwritten JS and </a:t>
+            </a:r>
+            <a:r>
+              <a:rPr lang="en-US" dirty="0" err="1" smtClean="0"/>
+              <a:t>Emscripten</a:t>
+            </a:r>
+            <a:r>
+              <a:rPr lang="en-US" dirty="0" smtClean="0"/>
+              <a:t>* </a:t>
+            </a:r>
+            <a:r>
+              <a:rPr lang="en-US" dirty="0"/>
+              <a:t>generated JS (</a:t>
             </a:r>
             <a:r>
               <a:rPr lang="en-US" dirty="0" err="1"/>
@@ -8016,7 +8466,11 @@
             </a:pPr>
             <a:r>
               <a:rPr lang="en-US" dirty="0" smtClean="0"/>
-              <a:t>Several large C/C++ applications/games have been ported to the web platform (e.g., Unity, Unreal, box2D)</a:t>
+              <a:t>Several large C/C++ applications/games have been ported to the web platform (e.g., </a:t>
+            </a:r>
+            <a:r>
+              <a:rPr lang="en-US" dirty="0" smtClean="0"/>
+              <a:t>Unity*, Unreal*, box2D*)</a:t>
             </a:r>
             <a:endParaRPr lang="en-US" dirty="0"/>
           </a:p>
@@ -8091,8 +8545,16 @@
           <a:lstStyle/>
           <a:p>
             <a:r>
-              <a:rPr lang="en-US" dirty="0" smtClean="0"/>
-              <a:t>Emscripten – C/C++ -&gt; JS Memory Modelling</a:t>
+              <a:rPr lang="en-US" dirty="0" err="1" smtClean="0"/>
+              <a:t>Emscripten</a:t>
+            </a:r>
+            <a:r>
+              <a:rPr lang="en-US" dirty="0" smtClean="0"/>
+              <a:t>* </a:t>
+            </a:r>
+            <a:r>
+              <a:rPr lang="en-US" dirty="0" smtClean="0"/>
+              <a:t>– C/C++ -&gt; JS Memory Modelling</a:t>
             </a:r>
             <a:endParaRPr lang="en-US" dirty="0"/>
           </a:p>
@@ -8379,8 +8841,16 @@
           <a:lstStyle/>
           <a:p>
             <a:r>
-              <a:rPr lang="en-US" dirty="0" smtClean="0"/>
-              <a:t>Emscripten – Generated Code Example</a:t>
+              <a:rPr lang="en-US" dirty="0" err="1" smtClean="0"/>
+              <a:t>Emscripten</a:t>
+            </a:r>
+            <a:r>
+              <a:rPr lang="en-US" dirty="0" smtClean="0"/>
+              <a:t>* </a:t>
+            </a:r>
+            <a:r>
+              <a:rPr lang="en-US" dirty="0" smtClean="0"/>
+              <a:t>– Generated Code Example</a:t>
             </a:r>
             <a:endParaRPr lang="en-US" dirty="0"/>
           </a:p>
@@ -9109,8 +9579,16 @@
           <a:lstStyle/>
           <a:p>
             <a:r>
-              <a:rPr lang="en-US" dirty="0" smtClean="0"/>
-              <a:t>Emscripten – Showcase Uses</a:t>
+              <a:rPr lang="en-US" dirty="0" err="1" smtClean="0"/>
+              <a:t>Emscripten</a:t>
+            </a:r>
+            <a:r>
+              <a:rPr lang="en-US" dirty="0" smtClean="0"/>
+              <a:t>* </a:t>
+            </a:r>
+            <a:r>
+              <a:rPr lang="en-US" dirty="0" smtClean="0"/>
+              <a:t>– Showcase Uses</a:t>
             </a:r>
             <a:endParaRPr lang="en-US" dirty="0"/>
           </a:p>
@@ -9367,7 +9845,19 @@
           <a:p>
             <a:r>
               <a:rPr lang="en-US" dirty="0" smtClean="0"/>
-              <a:t>SIMD.JS and Emscripten – A Perfect Match!</a:t>
+              <a:t>SIMD.JS and </a:t>
+            </a:r>
+            <a:r>
+              <a:rPr lang="en-US" dirty="0" err="1" smtClean="0"/>
+              <a:t>Emscripten</a:t>
+            </a:r>
+            <a:r>
+              <a:rPr lang="en-US" dirty="0" smtClean="0"/>
+              <a:t>* </a:t>
+            </a:r>
+            <a:r>
+              <a:rPr lang="en-US" dirty="0" smtClean="0"/>
+              <a:t>– A Perfect Match!</a:t>
             </a:r>
             <a:endParaRPr lang="en-US" dirty="0"/>
           </a:p>
@@ -9411,7 +9901,19 @@
             </a:pPr>
             <a:r>
               <a:rPr lang="en-US" dirty="0" smtClean="0"/>
-              <a:t>SIMD.JS enables Emscripten to fully utilize these highly optimized C/C++ code sequences</a:t>
+              <a:t>SIMD.JS enables </a:t>
+            </a:r>
+            <a:r>
+              <a:rPr lang="en-US" dirty="0" err="1" smtClean="0"/>
+              <a:t>Emscripten</a:t>
+            </a:r>
+            <a:r>
+              <a:rPr lang="en-US" dirty="0" smtClean="0"/>
+              <a:t>* </a:t>
+            </a:r>
+            <a:r>
+              <a:rPr lang="en-US" dirty="0" smtClean="0"/>
+              <a:t>to fully utilize these highly optimized C/C++ code sequences</a:t>
             </a:r>
             <a:endParaRPr lang="en-US" dirty="0"/>
           </a:p>
@@ -9486,8 +9988,16 @@
           <a:lstStyle/>
           <a:p>
             <a:r>
-              <a:rPr lang="en-US" dirty="0" smtClean="0"/>
-              <a:t>Emscripten – Compiling SIMD C/C++ Code</a:t>
+              <a:rPr lang="en-US" dirty="0" err="1" smtClean="0"/>
+              <a:t>Emscripten</a:t>
+            </a:r>
+            <a:r>
+              <a:rPr lang="en-US" dirty="0" smtClean="0"/>
+              <a:t>* </a:t>
+            </a:r>
+            <a:r>
+              <a:rPr lang="en-US" dirty="0" smtClean="0"/>
+              <a:t>– Compiling SIMD C/C++ Code</a:t>
             </a:r>
             <a:endParaRPr lang="en-US" dirty="0"/>
           </a:p>
@@ -10681,7 +11191,7 @@
         </p:spPr>
         <p:txBody>
           <a:bodyPr>
-            <a:normAutofit lnSpcReduction="10000"/>
+            <a:normAutofit fontScale="92500"/>
           </a:bodyPr>
           <a:lstStyle/>
           <a:p>
@@ -10691,7 +11201,15 @@
             </a:pPr>
             <a:r>
               <a:rPr lang="en-US" dirty="0" smtClean="0"/>
-              <a:t>Handwritten JavaScript benchmark kernels:</a:t>
+              <a:t>Handwritten </a:t>
+            </a:r>
+            <a:r>
+              <a:rPr lang="en-US" dirty="0" smtClean="0"/>
+              <a:t>JavaScript* </a:t>
+            </a:r>
+            <a:r>
+              <a:rPr lang="en-US" dirty="0" smtClean="0"/>
+              <a:t>benchmark kernels:</a:t>
             </a:r>
           </a:p>
           <a:p>
@@ -10790,7 +11308,23 @@
             </a:pPr>
             <a:r>
               <a:rPr lang="en-US" dirty="0" smtClean="0"/>
-              <a:t>JavaScript code executed with both Chromium and Firefox SIMD prototypes</a:t>
+              <a:t>JavaScript code executed with both </a:t>
+            </a:r>
+            <a:r>
+              <a:rPr lang="en-US" dirty="0" smtClean="0"/>
+              <a:t>Chromium* </a:t>
+            </a:r>
+            <a:r>
+              <a:rPr lang="en-US" dirty="0" smtClean="0"/>
+              <a:t>and </a:t>
+            </a:r>
+            <a:r>
+              <a:rPr lang="en-US" dirty="0" smtClean="0"/>
+              <a:t>Firefox* </a:t>
+            </a:r>
+            <a:r>
+              <a:rPr lang="en-US" dirty="0" smtClean="0"/>
+              <a:t>SIMD prototypes</a:t>
             </a:r>
           </a:p>
           <a:p>
@@ -10934,9 +11468,14 @@
               <a:buChar char="•"/>
             </a:pPr>
             <a:r>
-              <a:rPr lang="en-US" dirty="0" smtClean="0"/>
+              <a:rPr lang="en-US" dirty="0" err="1" smtClean="0"/>
               <a:t>Emscripten</a:t>
             </a:r>
+            <a:r>
+              <a:rPr lang="en-US" dirty="0" smtClean="0"/>
+              <a:t>*</a:t>
+            </a:r>
+            <a:endParaRPr lang="en-US" dirty="0" smtClean="0"/>
           </a:p>
           <a:p>
             <a:pPr marL="342900" indent="-342900">
@@ -10945,7 +11484,15 @@
             </a:pPr>
             <a:r>
               <a:rPr lang="en-US" dirty="0" smtClean="0"/>
-              <a:t>Compiling SIMD C++ code to SIMD.JS JavaScript code</a:t>
+              <a:t>Compiling SIMD C++ code to SIMD.JS </a:t>
+            </a:r>
+            <a:r>
+              <a:rPr lang="en-US" dirty="0" smtClean="0"/>
+              <a:t>JavaScript* </a:t>
+            </a:r>
+            <a:r>
+              <a:rPr lang="en-US" dirty="0" smtClean="0"/>
+              <a:t>code</a:t>
             </a:r>
           </a:p>
           <a:p>
@@ -11041,7 +11588,11 @@
           <a:p>
             <a:r>
               <a:rPr lang="en-US" dirty="0" smtClean="0"/>
-              <a:t>Benchmarks – Handwritten JavaScript</a:t>
+              <a:t>Benchmarks – Handwritten </a:t>
+            </a:r>
+            <a:r>
+              <a:rPr lang="en-US" dirty="0" smtClean="0"/>
+              <a:t>JavaScript*</a:t>
             </a:r>
             <a:endParaRPr lang="en-US" dirty="0"/>
           </a:p>
@@ -12870,7 +13421,38 @@
                 </a:solidFill>
                 <a:cs typeface="Neo Sans Intel"/>
               </a:rPr>
-              <a:t>Handwritten JS code is slightly faster than Emscripten generated JS</a:t>
+              <a:t>Handwritten JS code is slightly faster than </a:t>
+            </a:r>
+            <a:r>
+              <a:rPr lang="en-US" sz="2400" dirty="0" err="1" smtClean="0">
+                <a:solidFill>
+                  <a:schemeClr val="tx2"/>
+                </a:solidFill>
+                <a:cs typeface="Neo Sans Intel"/>
+              </a:rPr>
+              <a:t>Emscripten</a:t>
+            </a:r>
+            <a:r>
+              <a:rPr lang="en-US" sz="2400" dirty="0" smtClean="0"/>
+              <a:t>*</a:t>
+            </a:r>
+            <a:r>
+              <a:rPr lang="en-US" sz="2400" dirty="0" smtClean="0">
+                <a:solidFill>
+                  <a:schemeClr val="tx2"/>
+                </a:solidFill>
+                <a:cs typeface="Neo Sans Intel"/>
+              </a:rPr>
+              <a:t> </a:t>
+            </a:r>
+            <a:r>
+              <a:rPr lang="en-US" sz="2400" dirty="0" smtClean="0">
+                <a:solidFill>
+                  <a:schemeClr val="tx2"/>
+                </a:solidFill>
+                <a:cs typeface="Neo Sans Intel"/>
+              </a:rPr>
+              <a:t>generated JS</a:t>
             </a:r>
           </a:p>
           <a:p>
@@ -12927,7 +13509,29 @@
                 </a:solidFill>
                 <a:cs typeface="Neo Sans Intel"/>
               </a:rPr>
-              <a:t>Chromium has ‘slow JIT’ overhead that </a:t>
+              <a:t>Chromium</a:t>
+            </a:r>
+            <a:r>
+              <a:rPr lang="en-US" sz="2400" dirty="0" smtClean="0"/>
+              <a:t>*</a:t>
+            </a:r>
+            <a:r>
+              <a:rPr lang="en-US" sz="2400" dirty="0" smtClean="0">
+                <a:solidFill>
+                  <a:schemeClr val="tx2"/>
+                </a:solidFill>
+                <a:cs typeface="Neo Sans Intel"/>
+              </a:rPr>
+              <a:t> </a:t>
+            </a:r>
+            <a:r>
+              <a:rPr lang="en-US" sz="2400" dirty="0" smtClean="0">
+                <a:solidFill>
+                  <a:schemeClr val="tx2"/>
+                </a:solidFill>
+                <a:cs typeface="Neo Sans Intel"/>
+              </a:rPr>
+              <a:t>has ‘slow JIT’ overhead that </a:t>
             </a:r>
             <a:r>
               <a:rPr lang="en-US" sz="2400" dirty="0" err="1" smtClean="0">
@@ -13112,8 +13716,36 @@
                 </a:solidFill>
                 <a:cs typeface="Neo Sans Intel"/>
               </a:rPr>
-              <a:t>Handwritten JS performance is ~85% of native C++ on Chromium!</a:t>
-            </a:r>
+              <a:t>Handwritten JS performance is ~85% of native C++ on </a:t>
+            </a:r>
+            <a:r>
+              <a:rPr lang="en-US" sz="2400" dirty="0" smtClean="0">
+                <a:solidFill>
+                  <a:schemeClr val="tx2"/>
+                </a:solidFill>
+                <a:cs typeface="Neo Sans Intel"/>
+              </a:rPr>
+              <a:t>Chromium</a:t>
+            </a:r>
+            <a:r>
+              <a:rPr lang="en-US" sz="2400" dirty="0" smtClean="0"/>
+              <a:t>*</a:t>
+            </a:r>
+            <a:r>
+              <a:rPr lang="en-US" sz="2400" dirty="0" smtClean="0">
+                <a:solidFill>
+                  <a:schemeClr val="tx2"/>
+                </a:solidFill>
+                <a:cs typeface="Neo Sans Intel"/>
+              </a:rPr>
+              <a:t>!</a:t>
+            </a:r>
+            <a:endParaRPr lang="en-US" sz="2400" dirty="0" smtClean="0">
+              <a:solidFill>
+                <a:schemeClr val="tx2"/>
+              </a:solidFill>
+              <a:cs typeface="Neo Sans Intel"/>
+            </a:endParaRPr>
           </a:p>
           <a:p>
             <a:pPr marL="342900" indent="-342900">
@@ -13127,7 +13759,38 @@
                 </a:solidFill>
                 <a:cs typeface="Neo Sans Intel"/>
               </a:rPr>
-              <a:t>Emscripten generated JS performance is ~60% of native C++ on both Chromium and </a:t>
+              <a:t>Emscripten generated JS performance is ~60% of native C++ on both </a:t>
+            </a:r>
+            <a:r>
+              <a:rPr lang="en-US" sz="2400" dirty="0" smtClean="0">
+                <a:solidFill>
+                  <a:schemeClr val="tx2"/>
+                </a:solidFill>
+                <a:cs typeface="Neo Sans Intel"/>
+              </a:rPr>
+              <a:t>Chromium</a:t>
+            </a:r>
+            <a:r>
+              <a:rPr lang="en-US" sz="2400" dirty="0" smtClean="0"/>
+              <a:t>*</a:t>
+            </a:r>
+            <a:r>
+              <a:rPr lang="en-US" sz="2400" dirty="0" smtClean="0">
+                <a:solidFill>
+                  <a:schemeClr val="tx2"/>
+                </a:solidFill>
+                <a:cs typeface="Neo Sans Intel"/>
+              </a:rPr>
+              <a:t> </a:t>
+            </a:r>
+            <a:r>
+              <a:rPr lang="en-US" sz="2400" dirty="0" smtClean="0">
+                <a:solidFill>
+                  <a:schemeClr val="tx2"/>
+                </a:solidFill>
+                <a:cs typeface="Neo Sans Intel"/>
+              </a:rPr>
+              <a:t>and </a:t>
             </a:r>
             <a:r>
               <a:rPr lang="en-US" sz="2400" dirty="0" err="1" smtClean="0">
@@ -13267,7 +13930,15 @@
           <a:p>
             <a:r>
               <a:rPr lang="en-US" dirty="0" smtClean="0"/>
-              <a:t>SIMD.JS bridges the hardware/software gap for JavaScript programs</a:t>
+              <a:t>SIMD.JS bridges the hardware/software gap for </a:t>
+            </a:r>
+            <a:r>
+              <a:rPr lang="en-US" dirty="0" smtClean="0"/>
+              <a:t>JavaScript* </a:t>
+            </a:r>
+            <a:r>
+              <a:rPr lang="en-US" dirty="0" smtClean="0"/>
+              <a:t>programs</a:t>
             </a:r>
           </a:p>
           <a:p>
@@ -13278,8 +13949,16 @@
           </a:p>
           <a:p>
             <a:r>
-              <a:rPr lang="en-US" dirty="0" smtClean="0"/>
-              <a:t>Emscripten now compiles SIMD C++ vector code</a:t>
+              <a:rPr lang="en-US" dirty="0" err="1" smtClean="0"/>
+              <a:t>Emscripten</a:t>
+            </a:r>
+            <a:r>
+              <a:rPr lang="en-US" dirty="0" smtClean="0"/>
+              <a:t>* </a:t>
+            </a:r>
+            <a:r>
+              <a:rPr lang="en-US" dirty="0" smtClean="0"/>
+              <a:t>now compiles SIMD C++ vector code</a:t>
             </a:r>
           </a:p>
           <a:p>
@@ -13460,9 +14139,14 @@
           </a:p>
           <a:p>
             <a:r>
-              <a:rPr lang="en-US" dirty="0" smtClean="0"/>
-              <a:t>Emscripten:</a:t>
-            </a:r>
+              <a:rPr lang="en-US" dirty="0" err="1" smtClean="0"/>
+              <a:t>Emscripten</a:t>
+            </a:r>
+            <a:r>
+              <a:rPr lang="en-US" dirty="0" smtClean="0"/>
+              <a:t>*:</a:t>
+            </a:r>
+            <a:endParaRPr lang="en-US" dirty="0" smtClean="0"/>
           </a:p>
           <a:p>
             <a:pPr lvl="1"/>
@@ -13509,9 +14193,12 @@
             </a:r>
             <a:r>
               <a:rPr lang="en-US" dirty="0" smtClean="0"/>
-              <a:t>Presentation and accompanying paper (contact info in paper):</a:t>
-            </a:r>
-            <a:endParaRPr lang="en-US" dirty="0" smtClean="0"/>
+              <a:t>presentation </a:t>
+            </a:r>
+            <a:r>
+              <a:rPr lang="en-US" dirty="0" smtClean="0"/>
+              <a:t>and accompanying paper (contact info in paper):</a:t>
+            </a:r>
           </a:p>
           <a:p>
             <a:pPr lvl="1"/>
@@ -13581,16 +14268,555 @@
           <a:chExt cx="0" cy="0"/>
         </a:xfrm>
       </p:grpSpPr>
+      <p:sp>
+        <p:nvSpPr>
+          <p:cNvPr id="5" name="Title 4"/>
+          <p:cNvSpPr>
+            <a:spLocks noGrp="1"/>
+          </p:cNvSpPr>
+          <p:nvPr>
+            <p:ph type="title"/>
+          </p:nvPr>
+        </p:nvSpPr>
+        <p:spPr>
+          <a:xfrm>
+            <a:off x="46181" y="0"/>
+            <a:ext cx="11480800" cy="685800"/>
+          </a:xfrm>
+        </p:spPr>
+        <p:txBody>
+          <a:bodyPr/>
+          <a:lstStyle/>
+          <a:p>
+            <a:r>
+              <a:rPr lang="en-US" dirty="0" smtClean="0"/>
+              <a:t>Legal Disclaimer</a:t>
+            </a:r>
+            <a:endParaRPr lang="en-US" dirty="0"/>
+          </a:p>
+        </p:txBody>
+      </p:sp>
+      <p:sp>
+        <p:nvSpPr>
+          <p:cNvPr id="48131" name="Rectangle 3"/>
+          <p:cNvSpPr>
+            <a:spLocks noChangeArrowheads="1"/>
+          </p:cNvSpPr>
+          <p:nvPr/>
+        </p:nvSpPr>
+        <p:spPr bwMode="auto">
+          <a:xfrm>
+            <a:off x="203200" y="533400"/>
+            <a:ext cx="11795797" cy="5922819"/>
+          </a:xfrm>
+          <a:prstGeom prst="rect">
+            <a:avLst/>
+          </a:prstGeom>
+          <a:noFill/>
+          <a:ln w="9525">
+            <a:noFill/>
+            <a:miter lim="800000"/>
+            <a:headEnd/>
+            <a:tailEnd/>
+          </a:ln>
+          <a:effectLst/>
+        </p:spPr>
+        <p:txBody>
+          <a:bodyPr lIns="122717" tIns="61358" rIns="122717" bIns="61358"/>
+          <a:lstStyle/>
+          <a:p>
+            <a:r>
+              <a:rPr lang="en-US" sz="1200" dirty="0"/>
+              <a:t>INFORMATION IN THIS DOCUMENT IS PROVIDED IN CONNECTION WITH INTEL PRODUCTS.  NO LICENSE, EXPRESS OR IMPLIED, BY ESTOPPEL OR OTHERWISE, TO ANY INTELLECTUAL PROPERTY RIGHTS IS GRANTED BY THIS DOCUMENT.  EXCEPT AS PROVIDED IN INTEL'S TERMS AND CONDITIONS OF SALE FOR SUCH PRODUCTS, INTEL ASSUMES NO LIABILITY WHATSOEVER AND INTEL DISCLAIMS ANY EXPRESS OR IMPLIED WARRANTY, RELATING TO SALE AND/OR USE OF INTEL PRODUCTS INCLUDING LIABILITY OR WARRANTIES RELATING TO FITNESS FOR A PARTICULAR PURPOSE, MERCHANTABILITY, OR INFRINGEMENT OF ANY PATENT, COPYRIGHT OR OTHER INTELLECTUAL PROPERTY </a:t>
+            </a:r>
+            <a:r>
+              <a:rPr lang="en-US" sz="1200" dirty="0"/>
+              <a:t>RIGHT.</a:t>
+            </a:r>
+          </a:p>
+          <a:p>
+            <a:r>
+              <a:rPr lang="en-US" sz="1200" dirty="0"/>
+              <a:t>A </a:t>
+            </a:r>
+            <a:r>
+              <a:rPr lang="en-US" sz="1200" dirty="0"/>
+              <a:t>"Mission Critical Application" is any application in which failure of the Intel Product could result, directly or indirectly, in personal injury or death.  SHOULD YOU PURCHASE OR USE INTEL'S PRODUCTS FOR ANY SUCH MISSION CRITICAL APPLICATION, YOU SHALL INDEMNIFY AND HOLD INTEL AND ITS SUBSIDIARIES, SUBCONTRACTORS AND AFFILIATES, AND THE DIRECTORS, OFFICERS, AND EMPLOYEES OF EACH, HARMLESS AGAINST ALL CLAIMS COSTS, DAMAGES, AND EXPENSES AND REASONABLE ATTORNEYS' FEES ARISING OUT OF, DIRECTLY OR INDIRECTLY, ANY CLAIM OF PRODUCT LIABILITY, PERSONAL INJURY, OR DEATH ARISING IN ANY WAY OUT OF SUCH MISSION CRITICAL APPLICATION, WHETHER OR NOT INTEL OR ITS SUBCONTRACTOR WAS NEGLIGENT IN THE DESIGN, MANUFACTURE, OR WARNING OF THE INTEL PRODUCT OR ANY OF ITS PARTS</a:t>
+            </a:r>
+            <a:r>
+              <a:rPr lang="en-US" sz="1200" dirty="0"/>
+              <a:t>.</a:t>
+            </a:r>
+          </a:p>
+          <a:p>
+            <a:r>
+              <a:rPr lang="en-US" sz="1200" dirty="0"/>
+              <a:t>Intel </a:t>
+            </a:r>
+            <a:r>
+              <a:rPr lang="en-US" sz="1200" dirty="0"/>
+              <a:t>may make changes to specifications and product descriptions at any time, without notice.  Designers must not rely on the absence or characteristics of any features or instructions marked "reserved" or "undefined".  Intel reserves these for future definition and shall have no responsibility whatsoever for conflicts or incompatibilities arising from future changes to them.  The information here is subject to change without notice.  Do not finalize a design with this information</a:t>
+            </a:r>
+            <a:r>
+              <a:rPr lang="en-US" sz="1200" dirty="0"/>
+              <a:t>.</a:t>
+            </a:r>
+          </a:p>
+          <a:p>
+            <a:r>
+              <a:rPr lang="en-US" sz="1200" dirty="0"/>
+              <a:t>The </a:t>
+            </a:r>
+            <a:r>
+              <a:rPr lang="en-US" sz="1200" dirty="0"/>
+              <a:t>products described in this document may contain design defects or errors known as errata which may cause the product to deviate from published specifications.  Current characterized errata are available on request</a:t>
+            </a:r>
+            <a:r>
+              <a:rPr lang="en-US" sz="1200" dirty="0"/>
+              <a:t>.</a:t>
+            </a:r>
+          </a:p>
+          <a:p>
+            <a:r>
+              <a:rPr lang="en-US" sz="1200" dirty="0"/>
+              <a:t>Contact </a:t>
+            </a:r>
+            <a:r>
+              <a:rPr lang="en-US" sz="1200" dirty="0"/>
+              <a:t>your local Intel sales office or your distributor to obtain the latest specifications and before placing your product order</a:t>
+            </a:r>
+            <a:r>
+              <a:rPr lang="en-US" sz="1200" dirty="0"/>
+              <a:t>.</a:t>
+            </a:r>
+          </a:p>
+          <a:p>
+            <a:r>
+              <a:rPr lang="en-US" sz="1200" dirty="0"/>
+              <a:t>Copies </a:t>
+            </a:r>
+            <a:r>
+              <a:rPr lang="en-US" sz="1200" dirty="0"/>
+              <a:t>of documents which have an order number and are referenced in this document, or other Intel literature, may be obtained by calling 1-800-548-4725, or go to:  </a:t>
+            </a:r>
+            <a:r>
+              <a:rPr lang="en-US" sz="1200" dirty="0">
+                <a:hlinkClick r:id="rId3"/>
+              </a:rPr>
+              <a:t>http://www.intel.com/design/literature.htm</a:t>
+            </a:r>
+            <a:r>
+              <a:rPr lang="en-US" sz="1200" dirty="0"/>
+              <a:t> </a:t>
+            </a:r>
+            <a:endParaRPr lang="en-US" sz="1200" dirty="0">
+              <a:solidFill>
+                <a:srgbClr val="FF0000"/>
+              </a:solidFill>
+            </a:endParaRPr>
+          </a:p>
+          <a:p>
+            <a:endParaRPr lang="en-US" sz="1200" dirty="0"/>
+          </a:p>
+          <a:p>
+            <a:r>
+              <a:rPr lang="en-US" sz="1200" dirty="0"/>
+              <a:t>River Trail, Nehalem, and other code names featured are used internally within Intel to identify products that are in development and not yet publicly announced for release.  Customers, licensees and other third parties are not authorized by Intel to use code names in advertising, promotion or marketing of any product or services and any such use of Intel's internal code names is at the sole risk of the user. </a:t>
+            </a:r>
+          </a:p>
+          <a:p>
+            <a:pPr>
+              <a:spcBef>
+                <a:spcPts val="800"/>
+              </a:spcBef>
+            </a:pPr>
+            <a:r>
+              <a:rPr lang="en-US" sz="1200" dirty="0"/>
+              <a:t>Intel</a:t>
+            </a:r>
+            <a:r>
+              <a:rPr lang="en-US" sz="1200" dirty="0"/>
+              <a:t>, </a:t>
+            </a:r>
+            <a:r>
+              <a:rPr lang="en-US" sz="1200" dirty="0"/>
+              <a:t>Xeon, VTune, Atom, Core, Xeon Phi, Look Inside and </a:t>
+            </a:r>
+            <a:r>
+              <a:rPr lang="en-US" sz="1200" dirty="0"/>
+              <a:t>the Intel logo are trademarks of Intel Corporation in the United States and other countries.  </a:t>
+            </a:r>
+            <a:endParaRPr lang="en-US" sz="1200" dirty="0"/>
+          </a:p>
+          <a:p>
+            <a:pPr marL="237061" indent="-237061">
+              <a:buFont typeface="Arial" pitchFamily="34" charset="0"/>
+              <a:buChar char="•"/>
+            </a:pPr>
+            <a:endParaRPr lang="en-US" sz="1200" dirty="0"/>
+          </a:p>
+          <a:p>
+            <a:r>
+              <a:rPr lang="en-US" sz="1200" dirty="0"/>
+              <a:t>*Other names and brands may be claimed as the property of others.</a:t>
+            </a:r>
+          </a:p>
+          <a:p>
+            <a:r>
+              <a:rPr lang="en-US" sz="1200" dirty="0"/>
+              <a:t>Copyright </a:t>
+            </a:r>
+            <a:r>
+              <a:rPr lang="en-US" sz="1200" dirty="0"/>
+              <a:t>©2014 </a:t>
+            </a:r>
+            <a:r>
+              <a:rPr lang="en-US" sz="1200" dirty="0"/>
+              <a:t>Intel Corporation.</a:t>
+            </a:r>
+          </a:p>
+        </p:txBody>
+      </p:sp>
     </p:spTree>
     <p:extLst>
       <p:ext uri="{BB962C8B-B14F-4D97-AF65-F5344CB8AC3E}">
-        <p14:creationId xmlns:p14="http://schemas.microsoft.com/office/powerpoint/2010/main" val="703239387"/>
+        <p14:creationId xmlns:p14="http://schemas.microsoft.com/office/powerpoint/2010/main" val="3895463079"/>
       </p:ext>
     </p:extLst>
   </p:cSld>
   <p:clrMapOvr>
     <a:masterClrMapping/>
   </p:clrMapOvr>
+  <p:transition/>
+  <p:timing>
+    <p:tnLst>
+      <p:par>
+        <p:cTn id="1" dur="indefinite" restart="never" nodeType="tmRoot"/>
+      </p:par>
+    </p:tnLst>
+  </p:timing>
+</p:sld>
+</file>
+
+<file path=ppt/slides/slide28.xml><?xml version="1.0" encoding="utf-8"?>
+<p:sld xmlns:a="http://schemas.openxmlformats.org/drawingml/2006/main" xmlns:r="http://schemas.openxmlformats.org/officeDocument/2006/relationships" xmlns:p="http://schemas.openxmlformats.org/presentationml/2006/main">
+  <p:cSld>
+    <p:spTree>
+      <p:nvGrpSpPr>
+        <p:cNvPr id="1" name=""/>
+        <p:cNvGrpSpPr/>
+        <p:nvPr/>
+      </p:nvGrpSpPr>
+      <p:grpSpPr>
+        <a:xfrm>
+          <a:off x="0" y="0"/>
+          <a:ext cx="0" cy="0"/>
+          <a:chOff x="0" y="0"/>
+          <a:chExt cx="0" cy="0"/>
+        </a:xfrm>
+      </p:grpSpPr>
+      <p:sp>
+        <p:nvSpPr>
+          <p:cNvPr id="3" name="Rectangle 2"/>
+          <p:cNvSpPr/>
+          <p:nvPr/>
+        </p:nvSpPr>
+        <p:spPr>
+          <a:xfrm>
+            <a:off x="748145" y="1905000"/>
+            <a:ext cx="10058400" cy="3631759"/>
+          </a:xfrm>
+          <a:prstGeom prst="rect">
+            <a:avLst/>
+          </a:prstGeom>
+          <a:ln>
+            <a:solidFill>
+              <a:schemeClr val="tx1"/>
+            </a:solidFill>
+          </a:ln>
+        </p:spPr>
+        <p:txBody>
+          <a:bodyPr wrap="square" lIns="121917" tIns="60958" rIns="121917" bIns="60958">
+            <a:spAutoFit/>
+          </a:bodyPr>
+          <a:lstStyle/>
+          <a:p>
+            <a:r>
+              <a:rPr lang="en-US" sz="1900" dirty="0"/>
+              <a:t>Intel's compilers may or may not optimize to the same degree for non-Intel microprocessors for optimizations that are not unique to Intel microprocessors. These optimizations include SSE2, SSE3, and SSE3 instruction sets and other optimizations. Intel does not guarantee the availability, functionality, or effectiveness of any optimization on microprocessors not manufactured by Intel. </a:t>
+            </a:r>
+            <a:br>
+              <a:rPr lang="en-US" sz="1900" dirty="0"/>
+            </a:br>
+            <a:r>
+              <a:rPr lang="en-US" sz="1900" dirty="0"/>
+              <a:t/>
+            </a:r>
+            <a:br>
+              <a:rPr lang="en-US" sz="1900" dirty="0"/>
+            </a:br>
+            <a:r>
+              <a:rPr lang="en-US" sz="1900" dirty="0"/>
+              <a:t>Microprocessor-dependent optimizations in this product are intended for use with Intel microprocessors. Certain optimizations not specific to Intel microarchitecture are reserved for Intel microprocessors. Please refer to the applicable product User and Reference Guides for more information regarding the specific instruction sets covered by this notice.</a:t>
+            </a:r>
+            <a:br>
+              <a:rPr lang="en-US" sz="1900" dirty="0"/>
+            </a:br>
+            <a:r>
+              <a:rPr lang="en-US" sz="1900" dirty="0"/>
+              <a:t/>
+            </a:r>
+            <a:br>
+              <a:rPr lang="en-US" sz="1900" dirty="0"/>
+            </a:br>
+            <a:r>
+              <a:rPr lang="en-US" sz="1900" dirty="0"/>
+              <a:t>Notice revision #20110804 </a:t>
+            </a:r>
+          </a:p>
+        </p:txBody>
+      </p:sp>
+    </p:spTree>
+    <p:extLst>
+      <p:ext uri="{BB962C8B-B14F-4D97-AF65-F5344CB8AC3E}">
+        <p14:creationId xmlns:p14="http://schemas.microsoft.com/office/powerpoint/2010/main" val="1680569284"/>
+      </p:ext>
+    </p:extLst>
+  </p:cSld>
+  <p:clrMapOvr>
+    <a:masterClrMapping/>
+  </p:clrMapOvr>
+  <p:timing>
+    <p:tnLst>
+      <p:par>
+        <p:cTn id="1" dur="indefinite" restart="never" nodeType="tmRoot"/>
+      </p:par>
+    </p:tnLst>
+  </p:timing>
+</p:sld>
+</file>
+
+<file path=ppt/slides/slide29.xml><?xml version="1.0" encoding="utf-8"?>
+<p:sld xmlns:a="http://schemas.openxmlformats.org/drawingml/2006/main" xmlns:r="http://schemas.openxmlformats.org/officeDocument/2006/relationships" xmlns:p="http://schemas.openxmlformats.org/presentationml/2006/main">
+  <p:cSld>
+    <p:spTree>
+      <p:nvGrpSpPr>
+        <p:cNvPr id="1" name=""/>
+        <p:cNvGrpSpPr/>
+        <p:nvPr/>
+      </p:nvGrpSpPr>
+      <p:grpSpPr>
+        <a:xfrm>
+          <a:off x="0" y="0"/>
+          <a:ext cx="0" cy="0"/>
+          <a:chOff x="0" y="0"/>
+          <a:chExt cx="0" cy="0"/>
+        </a:xfrm>
+      </p:grpSpPr>
+      <p:sp>
+        <p:nvSpPr>
+          <p:cNvPr id="3" name="Content Placeholder 2"/>
+          <p:cNvSpPr>
+            <a:spLocks noGrp="1"/>
+          </p:cNvSpPr>
+          <p:nvPr>
+            <p:ph idx="4294967295"/>
+          </p:nvPr>
+        </p:nvSpPr>
+        <p:spPr>
+          <a:xfrm>
+            <a:off x="251162" y="845128"/>
+            <a:ext cx="11543676" cy="4906963"/>
+          </a:xfrm>
+          <a:prstGeom prst="rect">
+            <a:avLst/>
+          </a:prstGeom>
+        </p:spPr>
+        <p:txBody>
+          <a:bodyPr lIns="121917" tIns="60958" rIns="121917" bIns="60958">
+            <a:noAutofit/>
+          </a:bodyPr>
+          <a:lstStyle/>
+          <a:p>
+            <a:pPr marL="285750" indent="-285750">
+              <a:spcAft>
+                <a:spcPct val="0"/>
+              </a:spcAft>
+              <a:buFont typeface="Arial" panose="020B0604020202020204" pitchFamily="34" charset="0"/>
+              <a:buChar char="•"/>
+            </a:pPr>
+            <a:r>
+              <a:rPr lang="en-US" sz="1400" dirty="0">
+                <a:cs typeface="Arial" charset="0"/>
+              </a:rPr>
+              <a:t>Software </a:t>
+            </a:r>
+            <a:r>
+              <a:rPr lang="en-US" sz="1400" dirty="0">
+                <a:cs typeface="Arial" charset="0"/>
+              </a:rPr>
+              <a:t>and workloads used in performance tests may have been optimized for performance only on Intel microprocessors. Performance tests, such as SYSmark* and MobileMark*, are measured using specific computer systems, components, software, operations and functions.  Any change to any of those factors may cause the results to vary. You should consult other information and performance tests to assist you in fully evaluating your contemplated purchases, including the performance of that product when combined with other products. For more information go to </a:t>
+            </a:r>
+            <a:r>
+              <a:rPr lang="en-US" sz="1400" dirty="0">
+                <a:cs typeface="Arial" charset="0"/>
+                <a:hlinkClick r:id="rId2"/>
+              </a:rPr>
+              <a:t>http://www.intel.com/performance</a:t>
+            </a:r>
+            <a:r>
+              <a:rPr lang="en-US" sz="1400" dirty="0">
+                <a:cs typeface="Arial" charset="0"/>
+              </a:rPr>
+              <a:t>.</a:t>
+            </a:r>
+          </a:p>
+          <a:p>
+            <a:pPr marL="285750" indent="-285750">
+              <a:spcAft>
+                <a:spcPct val="0"/>
+              </a:spcAft>
+              <a:buFont typeface="Arial" panose="020B0604020202020204" pitchFamily="34" charset="0"/>
+              <a:buChar char="•"/>
+            </a:pPr>
+            <a:r>
+              <a:rPr lang="en-US" sz="1500" dirty="0">
+                <a:cs typeface="Arial" charset="0"/>
+              </a:rPr>
+              <a:t>Software </a:t>
+            </a:r>
+            <a:r>
+              <a:rPr lang="en-US" sz="1500" dirty="0">
+                <a:cs typeface="Arial" charset="0"/>
+              </a:rPr>
+              <a:t>Source Code Disclaimer:   Any software source code reprinted in this document is furnished under a software license and may only be used or copied in accordance with the terms of that license. </a:t>
+            </a:r>
+          </a:p>
+          <a:p>
+            <a:pPr marL="237061" indent="-237061">
+              <a:spcAft>
+                <a:spcPct val="0"/>
+              </a:spcAft>
+            </a:pPr>
+            <a:r>
+              <a:rPr lang="en-US" sz="1500" dirty="0">
+                <a:cs typeface="Arial" charset="0"/>
+              </a:rPr>
+              <a:t>	Permission is hereby granted, free of charge, to any person obtaining a copy of this software and associated documentation files (the "Software"), to deal in the Software without restriction, including without limitation the rights to use, copy, modify, merge, publish, distribute, sublicense, and/or sell copies of the Software, and to permit persons to whom the Software is furnished to do so, subject to the following conditions:</a:t>
+            </a:r>
+          </a:p>
+          <a:p>
+            <a:pPr marL="237061" indent="-237061">
+              <a:spcAft>
+                <a:spcPct val="0"/>
+              </a:spcAft>
+            </a:pPr>
+            <a:r>
+              <a:rPr lang="en-US" sz="1500" dirty="0">
+                <a:cs typeface="Arial" charset="0"/>
+              </a:rPr>
+              <a:t>	THE SOFTWARE IS PROVIDED "AS IS", WITHOUT WARRANTY OF ANY KIND,  EXPRESS OR IMPLIED, INCLUDING BUT NOT LIMITED TO THE WARRANTIES OF  MERCHANTABILITY, FITNESS FOR A PARTICULAR PURPOSE AND  NONINFRINGEMENT.  IN NO EVENT SHALL THE AUTHORS OR COPYRIGHT HOLDERS BE LIABLE FOR ANY CLAIM, DAMAGES OR OTHER LIABILITY, WHETHER IN AN ACTION OF CONTRACT, TORT OR OTHERWISE, ARISING FROM, OUT OF OR IN CONNECTION WITH THE SOFTWARE OR THE USE OR OTHER DEALINGS IN THE SOFTWARE.</a:t>
+            </a:r>
+          </a:p>
+          <a:p>
+            <a:pPr marL="237061" indent="-237061">
+              <a:spcAft>
+                <a:spcPct val="0"/>
+              </a:spcAft>
+            </a:pPr>
+            <a:endParaRPr lang="en-US" sz="1500" dirty="0">
+              <a:cs typeface="Arial" charset="0"/>
+            </a:endParaRPr>
+          </a:p>
+          <a:p>
+            <a:pPr marL="237061" indent="-237061">
+              <a:spcAft>
+                <a:spcPct val="0"/>
+              </a:spcAft>
+            </a:pPr>
+            <a:endParaRPr lang="en-US" sz="1500" dirty="0">
+              <a:cs typeface="Arial" charset="0"/>
+            </a:endParaRPr>
+          </a:p>
+          <a:p>
+            <a:pPr marL="237061" indent="-237061">
+              <a:spcAft>
+                <a:spcPct val="0"/>
+              </a:spcAft>
+            </a:pPr>
+            <a:endParaRPr lang="en-US" sz="1400" dirty="0">
+              <a:cs typeface="Arial" charset="0"/>
+            </a:endParaRPr>
+          </a:p>
+          <a:p>
+            <a:pPr marL="237061" indent="-237061">
+              <a:spcAft>
+                <a:spcPct val="0"/>
+              </a:spcAft>
+            </a:pPr>
+            <a:endParaRPr lang="en-US" sz="1400" dirty="0">
+              <a:cs typeface="Arial" charset="0"/>
+            </a:endParaRPr>
+          </a:p>
+          <a:p>
+            <a:pPr marL="237061" indent="-237061">
+              <a:spcAft>
+                <a:spcPct val="0"/>
+              </a:spcAft>
+            </a:pPr>
+            <a:endParaRPr lang="en-US" sz="1400" dirty="0">
+              <a:cs typeface="Arial" charset="0"/>
+            </a:endParaRPr>
+          </a:p>
+        </p:txBody>
+      </p:sp>
+      <p:sp>
+        <p:nvSpPr>
+          <p:cNvPr id="5" name="Title 1"/>
+          <p:cNvSpPr>
+            <a:spLocks noGrp="1"/>
+          </p:cNvSpPr>
+          <p:nvPr>
+            <p:ph type="title"/>
+          </p:nvPr>
+        </p:nvSpPr>
+        <p:spPr>
+          <a:xfrm>
+            <a:off x="213813" y="35256"/>
+            <a:ext cx="11480800" cy="685800"/>
+          </a:xfrm>
+        </p:spPr>
+        <p:txBody>
+          <a:bodyPr>
+            <a:noAutofit/>
+          </a:bodyPr>
+          <a:lstStyle/>
+          <a:p>
+            <a:r>
+              <a:rPr lang="en-US" sz="3700" dirty="0"/>
+              <a:t>Legal Disclaimer</a:t>
+            </a:r>
+            <a:endParaRPr lang="en-US" sz="2100" dirty="0"/>
+          </a:p>
+        </p:txBody>
+      </p:sp>
+    </p:spTree>
+    <p:extLst>
+      <p:ext uri="{BB962C8B-B14F-4D97-AF65-F5344CB8AC3E}">
+        <p14:creationId xmlns:p14="http://schemas.microsoft.com/office/powerpoint/2010/main" val="2379677204"/>
+      </p:ext>
+    </p:extLst>
+  </p:cSld>
+  <p:clrMapOvr>
+    <a:masterClrMapping/>
+  </p:clrMapOvr>
+  <p:timing>
+    <p:tnLst>
+      <p:par>
+        <p:cTn id="1" dur="indefinite" restart="never" nodeType="tmRoot"/>
+      </p:par>
+    </p:tnLst>
+  </p:timing>
 </p:sld>
 </file>
 
@@ -13700,6 +14926,472 @@
 </p:sld>
 </file>
 
+<file path=ppt/slides/slide30.xml><?xml version="1.0" encoding="utf-8"?>
+<p:sld xmlns:a="http://schemas.openxmlformats.org/drawingml/2006/main" xmlns:r="http://schemas.openxmlformats.org/officeDocument/2006/relationships" xmlns:p="http://schemas.openxmlformats.org/presentationml/2006/main">
+  <p:cSld>
+    <p:spTree>
+      <p:nvGrpSpPr>
+        <p:cNvPr id="1" name=""/>
+        <p:cNvGrpSpPr/>
+        <p:nvPr/>
+      </p:nvGrpSpPr>
+      <p:grpSpPr>
+        <a:xfrm>
+          <a:off x="0" y="0"/>
+          <a:ext cx="0" cy="0"/>
+          <a:chOff x="0" y="0"/>
+          <a:chExt cx="0" cy="0"/>
+        </a:xfrm>
+      </p:grpSpPr>
+      <p:sp>
+        <p:nvSpPr>
+          <p:cNvPr id="3074" name="Rectangle 2"/>
+          <p:cNvSpPr>
+            <a:spLocks noGrp="1" noChangeArrowheads="1"/>
+          </p:cNvSpPr>
+          <p:nvPr>
+            <p:ph type="title"/>
+          </p:nvPr>
+        </p:nvSpPr>
+        <p:spPr>
+          <a:xfrm>
+            <a:off x="304800" y="10885"/>
+            <a:ext cx="11480800" cy="685800"/>
+          </a:xfrm>
+        </p:spPr>
+        <p:txBody>
+          <a:bodyPr/>
+          <a:lstStyle/>
+          <a:p>
+            <a:pPr eaLnBrk="1" hangingPunct="1"/>
+            <a:r>
+              <a:rPr lang="en-US" dirty="0" smtClean="0"/>
+              <a:t>Risk Factors</a:t>
+            </a:r>
+          </a:p>
+        </p:txBody>
+      </p:sp>
+      <p:sp>
+        <p:nvSpPr>
+          <p:cNvPr id="7" name="Rectangle 3"/>
+          <p:cNvSpPr txBox="1">
+            <a:spLocks noChangeArrowheads="1"/>
+          </p:cNvSpPr>
+          <p:nvPr/>
+        </p:nvSpPr>
+        <p:spPr>
+          <a:xfrm>
+            <a:off x="304802" y="696686"/>
+            <a:ext cx="11427884" cy="5321503"/>
+          </a:xfrm>
+          <a:prstGeom prst="rect">
+            <a:avLst/>
+          </a:prstGeom>
+        </p:spPr>
+        <p:txBody>
+          <a:bodyPr vert="horz" lIns="121917" tIns="60958" rIns="121917" bIns="60958" rtlCol="0" anchor="t" anchorCtr="0">
+            <a:noAutofit/>
+          </a:bodyPr>
+          <a:lstStyle>
+            <a:lvl1pPr marL="342900" indent="-342900" algn="l" defTabSz="914400" rtl="0" eaLnBrk="1" latinLnBrk="0" hangingPunct="1">
+              <a:lnSpc>
+                <a:spcPct val="100000"/>
+              </a:lnSpc>
+              <a:spcBef>
+                <a:spcPts val="0"/>
+              </a:spcBef>
+              <a:spcAft>
+                <a:spcPts val="600"/>
+              </a:spcAft>
+              <a:buClrTx/>
+              <a:buSzPct val="90000"/>
+              <a:buFont typeface="Arial" pitchFamily="34" charset="0"/>
+              <a:buChar char="•"/>
+              <a:defRPr sz="2400" kern="1200">
+                <a:solidFill>
+                  <a:schemeClr val="tx1"/>
+                </a:solidFill>
+                <a:latin typeface="+mj-lt"/>
+                <a:ea typeface="+mn-ea"/>
+                <a:cs typeface="+mn-cs"/>
+              </a:defRPr>
+            </a:lvl1pPr>
+            <a:lvl2pPr marL="692150" indent="-234950" algn="l" defTabSz="914400" rtl="0" eaLnBrk="1" latinLnBrk="0" hangingPunct="1">
+              <a:lnSpc>
+                <a:spcPct val="100000"/>
+              </a:lnSpc>
+              <a:spcBef>
+                <a:spcPts val="0"/>
+              </a:spcBef>
+              <a:spcAft>
+                <a:spcPts val="600"/>
+              </a:spcAft>
+              <a:buClrTx/>
+              <a:buFont typeface="Verdana" pitchFamily="34" charset="0"/>
+              <a:buChar char="–"/>
+              <a:defRPr sz="2000" kern="1200">
+                <a:solidFill>
+                  <a:schemeClr val="tx1"/>
+                </a:solidFill>
+                <a:latin typeface="+mj-lt"/>
+                <a:ea typeface="+mn-ea"/>
+                <a:cs typeface="+mn-cs"/>
+              </a:defRPr>
+            </a:lvl2pPr>
+            <a:lvl3pPr marL="1143000" marR="0" indent="-228600" algn="l" defTabSz="914400" rtl="0" eaLnBrk="1" fontAlgn="auto" latinLnBrk="0" hangingPunct="1">
+              <a:lnSpc>
+                <a:spcPct val="100000"/>
+              </a:lnSpc>
+              <a:spcBef>
+                <a:spcPts val="0"/>
+              </a:spcBef>
+              <a:spcAft>
+                <a:spcPts val="0"/>
+              </a:spcAft>
+              <a:buClrTx/>
+              <a:buSzTx/>
+              <a:buFont typeface="Wingdings" pitchFamily="2" charset="2"/>
+              <a:buChar char="§"/>
+              <a:tabLst/>
+              <a:defRPr sz="1800" kern="1200">
+                <a:solidFill>
+                  <a:schemeClr val="tx1"/>
+                </a:solidFill>
+                <a:latin typeface="+mj-lt"/>
+                <a:ea typeface="+mn-ea"/>
+                <a:cs typeface="+mn-cs"/>
+              </a:defRPr>
+            </a:lvl3pPr>
+            <a:lvl4pPr marL="1143000" indent="-228600" algn="l" defTabSz="914400" rtl="0" eaLnBrk="1" latinLnBrk="0" hangingPunct="1">
+              <a:lnSpc>
+                <a:spcPct val="100000"/>
+              </a:lnSpc>
+              <a:spcBef>
+                <a:spcPts val="0"/>
+              </a:spcBef>
+              <a:spcAft>
+                <a:spcPts val="600"/>
+              </a:spcAft>
+              <a:buClrTx/>
+              <a:buFont typeface="Wingdings" pitchFamily="2" charset="2"/>
+              <a:buChar char="Ø"/>
+              <a:defRPr sz="1600" kern="1200" baseline="0">
+                <a:solidFill>
+                  <a:schemeClr val="tx1"/>
+                </a:solidFill>
+                <a:latin typeface="+mn-lt"/>
+                <a:ea typeface="+mn-ea"/>
+                <a:cs typeface="+mn-cs"/>
+              </a:defRPr>
+            </a:lvl4pPr>
+            <a:lvl5pPr marL="1828800" indent="0" algn="l" defTabSz="914400" rtl="0" eaLnBrk="1" latinLnBrk="0" hangingPunct="1">
+              <a:spcBef>
+                <a:spcPct val="20000"/>
+              </a:spcBef>
+              <a:buClr>
+                <a:srgbClr val="0070C0"/>
+              </a:buClr>
+              <a:buFont typeface="Arial" pitchFamily="34" charset="0"/>
+              <a:buNone/>
+              <a:defRPr sz="1600" kern="1200">
+                <a:solidFill>
+                  <a:schemeClr val="tx1"/>
+                </a:solidFill>
+                <a:latin typeface="Neo Sans Intel" pitchFamily="34" charset="0"/>
+                <a:ea typeface="+mn-ea"/>
+                <a:cs typeface="+mn-cs"/>
+              </a:defRPr>
+            </a:lvl5pPr>
+            <a:lvl6pPr marL="2514600" indent="-228600" algn="l" defTabSz="914400" rtl="0" eaLnBrk="1" latinLnBrk="0" hangingPunct="1">
+              <a:spcBef>
+                <a:spcPct val="20000"/>
+              </a:spcBef>
+              <a:buFont typeface="Arial" pitchFamily="34" charset="0"/>
+              <a:buChar char="•"/>
+              <a:defRPr sz="2000" kern="1200">
+                <a:solidFill>
+                  <a:schemeClr val="tx1"/>
+                </a:solidFill>
+                <a:latin typeface="+mn-lt"/>
+                <a:ea typeface="+mn-ea"/>
+                <a:cs typeface="+mn-cs"/>
+              </a:defRPr>
+            </a:lvl6pPr>
+            <a:lvl7pPr marL="2971800" indent="-228600" algn="l" defTabSz="914400" rtl="0" eaLnBrk="1" latinLnBrk="0" hangingPunct="1">
+              <a:spcBef>
+                <a:spcPct val="20000"/>
+              </a:spcBef>
+              <a:buFont typeface="Arial" pitchFamily="34" charset="0"/>
+              <a:buChar char="•"/>
+              <a:defRPr sz="2000" kern="1200">
+                <a:solidFill>
+                  <a:schemeClr val="tx1"/>
+                </a:solidFill>
+                <a:latin typeface="+mn-lt"/>
+                <a:ea typeface="+mn-ea"/>
+                <a:cs typeface="+mn-cs"/>
+              </a:defRPr>
+            </a:lvl7pPr>
+            <a:lvl8pPr marL="3429000" indent="-228600" algn="l" defTabSz="914400" rtl="0" eaLnBrk="1" latinLnBrk="0" hangingPunct="1">
+              <a:spcBef>
+                <a:spcPct val="20000"/>
+              </a:spcBef>
+              <a:buFont typeface="Arial" pitchFamily="34" charset="0"/>
+              <a:buChar char="•"/>
+              <a:defRPr sz="2000" kern="1200">
+                <a:solidFill>
+                  <a:schemeClr val="tx1"/>
+                </a:solidFill>
+                <a:latin typeface="+mn-lt"/>
+                <a:ea typeface="+mn-ea"/>
+                <a:cs typeface="+mn-cs"/>
+              </a:defRPr>
+            </a:lvl8pPr>
+            <a:lvl9pPr marL="3886200" indent="-228600" algn="l" defTabSz="914400" rtl="0" eaLnBrk="1" latinLnBrk="0" hangingPunct="1">
+              <a:spcBef>
+                <a:spcPct val="20000"/>
+              </a:spcBef>
+              <a:buFont typeface="Arial" pitchFamily="34" charset="0"/>
+              <a:buChar char="•"/>
+              <a:defRPr sz="2000" kern="1200">
+                <a:solidFill>
+                  <a:schemeClr val="tx1"/>
+                </a:solidFill>
+                <a:latin typeface="+mn-lt"/>
+                <a:ea typeface="+mn-ea"/>
+                <a:cs typeface="+mn-cs"/>
+              </a:defRPr>
+            </a:lvl9pPr>
+          </a:lstStyle>
+          <a:p>
+            <a:pPr marL="0" indent="0">
+              <a:buNone/>
+              <a:defRPr/>
+            </a:pPr>
+            <a:r>
+              <a:rPr lang="en-US" sz="1300" dirty="0"/>
+              <a:t>The above statements and any others in this document that refer to plans and expectations for the third quarter, the year and the future are forward-looking statements that involve a number of risks and uncertainties. Words such as “anticipates,” “expects,” “intends,” “plans,” “believes,” “seeks,” “estimates,” “may,” “will,” “should” and their variations identify forward-looking statements. Statements that refer to or are based on projections, uncertain events or assumptions also identify forward-looking statements. Many factors could affect Intel’s actual results, and variances from Intel’s current expectations regarding such factors could cause actual results to differ materially from those expressed in these forward-looking statements. Intel presently considers the following to be the important factors that could cause actual results to differ materially from the company’s expectations. Demand could be different from Intel's expectations due to factors including changes in business and economic conditions; customer acceptance of Intel’s and competitors’ products; supply constraints and other disruptions affecting customers; changes in customer order patterns including order cancellations; and changes in the level of inventory at customers. Uncertainty in global economic and financial conditions poses a risk that consumers and businesses may defer purchases in response to negative financial events, which could negatively affect product demand and other related matters.  Intel operates in intensely competitive industries that are characterized by a high percentage of costs that are fixed or difficult to reduce in the short term and product demand that is highly variable and difficult to forecast. Revenue and the gross margin percentage are affected by the timing of Intel product introductions and the demand for and market acceptance of Intel's products; actions taken by Intel's competitors, including product offerings and introductions, marketing programs and pricing pressures and Intel’s response to such actions; and Intel’s ability to respond quickly to technological developments and to incorporate new features into its products. The gross margin percentage could vary significantly from expectations based on capacity utilization; variations in inventory valuation, including variations related to the timing of qualifying products for sale; changes in revenue levels; segment product mix; the timing and execution of the manufacturing ramp and associated costs; start-up costs; excess or obsolete inventory; changes in unit costs; defects or disruptions in the supply of materials or resources; product manufacturing quality/yields; and impairments of long-lived assets, including manufacturing, assembly/test and intangible assets.  Intel's results could be affected by adverse economic, social, political and physical/infrastructure conditions in countries where Intel, its customers or its suppliers operate, including military conflict and other security risks, natural disasters, infrastructure disruptions, health concerns and fluctuations in currency exchange rates. Expenses, particularly certain marketing and compensation expenses, as well as restructuring and asset impairment charges, vary depending on the level of demand for Intel's products and the level of revenue and profits. Intel’s results could be affected by the timing of closing of acquisitions and divestitures. Intel's results could be affected by adverse effects associated with product defects and errata (deviations from published specifications), and by litigation or regulatory matters involving intellectual property, stockholder, consumer, antitrust, disclosure and other issues, such as the litigation and regulatory matters described in Intel's SEC reports. An unfavorable ruling could include monetary damages or an injunction prohibiting Intel from manufacturing or selling one or more products, precluding particular business practices, impacting Intel’s ability to design its products, or requiring other remedies such as compulsory licensing of intellectual property. A detailed discussion of these and other factors that could affect Intel’s results is included in Intel’s SEC filings, including the company’s most recent reports on Form 10-Q, Form 10-K and earnings release. </a:t>
+            </a:r>
+          </a:p>
+        </p:txBody>
+      </p:sp>
+      <p:sp>
+        <p:nvSpPr>
+          <p:cNvPr id="9" name="Text Box 5"/>
+          <p:cNvSpPr txBox="1">
+            <a:spLocks noChangeArrowheads="1"/>
+          </p:cNvSpPr>
+          <p:nvPr/>
+        </p:nvSpPr>
+        <p:spPr bwMode="auto">
+          <a:xfrm>
+            <a:off x="435431" y="6125571"/>
+            <a:ext cx="1595967" cy="276995"/>
+          </a:xfrm>
+          <a:prstGeom prst="rect">
+            <a:avLst/>
+          </a:prstGeom>
+          <a:noFill/>
+          <a:ln>
+            <a:noFill/>
+          </a:ln>
+          <a:extLst>
+            <a:ext uri="{909E8E84-426E-40DD-AFC4-6F175D3DCCD1}">
+              <a14:hiddenFill xmlns:a14="http://schemas.microsoft.com/office/drawing/2010/main">
+                <a:solidFill>
+                  <a:srgbClr val="FFFFFF"/>
+                </a:solidFill>
+              </a14:hiddenFill>
+            </a:ext>
+            <a:ext uri="{91240B29-F687-4F45-9708-019B960494DF}">
+              <a14:hiddenLine xmlns:a14="http://schemas.microsoft.com/office/drawing/2010/main" w="50800" algn="ctr">
+                <a:solidFill>
+                  <a:srgbClr val="000000"/>
+                </a:solidFill>
+                <a:miter lim="800000"/>
+                <a:headEnd/>
+                <a:tailEnd/>
+              </a14:hiddenLine>
+            </a:ext>
+          </a:extLst>
+        </p:spPr>
+        <p:txBody>
+          <a:bodyPr lIns="121917" tIns="60958" rIns="121917" bIns="60958">
+            <a:spAutoFit/>
+          </a:bodyPr>
+          <a:lstStyle>
+            <a:lvl1pPr eaLnBrk="0" hangingPunct="0">
+              <a:defRPr sz="1000">
+                <a:solidFill>
+                  <a:schemeClr val="tx1"/>
+                </a:solidFill>
+                <a:latin typeface="Verdana" panose="020B0604030504040204" pitchFamily="34" charset="0"/>
+                <a:cs typeface="Arial" panose="020B0604020202020204" pitchFamily="34" charset="0"/>
+              </a:defRPr>
+            </a:lvl1pPr>
+            <a:lvl2pPr marL="742950" indent="-285750" eaLnBrk="0" hangingPunct="0">
+              <a:defRPr sz="1000">
+                <a:solidFill>
+                  <a:schemeClr val="tx1"/>
+                </a:solidFill>
+                <a:latin typeface="Verdana" panose="020B0604030504040204" pitchFamily="34" charset="0"/>
+                <a:cs typeface="Arial" panose="020B0604020202020204" pitchFamily="34" charset="0"/>
+              </a:defRPr>
+            </a:lvl2pPr>
+            <a:lvl3pPr marL="1143000" indent="-228600" eaLnBrk="0" hangingPunct="0">
+              <a:defRPr sz="1000">
+                <a:solidFill>
+                  <a:schemeClr val="tx1"/>
+                </a:solidFill>
+                <a:latin typeface="Verdana" panose="020B0604030504040204" pitchFamily="34" charset="0"/>
+                <a:cs typeface="Arial" panose="020B0604020202020204" pitchFamily="34" charset="0"/>
+              </a:defRPr>
+            </a:lvl3pPr>
+            <a:lvl4pPr marL="1600200" indent="-228600" eaLnBrk="0" hangingPunct="0">
+              <a:defRPr sz="1000">
+                <a:solidFill>
+                  <a:schemeClr val="tx1"/>
+                </a:solidFill>
+                <a:latin typeface="Verdana" panose="020B0604030504040204" pitchFamily="34" charset="0"/>
+                <a:cs typeface="Arial" panose="020B0604020202020204" pitchFamily="34" charset="0"/>
+              </a:defRPr>
+            </a:lvl4pPr>
+            <a:lvl5pPr marL="2057400" indent="-228600" eaLnBrk="0" hangingPunct="0">
+              <a:defRPr sz="1000">
+                <a:solidFill>
+                  <a:schemeClr val="tx1"/>
+                </a:solidFill>
+                <a:latin typeface="Verdana" panose="020B0604030504040204" pitchFamily="34" charset="0"/>
+                <a:cs typeface="Arial" panose="020B0604020202020204" pitchFamily="34" charset="0"/>
+              </a:defRPr>
+            </a:lvl5pPr>
+            <a:lvl6pPr marL="2514600" indent="-228600" eaLnBrk="0" fontAlgn="base" hangingPunct="0">
+              <a:spcBef>
+                <a:spcPct val="0"/>
+              </a:spcBef>
+              <a:spcAft>
+                <a:spcPct val="0"/>
+              </a:spcAft>
+              <a:defRPr sz="1000">
+                <a:solidFill>
+                  <a:schemeClr val="tx1"/>
+                </a:solidFill>
+                <a:latin typeface="Verdana" panose="020B0604030504040204" pitchFamily="34" charset="0"/>
+                <a:cs typeface="Arial" panose="020B0604020202020204" pitchFamily="34" charset="0"/>
+              </a:defRPr>
+            </a:lvl6pPr>
+            <a:lvl7pPr marL="2971800" indent="-228600" eaLnBrk="0" fontAlgn="base" hangingPunct="0">
+              <a:spcBef>
+                <a:spcPct val="0"/>
+              </a:spcBef>
+              <a:spcAft>
+                <a:spcPct val="0"/>
+              </a:spcAft>
+              <a:defRPr sz="1000">
+                <a:solidFill>
+                  <a:schemeClr val="tx1"/>
+                </a:solidFill>
+                <a:latin typeface="Verdana" panose="020B0604030504040204" pitchFamily="34" charset="0"/>
+                <a:cs typeface="Arial" panose="020B0604020202020204" pitchFamily="34" charset="0"/>
+              </a:defRPr>
+            </a:lvl7pPr>
+            <a:lvl8pPr marL="3429000" indent="-228600" eaLnBrk="0" fontAlgn="base" hangingPunct="0">
+              <a:spcBef>
+                <a:spcPct val="0"/>
+              </a:spcBef>
+              <a:spcAft>
+                <a:spcPct val="0"/>
+              </a:spcAft>
+              <a:defRPr sz="1000">
+                <a:solidFill>
+                  <a:schemeClr val="tx1"/>
+                </a:solidFill>
+                <a:latin typeface="Verdana" panose="020B0604030504040204" pitchFamily="34" charset="0"/>
+                <a:cs typeface="Arial" panose="020B0604020202020204" pitchFamily="34" charset="0"/>
+              </a:defRPr>
+            </a:lvl8pPr>
+            <a:lvl9pPr marL="3886200" indent="-228600" eaLnBrk="0" fontAlgn="base" hangingPunct="0">
+              <a:spcBef>
+                <a:spcPct val="0"/>
+              </a:spcBef>
+              <a:spcAft>
+                <a:spcPct val="0"/>
+              </a:spcAft>
+              <a:defRPr sz="1000">
+                <a:solidFill>
+                  <a:schemeClr val="tx1"/>
+                </a:solidFill>
+                <a:latin typeface="Verdana" panose="020B0604030504040204" pitchFamily="34" charset="0"/>
+                <a:cs typeface="Arial" panose="020B0604020202020204" pitchFamily="34" charset="0"/>
+              </a:defRPr>
+            </a:lvl9pPr>
+          </a:lstStyle>
+          <a:p>
+            <a:pPr eaLnBrk="1" hangingPunct="1">
+              <a:spcBef>
+                <a:spcPct val="50000"/>
+              </a:spcBef>
+            </a:pPr>
+            <a:r>
+              <a:rPr lang="en-US" dirty="0">
+                <a:latin typeface="+mj-lt"/>
+                <a:cs typeface="+mn-cs"/>
+              </a:rPr>
+              <a:t>Rev. 7/17/13</a:t>
+            </a:r>
+          </a:p>
+        </p:txBody>
+      </p:sp>
+    </p:spTree>
+    <p:extLst>
+      <p:ext uri="{BB962C8B-B14F-4D97-AF65-F5344CB8AC3E}">
+        <p14:creationId xmlns:p14="http://schemas.microsoft.com/office/powerpoint/2010/main" val="2925668619"/>
+      </p:ext>
+    </p:extLst>
+  </p:cSld>
+  <p:clrMapOvr>
+    <a:masterClrMapping/>
+  </p:clrMapOvr>
+  <p:timing>
+    <p:tnLst>
+      <p:par>
+        <p:cTn id="1" dur="indefinite" restart="never" nodeType="tmRoot"/>
+      </p:par>
+    </p:tnLst>
+  </p:timing>
+</p:sld>
+</file>
+
+<file path=ppt/slides/slide31.xml><?xml version="1.0" encoding="utf-8"?>
+<p:sld xmlns:a="http://schemas.openxmlformats.org/drawingml/2006/main" xmlns:r="http://schemas.openxmlformats.org/officeDocument/2006/relationships" xmlns:p="http://schemas.openxmlformats.org/presentationml/2006/main">
+  <p:cSld>
+    <p:spTree>
+      <p:nvGrpSpPr>
+        <p:cNvPr id="1" name=""/>
+        <p:cNvGrpSpPr/>
+        <p:nvPr/>
+      </p:nvGrpSpPr>
+      <p:grpSpPr>
+        <a:xfrm>
+          <a:off x="0" y="0"/>
+          <a:ext cx="0" cy="0"/>
+          <a:chOff x="0" y="0"/>
+          <a:chExt cx="0" cy="0"/>
+        </a:xfrm>
+      </p:grpSpPr>
+    </p:spTree>
+    <p:extLst>
+      <p:ext uri="{BB962C8B-B14F-4D97-AF65-F5344CB8AC3E}">
+        <p14:creationId xmlns:p14="http://schemas.microsoft.com/office/powerpoint/2010/main" val="703239387"/>
+      </p:ext>
+    </p:extLst>
+  </p:cSld>
+  <p:clrMapOvr>
+    <a:masterClrMapping/>
+  </p:clrMapOvr>
+</p:sld>
+</file>
+
 <file path=ppt/slides/slide4.xml><?xml version="1.0" encoding="utf-8"?>
 <p:sld xmlns:a="http://schemas.openxmlformats.org/drawingml/2006/main" xmlns:r="http://schemas.openxmlformats.org/officeDocument/2006/relationships" xmlns:p="http://schemas.openxmlformats.org/presentationml/2006/main">
   <p:cSld>
@@ -13734,7 +15426,15 @@
           <a:p>
             <a:r>
               <a:rPr lang="en-US" dirty="0" smtClean="0"/>
-              <a:t>JavaScript’s Popularity and Use on the Rise!</a:t>
+              <a:t>JavaScript*</a:t>
+            </a:r>
+            <a:r>
+              <a:rPr lang="en-US" dirty="0"/>
+              <a:t>’s </a:t>
+            </a:r>
+            <a:r>
+              <a:rPr lang="en-US" dirty="0" smtClean="0"/>
+              <a:t>Popularity and Use on the Rise!</a:t>
             </a:r>
             <a:endParaRPr lang="en-US" dirty="0"/>
           </a:p>
@@ -13768,8 +15468,33 @@
             </a:pPr>
             <a:r>
               <a:rPr lang="en-US" dirty="0" smtClean="0"/>
-              <a:t>Games (Unreal, Unity) (via Emscripten/asm.js)</a:t>
-            </a:r>
+              <a:t>Games (</a:t>
+            </a:r>
+            <a:r>
+              <a:rPr lang="en-US" dirty="0" smtClean="0"/>
+              <a:t>Unreal*, Unity*) </a:t>
+            </a:r>
+            <a:r>
+              <a:rPr lang="en-US" dirty="0" smtClean="0"/>
+              <a:t>(via </a:t>
+            </a:r>
+            <a:r>
+              <a:rPr lang="en-US" dirty="0" err="1" smtClean="0"/>
+              <a:t>Emscripten</a:t>
+            </a:r>
+            <a:r>
+              <a:rPr lang="en-US" dirty="0" smtClean="0"/>
+              <a:t>* </a:t>
+            </a:r>
+            <a:r>
+              <a:rPr lang="en-US" dirty="0"/>
+              <a:t>/</a:t>
+            </a:r>
+            <a:r>
+              <a:rPr lang="en-US" dirty="0" smtClean="0"/>
+              <a:t>asm.js*)</a:t>
+            </a:r>
+            <a:endParaRPr lang="en-US" dirty="0" smtClean="0"/>
           </a:p>
           <a:p>
             <a:pPr marL="342900" indent="-342900">
@@ -13796,6 +15521,10 @@
             </a:r>
             <a:r>
               <a:rPr lang="en-US" dirty="0" smtClean="0"/>
+              <a:t>* </a:t>
+            </a:r>
+            <a:r>
+              <a:rPr lang="en-US" dirty="0"/>
               <a:t>/</a:t>
             </a:r>
             <a:r>
@@ -13804,11 +15533,15 @@
             </a:r>
             <a:r>
               <a:rPr lang="en-US" dirty="0" smtClean="0"/>
-              <a:t>/</a:t>
+              <a:t>*/</a:t>
             </a:r>
             <a:r>
               <a:rPr lang="en-US" dirty="0" err="1" smtClean="0"/>
               <a:t>Tizen</a:t>
+            </a:r>
+            <a:r>
+              <a:rPr lang="en-US" dirty="0" smtClean="0"/>
+              <a:t>*</a:t>
             </a:r>
             <a:endParaRPr lang="en-US" dirty="0" smtClean="0"/>
           </a:p>
@@ -13819,7 +15552,27 @@
             </a:pPr>
             <a:r>
               <a:rPr lang="en-US" dirty="0" smtClean="0"/>
-              <a:t>Standalone desktop JavaScript apps via NW.js (formerly node-</a:t>
+              <a:t>Standalone desktop </a:t>
+            </a:r>
+            <a:r>
+              <a:rPr lang="en-US" dirty="0" smtClean="0"/>
+              <a:t>JavaScript* </a:t>
+            </a:r>
+            <a:r>
+              <a:rPr lang="en-US" dirty="0" smtClean="0"/>
+              <a:t>apps via </a:t>
+            </a:r>
+            <a:r>
+              <a:rPr lang="en-US" dirty="0" smtClean="0"/>
+              <a:t>NW.js* </a:t>
+            </a:r>
+            <a:r>
+              <a:rPr lang="en-US" dirty="0" smtClean="0"/>
+              <a:t>(formerly </a:t>
+            </a:r>
+            <a:r>
+              <a:rPr lang="en-US" dirty="0" smtClean="0"/>
+              <a:t>node-</a:t>
             </a:r>
             <a:r>
               <a:rPr lang="en-US" dirty="0" err="1" smtClean="0"/>
@@ -13827,7 +15580,19 @@
             </a:r>
             <a:r>
               <a:rPr lang="en-US" dirty="0" smtClean="0"/>
-              <a:t>) (Intel XDK)</a:t>
+              <a:t>*) </a:t>
+            </a:r>
+            <a:r>
+              <a:rPr lang="en-US" dirty="0" smtClean="0"/>
+              <a:t>(</a:t>
+            </a:r>
+            <a:r>
+              <a:rPr lang="en-US" dirty="0" smtClean="0"/>
+              <a:t>Intel® </a:t>
+            </a:r>
+            <a:r>
+              <a:rPr lang="en-US" dirty="0" smtClean="0"/>
+              <a:t>XDK)</a:t>
             </a:r>
           </a:p>
           <a:p>
@@ -13837,7 +15602,27 @@
             </a:pPr>
             <a:r>
               <a:rPr lang="en-US" dirty="0" smtClean="0"/>
-              <a:t>Full featured browser based apps (Google Docs/maps, Office 365, …)</a:t>
+              <a:t>Full featured browser based apps (</a:t>
+            </a:r>
+            <a:r>
+              <a:rPr lang="en-US" dirty="0" smtClean="0"/>
+              <a:t>Google* </a:t>
+            </a:r>
+            <a:r>
+              <a:rPr lang="en-US" dirty="0" smtClean="0"/>
+              <a:t>Docs/maps, </a:t>
+            </a:r>
+            <a:r>
+              <a:rPr lang="en-US" dirty="0" smtClean="0"/>
+              <a:t>Office</a:t>
+            </a:r>
+            <a:r>
+              <a:rPr lang="en-US" dirty="0" smtClean="0"/>
+              <a:t>365*, </a:t>
+            </a:r>
+            <a:r>
+              <a:rPr lang="en-US" dirty="0" smtClean="0"/>
+              <a:t>…)</a:t>
             </a:r>
           </a:p>
           <a:p>
@@ -13847,7 +15632,11 @@
             </a:pPr>
             <a:r>
               <a:rPr lang="en-US" dirty="0" smtClean="0"/>
-              <a:t>Server side logic via node.js/io.js</a:t>
+              <a:t>Server side logic via </a:t>
+            </a:r>
+            <a:r>
+              <a:rPr lang="en-US" dirty="0" smtClean="0"/>
+              <a:t>node.js*/io.js*</a:t>
             </a:r>
             <a:endParaRPr lang="en-US" dirty="0"/>
           </a:p>
@@ -14154,7 +15943,15 @@
             </a:pPr>
             <a:r>
               <a:rPr lang="en-US" dirty="0" smtClean="0"/>
-              <a:t>Currently, it’s not possible to utilize these powerful instructions from JavaScript programs</a:t>
+              <a:t>Currently, it’s not possible to utilize these powerful instructions from </a:t>
+            </a:r>
+            <a:r>
+              <a:rPr lang="en-US" dirty="0" smtClean="0"/>
+              <a:t>JavaScript* </a:t>
+            </a:r>
+            <a:r>
+              <a:rPr lang="en-US" dirty="0" smtClean="0"/>
+              <a:t>programs</a:t>
             </a:r>
             <a:endParaRPr lang="en-US" dirty="0"/>
           </a:p>
@@ -14202,7 +15999,42 @@
                 </a:solidFill>
                 <a:cs typeface="Neo Sans Intel"/>
               </a:rPr>
-              <a:t>SIMD.JS/Emscripten will bridge this gap </a:t>
+              <a:t>SIMD.JS/</a:t>
+            </a:r>
+            <a:r>
+              <a:rPr lang="en-US" sz="3600" b="1" dirty="0" err="1" smtClean="0">
+                <a:solidFill>
+                  <a:schemeClr val="bg1"/>
+                </a:solidFill>
+                <a:cs typeface="Neo Sans Intel"/>
+              </a:rPr>
+              <a:t>Emscripten</a:t>
+            </a:r>
+            <a:r>
+              <a:rPr lang="en-US" sz="3600" dirty="0" smtClean="0">
+                <a:solidFill>
+                  <a:schemeClr val="bg1"/>
+                </a:solidFill>
+              </a:rPr>
+              <a:t>*</a:t>
+            </a:r>
+            <a:r>
+              <a:rPr lang="en-US" sz="3600" b="1" dirty="0" smtClean="0">
+                <a:solidFill>
+                  <a:schemeClr val="bg1"/>
+                </a:solidFill>
+                <a:cs typeface="Neo Sans Intel"/>
+              </a:rPr>
+              <a:t> </a:t>
+            </a:r>
+            <a:r>
+              <a:rPr lang="en-US" sz="3600" b="1" dirty="0" smtClean="0">
+                <a:solidFill>
+                  <a:schemeClr val="bg1"/>
+                </a:solidFill>
+                <a:cs typeface="Neo Sans Intel"/>
+              </a:rPr>
+              <a:t>will bridge this gap </a:t>
             </a:r>
           </a:p>
         </p:txBody>
@@ -14429,7 +16261,12 @@
             <p:ph sz="quarter" idx="13"/>
           </p:nvPr>
         </p:nvSpPr>
-        <p:spPr/>
+        <p:spPr>
+          <a:xfrm>
+            <a:off x="607484" y="1604434"/>
+            <a:ext cx="11137673" cy="4567767"/>
+          </a:xfrm>
+        </p:spPr>
         <p:txBody>
           <a:bodyPr/>
           <a:lstStyle/>
@@ -14440,7 +16277,43 @@
             </a:pPr>
             <a:r>
               <a:rPr lang="en-US" b="1" dirty="0" smtClean="0"/>
-              <a:t>Intel/Mozilla/Google/Microsoft/ARM collaboration!</a:t>
+              <a:t>Intel/Mozilla</a:t>
+            </a:r>
+            <a:r>
+              <a:rPr lang="en-US" dirty="0" smtClean="0"/>
+              <a:t>*</a:t>
+            </a:r>
+            <a:r>
+              <a:rPr lang="en-US" b="1" dirty="0" smtClean="0"/>
+              <a:t>/Google</a:t>
+            </a:r>
+            <a:r>
+              <a:rPr lang="en-US" dirty="0" smtClean="0"/>
+              <a:t>*</a:t>
+            </a:r>
+            <a:r>
+              <a:rPr lang="en-US" b="1" dirty="0" smtClean="0"/>
+              <a:t>/Microsoft</a:t>
+            </a:r>
+            <a:r>
+              <a:rPr lang="en-US" dirty="0" smtClean="0"/>
+              <a:t>*</a:t>
+            </a:r>
+            <a:r>
+              <a:rPr lang="en-US" b="1" dirty="0" smtClean="0"/>
+              <a:t>/ARM</a:t>
+            </a:r>
+            <a:r>
+              <a:rPr lang="en-US" dirty="0" smtClean="0"/>
+              <a:t>*</a:t>
+            </a:r>
+            <a:r>
+              <a:rPr lang="en-US" b="1" dirty="0" smtClean="0"/>
+              <a:t>collaboration</a:t>
+            </a:r>
+            <a:r>
+              <a:rPr lang="en-US" b="1" dirty="0" smtClean="0"/>
+              <a:t>!</a:t>
             </a:r>
           </a:p>
           <a:p>
@@ -14476,7 +16349,23 @@
             </a:r>
             <a:r>
               <a:rPr lang="en-US" dirty="0" smtClean="0"/>
-              <a:t> (Google’s Dart VM team)</a:t>
+              <a:t> (</a:t>
+            </a:r>
+            <a:r>
+              <a:rPr lang="en-US" dirty="0" smtClean="0"/>
+              <a:t>Google*</a:t>
+            </a:r>
+            <a:r>
+              <a:rPr lang="en-US" dirty="0"/>
+              <a:t>’s </a:t>
+            </a:r>
+            <a:r>
+              <a:rPr lang="en-US" dirty="0" smtClean="0"/>
+              <a:t>Dart* </a:t>
+            </a:r>
+            <a:r>
+              <a:rPr lang="en-US" dirty="0" smtClean="0"/>
+              <a:t>VM team)</a:t>
             </a:r>
           </a:p>
           <a:p>
@@ -14486,8 +16375,13 @@
             </a:pPr>
             <a:r>
               <a:rPr lang="en-US" dirty="0" smtClean="0"/>
-              <a:t>Prototypes for Chromium, Firefox</a:t>
-            </a:r>
+              <a:t>Prototypes for </a:t>
+            </a:r>
+            <a:r>
+              <a:rPr lang="en-US" dirty="0" smtClean="0"/>
+              <a:t>Chromium*, Firefox*</a:t>
+            </a:r>
+            <a:endParaRPr lang="en-US" dirty="0" smtClean="0"/>
           </a:p>
           <a:p>
             <a:pPr marL="342900" indent="-342900">
@@ -14503,8 +16397,16 @@
               <a:t>Crossswalk</a:t>
             </a:r>
             <a:r>
+              <a:rPr lang="en-US" dirty="0" smtClean="0"/>
+              <a:t>*</a:t>
+            </a:r>
+            <a:r>
               <a:rPr lang="en-US" b="1" dirty="0" smtClean="0"/>
-              <a:t> web-runtime (for hybrid HTML5 apps) TODAY!</a:t>
+              <a:t> </a:t>
+            </a:r>
+            <a:r>
+              <a:rPr lang="en-US" b="1" dirty="0" smtClean="0"/>
+              <a:t>web-runtime (for hybrid HTML5 apps) TODAY!</a:t>
             </a:r>
           </a:p>
           <a:p>
@@ -14513,8 +16415,24 @@
               <a:buChar char="•"/>
             </a:pPr>
             <a:r>
-              <a:rPr lang="en-US" dirty="0" smtClean="0"/>
-              <a:t>Emscripten (C++ -&gt; JavaScript compiler) now generates SIMD.JS code from LLVM vector operations and from a subset of x86 SIMD </a:t>
+              <a:rPr lang="en-US" dirty="0" err="1" smtClean="0"/>
+              <a:t>Emscripten</a:t>
+            </a:r>
+            <a:r>
+              <a:rPr lang="en-US" dirty="0" smtClean="0"/>
+              <a:t>* </a:t>
+            </a:r>
+            <a:r>
+              <a:rPr lang="en-US" dirty="0" smtClean="0"/>
+              <a:t>(C++ -&gt; </a:t>
+            </a:r>
+            <a:r>
+              <a:rPr lang="en-US" dirty="0" smtClean="0"/>
+              <a:t>JavaScript* </a:t>
+            </a:r>
+            <a:r>
+              <a:rPr lang="en-US" dirty="0" smtClean="0"/>
+              <a:t>compiler) now generates SIMD.JS code from LLVM vector operations and from a subset of x86 SIMD </a:t>
             </a:r>
             <a:r>
               <a:rPr lang="en-US" dirty="0" err="1" smtClean="0"/>
@@ -14536,8 +16454,16 @@
               <a:t>EcmaScript</a:t>
             </a:r>
             <a:r>
+              <a:rPr lang="en-US" dirty="0" smtClean="0"/>
+              <a:t>*</a:t>
+            </a:r>
+            <a:r>
               <a:rPr lang="en-US" b="1" dirty="0" smtClean="0"/>
-              <a:t> 7</a:t>
+              <a:t> </a:t>
+            </a:r>
+            <a:r>
+              <a:rPr lang="en-US" b="1" dirty="0" smtClean="0"/>
+              <a:t>7</a:t>
             </a:r>
             <a:endParaRPr lang="en-US" b="1" dirty="0"/>
           </a:p>
@@ -15237,7 +17163,7 @@
   <a:extraClrSchemeLst/>
   <a:extLst>
     <a:ext uri="{05A4C25C-085E-4340-85A3-A5531E510DB2}">
-      <thm15:themeFamily xmlns:thm15="http://schemas.microsoft.com/office/thememl/2012/main" name="Office Theme" id="{62F939B6-93AF-4DB8-9C6B-D6C7DFDC589F}" vid="{4A3C46E8-61CC-4603-A589-7422A47A8E4A}"/>
+      <thm15:themeFamily xmlns:thm15="http://schemas.microsoft.com/office/thememl/2012/main" xmlns="" name="Office Theme" id="{62F939B6-93AF-4DB8-9C6B-D6C7DFDC589F}" vid="{4A3C46E8-61CC-4603-A589-7422A47A8E4A}"/>
     </a:ext>
   </a:extLst>
 </a:theme>
